--- a/SATPräsi.pptx
+++ b/SATPräsi.pptx
@@ -151,8 +151,8 @@
 <p1510:revInfo xmlns:a="http://schemas.openxmlformats.org/drawingml/2006/main" xmlns:r="http://schemas.openxmlformats.org/officeDocument/2006/relationships" xmlns:p1510="http://schemas.microsoft.com/office/powerpoint/2015/10/main">
   <p1510:revLst>
     <p1510:client id="{66E14ABB-53E1-4C7F-AC3B-A2C98575F013}" v="75" dt="2018-12-13T13:14:02.433"/>
+    <p1510:client id="{090AD983-84B7-4362-B068-7E53218DBB13}" v="12" dt="2018-12-16T18:10:57.877"/>
     <p1510:client id="{90E7B24F-338B-419A-9941-A7D7DD95F9FB}" v="9" dt="2018-12-17T06:55:54.213"/>
-    <p1510:client id="{090AD983-84B7-4362-B068-7E53218DBB13}" v="12" dt="2018-12-16T18:10:57.877"/>
     <p1510:client id="{9559B5AA-9024-4AD7-84CD-C8E54EC62A6D}" v="17" dt="2019-01-05T13:51:02.443"/>
   </p1510:revLst>
 </p1510:revInfo>
@@ -257,6 +257,30 @@
             <pc:docMk/>
             <pc:sldMk cId="1015111055" sldId="266"/>
             <ac:spMk id="2" creationId="{00000000-0000-0000-0000-000000000000}"/>
+          </ac:spMkLst>
+        </pc:spChg>
+      </pc:sldChg>
+    </pc:docChg>
+  </pc:docChgLst>
+  <pc:docChgLst>
+    <pc:chgData name="Robin Schramm" userId="918bcb5bbd1a4086" providerId="Windows Live" clId="Web-{612C2577-FB5B-4DA0-A2E3-ABC436BEBA76}"/>
+    <pc:docChg chg="modSld">
+      <pc:chgData name="Robin Schramm" userId="918bcb5bbd1a4086" providerId="Windows Live" clId="Web-{612C2577-FB5B-4DA0-A2E3-ABC436BEBA76}" dt="2019-01-06T15:03:34.902" v="128" actId="20577"/>
+      <pc:docMkLst>
+        <pc:docMk/>
+      </pc:docMkLst>
+      <pc:sldChg chg="modSp">
+        <pc:chgData name="Robin Schramm" userId="918bcb5bbd1a4086" providerId="Windows Live" clId="Web-{612C2577-FB5B-4DA0-A2E3-ABC436BEBA76}" dt="2019-01-06T15:03:34.902" v="128" actId="20577"/>
+        <pc:sldMkLst>
+          <pc:docMk/>
+          <pc:sldMk cId="619550607" sldId="277"/>
+        </pc:sldMkLst>
+        <pc:spChg chg="mod">
+          <ac:chgData name="Robin Schramm" userId="918bcb5bbd1a4086" providerId="Windows Live" clId="Web-{612C2577-FB5B-4DA0-A2E3-ABC436BEBA76}" dt="2019-01-06T15:03:34.902" v="128" actId="20577"/>
+          <ac:spMkLst>
+            <pc:docMk/>
+            <pc:sldMk cId="619550607" sldId="277"/>
+            <ac:spMk id="9" creationId="{91CEA67C-7DBB-4DB4-BCA7-2B67D94FDD59}"/>
           </ac:spMkLst>
         </pc:spChg>
       </pc:sldChg>
@@ -2145,7 +2169,7 @@
           <a:p>
             <a:fld id="{D3EB3054-B75A-4BD7-8B3E-8DC0F614FAF3}" type="datetimeFigureOut">
               <a:rPr lang="de-DE" smtClean="0"/>
-              <a:t>05.01.2019</a:t>
+              <a:t>06.01.2019</a:t>
             </a:fld>
             <a:endParaRPr lang="de-DE"/>
           </a:p>
@@ -2313,7 +2337,7 @@
           <a:p>
             <a:fld id="{D3EB3054-B75A-4BD7-8B3E-8DC0F614FAF3}" type="datetimeFigureOut">
               <a:rPr lang="de-DE" smtClean="0"/>
-              <a:t>05.01.2019</a:t>
+              <a:t>06.01.2019</a:t>
             </a:fld>
             <a:endParaRPr lang="de-DE"/>
           </a:p>
@@ -2491,7 +2515,7 @@
           <a:p>
             <a:fld id="{D3EB3054-B75A-4BD7-8B3E-8DC0F614FAF3}" type="datetimeFigureOut">
               <a:rPr lang="de-DE" smtClean="0"/>
-              <a:t>05.01.2019</a:t>
+              <a:t>06.01.2019</a:t>
             </a:fld>
             <a:endParaRPr lang="de-DE"/>
           </a:p>
@@ -2659,7 +2683,7 @@
           <a:p>
             <a:fld id="{D3EB3054-B75A-4BD7-8B3E-8DC0F614FAF3}" type="datetimeFigureOut">
               <a:rPr lang="de-DE" smtClean="0"/>
-              <a:t>05.01.2019</a:t>
+              <a:t>06.01.2019</a:t>
             </a:fld>
             <a:endParaRPr lang="de-DE"/>
           </a:p>
@@ -2904,7 +2928,7 @@
           <a:p>
             <a:fld id="{D3EB3054-B75A-4BD7-8B3E-8DC0F614FAF3}" type="datetimeFigureOut">
               <a:rPr lang="de-DE" smtClean="0"/>
-              <a:t>05.01.2019</a:t>
+              <a:t>06.01.2019</a:t>
             </a:fld>
             <a:endParaRPr lang="de-DE"/>
           </a:p>
@@ -3133,7 +3157,7 @@
           <a:p>
             <a:fld id="{D3EB3054-B75A-4BD7-8B3E-8DC0F614FAF3}" type="datetimeFigureOut">
               <a:rPr lang="de-DE" smtClean="0"/>
-              <a:t>05.01.2019</a:t>
+              <a:t>06.01.2019</a:t>
             </a:fld>
             <a:endParaRPr lang="de-DE"/>
           </a:p>
@@ -3497,7 +3521,7 @@
           <a:p>
             <a:fld id="{D3EB3054-B75A-4BD7-8B3E-8DC0F614FAF3}" type="datetimeFigureOut">
               <a:rPr lang="de-DE" smtClean="0"/>
-              <a:t>05.01.2019</a:t>
+              <a:t>06.01.2019</a:t>
             </a:fld>
             <a:endParaRPr lang="de-DE"/>
           </a:p>
@@ -3614,7 +3638,7 @@
           <a:p>
             <a:fld id="{D3EB3054-B75A-4BD7-8B3E-8DC0F614FAF3}" type="datetimeFigureOut">
               <a:rPr lang="de-DE" smtClean="0"/>
-              <a:t>05.01.2019</a:t>
+              <a:t>06.01.2019</a:t>
             </a:fld>
             <a:endParaRPr lang="de-DE"/>
           </a:p>
@@ -3709,7 +3733,7 @@
           <a:p>
             <a:fld id="{D3EB3054-B75A-4BD7-8B3E-8DC0F614FAF3}" type="datetimeFigureOut">
               <a:rPr lang="de-DE" smtClean="0"/>
-              <a:t>05.01.2019</a:t>
+              <a:t>06.01.2019</a:t>
             </a:fld>
             <a:endParaRPr lang="de-DE"/>
           </a:p>
@@ -3984,7 +4008,7 @@
           <a:p>
             <a:fld id="{D3EB3054-B75A-4BD7-8B3E-8DC0F614FAF3}" type="datetimeFigureOut">
               <a:rPr lang="de-DE" smtClean="0"/>
-              <a:t>05.01.2019</a:t>
+              <a:t>06.01.2019</a:t>
             </a:fld>
             <a:endParaRPr lang="de-DE"/>
           </a:p>
@@ -4236,7 +4260,7 @@
           <a:p>
             <a:fld id="{D3EB3054-B75A-4BD7-8B3E-8DC0F614FAF3}" type="datetimeFigureOut">
               <a:rPr lang="de-DE" smtClean="0"/>
-              <a:t>05.01.2019</a:t>
+              <a:t>06.01.2019</a:t>
             </a:fld>
             <a:endParaRPr lang="de-DE"/>
           </a:p>
@@ -4447,7 +4471,7 @@
           <a:p>
             <a:fld id="{D3EB3054-B75A-4BD7-8B3E-8DC0F614FAF3}" type="datetimeFigureOut">
               <a:rPr lang="de-DE" smtClean="0"/>
-              <a:t>05.01.2019</a:t>
+              <a:t>06.01.2019</a:t>
             </a:fld>
             <a:endParaRPr lang="de-DE"/>
           </a:p>
@@ -15318,8 +15342,8 @@
         </p:nvSpPr>
         <p:spPr>
           <a:xfrm>
-            <a:off x="1170610" y="2033863"/>
-            <a:ext cx="9099826" cy="3930718"/>
+            <a:off x="1047459" y="1818348"/>
+            <a:ext cx="9115219" cy="4623445"/>
           </a:xfrm>
           <a:prstGeom prst="rect">
             <a:avLst/>
@@ -15494,22 +15518,140 @@
             </a:lvl9pPr>
           </a:lstStyle>
           <a:p>
-            <a:pPr marL="342900" indent="-342900" algn="l">
+            <a:pPr marL="457200" indent="-457200" algn="l">
               <a:lnSpc>
                 <a:spcPct val="150000"/>
               </a:lnSpc>
-              <a:buFont typeface="Arial" panose="020B0604020202020204" pitchFamily="34" charset="0"/>
+              <a:buAutoNum type="arabicPeriod"/>
+            </a:pPr>
+            <a:r>
+              <a:rPr lang="de-DE" dirty="0" err="1">
+                <a:cs typeface="Calibri"/>
+              </a:rPr>
+              <a:t>Abrahamsson</a:t>
+            </a:r>
+            <a:r>
+              <a:rPr lang="de-DE" dirty="0">
+                <a:cs typeface="Calibri"/>
+              </a:rPr>
+              <a:t> et al.</a:t>
+            </a:r>
+          </a:p>
+          <a:p>
+            <a:pPr marL="914400" lvl="1" indent="-457200" algn="l">
+              <a:lnSpc>
+                <a:spcPct val="150000"/>
+              </a:lnSpc>
               <a:buChar char="•"/>
             </a:pPr>
             <a:r>
-              <a:rPr lang="de-DE">
-                <a:cs typeface="Calibri"/>
-              </a:rPr>
-              <a:t>...</a:t>
-            </a:r>
-          </a:p>
-          <a:p>
-            <a:pPr marL="342900" indent="-342900" algn="l">
+              <a:rPr lang="de-DE" dirty="0">
+                <a:cs typeface="Calibri"/>
+              </a:rPr>
+              <a:t>1 Mathematisches Modell, 2 NNs</a:t>
+            </a:r>
+          </a:p>
+          <a:p>
+            <a:pPr marL="914400" lvl="1" indent="-457200" algn="l">
+              <a:lnSpc>
+                <a:spcPct val="150000"/>
+              </a:lnSpc>
+              <a:buChar char="•"/>
+            </a:pPr>
+            <a:r>
+              <a:rPr lang="de-DE" dirty="0">
+                <a:cs typeface="Calibri"/>
+              </a:rPr>
+              <a:t>Ein NN schnitt besser ab als mathematisches, eins schlechter</a:t>
+            </a:r>
+          </a:p>
+          <a:p>
+            <a:pPr marL="457200" indent="-457200" algn="l">
+              <a:lnSpc>
+                <a:spcPct val="150000"/>
+              </a:lnSpc>
+              <a:buAutoNum type="arabicPeriod"/>
+            </a:pPr>
+            <a:r>
+              <a:rPr lang="de-DE" dirty="0" err="1">
+                <a:cs typeface="Calibri"/>
+              </a:rPr>
+              <a:t>Khalifelu</a:t>
+            </a:r>
+          </a:p>
+          <a:p>
+            <a:pPr marL="914400" lvl="1" indent="-457200" algn="l">
+              <a:lnSpc>
+                <a:spcPct val="150000"/>
+              </a:lnSpc>
+              <a:buChar char="•"/>
+            </a:pPr>
+            <a:r>
+              <a:rPr lang="de-DE" dirty="0">
+                <a:cs typeface="Calibri"/>
+              </a:rPr>
+              <a:t>NN und Support Vector </a:t>
+            </a:r>
+            <a:r>
+              <a:rPr lang="de-DE" dirty="0" err="1">
+                <a:cs typeface="Calibri"/>
+              </a:rPr>
+              <a:t>Machine</a:t>
+            </a:r>
+            <a:r>
+              <a:rPr lang="de-DE" dirty="0">
+                <a:cs typeface="Calibri"/>
+              </a:rPr>
+              <a:t> liefern bessere Ergebnisse und sind performanter</a:t>
+            </a:r>
+          </a:p>
+          <a:p>
+            <a:pPr marL="457200" indent="-457200" algn="l">
+              <a:lnSpc>
+                <a:spcPct val="150000"/>
+              </a:lnSpc>
+              <a:buAutoNum type="arabicPeriod"/>
+            </a:pPr>
+            <a:r>
+              <a:rPr lang="de-DE" dirty="0" err="1">
+                <a:cs typeface="Calibri"/>
+              </a:rPr>
+              <a:t>Gharehchopogh</a:t>
+            </a:r>
+            <a:r>
+              <a:rPr lang="de-DE" dirty="0">
+                <a:cs typeface="Calibri"/>
+              </a:rPr>
+              <a:t> </a:t>
+            </a:r>
+          </a:p>
+          <a:p>
+            <a:pPr marL="914400" lvl="1" indent="-457200" algn="l">
+              <a:lnSpc>
+                <a:spcPct val="150000"/>
+              </a:lnSpc>
+              <a:buChar char="•"/>
+            </a:pPr>
+            <a:r>
+              <a:rPr lang="de-DE" dirty="0">
+                <a:cs typeface="Calibri"/>
+              </a:rPr>
+              <a:t>11 Projekte, 90% lieferte NN bessere Ergebnisse als COCOMO</a:t>
+            </a:r>
+          </a:p>
+          <a:p>
+            <a:pPr marL="457200" indent="-457200" algn="l">
+              <a:lnSpc>
+                <a:spcPct val="150000"/>
+              </a:lnSpc>
+              <a:buAutoNum type="arabicPeriod"/>
+            </a:pPr>
+            <a:endParaRPr lang="de-DE" dirty="0">
+              <a:cs typeface="Calibri"/>
+            </a:endParaRPr>
+          </a:p>
+          <a:p>
+            <a:pPr marL="457200" indent="-457200" algn="l">
               <a:lnSpc>
                 <a:spcPct val="150000"/>
               </a:lnSpc>

--- a/SATPräsi.pptx
+++ b/SATPräsi.pptx
@@ -32,15 +32,18 @@
     <p:sldId id="275" r:id="rId26"/>
     <p:sldId id="276" r:id="rId27"/>
     <p:sldId id="277" r:id="rId28"/>
-    <p:sldId id="278" r:id="rId29"/>
-    <p:sldId id="280" r:id="rId30"/>
-    <p:sldId id="281" r:id="rId31"/>
-    <p:sldId id="282" r:id="rId32"/>
-    <p:sldId id="283" r:id="rId33"/>
-    <p:sldId id="284" r:id="rId34"/>
-    <p:sldId id="285" r:id="rId35"/>
-    <p:sldId id="286" r:id="rId36"/>
-    <p:sldId id="266" r:id="rId37"/>
+    <p:sldId id="300" r:id="rId29"/>
+    <p:sldId id="303" r:id="rId30"/>
+    <p:sldId id="304" r:id="rId31"/>
+    <p:sldId id="305" r:id="rId32"/>
+    <p:sldId id="280" r:id="rId33"/>
+    <p:sldId id="281" r:id="rId34"/>
+    <p:sldId id="282" r:id="rId35"/>
+    <p:sldId id="283" r:id="rId36"/>
+    <p:sldId id="284" r:id="rId37"/>
+    <p:sldId id="285" r:id="rId38"/>
+    <p:sldId id="286" r:id="rId39"/>
+    <p:sldId id="266" r:id="rId40"/>
   </p:sldIdLst>
   <p:sldSz cx="12192000" cy="6858000"/>
   <p:notesSz cx="6858000" cy="9144000"/>
@@ -151,8 +154,8 @@
 <p1510:revInfo xmlns:a="http://schemas.openxmlformats.org/drawingml/2006/main" xmlns:r="http://schemas.openxmlformats.org/officeDocument/2006/relationships" xmlns:p1510="http://schemas.microsoft.com/office/powerpoint/2015/10/main">
   <p1510:revLst>
     <p1510:client id="{66E14ABB-53E1-4C7F-AC3B-A2C98575F013}" v="75" dt="2018-12-13T13:14:02.433"/>
+    <p1510:client id="{90E7B24F-338B-419A-9941-A7D7DD95F9FB}" v="9" dt="2018-12-17T06:55:54.213"/>
     <p1510:client id="{090AD983-84B7-4362-B068-7E53218DBB13}" v="12" dt="2018-12-16T18:10:57.877"/>
-    <p1510:client id="{90E7B24F-338B-419A-9941-A7D7DD95F9FB}" v="9" dt="2018-12-17T06:55:54.213"/>
     <p1510:client id="{9559B5AA-9024-4AD7-84CD-C8E54EC62A6D}" v="17" dt="2019-01-05T13:51:02.443"/>
   </p1510:revLst>
 </p1510:revInfo>
@@ -263,6 +266,30 @@
     </pc:docChg>
   </pc:docChgLst>
   <pc:docChgLst>
+    <pc:chgData name="IIO IOE" userId="7e3c65b5add44e69" providerId="Windows Live" clId="Web-{90E7B24F-338B-419A-9941-A7D7DD95F9FB}"/>
+    <pc:docChg chg="modSld">
+      <pc:chgData name="IIO IOE" userId="7e3c65b5add44e69" providerId="Windows Live" clId="Web-{90E7B24F-338B-419A-9941-A7D7DD95F9FB}" dt="2018-12-17T06:55:54.213" v="44" actId="20577"/>
+      <pc:docMkLst>
+        <pc:docMk/>
+      </pc:docMkLst>
+      <pc:sldChg chg="modSp">
+        <pc:chgData name="IIO IOE" userId="7e3c65b5add44e69" providerId="Windows Live" clId="Web-{90E7B24F-338B-419A-9941-A7D7DD95F9FB}" dt="2018-12-17T06:55:54.213" v="44" actId="20577"/>
+        <pc:sldMkLst>
+          <pc:docMk/>
+          <pc:sldMk cId="1378452444" sldId="259"/>
+        </pc:sldMkLst>
+        <pc:spChg chg="mod">
+          <ac:chgData name="IIO IOE" userId="7e3c65b5add44e69" providerId="Windows Live" clId="Web-{90E7B24F-338B-419A-9941-A7D7DD95F9FB}" dt="2018-12-17T06:55:54.213" v="44" actId="20577"/>
+          <ac:spMkLst>
+            <pc:docMk/>
+            <pc:sldMk cId="1378452444" sldId="259"/>
+            <ac:spMk id="3" creationId="{00000000-0000-0000-0000-000000000000}"/>
+          </ac:spMkLst>
+        </pc:spChg>
+      </pc:sldChg>
+    </pc:docChg>
+  </pc:docChgLst>
+  <pc:docChgLst>
     <pc:chgData name="Robin Schramm" userId="918bcb5bbd1a4086" providerId="Windows Live" clId="Web-{612C2577-FB5B-4DA0-A2E3-ABC436BEBA76}"/>
     <pc:docChg chg="modSld">
       <pc:chgData name="Robin Schramm" userId="918bcb5bbd1a4086" providerId="Windows Live" clId="Web-{612C2577-FB5B-4DA0-A2E3-ABC436BEBA76}" dt="2019-01-06T15:03:34.902" v="128" actId="20577"/>
@@ -281,30 +308,6 @@
             <pc:docMk/>
             <pc:sldMk cId="619550607" sldId="277"/>
             <ac:spMk id="9" creationId="{91CEA67C-7DBB-4DB4-BCA7-2B67D94FDD59}"/>
-          </ac:spMkLst>
-        </pc:spChg>
-      </pc:sldChg>
-    </pc:docChg>
-  </pc:docChgLst>
-  <pc:docChgLst>
-    <pc:chgData name="IIO IOE" userId="7e3c65b5add44e69" providerId="Windows Live" clId="Web-{90E7B24F-338B-419A-9941-A7D7DD95F9FB}"/>
-    <pc:docChg chg="modSld">
-      <pc:chgData name="IIO IOE" userId="7e3c65b5add44e69" providerId="Windows Live" clId="Web-{90E7B24F-338B-419A-9941-A7D7DD95F9FB}" dt="2018-12-17T06:55:54.213" v="44" actId="20577"/>
-      <pc:docMkLst>
-        <pc:docMk/>
-      </pc:docMkLst>
-      <pc:sldChg chg="modSp">
-        <pc:chgData name="IIO IOE" userId="7e3c65b5add44e69" providerId="Windows Live" clId="Web-{90E7B24F-338B-419A-9941-A7D7DD95F9FB}" dt="2018-12-17T06:55:54.213" v="44" actId="20577"/>
-        <pc:sldMkLst>
-          <pc:docMk/>
-          <pc:sldMk cId="1378452444" sldId="259"/>
-        </pc:sldMkLst>
-        <pc:spChg chg="mod">
-          <ac:chgData name="IIO IOE" userId="7e3c65b5add44e69" providerId="Windows Live" clId="Web-{90E7B24F-338B-419A-9941-A7D7DD95F9FB}" dt="2018-12-17T06:55:54.213" v="44" actId="20577"/>
-          <ac:spMkLst>
-            <pc:docMk/>
-            <pc:sldMk cId="1378452444" sldId="259"/>
-            <ac:spMk id="3" creationId="{00000000-0000-0000-0000-000000000000}"/>
           </ac:spMkLst>
         </pc:spChg>
       </pc:sldChg>
@@ -2169,7 +2172,7 @@
           <a:p>
             <a:fld id="{D3EB3054-B75A-4BD7-8B3E-8DC0F614FAF3}" type="datetimeFigureOut">
               <a:rPr lang="de-DE" smtClean="0"/>
-              <a:t>06.01.2019</a:t>
+              <a:t>07.01.2019</a:t>
             </a:fld>
             <a:endParaRPr lang="de-DE"/>
           </a:p>
@@ -2337,7 +2340,7 @@
           <a:p>
             <a:fld id="{D3EB3054-B75A-4BD7-8B3E-8DC0F614FAF3}" type="datetimeFigureOut">
               <a:rPr lang="de-DE" smtClean="0"/>
-              <a:t>06.01.2019</a:t>
+              <a:t>07.01.2019</a:t>
             </a:fld>
             <a:endParaRPr lang="de-DE"/>
           </a:p>
@@ -2515,7 +2518,7 @@
           <a:p>
             <a:fld id="{D3EB3054-B75A-4BD7-8B3E-8DC0F614FAF3}" type="datetimeFigureOut">
               <a:rPr lang="de-DE" smtClean="0"/>
-              <a:t>06.01.2019</a:t>
+              <a:t>07.01.2019</a:t>
             </a:fld>
             <a:endParaRPr lang="de-DE"/>
           </a:p>
@@ -2683,7 +2686,7 @@
           <a:p>
             <a:fld id="{D3EB3054-B75A-4BD7-8B3E-8DC0F614FAF3}" type="datetimeFigureOut">
               <a:rPr lang="de-DE" smtClean="0"/>
-              <a:t>06.01.2019</a:t>
+              <a:t>07.01.2019</a:t>
             </a:fld>
             <a:endParaRPr lang="de-DE"/>
           </a:p>
@@ -2928,7 +2931,7 @@
           <a:p>
             <a:fld id="{D3EB3054-B75A-4BD7-8B3E-8DC0F614FAF3}" type="datetimeFigureOut">
               <a:rPr lang="de-DE" smtClean="0"/>
-              <a:t>06.01.2019</a:t>
+              <a:t>07.01.2019</a:t>
             </a:fld>
             <a:endParaRPr lang="de-DE"/>
           </a:p>
@@ -3157,7 +3160,7 @@
           <a:p>
             <a:fld id="{D3EB3054-B75A-4BD7-8B3E-8DC0F614FAF3}" type="datetimeFigureOut">
               <a:rPr lang="de-DE" smtClean="0"/>
-              <a:t>06.01.2019</a:t>
+              <a:t>07.01.2019</a:t>
             </a:fld>
             <a:endParaRPr lang="de-DE"/>
           </a:p>
@@ -3521,7 +3524,7 @@
           <a:p>
             <a:fld id="{D3EB3054-B75A-4BD7-8B3E-8DC0F614FAF3}" type="datetimeFigureOut">
               <a:rPr lang="de-DE" smtClean="0"/>
-              <a:t>06.01.2019</a:t>
+              <a:t>07.01.2019</a:t>
             </a:fld>
             <a:endParaRPr lang="de-DE"/>
           </a:p>
@@ -3638,7 +3641,7 @@
           <a:p>
             <a:fld id="{D3EB3054-B75A-4BD7-8B3E-8DC0F614FAF3}" type="datetimeFigureOut">
               <a:rPr lang="de-DE" smtClean="0"/>
-              <a:t>06.01.2019</a:t>
+              <a:t>07.01.2019</a:t>
             </a:fld>
             <a:endParaRPr lang="de-DE"/>
           </a:p>
@@ -3733,7 +3736,7 @@
           <a:p>
             <a:fld id="{D3EB3054-B75A-4BD7-8B3E-8DC0F614FAF3}" type="datetimeFigureOut">
               <a:rPr lang="de-DE" smtClean="0"/>
-              <a:t>06.01.2019</a:t>
+              <a:t>07.01.2019</a:t>
             </a:fld>
             <a:endParaRPr lang="de-DE"/>
           </a:p>
@@ -4008,7 +4011,7 @@
           <a:p>
             <a:fld id="{D3EB3054-B75A-4BD7-8B3E-8DC0F614FAF3}" type="datetimeFigureOut">
               <a:rPr lang="de-DE" smtClean="0"/>
-              <a:t>06.01.2019</a:t>
+              <a:t>07.01.2019</a:t>
             </a:fld>
             <a:endParaRPr lang="de-DE"/>
           </a:p>
@@ -4260,7 +4263,7 @@
           <a:p>
             <a:fld id="{D3EB3054-B75A-4BD7-8B3E-8DC0F614FAF3}" type="datetimeFigureOut">
               <a:rPr lang="de-DE" smtClean="0"/>
-              <a:t>06.01.2019</a:t>
+              <a:t>07.01.2019</a:t>
             </a:fld>
             <a:endParaRPr lang="de-DE"/>
           </a:p>
@@ -4471,7 +4474,7 @@
           <a:p>
             <a:fld id="{D3EB3054-B75A-4BD7-8B3E-8DC0F614FAF3}" type="datetimeFigureOut">
               <a:rPr lang="de-DE" smtClean="0"/>
-              <a:t>06.01.2019</a:t>
+              <a:t>07.01.2019</a:t>
             </a:fld>
             <a:endParaRPr lang="de-DE"/>
           </a:p>
@@ -15716,7 +15719,7 @@
           <a:lstStyle/>
           <a:p>
             <a:r>
-              <a:rPr lang="de-DE">
+              <a:rPr lang="de-DE" dirty="0">
                 <a:cs typeface="Calibri Light"/>
               </a:rPr>
               <a:t>Softwarequalität</a:t>
@@ -15868,10 +15871,10 @@
               <a:buChar char="•"/>
             </a:pPr>
             <a:r>
-              <a:rPr lang="de-DE">
-                <a:cs typeface="Calibri"/>
-              </a:rPr>
-              <a:t>Punkt 1</a:t>
+              <a:rPr lang="de-DE" dirty="0">
+                <a:cs typeface="Calibri"/>
+              </a:rPr>
+              <a:t>Einleitung</a:t>
             </a:r>
           </a:p>
           <a:p>
@@ -15882,14 +15885,11 @@
               <a:buChar char="•"/>
             </a:pPr>
             <a:r>
-              <a:rPr lang="de-DE">
-                <a:cs typeface="Calibri"/>
-              </a:rPr>
-              <a:t>Punkt 2</a:t>
-            </a:r>
-            <a:endParaRPr lang="de-DE" dirty="0">
-              <a:cs typeface="Calibri"/>
-            </a:endParaRPr>
+              <a:rPr lang="de-DE" dirty="0">
+                <a:cs typeface="Calibri"/>
+              </a:rPr>
+              <a:t>Automatisiertes Testen</a:t>
+            </a:r>
           </a:p>
           <a:p>
             <a:pPr marL="571500" indent="-571500" algn="l">
@@ -15899,21 +15899,32 @@
               <a:buChar char="•"/>
             </a:pPr>
             <a:r>
-              <a:rPr lang="de-DE">
-                <a:cs typeface="Calibri"/>
-              </a:rPr>
-              <a:t>Punkt 3</a:t>
-            </a:r>
-            <a:endParaRPr lang="de-DE" dirty="0">
-              <a:cs typeface="Calibri"/>
-            </a:endParaRPr>
+              <a:rPr lang="de-DE" dirty="0">
+                <a:cs typeface="Calibri"/>
+              </a:rPr>
+              <a:t>Evaluation von Softwarequalität</a:t>
+            </a:r>
+          </a:p>
+          <a:p>
+            <a:pPr marL="571500" indent="-571500" algn="l">
+              <a:lnSpc>
+                <a:spcPct val="150000"/>
+              </a:lnSpc>
+              <a:buChar char="•"/>
+            </a:pPr>
+            <a:r>
+              <a:rPr lang="de-DE" dirty="0">
+                <a:cs typeface="Calibri"/>
+              </a:rPr>
+              <a:t>Vorhersage von Softwarequalität</a:t>
+            </a:r>
           </a:p>
         </p:txBody>
       </p:sp>
     </p:spTree>
     <p:extLst>
       <p:ext uri="{BB962C8B-B14F-4D97-AF65-F5344CB8AC3E}">
-        <p14:creationId xmlns:p14="http://schemas.microsoft.com/office/powerpoint/2010/main" val="549280802"/>
+        <p14:creationId xmlns:p14="http://schemas.microsoft.com/office/powerpoint/2010/main" val="4191745886"/>
       </p:ext>
     </p:extLst>
   </p:cSld>
@@ -15963,10 +15974,10 @@
           <a:lstStyle/>
           <a:p>
             <a:r>
-              <a:rPr lang="de-DE">
+              <a:rPr lang="de-DE" dirty="0">
                 <a:cs typeface="Calibri Light"/>
               </a:rPr>
-              <a:t>Literaturverzeichnis</a:t>
+              <a:t>Softwarequalität</a:t>
             </a:r>
             <a:endParaRPr lang="de-DE" dirty="0"/>
           </a:p>
@@ -16082,200 +16093,479 @@
       </p:sp>
       <p:sp>
         <p:nvSpPr>
-          <p:cNvPr id="3" name="Untertitel 2">
+          <p:cNvPr id="5" name="Untertitel 2">
             <a:extLst>
               <a:ext uri="{FF2B5EF4-FFF2-40B4-BE49-F238E27FC236}">
-                <a16:creationId xmlns:a16="http://schemas.microsoft.com/office/drawing/2014/main" id="{0533C99D-14D1-427C-95DB-DD0C27472DBD}"/>
+                <a16:creationId xmlns:a16="http://schemas.microsoft.com/office/drawing/2014/main" id="{FF6CB36C-AECF-40D6-A1E4-B41256208DF8}"/>
               </a:ext>
             </a:extLst>
           </p:cNvPr>
-          <p:cNvSpPr>
-            <a:spLocks noGrp="1"/>
+          <p:cNvSpPr txBox="1">
+            <a:spLocks/>
           </p:cNvSpPr>
-          <p:nvPr>
-            <p:ph type="subTitle" idx="1"/>
-          </p:nvPr>
+          <p:nvPr/>
         </p:nvSpPr>
         <p:spPr>
           <a:xfrm>
-            <a:off x="650515" y="1338651"/>
-            <a:ext cx="10902016" cy="4964597"/>
-          </a:xfrm>
+            <a:off x="5046870" y="1117255"/>
+            <a:ext cx="2098262" cy="915848"/>
+          </a:xfrm>
+          <a:prstGeom prst="rect">
+            <a:avLst/>
+          </a:prstGeom>
         </p:spPr>
         <p:txBody>
           <a:bodyPr vert="horz" lIns="91440" tIns="45720" rIns="91440" bIns="45720" rtlCol="0" anchor="t">
             <a:noAutofit/>
           </a:bodyPr>
-          <a:lstStyle/>
-          <a:p>
-            <a:pPr algn="l">
-              <a:lnSpc>
-                <a:spcPct val="100000"/>
+          <a:lstStyle>
+            <a:lvl1pPr marL="0" indent="0" algn="ctr" defTabSz="914400" rtl="0" eaLnBrk="1" latinLnBrk="0" hangingPunct="1">
+              <a:lnSpc>
+                <a:spcPct val="90000"/>
+              </a:lnSpc>
+              <a:spcBef>
+                <a:spcPts val="1000"/>
+              </a:spcBef>
+              <a:buFont typeface="Arial" panose="020B0604020202020204" pitchFamily="34" charset="0"/>
+              <a:buNone/>
+              <a:defRPr sz="2400" kern="1200">
+                <a:solidFill>
+                  <a:schemeClr val="tx1"/>
+                </a:solidFill>
+                <a:latin typeface="+mn-lt"/>
+                <a:ea typeface="+mn-ea"/>
+                <a:cs typeface="+mn-cs"/>
+              </a:defRPr>
+            </a:lvl1pPr>
+            <a:lvl2pPr marL="457200" indent="0" algn="ctr" defTabSz="914400" rtl="0" eaLnBrk="1" latinLnBrk="0" hangingPunct="1">
+              <a:lnSpc>
+                <a:spcPct val="90000"/>
+              </a:lnSpc>
+              <a:spcBef>
+                <a:spcPts val="500"/>
+              </a:spcBef>
+              <a:buFont typeface="Arial" panose="020B0604020202020204" pitchFamily="34" charset="0"/>
+              <a:buNone/>
+              <a:defRPr sz="2000" kern="1200">
+                <a:solidFill>
+                  <a:schemeClr val="tx1"/>
+                </a:solidFill>
+                <a:latin typeface="+mn-lt"/>
+                <a:ea typeface="+mn-ea"/>
+                <a:cs typeface="+mn-cs"/>
+              </a:defRPr>
+            </a:lvl2pPr>
+            <a:lvl3pPr marL="914400" indent="0" algn="ctr" defTabSz="914400" rtl="0" eaLnBrk="1" latinLnBrk="0" hangingPunct="1">
+              <a:lnSpc>
+                <a:spcPct val="90000"/>
+              </a:lnSpc>
+              <a:spcBef>
+                <a:spcPts val="500"/>
+              </a:spcBef>
+              <a:buFont typeface="Arial" panose="020B0604020202020204" pitchFamily="34" charset="0"/>
+              <a:buNone/>
+              <a:defRPr sz="1800" kern="1200">
+                <a:solidFill>
+                  <a:schemeClr val="tx1"/>
+                </a:solidFill>
+                <a:latin typeface="+mn-lt"/>
+                <a:ea typeface="+mn-ea"/>
+                <a:cs typeface="+mn-cs"/>
+              </a:defRPr>
+            </a:lvl3pPr>
+            <a:lvl4pPr marL="1371600" indent="0" algn="ctr" defTabSz="914400" rtl="0" eaLnBrk="1" latinLnBrk="0" hangingPunct="1">
+              <a:lnSpc>
+                <a:spcPct val="90000"/>
+              </a:lnSpc>
+              <a:spcBef>
+                <a:spcPts val="500"/>
+              </a:spcBef>
+              <a:buFont typeface="Arial" panose="020B0604020202020204" pitchFamily="34" charset="0"/>
+              <a:buNone/>
+              <a:defRPr sz="1600" kern="1200">
+                <a:solidFill>
+                  <a:schemeClr val="tx1"/>
+                </a:solidFill>
+                <a:latin typeface="+mn-lt"/>
+                <a:ea typeface="+mn-ea"/>
+                <a:cs typeface="+mn-cs"/>
+              </a:defRPr>
+            </a:lvl4pPr>
+            <a:lvl5pPr marL="1828800" indent="0" algn="ctr" defTabSz="914400" rtl="0" eaLnBrk="1" latinLnBrk="0" hangingPunct="1">
+              <a:lnSpc>
+                <a:spcPct val="90000"/>
+              </a:lnSpc>
+              <a:spcBef>
+                <a:spcPts val="500"/>
+              </a:spcBef>
+              <a:buFont typeface="Arial" panose="020B0604020202020204" pitchFamily="34" charset="0"/>
+              <a:buNone/>
+              <a:defRPr sz="1600" kern="1200">
+                <a:solidFill>
+                  <a:schemeClr val="tx1"/>
+                </a:solidFill>
+                <a:latin typeface="+mn-lt"/>
+                <a:ea typeface="+mn-ea"/>
+                <a:cs typeface="+mn-cs"/>
+              </a:defRPr>
+            </a:lvl5pPr>
+            <a:lvl6pPr marL="2286000" indent="0" algn="ctr" defTabSz="914400" rtl="0" eaLnBrk="1" latinLnBrk="0" hangingPunct="1">
+              <a:lnSpc>
+                <a:spcPct val="90000"/>
+              </a:lnSpc>
+              <a:spcBef>
+                <a:spcPts val="500"/>
+              </a:spcBef>
+              <a:buFont typeface="Arial" panose="020B0604020202020204" pitchFamily="34" charset="0"/>
+              <a:buNone/>
+              <a:defRPr sz="1600" kern="1200">
+                <a:solidFill>
+                  <a:schemeClr val="tx1"/>
+                </a:solidFill>
+                <a:latin typeface="+mn-lt"/>
+                <a:ea typeface="+mn-ea"/>
+                <a:cs typeface="+mn-cs"/>
+              </a:defRPr>
+            </a:lvl6pPr>
+            <a:lvl7pPr marL="2743200" indent="0" algn="ctr" defTabSz="914400" rtl="0" eaLnBrk="1" latinLnBrk="0" hangingPunct="1">
+              <a:lnSpc>
+                <a:spcPct val="90000"/>
+              </a:lnSpc>
+              <a:spcBef>
+                <a:spcPts val="500"/>
+              </a:spcBef>
+              <a:buFont typeface="Arial" panose="020B0604020202020204" pitchFamily="34" charset="0"/>
+              <a:buNone/>
+              <a:defRPr sz="1600" kern="1200">
+                <a:solidFill>
+                  <a:schemeClr val="tx1"/>
+                </a:solidFill>
+                <a:latin typeface="+mn-lt"/>
+                <a:ea typeface="+mn-ea"/>
+                <a:cs typeface="+mn-cs"/>
+              </a:defRPr>
+            </a:lvl7pPr>
+            <a:lvl8pPr marL="3200400" indent="0" algn="ctr" defTabSz="914400" rtl="0" eaLnBrk="1" latinLnBrk="0" hangingPunct="1">
+              <a:lnSpc>
+                <a:spcPct val="90000"/>
+              </a:lnSpc>
+              <a:spcBef>
+                <a:spcPts val="500"/>
+              </a:spcBef>
+              <a:buFont typeface="Arial" panose="020B0604020202020204" pitchFamily="34" charset="0"/>
+              <a:buNone/>
+              <a:defRPr sz="1600" kern="1200">
+                <a:solidFill>
+                  <a:schemeClr val="tx1"/>
+                </a:solidFill>
+                <a:latin typeface="+mn-lt"/>
+                <a:ea typeface="+mn-ea"/>
+                <a:cs typeface="+mn-cs"/>
+              </a:defRPr>
+            </a:lvl8pPr>
+            <a:lvl9pPr marL="3657600" indent="0" algn="ctr" defTabSz="914400" rtl="0" eaLnBrk="1" latinLnBrk="0" hangingPunct="1">
+              <a:lnSpc>
+                <a:spcPct val="90000"/>
+              </a:lnSpc>
+              <a:spcBef>
+                <a:spcPts val="500"/>
+              </a:spcBef>
+              <a:buFont typeface="Arial" panose="020B0604020202020204" pitchFamily="34" charset="0"/>
+              <a:buNone/>
+              <a:defRPr sz="1600" kern="1200">
+                <a:solidFill>
+                  <a:schemeClr val="tx1"/>
+                </a:solidFill>
+                <a:latin typeface="+mn-lt"/>
+                <a:ea typeface="+mn-ea"/>
+                <a:cs typeface="+mn-cs"/>
+              </a:defRPr>
+            </a:lvl9pPr>
+          </a:lstStyle>
+          <a:p>
+            <a:pPr>
+              <a:lnSpc>
+                <a:spcPct val="150000"/>
               </a:lnSpc>
             </a:pPr>
             <a:r>
-              <a:rPr lang="de-DE" sz="1400">
-                <a:cs typeface="Calibri"/>
-              </a:rPr>
-              <a:t>Meng, J., Zhang, J., Zhao, H.: Overview of the speech recognition technology. Proceedings - 4th International Conference on Computational and Information Sciences, ICCIS 2012, pp. 199{202 (2012). </a:t>
-            </a:r>
-            <a:r>
-              <a:rPr lang="de-DE" sz="1400" dirty="0">
-                <a:cs typeface="Calibri"/>
-              </a:rPr>
-              <a:t>https://doi.org/10.1109/ICCIS.2012.202</a:t>
-            </a:r>
-            <a:endParaRPr lang="de-DE">
-              <a:cs typeface="Calibri" panose="020F0502020204030204"/>
-            </a:endParaRPr>
-          </a:p>
-          <a:p>
-            <a:pPr algn="l">
-              <a:lnSpc>
-                <a:spcPct val="100000"/>
-              </a:lnSpc>
+              <a:rPr lang="de-DE" sz="3600" dirty="0">
+                <a:cs typeface="Calibri"/>
+              </a:rPr>
+              <a:t>Einleitung</a:t>
+            </a:r>
+            <a:endParaRPr lang="de-DE" dirty="0"/>
+          </a:p>
+        </p:txBody>
+      </p:sp>
+      <p:sp>
+        <p:nvSpPr>
+          <p:cNvPr id="9" name="Untertitel 2">
+            <a:extLst>
+              <a:ext uri="{FF2B5EF4-FFF2-40B4-BE49-F238E27FC236}">
+                <a16:creationId xmlns:a16="http://schemas.microsoft.com/office/drawing/2014/main" id="{91CEA67C-7DBB-4DB4-BCA7-2B67D94FDD59}"/>
+              </a:ext>
+            </a:extLst>
+          </p:cNvPr>
+          <p:cNvSpPr txBox="1">
+            <a:spLocks/>
+          </p:cNvSpPr>
+          <p:nvPr/>
+        </p:nvSpPr>
+        <p:spPr>
+          <a:xfrm>
+            <a:off x="1170610" y="2033863"/>
+            <a:ext cx="9099826" cy="3930718"/>
+          </a:xfrm>
+          <a:prstGeom prst="rect">
+            <a:avLst/>
+          </a:prstGeom>
+        </p:spPr>
+        <p:txBody>
+          <a:bodyPr vert="horz" lIns="91440" tIns="45720" rIns="91440" bIns="45720" rtlCol="0" anchor="t">
+            <a:noAutofit/>
+          </a:bodyPr>
+          <a:lstStyle>
+            <a:lvl1pPr marL="0" indent="0" algn="ctr" defTabSz="914400" rtl="0" eaLnBrk="1" latinLnBrk="0" hangingPunct="1">
+              <a:lnSpc>
+                <a:spcPct val="90000"/>
+              </a:lnSpc>
+              <a:spcBef>
+                <a:spcPts val="1000"/>
+              </a:spcBef>
+              <a:buFont typeface="Arial" panose="020B0604020202020204" pitchFamily="34" charset="0"/>
+              <a:buNone/>
+              <a:defRPr sz="2400" kern="1200">
+                <a:solidFill>
+                  <a:schemeClr val="tx1"/>
+                </a:solidFill>
+                <a:latin typeface="+mn-lt"/>
+                <a:ea typeface="+mn-ea"/>
+                <a:cs typeface="+mn-cs"/>
+              </a:defRPr>
+            </a:lvl1pPr>
+            <a:lvl2pPr marL="457200" indent="0" algn="ctr" defTabSz="914400" rtl="0" eaLnBrk="1" latinLnBrk="0" hangingPunct="1">
+              <a:lnSpc>
+                <a:spcPct val="90000"/>
+              </a:lnSpc>
+              <a:spcBef>
+                <a:spcPts val="500"/>
+              </a:spcBef>
+              <a:buFont typeface="Arial" panose="020B0604020202020204" pitchFamily="34" charset="0"/>
+              <a:buNone/>
+              <a:defRPr sz="2000" kern="1200">
+                <a:solidFill>
+                  <a:schemeClr val="tx1"/>
+                </a:solidFill>
+                <a:latin typeface="+mn-lt"/>
+                <a:ea typeface="+mn-ea"/>
+                <a:cs typeface="+mn-cs"/>
+              </a:defRPr>
+            </a:lvl2pPr>
+            <a:lvl3pPr marL="914400" indent="0" algn="ctr" defTabSz="914400" rtl="0" eaLnBrk="1" latinLnBrk="0" hangingPunct="1">
+              <a:lnSpc>
+                <a:spcPct val="90000"/>
+              </a:lnSpc>
+              <a:spcBef>
+                <a:spcPts val="500"/>
+              </a:spcBef>
+              <a:buFont typeface="Arial" panose="020B0604020202020204" pitchFamily="34" charset="0"/>
+              <a:buNone/>
+              <a:defRPr sz="1800" kern="1200">
+                <a:solidFill>
+                  <a:schemeClr val="tx1"/>
+                </a:solidFill>
+                <a:latin typeface="+mn-lt"/>
+                <a:ea typeface="+mn-ea"/>
+                <a:cs typeface="+mn-cs"/>
+              </a:defRPr>
+            </a:lvl3pPr>
+            <a:lvl4pPr marL="1371600" indent="0" algn="ctr" defTabSz="914400" rtl="0" eaLnBrk="1" latinLnBrk="0" hangingPunct="1">
+              <a:lnSpc>
+                <a:spcPct val="90000"/>
+              </a:lnSpc>
+              <a:spcBef>
+                <a:spcPts val="500"/>
+              </a:spcBef>
+              <a:buFont typeface="Arial" panose="020B0604020202020204" pitchFamily="34" charset="0"/>
+              <a:buNone/>
+              <a:defRPr sz="1600" kern="1200">
+                <a:solidFill>
+                  <a:schemeClr val="tx1"/>
+                </a:solidFill>
+                <a:latin typeface="+mn-lt"/>
+                <a:ea typeface="+mn-ea"/>
+                <a:cs typeface="+mn-cs"/>
+              </a:defRPr>
+            </a:lvl4pPr>
+            <a:lvl5pPr marL="1828800" indent="0" algn="ctr" defTabSz="914400" rtl="0" eaLnBrk="1" latinLnBrk="0" hangingPunct="1">
+              <a:lnSpc>
+                <a:spcPct val="90000"/>
+              </a:lnSpc>
+              <a:spcBef>
+                <a:spcPts val="500"/>
+              </a:spcBef>
+              <a:buFont typeface="Arial" panose="020B0604020202020204" pitchFamily="34" charset="0"/>
+              <a:buNone/>
+              <a:defRPr sz="1600" kern="1200">
+                <a:solidFill>
+                  <a:schemeClr val="tx1"/>
+                </a:solidFill>
+                <a:latin typeface="+mn-lt"/>
+                <a:ea typeface="+mn-ea"/>
+                <a:cs typeface="+mn-cs"/>
+              </a:defRPr>
+            </a:lvl5pPr>
+            <a:lvl6pPr marL="2286000" indent="0" algn="ctr" defTabSz="914400" rtl="0" eaLnBrk="1" latinLnBrk="0" hangingPunct="1">
+              <a:lnSpc>
+                <a:spcPct val="90000"/>
+              </a:lnSpc>
+              <a:spcBef>
+                <a:spcPts val="500"/>
+              </a:spcBef>
+              <a:buFont typeface="Arial" panose="020B0604020202020204" pitchFamily="34" charset="0"/>
+              <a:buNone/>
+              <a:defRPr sz="1600" kern="1200">
+                <a:solidFill>
+                  <a:schemeClr val="tx1"/>
+                </a:solidFill>
+                <a:latin typeface="+mn-lt"/>
+                <a:ea typeface="+mn-ea"/>
+                <a:cs typeface="+mn-cs"/>
+              </a:defRPr>
+            </a:lvl6pPr>
+            <a:lvl7pPr marL="2743200" indent="0" algn="ctr" defTabSz="914400" rtl="0" eaLnBrk="1" latinLnBrk="0" hangingPunct="1">
+              <a:lnSpc>
+                <a:spcPct val="90000"/>
+              </a:lnSpc>
+              <a:spcBef>
+                <a:spcPts val="500"/>
+              </a:spcBef>
+              <a:buFont typeface="Arial" panose="020B0604020202020204" pitchFamily="34" charset="0"/>
+              <a:buNone/>
+              <a:defRPr sz="1600" kern="1200">
+                <a:solidFill>
+                  <a:schemeClr val="tx1"/>
+                </a:solidFill>
+                <a:latin typeface="+mn-lt"/>
+                <a:ea typeface="+mn-ea"/>
+                <a:cs typeface="+mn-cs"/>
+              </a:defRPr>
+            </a:lvl7pPr>
+            <a:lvl8pPr marL="3200400" indent="0" algn="ctr" defTabSz="914400" rtl="0" eaLnBrk="1" latinLnBrk="0" hangingPunct="1">
+              <a:lnSpc>
+                <a:spcPct val="90000"/>
+              </a:lnSpc>
+              <a:spcBef>
+                <a:spcPts val="500"/>
+              </a:spcBef>
+              <a:buFont typeface="Arial" panose="020B0604020202020204" pitchFamily="34" charset="0"/>
+              <a:buNone/>
+              <a:defRPr sz="1600" kern="1200">
+                <a:solidFill>
+                  <a:schemeClr val="tx1"/>
+                </a:solidFill>
+                <a:latin typeface="+mn-lt"/>
+                <a:ea typeface="+mn-ea"/>
+                <a:cs typeface="+mn-cs"/>
+              </a:defRPr>
+            </a:lvl8pPr>
+            <a:lvl9pPr marL="3657600" indent="0" algn="ctr" defTabSz="914400" rtl="0" eaLnBrk="1" latinLnBrk="0" hangingPunct="1">
+              <a:lnSpc>
+                <a:spcPct val="90000"/>
+              </a:lnSpc>
+              <a:spcBef>
+                <a:spcPts val="500"/>
+              </a:spcBef>
+              <a:buFont typeface="Arial" panose="020B0604020202020204" pitchFamily="34" charset="0"/>
+              <a:buNone/>
+              <a:defRPr sz="1600" kern="1200">
+                <a:solidFill>
+                  <a:schemeClr val="tx1"/>
+                </a:solidFill>
+                <a:latin typeface="+mn-lt"/>
+                <a:ea typeface="+mn-ea"/>
+                <a:cs typeface="+mn-cs"/>
+              </a:defRPr>
+            </a:lvl9pPr>
+          </a:lstStyle>
+          <a:p>
+            <a:pPr marL="342900" indent="-342900" algn="l">
+              <a:lnSpc>
+                <a:spcPct val="150000"/>
+              </a:lnSpc>
+              <a:buFont typeface="Arial" panose="020B0604020202020204" pitchFamily="34" charset="0"/>
+              <a:buChar char="•"/>
             </a:pPr>
-            <a:endParaRPr lang="de-DE" sz="1400" dirty="0">
-              <a:cs typeface="Calibri"/>
-            </a:endParaRPr>
-          </a:p>
-          <a:p>
-            <a:pPr algn="l">
-              <a:lnSpc>
-                <a:spcPct val="100000"/>
-              </a:lnSpc>
+            <a:r>
+              <a:rPr lang="de-DE" dirty="0">
+                <a:cs typeface="Calibri"/>
+              </a:rPr>
+              <a:t>Softwarequalität -&gt; Erfüllung von Vorgaben</a:t>
+            </a:r>
+          </a:p>
+          <a:p>
+            <a:pPr marL="342900" indent="-342900" algn="l">
+              <a:lnSpc>
+                <a:spcPct val="150000"/>
+              </a:lnSpc>
+              <a:buChar char="•"/>
             </a:pPr>
             <a:r>
-              <a:rPr lang="de-DE" sz="1400">
-                <a:cs typeface="Calibri"/>
-              </a:rPr>
-              <a:t>Vydana, H.K., Vuppala, A.K.: Residual neural networks for speech recognition. 25th European Signal Processing Conference, EUSIPCO 2017 pp. 543{547. </a:t>
-            </a:r>
-            <a:r>
-              <a:rPr lang="de-DE" sz="1400" dirty="0">
-                <a:cs typeface="Calibri"/>
-              </a:rPr>
-              <a:t>https://doi.org/10.23919/EUSIPCO.2017.8081266</a:t>
-            </a:r>
-          </a:p>
-          <a:p>
-            <a:pPr algn="l">
-              <a:lnSpc>
-                <a:spcPct val="100000"/>
-              </a:lnSpc>
+              <a:rPr lang="de-DE" dirty="0">
+                <a:cs typeface="Calibri"/>
+              </a:rPr>
+              <a:t>Qualitätssicherung</a:t>
+            </a:r>
+          </a:p>
+          <a:p>
+            <a:pPr marL="800100" lvl="1" indent="-342900" algn="l">
+              <a:lnSpc>
+                <a:spcPct val="150000"/>
+              </a:lnSpc>
+              <a:buChar char="•"/>
             </a:pPr>
-            <a:endParaRPr lang="de-DE" sz="1400" dirty="0">
-              <a:cs typeface="Calibri"/>
-            </a:endParaRPr>
-          </a:p>
-          <a:p>
-            <a:pPr algn="l">
-              <a:lnSpc>
-                <a:spcPct val="100000"/>
-              </a:lnSpc>
+            <a:r>
+              <a:rPr lang="de-DE" dirty="0">
+                <a:cs typeface="Calibri"/>
+              </a:rPr>
+              <a:t>Testmethoden</a:t>
+            </a:r>
+          </a:p>
+          <a:p>
+            <a:pPr marL="800100" lvl="1" indent="-342900" algn="l">
+              <a:lnSpc>
+                <a:spcPct val="150000"/>
+              </a:lnSpc>
+              <a:buChar char="•"/>
             </a:pPr>
             <a:r>
-              <a:rPr lang="de-DE" sz="1400" dirty="0">
-                <a:cs typeface="Calibri"/>
-              </a:rPr>
-              <a:t>Guiming, D., Xia, W., Guangyan, W., Yan, Z., Dan, L.: Speech recognition based on convolutional neural networks. 2016 IEEE </a:t>
-            </a:r>
-            <a:r>
-              <a:rPr lang="de-DE" sz="1400">
-                <a:cs typeface="Calibri"/>
-              </a:rPr>
-              <a:t>International Conference on Signal and Image Processing, ICSIP 2016 pp. 708{711. https://doi.org/10.1109/SIPROCESS.2016.7888355</a:t>
-            </a:r>
-          </a:p>
-          <a:p>
-            <a:pPr algn="l">
-              <a:lnSpc>
-                <a:spcPct val="100000"/>
-              </a:lnSpc>
+              <a:rPr lang="de-DE" dirty="0">
+                <a:cs typeface="Calibri"/>
+              </a:rPr>
+              <a:t>Testwerkzeug</a:t>
+            </a:r>
+          </a:p>
+          <a:p>
+            <a:pPr marL="800100" lvl="1" indent="-342900" algn="l">
+              <a:lnSpc>
+                <a:spcPct val="150000"/>
+              </a:lnSpc>
+              <a:buChar char="•"/>
             </a:pPr>
-            <a:endParaRPr lang="de-DE" sz="1400" dirty="0">
-              <a:cs typeface="Calibri"/>
-            </a:endParaRPr>
-          </a:p>
-          <a:p>
-            <a:pPr algn="l">
-              <a:lnSpc>
-                <a:spcPct val="100000"/>
-              </a:lnSpc>
-            </a:pPr>
-            <a:r>
-              <a:rPr lang="de-DE" sz="1400">
-                <a:cs typeface="Calibri"/>
-              </a:rPr>
-              <a:t>Maind, M.S.B., Wankar, M.P.: Research Paper on Basic of Articial Neural Network. International Journal on Recent and Innovation Trends in Computing and Communication 2(1), 96{100 (2014). https://doi.org/10.1109/Oceans-</a:t>
-            </a:r>
-            <a:r>
-              <a:rPr lang="de-DE" sz="1400" dirty="0">
-                <a:cs typeface="Calibri"/>
-              </a:rPr>
-              <a:t>Spain.2011.6003625, </a:t>
-            </a:r>
-            <a:r>
-              <a:rPr lang="de-DE" sz="1400">
-                <a:cs typeface="Calibri"/>
-              </a:rPr>
-              <a:t>http://www.ijritcc.org</a:t>
-            </a:r>
-          </a:p>
-          <a:p>
-            <a:pPr algn="l">
-              <a:lnSpc>
-                <a:spcPct val="100000"/>
-              </a:lnSpc>
-            </a:pPr>
-            <a:endParaRPr lang="de-DE" sz="1400" dirty="0">
-              <a:cs typeface="Calibri" panose="020F0502020204030204"/>
-            </a:endParaRPr>
-          </a:p>
-          <a:p>
-            <a:pPr algn="l">
-              <a:lnSpc>
-                <a:spcPct val="100000"/>
-              </a:lnSpc>
-            </a:pPr>
-            <a:r>
-              <a:rPr lang="de-DE" sz="1400">
-                <a:cs typeface="Calibri" panose="020F0502020204030204"/>
-              </a:rPr>
-              <a:t>Tang, X.: Hybrid hidden markov model and arti cial neural network for automatic speech recognition. Proceedings of the 2009 Paci c-Asia Conference on Circuits, Communications and System, PACCS 2009, pp. 682{685 (2009). https://doi.org/10.1109/PACCS.2009.138</a:t>
-            </a:r>
-          </a:p>
-          <a:p>
-            <a:pPr algn="l">
-              <a:lnSpc>
-                <a:spcPct val="100000"/>
-              </a:lnSpc>
-            </a:pPr>
-            <a:endParaRPr lang="de-DE" sz="1400" dirty="0">
-              <a:cs typeface="Calibri" panose="020F0502020204030204"/>
-            </a:endParaRPr>
-          </a:p>
-          <a:p>
-            <a:pPr algn="l"/>
-            <a:r>
-              <a:rPr lang="de-DE" sz="1400">
-                <a:cs typeface="Calibri" panose="020F0502020204030204"/>
-              </a:rPr>
-              <a:t>Khalifelu, Z.A., Gharehchopogh, F.S.: Comparison and evaluation of data mining techniques with algorithmic models in software cost estimation. Procedia Technology 1, 65{71 (2012). https://doi.org/10.1016/j.protcy.2012.02.013</a:t>
-            </a:r>
-          </a:p>
-          <a:p>
-            <a:pPr algn="l"/>
-            <a:endParaRPr lang="de-DE" sz="1400" dirty="0">
-              <a:cs typeface="Calibri" panose="020F0502020204030204"/>
-            </a:endParaRPr>
+            <a:r>
+              <a:rPr lang="de-DE" dirty="0">
+                <a:cs typeface="Calibri"/>
+              </a:rPr>
+              <a:t>Schulungen von Mitarbeitern</a:t>
+            </a:r>
           </a:p>
         </p:txBody>
       </p:sp>
     </p:spTree>
     <p:extLst>
       <p:ext uri="{BB962C8B-B14F-4D97-AF65-F5344CB8AC3E}">
-        <p14:creationId xmlns:p14="http://schemas.microsoft.com/office/powerpoint/2010/main" val="857233425"/>
+        <p14:creationId xmlns:p14="http://schemas.microsoft.com/office/powerpoint/2010/main" val="655012409"/>
       </p:ext>
     </p:extLst>
   </p:cSld>
@@ -16641,10 +16931,10 @@
           <a:lstStyle/>
           <a:p>
             <a:r>
-              <a:rPr lang="de-DE">
+              <a:rPr lang="de-DE" dirty="0">
                 <a:cs typeface="Calibri Light"/>
               </a:rPr>
-              <a:t>Literaturverzeichnis</a:t>
+              <a:t>Softwarequalität</a:t>
             </a:r>
             <a:endParaRPr lang="de-DE" dirty="0"/>
           </a:p>
@@ -16760,148 +17050,487 @@
       </p:sp>
       <p:sp>
         <p:nvSpPr>
-          <p:cNvPr id="3" name="Untertitel 2">
+          <p:cNvPr id="5" name="Untertitel 2">
             <a:extLst>
               <a:ext uri="{FF2B5EF4-FFF2-40B4-BE49-F238E27FC236}">
-                <a16:creationId xmlns:a16="http://schemas.microsoft.com/office/drawing/2014/main" id="{0533C99D-14D1-427C-95DB-DD0C27472DBD}"/>
+                <a16:creationId xmlns:a16="http://schemas.microsoft.com/office/drawing/2014/main" id="{FF6CB36C-AECF-40D6-A1E4-B41256208DF8}"/>
               </a:ext>
             </a:extLst>
           </p:cNvPr>
-          <p:cNvSpPr>
-            <a:spLocks noGrp="1"/>
+          <p:cNvSpPr txBox="1">
+            <a:spLocks/>
           </p:cNvSpPr>
-          <p:nvPr>
-            <p:ph type="subTitle" idx="1"/>
-          </p:nvPr>
+          <p:nvPr/>
         </p:nvSpPr>
         <p:spPr>
           <a:xfrm>
-            <a:off x="650515" y="1338651"/>
-            <a:ext cx="10902016" cy="4964597"/>
-          </a:xfrm>
+            <a:off x="3430705" y="1065973"/>
+            <a:ext cx="4623808" cy="915848"/>
+          </a:xfrm>
+          <a:prstGeom prst="rect">
+            <a:avLst/>
+          </a:prstGeom>
         </p:spPr>
         <p:txBody>
           <a:bodyPr vert="horz" lIns="91440" tIns="45720" rIns="91440" bIns="45720" rtlCol="0" anchor="t">
             <a:noAutofit/>
           </a:bodyPr>
-          <a:lstStyle/>
-          <a:p>
-            <a:pPr algn="l"/>
-            <a:r>
-              <a:rPr lang="de-DE" sz="1400">
-                <a:cs typeface="Calibri"/>
-              </a:rPr>
-              <a:t>Jayashree, P., Melvin Jose, J., Premkumar: Machine learning in automatic speech recognition: A survey. IETE Technical Review (Institution of Electronics and Telecommunication Engineers, India) 32(4), 240{251 (2015). https://doi.org/10.1080/02564602.2015.1010611</a:t>
-            </a:r>
-          </a:p>
-          <a:p>
-            <a:pPr algn="l"/>
-            <a:endParaRPr lang="de-DE" sz="1400" dirty="0">
+          <a:lstStyle>
+            <a:lvl1pPr marL="0" indent="0" algn="ctr" defTabSz="914400" rtl="0" eaLnBrk="1" latinLnBrk="0" hangingPunct="1">
+              <a:lnSpc>
+                <a:spcPct val="90000"/>
+              </a:lnSpc>
+              <a:spcBef>
+                <a:spcPts val="1000"/>
+              </a:spcBef>
+              <a:buFont typeface="Arial" panose="020B0604020202020204" pitchFamily="34" charset="0"/>
+              <a:buNone/>
+              <a:defRPr sz="2400" kern="1200">
+                <a:solidFill>
+                  <a:schemeClr val="tx1"/>
+                </a:solidFill>
+                <a:latin typeface="+mn-lt"/>
+                <a:ea typeface="+mn-ea"/>
+                <a:cs typeface="+mn-cs"/>
+              </a:defRPr>
+            </a:lvl1pPr>
+            <a:lvl2pPr marL="457200" indent="0" algn="ctr" defTabSz="914400" rtl="0" eaLnBrk="1" latinLnBrk="0" hangingPunct="1">
+              <a:lnSpc>
+                <a:spcPct val="90000"/>
+              </a:lnSpc>
+              <a:spcBef>
+                <a:spcPts val="500"/>
+              </a:spcBef>
+              <a:buFont typeface="Arial" panose="020B0604020202020204" pitchFamily="34" charset="0"/>
+              <a:buNone/>
+              <a:defRPr sz="2000" kern="1200">
+                <a:solidFill>
+                  <a:schemeClr val="tx1"/>
+                </a:solidFill>
+                <a:latin typeface="+mn-lt"/>
+                <a:ea typeface="+mn-ea"/>
+                <a:cs typeface="+mn-cs"/>
+              </a:defRPr>
+            </a:lvl2pPr>
+            <a:lvl3pPr marL="914400" indent="0" algn="ctr" defTabSz="914400" rtl="0" eaLnBrk="1" latinLnBrk="0" hangingPunct="1">
+              <a:lnSpc>
+                <a:spcPct val="90000"/>
+              </a:lnSpc>
+              <a:spcBef>
+                <a:spcPts val="500"/>
+              </a:spcBef>
+              <a:buFont typeface="Arial" panose="020B0604020202020204" pitchFamily="34" charset="0"/>
+              <a:buNone/>
+              <a:defRPr sz="1800" kern="1200">
+                <a:solidFill>
+                  <a:schemeClr val="tx1"/>
+                </a:solidFill>
+                <a:latin typeface="+mn-lt"/>
+                <a:ea typeface="+mn-ea"/>
+                <a:cs typeface="+mn-cs"/>
+              </a:defRPr>
+            </a:lvl3pPr>
+            <a:lvl4pPr marL="1371600" indent="0" algn="ctr" defTabSz="914400" rtl="0" eaLnBrk="1" latinLnBrk="0" hangingPunct="1">
+              <a:lnSpc>
+                <a:spcPct val="90000"/>
+              </a:lnSpc>
+              <a:spcBef>
+                <a:spcPts val="500"/>
+              </a:spcBef>
+              <a:buFont typeface="Arial" panose="020B0604020202020204" pitchFamily="34" charset="0"/>
+              <a:buNone/>
+              <a:defRPr sz="1600" kern="1200">
+                <a:solidFill>
+                  <a:schemeClr val="tx1"/>
+                </a:solidFill>
+                <a:latin typeface="+mn-lt"/>
+                <a:ea typeface="+mn-ea"/>
+                <a:cs typeface="+mn-cs"/>
+              </a:defRPr>
+            </a:lvl4pPr>
+            <a:lvl5pPr marL="1828800" indent="0" algn="ctr" defTabSz="914400" rtl="0" eaLnBrk="1" latinLnBrk="0" hangingPunct="1">
+              <a:lnSpc>
+                <a:spcPct val="90000"/>
+              </a:lnSpc>
+              <a:spcBef>
+                <a:spcPts val="500"/>
+              </a:spcBef>
+              <a:buFont typeface="Arial" panose="020B0604020202020204" pitchFamily="34" charset="0"/>
+              <a:buNone/>
+              <a:defRPr sz="1600" kern="1200">
+                <a:solidFill>
+                  <a:schemeClr val="tx1"/>
+                </a:solidFill>
+                <a:latin typeface="+mn-lt"/>
+                <a:ea typeface="+mn-ea"/>
+                <a:cs typeface="+mn-cs"/>
+              </a:defRPr>
+            </a:lvl5pPr>
+            <a:lvl6pPr marL="2286000" indent="0" algn="ctr" defTabSz="914400" rtl="0" eaLnBrk="1" latinLnBrk="0" hangingPunct="1">
+              <a:lnSpc>
+                <a:spcPct val="90000"/>
+              </a:lnSpc>
+              <a:spcBef>
+                <a:spcPts val="500"/>
+              </a:spcBef>
+              <a:buFont typeface="Arial" panose="020B0604020202020204" pitchFamily="34" charset="0"/>
+              <a:buNone/>
+              <a:defRPr sz="1600" kern="1200">
+                <a:solidFill>
+                  <a:schemeClr val="tx1"/>
+                </a:solidFill>
+                <a:latin typeface="+mn-lt"/>
+                <a:ea typeface="+mn-ea"/>
+                <a:cs typeface="+mn-cs"/>
+              </a:defRPr>
+            </a:lvl6pPr>
+            <a:lvl7pPr marL="2743200" indent="0" algn="ctr" defTabSz="914400" rtl="0" eaLnBrk="1" latinLnBrk="0" hangingPunct="1">
+              <a:lnSpc>
+                <a:spcPct val="90000"/>
+              </a:lnSpc>
+              <a:spcBef>
+                <a:spcPts val="500"/>
+              </a:spcBef>
+              <a:buFont typeface="Arial" panose="020B0604020202020204" pitchFamily="34" charset="0"/>
+              <a:buNone/>
+              <a:defRPr sz="1600" kern="1200">
+                <a:solidFill>
+                  <a:schemeClr val="tx1"/>
+                </a:solidFill>
+                <a:latin typeface="+mn-lt"/>
+                <a:ea typeface="+mn-ea"/>
+                <a:cs typeface="+mn-cs"/>
+              </a:defRPr>
+            </a:lvl7pPr>
+            <a:lvl8pPr marL="3200400" indent="0" algn="ctr" defTabSz="914400" rtl="0" eaLnBrk="1" latinLnBrk="0" hangingPunct="1">
+              <a:lnSpc>
+                <a:spcPct val="90000"/>
+              </a:lnSpc>
+              <a:spcBef>
+                <a:spcPts val="500"/>
+              </a:spcBef>
+              <a:buFont typeface="Arial" panose="020B0604020202020204" pitchFamily="34" charset="0"/>
+              <a:buNone/>
+              <a:defRPr sz="1600" kern="1200">
+                <a:solidFill>
+                  <a:schemeClr val="tx1"/>
+                </a:solidFill>
+                <a:latin typeface="+mn-lt"/>
+                <a:ea typeface="+mn-ea"/>
+                <a:cs typeface="+mn-cs"/>
+              </a:defRPr>
+            </a:lvl8pPr>
+            <a:lvl9pPr marL="3657600" indent="0" algn="ctr" defTabSz="914400" rtl="0" eaLnBrk="1" latinLnBrk="0" hangingPunct="1">
+              <a:lnSpc>
+                <a:spcPct val="90000"/>
+              </a:lnSpc>
+              <a:spcBef>
+                <a:spcPts val="500"/>
+              </a:spcBef>
+              <a:buFont typeface="Arial" panose="020B0604020202020204" pitchFamily="34" charset="0"/>
+              <a:buNone/>
+              <a:defRPr sz="1600" kern="1200">
+                <a:solidFill>
+                  <a:schemeClr val="tx1"/>
+                </a:solidFill>
+                <a:latin typeface="+mn-lt"/>
+                <a:ea typeface="+mn-ea"/>
+                <a:cs typeface="+mn-cs"/>
+              </a:defRPr>
+            </a:lvl9pPr>
+          </a:lstStyle>
+          <a:p>
+            <a:pPr>
+              <a:lnSpc>
+                <a:spcPct val="150000"/>
+              </a:lnSpc>
+            </a:pPr>
+            <a:r>
+              <a:rPr lang="de-DE" sz="3600" dirty="0">
+                <a:cs typeface="Calibri"/>
+              </a:rPr>
+              <a:t>Automatisiertes Testen</a:t>
+            </a:r>
+            <a:endParaRPr lang="de-DE" dirty="0"/>
+          </a:p>
+        </p:txBody>
+      </p:sp>
+      <p:sp>
+        <p:nvSpPr>
+          <p:cNvPr id="9" name="Untertitel 2">
+            <a:extLst>
+              <a:ext uri="{FF2B5EF4-FFF2-40B4-BE49-F238E27FC236}">
+                <a16:creationId xmlns:a16="http://schemas.microsoft.com/office/drawing/2014/main" id="{91CEA67C-7DBB-4DB4-BCA7-2B67D94FDD59}"/>
+              </a:ext>
+            </a:extLst>
+          </p:cNvPr>
+          <p:cNvSpPr txBox="1">
+            <a:spLocks/>
+          </p:cNvSpPr>
+          <p:nvPr/>
+        </p:nvSpPr>
+        <p:spPr>
+          <a:xfrm>
+            <a:off x="1170610" y="2033863"/>
+            <a:ext cx="9099826" cy="3930718"/>
+          </a:xfrm>
+          <a:prstGeom prst="rect">
+            <a:avLst/>
+          </a:prstGeom>
+        </p:spPr>
+        <p:txBody>
+          <a:bodyPr vert="horz" lIns="91440" tIns="45720" rIns="91440" bIns="45720" rtlCol="0" anchor="t">
+            <a:noAutofit/>
+          </a:bodyPr>
+          <a:lstStyle>
+            <a:lvl1pPr marL="0" indent="0" algn="ctr" defTabSz="914400" rtl="0" eaLnBrk="1" latinLnBrk="0" hangingPunct="1">
+              <a:lnSpc>
+                <a:spcPct val="90000"/>
+              </a:lnSpc>
+              <a:spcBef>
+                <a:spcPts val="1000"/>
+              </a:spcBef>
+              <a:buFont typeface="Arial" panose="020B0604020202020204" pitchFamily="34" charset="0"/>
+              <a:buNone/>
+              <a:defRPr sz="2400" kern="1200">
+                <a:solidFill>
+                  <a:schemeClr val="tx1"/>
+                </a:solidFill>
+                <a:latin typeface="+mn-lt"/>
+                <a:ea typeface="+mn-ea"/>
+                <a:cs typeface="+mn-cs"/>
+              </a:defRPr>
+            </a:lvl1pPr>
+            <a:lvl2pPr marL="457200" indent="0" algn="ctr" defTabSz="914400" rtl="0" eaLnBrk="1" latinLnBrk="0" hangingPunct="1">
+              <a:lnSpc>
+                <a:spcPct val="90000"/>
+              </a:lnSpc>
+              <a:spcBef>
+                <a:spcPts val="500"/>
+              </a:spcBef>
+              <a:buFont typeface="Arial" panose="020B0604020202020204" pitchFamily="34" charset="0"/>
+              <a:buNone/>
+              <a:defRPr sz="2000" kern="1200">
+                <a:solidFill>
+                  <a:schemeClr val="tx1"/>
+                </a:solidFill>
+                <a:latin typeface="+mn-lt"/>
+                <a:ea typeface="+mn-ea"/>
+                <a:cs typeface="+mn-cs"/>
+              </a:defRPr>
+            </a:lvl2pPr>
+            <a:lvl3pPr marL="914400" indent="0" algn="ctr" defTabSz="914400" rtl="0" eaLnBrk="1" latinLnBrk="0" hangingPunct="1">
+              <a:lnSpc>
+                <a:spcPct val="90000"/>
+              </a:lnSpc>
+              <a:spcBef>
+                <a:spcPts val="500"/>
+              </a:spcBef>
+              <a:buFont typeface="Arial" panose="020B0604020202020204" pitchFamily="34" charset="0"/>
+              <a:buNone/>
+              <a:defRPr sz="1800" kern="1200">
+                <a:solidFill>
+                  <a:schemeClr val="tx1"/>
+                </a:solidFill>
+                <a:latin typeface="+mn-lt"/>
+                <a:ea typeface="+mn-ea"/>
+                <a:cs typeface="+mn-cs"/>
+              </a:defRPr>
+            </a:lvl3pPr>
+            <a:lvl4pPr marL="1371600" indent="0" algn="ctr" defTabSz="914400" rtl="0" eaLnBrk="1" latinLnBrk="0" hangingPunct="1">
+              <a:lnSpc>
+                <a:spcPct val="90000"/>
+              </a:lnSpc>
+              <a:spcBef>
+                <a:spcPts val="500"/>
+              </a:spcBef>
+              <a:buFont typeface="Arial" panose="020B0604020202020204" pitchFamily="34" charset="0"/>
+              <a:buNone/>
+              <a:defRPr sz="1600" kern="1200">
+                <a:solidFill>
+                  <a:schemeClr val="tx1"/>
+                </a:solidFill>
+                <a:latin typeface="+mn-lt"/>
+                <a:ea typeface="+mn-ea"/>
+                <a:cs typeface="+mn-cs"/>
+              </a:defRPr>
+            </a:lvl4pPr>
+            <a:lvl5pPr marL="1828800" indent="0" algn="ctr" defTabSz="914400" rtl="0" eaLnBrk="1" latinLnBrk="0" hangingPunct="1">
+              <a:lnSpc>
+                <a:spcPct val="90000"/>
+              </a:lnSpc>
+              <a:spcBef>
+                <a:spcPts val="500"/>
+              </a:spcBef>
+              <a:buFont typeface="Arial" panose="020B0604020202020204" pitchFamily="34" charset="0"/>
+              <a:buNone/>
+              <a:defRPr sz="1600" kern="1200">
+                <a:solidFill>
+                  <a:schemeClr val="tx1"/>
+                </a:solidFill>
+                <a:latin typeface="+mn-lt"/>
+                <a:ea typeface="+mn-ea"/>
+                <a:cs typeface="+mn-cs"/>
+              </a:defRPr>
+            </a:lvl5pPr>
+            <a:lvl6pPr marL="2286000" indent="0" algn="ctr" defTabSz="914400" rtl="0" eaLnBrk="1" latinLnBrk="0" hangingPunct="1">
+              <a:lnSpc>
+                <a:spcPct val="90000"/>
+              </a:lnSpc>
+              <a:spcBef>
+                <a:spcPts val="500"/>
+              </a:spcBef>
+              <a:buFont typeface="Arial" panose="020B0604020202020204" pitchFamily="34" charset="0"/>
+              <a:buNone/>
+              <a:defRPr sz="1600" kern="1200">
+                <a:solidFill>
+                  <a:schemeClr val="tx1"/>
+                </a:solidFill>
+                <a:latin typeface="+mn-lt"/>
+                <a:ea typeface="+mn-ea"/>
+                <a:cs typeface="+mn-cs"/>
+              </a:defRPr>
+            </a:lvl6pPr>
+            <a:lvl7pPr marL="2743200" indent="0" algn="ctr" defTabSz="914400" rtl="0" eaLnBrk="1" latinLnBrk="0" hangingPunct="1">
+              <a:lnSpc>
+                <a:spcPct val="90000"/>
+              </a:lnSpc>
+              <a:spcBef>
+                <a:spcPts val="500"/>
+              </a:spcBef>
+              <a:buFont typeface="Arial" panose="020B0604020202020204" pitchFamily="34" charset="0"/>
+              <a:buNone/>
+              <a:defRPr sz="1600" kern="1200">
+                <a:solidFill>
+                  <a:schemeClr val="tx1"/>
+                </a:solidFill>
+                <a:latin typeface="+mn-lt"/>
+                <a:ea typeface="+mn-ea"/>
+                <a:cs typeface="+mn-cs"/>
+              </a:defRPr>
+            </a:lvl7pPr>
+            <a:lvl8pPr marL="3200400" indent="0" algn="ctr" defTabSz="914400" rtl="0" eaLnBrk="1" latinLnBrk="0" hangingPunct="1">
+              <a:lnSpc>
+                <a:spcPct val="90000"/>
+              </a:lnSpc>
+              <a:spcBef>
+                <a:spcPts val="500"/>
+              </a:spcBef>
+              <a:buFont typeface="Arial" panose="020B0604020202020204" pitchFamily="34" charset="0"/>
+              <a:buNone/>
+              <a:defRPr sz="1600" kern="1200">
+                <a:solidFill>
+                  <a:schemeClr val="tx1"/>
+                </a:solidFill>
+                <a:latin typeface="+mn-lt"/>
+                <a:ea typeface="+mn-ea"/>
+                <a:cs typeface="+mn-cs"/>
+              </a:defRPr>
+            </a:lvl8pPr>
+            <a:lvl9pPr marL="3657600" indent="0" algn="ctr" defTabSz="914400" rtl="0" eaLnBrk="1" latinLnBrk="0" hangingPunct="1">
+              <a:lnSpc>
+                <a:spcPct val="90000"/>
+              </a:lnSpc>
+              <a:spcBef>
+                <a:spcPts val="500"/>
+              </a:spcBef>
+              <a:buFont typeface="Arial" panose="020B0604020202020204" pitchFamily="34" charset="0"/>
+              <a:buNone/>
+              <a:defRPr sz="1600" kern="1200">
+                <a:solidFill>
+                  <a:schemeClr val="tx1"/>
+                </a:solidFill>
+                <a:latin typeface="+mn-lt"/>
+                <a:ea typeface="+mn-ea"/>
+                <a:cs typeface="+mn-cs"/>
+              </a:defRPr>
+            </a:lvl9pPr>
+          </a:lstStyle>
+          <a:p>
+            <a:pPr marL="342900" indent="-342900" algn="l">
+              <a:lnSpc>
+                <a:spcPct val="150000"/>
+              </a:lnSpc>
+              <a:buChar char="•"/>
+            </a:pPr>
+            <a:r>
+              <a:rPr lang="de-DE" dirty="0">
+                <a:cs typeface="Calibri"/>
+              </a:rPr>
+              <a:t>Absicherung eines bestehenden Systems</a:t>
+            </a:r>
+          </a:p>
+          <a:p>
+            <a:pPr marL="800100" lvl="1" indent="-342900" algn="l">
+              <a:lnSpc>
+                <a:spcPct val="150000"/>
+              </a:lnSpc>
+              <a:buChar char="•"/>
+            </a:pPr>
+            <a:r>
+              <a:rPr lang="de-DE" dirty="0">
+                <a:cs typeface="Calibri"/>
+              </a:rPr>
+              <a:t>Erzeugen von Testdaten</a:t>
+            </a:r>
+          </a:p>
+          <a:p>
+            <a:pPr marL="800100" lvl="1" indent="-342900" algn="l">
+              <a:lnSpc>
+                <a:spcPct val="150000"/>
+              </a:lnSpc>
+              <a:buChar char="•"/>
+            </a:pPr>
+            <a:r>
+              <a:rPr lang="de-DE" dirty="0">
+                <a:cs typeface="Calibri"/>
+              </a:rPr>
+              <a:t>Erzeugen von Erwartungswerten</a:t>
+            </a:r>
+          </a:p>
+          <a:p>
+            <a:pPr marL="800100" lvl="1" indent="-342900" algn="l">
+              <a:lnSpc>
+                <a:spcPct val="150000"/>
+              </a:lnSpc>
+              <a:buChar char="•"/>
+            </a:pPr>
+            <a:r>
+              <a:rPr lang="de-DE" dirty="0">
+                <a:cs typeface="Calibri"/>
+              </a:rPr>
+              <a:t>Training des NN mit Testdaten und </a:t>
+            </a:r>
+            <a:r>
+              <a:rPr lang="de-DE" dirty="0" err="1">
+                <a:cs typeface="Calibri"/>
+              </a:rPr>
+              <a:t>Erwartngswerten</a:t>
+            </a:r>
+            <a:endParaRPr lang="de-DE" dirty="0">
               <a:cs typeface="Calibri"/>
             </a:endParaRPr>
           </a:p>
           <a:p>
-            <a:pPr algn="l"/>
-            <a:r>
-              <a:rPr lang="de-DE" sz="1400">
-                <a:cs typeface="Calibri"/>
-              </a:rPr>
-              <a:t>A. K. Jain, Robert P. W. Duin, J. Mao: Statistical Pattern Recognition: A Review. IEEE Transactions on Pattern Analysis And Machine Intelligence, Vol. 22, No. 1, January 2000 22(1), 4{37 (2000)</a:t>
-            </a:r>
-            <a:endParaRPr lang="en-US" sz="1400">
-              <a:cs typeface="Calibri" panose="020F0502020204030204"/>
-            </a:endParaRPr>
-          </a:p>
-          <a:p>
-            <a:pPr algn="l"/>
-            <a:endParaRPr lang="de-DE" sz="1400" dirty="0">
-              <a:cs typeface="Calibri" panose="020F0502020204030204"/>
-            </a:endParaRPr>
-          </a:p>
-          <a:p>
-            <a:pPr algn="l"/>
-            <a:r>
-              <a:rPr lang="de-DE" sz="1400">
-                <a:cs typeface="Calibri" panose="020F0502020204030204"/>
-              </a:rPr>
-              <a:t> Awasthi, A.: Facial Emotion Recognition Using Deep Learning. IEEE 4th International Conference on Knowledge-Based Engineering and Innovation (KBEI) Dec. 22, 2017 1(September), 9{12 (2013). https://doi.org/10.1145/2818346.2830593</a:t>
-            </a:r>
-            <a:endParaRPr lang="de-DE">
-              <a:cs typeface="Calibri"/>
-            </a:endParaRPr>
-          </a:p>
-          <a:p>
-            <a:pPr algn="l"/>
-            <a:endParaRPr lang="de-DE" sz="1400" dirty="0">
-              <a:cs typeface="Calibri" panose="020F0502020204030204"/>
-            </a:endParaRPr>
-          </a:p>
-          <a:p>
-            <a:pPr algn="l"/>
-            <a:r>
-              <a:rPr lang="de-DE" sz="1400">
-                <a:cs typeface="Calibri" panose="020F0502020204030204"/>
-              </a:rPr>
-              <a:t>Santos, R.M., Matos, L.N., Macedo, H.T., Montalvao, J.: Speech recognition in noisy environments with convolutional neural networks. Proceedings - 2015 Brazilian Conference on Intelligent Systems, BRACIS 2015 pp. 175{179 (2016). </a:t>
-            </a:r>
-            <a:r>
-              <a:rPr lang="de-DE" sz="1400" dirty="0">
-                <a:cs typeface="Calibri" panose="020F0502020204030204"/>
-              </a:rPr>
-              <a:t>https://doi.org/10.1109/BRACIS.2015.44</a:t>
-            </a:r>
-            <a:endParaRPr lang="de-DE">
-              <a:cs typeface="Calibri" panose="020F0502020204030204"/>
-            </a:endParaRPr>
-          </a:p>
-          <a:p>
-            <a:pPr algn="l"/>
-            <a:endParaRPr lang="de-DE" sz="1400" dirty="0">
-              <a:cs typeface="Calibri" panose="020F0502020204030204"/>
-            </a:endParaRPr>
-          </a:p>
-          <a:p>
-            <a:pPr algn="l"/>
-            <a:r>
-              <a:rPr lang="de-DE" sz="1400">
-                <a:cs typeface="Calibri" panose="020F0502020204030204"/>
-              </a:rPr>
-              <a:t>Deng, L., Yu, D.: Automatic speech recognition, Springer Verlag, vol. 9 (2015). </a:t>
-            </a:r>
-            <a:r>
-              <a:rPr lang="de-DE" sz="1400" dirty="0">
-                <a:cs typeface="Calibri" panose="020F0502020204030204"/>
-              </a:rPr>
-              <a:t>https://doi.org/10.1007/BF02747521</a:t>
-            </a:r>
-            <a:endParaRPr lang="de-DE">
-              <a:cs typeface="Calibri" panose="020F0502020204030204"/>
-            </a:endParaRPr>
-          </a:p>
-          <a:p>
-            <a:pPr algn="l"/>
-            <a:endParaRPr lang="de-DE" sz="1400" dirty="0">
-              <a:cs typeface="Calibri" panose="020F0502020204030204"/>
-            </a:endParaRPr>
-          </a:p>
-          <a:p>
-            <a:pPr algn="l"/>
-            <a:r>
-              <a:rPr lang="de-DE" sz="1400">
-                <a:cs typeface="Calibri" panose="020F0502020204030204"/>
-              </a:rPr>
-              <a:t>Aracena, C., Basterrech, S., Snasel, V., Velasquez, J.: Neural Networks for Emotion Recognition Based on Eye Tracking Data. Proceedings - 2015 IEEE International Conference on Systems, Man, and Cybernetics, SMC 2015 pp. 2632{2637 (2016). https://doi.org/10.1109/SMC.2015.460</a:t>
-            </a:r>
-            <a:endParaRPr lang="de-DE">
-              <a:cs typeface="Calibri" panose="020F0502020204030204"/>
-            </a:endParaRPr>
+            <a:pPr marL="800100" lvl="1" indent="-342900" algn="l">
+              <a:lnSpc>
+                <a:spcPct val="150000"/>
+              </a:lnSpc>
+              <a:buChar char="•"/>
+            </a:pPr>
+            <a:r>
+              <a:rPr lang="de-DE" dirty="0">
+                <a:cs typeface="Calibri"/>
+              </a:rPr>
+              <a:t>Ableiten von Tests aus dem NN</a:t>
+            </a:r>
           </a:p>
         </p:txBody>
       </p:sp>
     </p:spTree>
     <p:extLst>
       <p:ext uri="{BB962C8B-B14F-4D97-AF65-F5344CB8AC3E}">
-        <p14:creationId xmlns:p14="http://schemas.microsoft.com/office/powerpoint/2010/main" val="2284096542"/>
+        <p14:creationId xmlns:p14="http://schemas.microsoft.com/office/powerpoint/2010/main" val="190048327"/>
       </p:ext>
     </p:extLst>
   </p:cSld>
@@ -16951,10 +17580,10 @@
           <a:lstStyle/>
           <a:p>
             <a:r>
-              <a:rPr lang="de-DE">
+              <a:rPr lang="de-DE" dirty="0">
                 <a:cs typeface="Calibri Light"/>
               </a:rPr>
-              <a:t>Literaturverzeichnis</a:t>
+              <a:t>Softwarequalität</a:t>
             </a:r>
             <a:endParaRPr lang="de-DE" dirty="0"/>
           </a:p>
@@ -17070,131 +17699,423 @@
       </p:sp>
       <p:sp>
         <p:nvSpPr>
-          <p:cNvPr id="3" name="Untertitel 2">
+          <p:cNvPr id="5" name="Untertitel 2">
             <a:extLst>
               <a:ext uri="{FF2B5EF4-FFF2-40B4-BE49-F238E27FC236}">
-                <a16:creationId xmlns:a16="http://schemas.microsoft.com/office/drawing/2014/main" id="{0533C99D-14D1-427C-95DB-DD0C27472DBD}"/>
+                <a16:creationId xmlns:a16="http://schemas.microsoft.com/office/drawing/2014/main" id="{FF6CB36C-AECF-40D6-A1E4-B41256208DF8}"/>
               </a:ext>
             </a:extLst>
           </p:cNvPr>
-          <p:cNvSpPr>
-            <a:spLocks noGrp="1"/>
+          <p:cNvSpPr txBox="1">
+            <a:spLocks/>
           </p:cNvSpPr>
-          <p:nvPr>
-            <p:ph type="subTitle" idx="1"/>
-          </p:nvPr>
+          <p:nvPr/>
         </p:nvSpPr>
         <p:spPr>
           <a:xfrm>
-            <a:off x="650515" y="1338651"/>
-            <a:ext cx="10902016" cy="4964597"/>
-          </a:xfrm>
+            <a:off x="2375359" y="1118015"/>
+            <a:ext cx="6689637" cy="915848"/>
+          </a:xfrm>
+          <a:prstGeom prst="rect">
+            <a:avLst/>
+          </a:prstGeom>
         </p:spPr>
         <p:txBody>
           <a:bodyPr vert="horz" lIns="91440" tIns="45720" rIns="91440" bIns="45720" rtlCol="0" anchor="t">
             <a:noAutofit/>
           </a:bodyPr>
-          <a:lstStyle/>
-          <a:p>
-            <a:pPr algn="l"/>
-            <a:r>
-              <a:rPr lang="de-DE" sz="1400" dirty="0">
-                <a:cs typeface="Calibri"/>
-              </a:rPr>
-              <a:t>Surace, L., Patacchiola, M., Sonmez, E.B., Spataro, W., Cangelosi, A.: Emotion Recognition in the Wild using Deep Neural Networks and Bayesian </a:t>
-            </a:r>
-            <a:r>
-              <a:rPr lang="de-DE" sz="1400">
-                <a:cs typeface="Calibri" panose="020F0502020204030204"/>
-              </a:rPr>
-              <a:t>Classi ers. Proceeding ICMI 2017 Proceedings of the 19th ACM International Conference on Multimodal Interaction Pages 593- 597 pp. 593{597 (2017). </a:t>
-            </a:r>
-            <a:r>
-              <a:rPr lang="de-DE" sz="1400" dirty="0">
-                <a:cs typeface="Calibri" panose="020F0502020204030204"/>
-              </a:rPr>
-              <a:t>https://doi.org/10.1145/3136755.3143015</a:t>
-            </a:r>
-            <a:endParaRPr lang="de-DE"/>
-          </a:p>
-          <a:p>
-            <a:pPr algn="l"/>
-            <a:endParaRPr lang="de-DE" sz="1400" dirty="0">
-              <a:cs typeface="Calibri" panose="020F0502020204030204"/>
-            </a:endParaRPr>
-          </a:p>
-          <a:p>
-            <a:pPr algn="l"/>
-            <a:r>
-              <a:rPr lang="de-DE" sz="1400">
-                <a:cs typeface="Calibri" panose="020F0502020204030204"/>
-              </a:rPr>
-              <a:t>Huang, C.: Combining convolutional neural networks for emotion recognition. 2017 IEEE MIT Undergraduate Research Technology Conference, URTC 2017 pp. 1{4 (2018). https://doi.org/10.1109/URTC.2017.8284175</a:t>
-            </a:r>
-            <a:endParaRPr lang="de-DE"/>
-          </a:p>
-          <a:p>
-            <a:pPr algn="l"/>
-            <a:endParaRPr lang="de-DE" sz="1400" dirty="0">
-              <a:cs typeface="Calibri" panose="020F0502020204030204"/>
-            </a:endParaRPr>
-          </a:p>
-          <a:p>
-            <a:pPr algn="l"/>
-            <a:r>
-              <a:rPr lang="de-DE" sz="1400">
-                <a:cs typeface="Calibri" panose="020F0502020204030204"/>
-              </a:rPr>
-              <a:t>Bajta, M.E., Idri, A., Ros, J.N., Fernandez-Aleman, J.L., Gea, J.M.C.D., Garca, F., Toval, A.: Software project management approaches for global software development: a systematic mapping study. Tsinghua Science and Technology 23(6), 690{714 (2018). https://doi.org/10.26599/TST.2018.9010029</a:t>
-            </a:r>
-            <a:endParaRPr lang="de-DE"/>
-          </a:p>
-          <a:p>
-            <a:pPr algn="l"/>
-            <a:endParaRPr lang="de-DE" sz="1400" dirty="0">
-              <a:cs typeface="Calibri" panose="020F0502020204030204"/>
-            </a:endParaRPr>
-          </a:p>
-          <a:p>
-            <a:pPr algn="l"/>
-            <a:r>
-              <a:rPr lang="de-DE" sz="1400">
-                <a:cs typeface="Calibri" panose="020F0502020204030204"/>
-              </a:rPr>
-              <a:t>Matson, J.E., Barrett, B.E., Mellichamp, J.M.: Software development cost estimation using function points. IEEE Transactions on Software Engineering 20(4), 275{287 (1994). </a:t>
-            </a:r>
-            <a:r>
-              <a:rPr lang="de-DE" sz="1400" dirty="0">
-                <a:cs typeface="Calibri" panose="020F0502020204030204"/>
-              </a:rPr>
-              <a:t>https://doi.org/10.1109/32.277575</a:t>
-            </a:r>
-            <a:endParaRPr lang="de-DE">
+          <a:lstStyle>
+            <a:lvl1pPr marL="0" indent="0" algn="ctr" defTabSz="914400" rtl="0" eaLnBrk="1" latinLnBrk="0" hangingPunct="1">
+              <a:lnSpc>
+                <a:spcPct val="90000"/>
+              </a:lnSpc>
+              <a:spcBef>
+                <a:spcPts val="1000"/>
+              </a:spcBef>
+              <a:buFont typeface="Arial" panose="020B0604020202020204" pitchFamily="34" charset="0"/>
+              <a:buNone/>
+              <a:defRPr sz="2400" kern="1200">
+                <a:solidFill>
+                  <a:schemeClr val="tx1"/>
+                </a:solidFill>
+                <a:latin typeface="+mn-lt"/>
+                <a:ea typeface="+mn-ea"/>
+                <a:cs typeface="+mn-cs"/>
+              </a:defRPr>
+            </a:lvl1pPr>
+            <a:lvl2pPr marL="457200" indent="0" algn="ctr" defTabSz="914400" rtl="0" eaLnBrk="1" latinLnBrk="0" hangingPunct="1">
+              <a:lnSpc>
+                <a:spcPct val="90000"/>
+              </a:lnSpc>
+              <a:spcBef>
+                <a:spcPts val="500"/>
+              </a:spcBef>
+              <a:buFont typeface="Arial" panose="020B0604020202020204" pitchFamily="34" charset="0"/>
+              <a:buNone/>
+              <a:defRPr sz="2000" kern="1200">
+                <a:solidFill>
+                  <a:schemeClr val="tx1"/>
+                </a:solidFill>
+                <a:latin typeface="+mn-lt"/>
+                <a:ea typeface="+mn-ea"/>
+                <a:cs typeface="+mn-cs"/>
+              </a:defRPr>
+            </a:lvl2pPr>
+            <a:lvl3pPr marL="914400" indent="0" algn="ctr" defTabSz="914400" rtl="0" eaLnBrk="1" latinLnBrk="0" hangingPunct="1">
+              <a:lnSpc>
+                <a:spcPct val="90000"/>
+              </a:lnSpc>
+              <a:spcBef>
+                <a:spcPts val="500"/>
+              </a:spcBef>
+              <a:buFont typeface="Arial" panose="020B0604020202020204" pitchFamily="34" charset="0"/>
+              <a:buNone/>
+              <a:defRPr sz="1800" kern="1200">
+                <a:solidFill>
+                  <a:schemeClr val="tx1"/>
+                </a:solidFill>
+                <a:latin typeface="+mn-lt"/>
+                <a:ea typeface="+mn-ea"/>
+                <a:cs typeface="+mn-cs"/>
+              </a:defRPr>
+            </a:lvl3pPr>
+            <a:lvl4pPr marL="1371600" indent="0" algn="ctr" defTabSz="914400" rtl="0" eaLnBrk="1" latinLnBrk="0" hangingPunct="1">
+              <a:lnSpc>
+                <a:spcPct val="90000"/>
+              </a:lnSpc>
+              <a:spcBef>
+                <a:spcPts val="500"/>
+              </a:spcBef>
+              <a:buFont typeface="Arial" panose="020B0604020202020204" pitchFamily="34" charset="0"/>
+              <a:buNone/>
+              <a:defRPr sz="1600" kern="1200">
+                <a:solidFill>
+                  <a:schemeClr val="tx1"/>
+                </a:solidFill>
+                <a:latin typeface="+mn-lt"/>
+                <a:ea typeface="+mn-ea"/>
+                <a:cs typeface="+mn-cs"/>
+              </a:defRPr>
+            </a:lvl4pPr>
+            <a:lvl5pPr marL="1828800" indent="0" algn="ctr" defTabSz="914400" rtl="0" eaLnBrk="1" latinLnBrk="0" hangingPunct="1">
+              <a:lnSpc>
+                <a:spcPct val="90000"/>
+              </a:lnSpc>
+              <a:spcBef>
+                <a:spcPts val="500"/>
+              </a:spcBef>
+              <a:buFont typeface="Arial" panose="020B0604020202020204" pitchFamily="34" charset="0"/>
+              <a:buNone/>
+              <a:defRPr sz="1600" kern="1200">
+                <a:solidFill>
+                  <a:schemeClr val="tx1"/>
+                </a:solidFill>
+                <a:latin typeface="+mn-lt"/>
+                <a:ea typeface="+mn-ea"/>
+                <a:cs typeface="+mn-cs"/>
+              </a:defRPr>
+            </a:lvl5pPr>
+            <a:lvl6pPr marL="2286000" indent="0" algn="ctr" defTabSz="914400" rtl="0" eaLnBrk="1" latinLnBrk="0" hangingPunct="1">
+              <a:lnSpc>
+                <a:spcPct val="90000"/>
+              </a:lnSpc>
+              <a:spcBef>
+                <a:spcPts val="500"/>
+              </a:spcBef>
+              <a:buFont typeface="Arial" panose="020B0604020202020204" pitchFamily="34" charset="0"/>
+              <a:buNone/>
+              <a:defRPr sz="1600" kern="1200">
+                <a:solidFill>
+                  <a:schemeClr val="tx1"/>
+                </a:solidFill>
+                <a:latin typeface="+mn-lt"/>
+                <a:ea typeface="+mn-ea"/>
+                <a:cs typeface="+mn-cs"/>
+              </a:defRPr>
+            </a:lvl6pPr>
+            <a:lvl7pPr marL="2743200" indent="0" algn="ctr" defTabSz="914400" rtl="0" eaLnBrk="1" latinLnBrk="0" hangingPunct="1">
+              <a:lnSpc>
+                <a:spcPct val="90000"/>
+              </a:lnSpc>
+              <a:spcBef>
+                <a:spcPts val="500"/>
+              </a:spcBef>
+              <a:buFont typeface="Arial" panose="020B0604020202020204" pitchFamily="34" charset="0"/>
+              <a:buNone/>
+              <a:defRPr sz="1600" kern="1200">
+                <a:solidFill>
+                  <a:schemeClr val="tx1"/>
+                </a:solidFill>
+                <a:latin typeface="+mn-lt"/>
+                <a:ea typeface="+mn-ea"/>
+                <a:cs typeface="+mn-cs"/>
+              </a:defRPr>
+            </a:lvl7pPr>
+            <a:lvl8pPr marL="3200400" indent="0" algn="ctr" defTabSz="914400" rtl="0" eaLnBrk="1" latinLnBrk="0" hangingPunct="1">
+              <a:lnSpc>
+                <a:spcPct val="90000"/>
+              </a:lnSpc>
+              <a:spcBef>
+                <a:spcPts val="500"/>
+              </a:spcBef>
+              <a:buFont typeface="Arial" panose="020B0604020202020204" pitchFamily="34" charset="0"/>
+              <a:buNone/>
+              <a:defRPr sz="1600" kern="1200">
+                <a:solidFill>
+                  <a:schemeClr val="tx1"/>
+                </a:solidFill>
+                <a:latin typeface="+mn-lt"/>
+                <a:ea typeface="+mn-ea"/>
+                <a:cs typeface="+mn-cs"/>
+              </a:defRPr>
+            </a:lvl8pPr>
+            <a:lvl9pPr marL="3657600" indent="0" algn="ctr" defTabSz="914400" rtl="0" eaLnBrk="1" latinLnBrk="0" hangingPunct="1">
+              <a:lnSpc>
+                <a:spcPct val="90000"/>
+              </a:lnSpc>
+              <a:spcBef>
+                <a:spcPts val="500"/>
+              </a:spcBef>
+              <a:buFont typeface="Arial" panose="020B0604020202020204" pitchFamily="34" charset="0"/>
+              <a:buNone/>
+              <a:defRPr sz="1600" kern="1200">
+                <a:solidFill>
+                  <a:schemeClr val="tx1"/>
+                </a:solidFill>
+                <a:latin typeface="+mn-lt"/>
+                <a:ea typeface="+mn-ea"/>
+                <a:cs typeface="+mn-cs"/>
+              </a:defRPr>
+            </a:lvl9pPr>
+          </a:lstStyle>
+          <a:p>
+            <a:pPr>
+              <a:lnSpc>
+                <a:spcPct val="150000"/>
+              </a:lnSpc>
+            </a:pPr>
+            <a:r>
+              <a:rPr lang="de-DE" sz="3600" dirty="0">
+                <a:cs typeface="Calibri"/>
+              </a:rPr>
+              <a:t>Evaluation von Softwarequalität</a:t>
+            </a:r>
+            <a:endParaRPr lang="de-DE" dirty="0"/>
+          </a:p>
+        </p:txBody>
+      </p:sp>
+      <p:sp>
+        <p:nvSpPr>
+          <p:cNvPr id="9" name="Untertitel 2">
+            <a:extLst>
+              <a:ext uri="{FF2B5EF4-FFF2-40B4-BE49-F238E27FC236}">
+                <a16:creationId xmlns:a16="http://schemas.microsoft.com/office/drawing/2014/main" id="{91CEA67C-7DBB-4DB4-BCA7-2B67D94FDD59}"/>
+              </a:ext>
+            </a:extLst>
+          </p:cNvPr>
+          <p:cNvSpPr txBox="1">
+            <a:spLocks/>
+          </p:cNvSpPr>
+          <p:nvPr/>
+        </p:nvSpPr>
+        <p:spPr>
+          <a:xfrm>
+            <a:off x="1170610" y="2033863"/>
+            <a:ext cx="9099826" cy="3930718"/>
+          </a:xfrm>
+          <a:prstGeom prst="rect">
+            <a:avLst/>
+          </a:prstGeom>
+        </p:spPr>
+        <p:txBody>
+          <a:bodyPr vert="horz" lIns="91440" tIns="45720" rIns="91440" bIns="45720" rtlCol="0" anchor="t">
+            <a:noAutofit/>
+          </a:bodyPr>
+          <a:lstStyle>
+            <a:lvl1pPr marL="0" indent="0" algn="ctr" defTabSz="914400" rtl="0" eaLnBrk="1" latinLnBrk="0" hangingPunct="1">
+              <a:lnSpc>
+                <a:spcPct val="90000"/>
+              </a:lnSpc>
+              <a:spcBef>
+                <a:spcPts val="1000"/>
+              </a:spcBef>
+              <a:buFont typeface="Arial" panose="020B0604020202020204" pitchFamily="34" charset="0"/>
+              <a:buNone/>
+              <a:defRPr sz="2400" kern="1200">
+                <a:solidFill>
+                  <a:schemeClr val="tx1"/>
+                </a:solidFill>
+                <a:latin typeface="+mn-lt"/>
+                <a:ea typeface="+mn-ea"/>
+                <a:cs typeface="+mn-cs"/>
+              </a:defRPr>
+            </a:lvl1pPr>
+            <a:lvl2pPr marL="457200" indent="0" algn="ctr" defTabSz="914400" rtl="0" eaLnBrk="1" latinLnBrk="0" hangingPunct="1">
+              <a:lnSpc>
+                <a:spcPct val="90000"/>
+              </a:lnSpc>
+              <a:spcBef>
+                <a:spcPts val="500"/>
+              </a:spcBef>
+              <a:buFont typeface="Arial" panose="020B0604020202020204" pitchFamily="34" charset="0"/>
+              <a:buNone/>
+              <a:defRPr sz="2000" kern="1200">
+                <a:solidFill>
+                  <a:schemeClr val="tx1"/>
+                </a:solidFill>
+                <a:latin typeface="+mn-lt"/>
+                <a:ea typeface="+mn-ea"/>
+                <a:cs typeface="+mn-cs"/>
+              </a:defRPr>
+            </a:lvl2pPr>
+            <a:lvl3pPr marL="914400" indent="0" algn="ctr" defTabSz="914400" rtl="0" eaLnBrk="1" latinLnBrk="0" hangingPunct="1">
+              <a:lnSpc>
+                <a:spcPct val="90000"/>
+              </a:lnSpc>
+              <a:spcBef>
+                <a:spcPts val="500"/>
+              </a:spcBef>
+              <a:buFont typeface="Arial" panose="020B0604020202020204" pitchFamily="34" charset="0"/>
+              <a:buNone/>
+              <a:defRPr sz="1800" kern="1200">
+                <a:solidFill>
+                  <a:schemeClr val="tx1"/>
+                </a:solidFill>
+                <a:latin typeface="+mn-lt"/>
+                <a:ea typeface="+mn-ea"/>
+                <a:cs typeface="+mn-cs"/>
+              </a:defRPr>
+            </a:lvl3pPr>
+            <a:lvl4pPr marL="1371600" indent="0" algn="ctr" defTabSz="914400" rtl="0" eaLnBrk="1" latinLnBrk="0" hangingPunct="1">
+              <a:lnSpc>
+                <a:spcPct val="90000"/>
+              </a:lnSpc>
+              <a:spcBef>
+                <a:spcPts val="500"/>
+              </a:spcBef>
+              <a:buFont typeface="Arial" panose="020B0604020202020204" pitchFamily="34" charset="0"/>
+              <a:buNone/>
+              <a:defRPr sz="1600" kern="1200">
+                <a:solidFill>
+                  <a:schemeClr val="tx1"/>
+                </a:solidFill>
+                <a:latin typeface="+mn-lt"/>
+                <a:ea typeface="+mn-ea"/>
+                <a:cs typeface="+mn-cs"/>
+              </a:defRPr>
+            </a:lvl4pPr>
+            <a:lvl5pPr marL="1828800" indent="0" algn="ctr" defTabSz="914400" rtl="0" eaLnBrk="1" latinLnBrk="0" hangingPunct="1">
+              <a:lnSpc>
+                <a:spcPct val="90000"/>
+              </a:lnSpc>
+              <a:spcBef>
+                <a:spcPts val="500"/>
+              </a:spcBef>
+              <a:buFont typeface="Arial" panose="020B0604020202020204" pitchFamily="34" charset="0"/>
+              <a:buNone/>
+              <a:defRPr sz="1600" kern="1200">
+                <a:solidFill>
+                  <a:schemeClr val="tx1"/>
+                </a:solidFill>
+                <a:latin typeface="+mn-lt"/>
+                <a:ea typeface="+mn-ea"/>
+                <a:cs typeface="+mn-cs"/>
+              </a:defRPr>
+            </a:lvl5pPr>
+            <a:lvl6pPr marL="2286000" indent="0" algn="ctr" defTabSz="914400" rtl="0" eaLnBrk="1" latinLnBrk="0" hangingPunct="1">
+              <a:lnSpc>
+                <a:spcPct val="90000"/>
+              </a:lnSpc>
+              <a:spcBef>
+                <a:spcPts val="500"/>
+              </a:spcBef>
+              <a:buFont typeface="Arial" panose="020B0604020202020204" pitchFamily="34" charset="0"/>
+              <a:buNone/>
+              <a:defRPr sz="1600" kern="1200">
+                <a:solidFill>
+                  <a:schemeClr val="tx1"/>
+                </a:solidFill>
+                <a:latin typeface="+mn-lt"/>
+                <a:ea typeface="+mn-ea"/>
+                <a:cs typeface="+mn-cs"/>
+              </a:defRPr>
+            </a:lvl6pPr>
+            <a:lvl7pPr marL="2743200" indent="0" algn="ctr" defTabSz="914400" rtl="0" eaLnBrk="1" latinLnBrk="0" hangingPunct="1">
+              <a:lnSpc>
+                <a:spcPct val="90000"/>
+              </a:lnSpc>
+              <a:spcBef>
+                <a:spcPts val="500"/>
+              </a:spcBef>
+              <a:buFont typeface="Arial" panose="020B0604020202020204" pitchFamily="34" charset="0"/>
+              <a:buNone/>
+              <a:defRPr sz="1600" kern="1200">
+                <a:solidFill>
+                  <a:schemeClr val="tx1"/>
+                </a:solidFill>
+                <a:latin typeface="+mn-lt"/>
+                <a:ea typeface="+mn-ea"/>
+                <a:cs typeface="+mn-cs"/>
+              </a:defRPr>
+            </a:lvl7pPr>
+            <a:lvl8pPr marL="3200400" indent="0" algn="ctr" defTabSz="914400" rtl="0" eaLnBrk="1" latinLnBrk="0" hangingPunct="1">
+              <a:lnSpc>
+                <a:spcPct val="90000"/>
+              </a:lnSpc>
+              <a:spcBef>
+                <a:spcPts val="500"/>
+              </a:spcBef>
+              <a:buFont typeface="Arial" panose="020B0604020202020204" pitchFamily="34" charset="0"/>
+              <a:buNone/>
+              <a:defRPr sz="1600" kern="1200">
+                <a:solidFill>
+                  <a:schemeClr val="tx1"/>
+                </a:solidFill>
+                <a:latin typeface="+mn-lt"/>
+                <a:ea typeface="+mn-ea"/>
+                <a:cs typeface="+mn-cs"/>
+              </a:defRPr>
+            </a:lvl8pPr>
+            <a:lvl9pPr marL="3657600" indent="0" algn="ctr" defTabSz="914400" rtl="0" eaLnBrk="1" latinLnBrk="0" hangingPunct="1">
+              <a:lnSpc>
+                <a:spcPct val="90000"/>
+              </a:lnSpc>
+              <a:spcBef>
+                <a:spcPts val="500"/>
+              </a:spcBef>
+              <a:buFont typeface="Arial" panose="020B0604020202020204" pitchFamily="34" charset="0"/>
+              <a:buNone/>
+              <a:defRPr sz="1600" kern="1200">
+                <a:solidFill>
+                  <a:schemeClr val="tx1"/>
+                </a:solidFill>
+                <a:latin typeface="+mn-lt"/>
+                <a:ea typeface="+mn-ea"/>
+                <a:cs typeface="+mn-cs"/>
+              </a:defRPr>
+            </a:lvl9pPr>
+          </a:lstStyle>
+          <a:p>
+            <a:pPr marL="342900" indent="-342900" algn="l">
+              <a:lnSpc>
+                <a:spcPct val="150000"/>
+              </a:lnSpc>
+              <a:buFont typeface="Arial" panose="020B0604020202020204" pitchFamily="34" charset="0"/>
+              <a:buChar char="•"/>
+            </a:pPr>
+            <a:endParaRPr lang="de-DE" dirty="0">
               <a:cs typeface="Calibri"/>
             </a:endParaRPr>
           </a:p>
           <a:p>
-            <a:pPr algn="l"/>
-            <a:endParaRPr lang="de-DE" sz="1400" dirty="0">
+            <a:pPr marL="342900" indent="-342900" algn="l">
+              <a:lnSpc>
+                <a:spcPct val="150000"/>
+              </a:lnSpc>
+              <a:buChar char="•"/>
+            </a:pPr>
+            <a:endParaRPr lang="de-DE" dirty="0">
               <a:cs typeface="Calibri"/>
-            </a:endParaRPr>
-          </a:p>
-          <a:p>
-            <a:pPr algn="l"/>
-            <a:r>
-              <a:rPr lang="de-DE" sz="1400">
-                <a:cs typeface="Calibri"/>
-              </a:rPr>
-              <a:t>Bilgaiyan, S., Mishra, S., Das, M.: A Review of Software Cost Estimation in Agile Software Development Using Soft Computing Techniques. In: 2016 2nd International Conference on Computational Intelligence and Networks (CINE), Computational Intelligence and Networks (CINE), 2016 2nd International Conference on, cine. p. 112. IEEE. </a:t>
-            </a:r>
-            <a:r>
-              <a:rPr lang="de-DE" sz="1400" dirty="0">
-                <a:cs typeface="Calibri"/>
-              </a:rPr>
-              <a:t>https://doi.org/10.1109/CINE.2016.27</a:t>
-            </a:r>
-            <a:endParaRPr lang="de-DE">
-              <a:cs typeface="Calibri" panose="020F0502020204030204"/>
             </a:endParaRPr>
           </a:p>
         </p:txBody>
@@ -17202,7 +18123,7 @@
     </p:spTree>
     <p:extLst>
       <p:ext uri="{BB962C8B-B14F-4D97-AF65-F5344CB8AC3E}">
-        <p14:creationId xmlns:p14="http://schemas.microsoft.com/office/powerpoint/2010/main" val="215569310"/>
+        <p14:creationId xmlns:p14="http://schemas.microsoft.com/office/powerpoint/2010/main" val="1407758470"/>
       </p:ext>
     </p:extLst>
   </p:cSld>
@@ -17397,85 +18318,174 @@
           </a:bodyPr>
           <a:lstStyle/>
           <a:p>
-            <a:pPr algn="l"/>
+            <a:pPr algn="l">
+              <a:lnSpc>
+                <a:spcPct val="100000"/>
+              </a:lnSpc>
+            </a:pPr>
+            <a:r>
+              <a:rPr lang="de-DE" sz="1400">
+                <a:cs typeface="Calibri"/>
+              </a:rPr>
+              <a:t>Meng, J., Zhang, J., Zhao, H.: Overview of the speech recognition technology. Proceedings - 4th International Conference on Computational and Information Sciences, ICCIS 2012, pp. 199{202 (2012). </a:t>
+            </a:r>
+            <a:r>
+              <a:rPr lang="de-DE" sz="1400" dirty="0">
+                <a:cs typeface="Calibri"/>
+              </a:rPr>
+              <a:t>https://doi.org/10.1109/ICCIS.2012.202</a:t>
+            </a:r>
+            <a:endParaRPr lang="de-DE">
+              <a:cs typeface="Calibri" panose="020F0502020204030204"/>
+            </a:endParaRPr>
+          </a:p>
+          <a:p>
+            <a:pPr algn="l">
+              <a:lnSpc>
+                <a:spcPct val="100000"/>
+              </a:lnSpc>
+            </a:pPr>
+            <a:endParaRPr lang="de-DE" sz="1400" dirty="0">
+              <a:cs typeface="Calibri"/>
+            </a:endParaRPr>
+          </a:p>
+          <a:p>
+            <a:pPr algn="l">
+              <a:lnSpc>
+                <a:spcPct val="100000"/>
+              </a:lnSpc>
+            </a:pPr>
+            <a:r>
+              <a:rPr lang="de-DE" sz="1400">
+                <a:cs typeface="Calibri"/>
+              </a:rPr>
+              <a:t>Vydana, H.K., Vuppala, A.K.: Residual neural networks for speech recognition. 25th European Signal Processing Conference, EUSIPCO 2017 pp. 543{547. </a:t>
+            </a:r>
+            <a:r>
+              <a:rPr lang="de-DE" sz="1400" dirty="0">
+                <a:cs typeface="Calibri"/>
+              </a:rPr>
+              <a:t>https://doi.org/10.23919/EUSIPCO.2017.8081266</a:t>
+            </a:r>
+          </a:p>
+          <a:p>
+            <a:pPr algn="l">
+              <a:lnSpc>
+                <a:spcPct val="100000"/>
+              </a:lnSpc>
+            </a:pPr>
+            <a:endParaRPr lang="de-DE" sz="1400" dirty="0">
+              <a:cs typeface="Calibri"/>
+            </a:endParaRPr>
+          </a:p>
+          <a:p>
+            <a:pPr algn="l">
+              <a:lnSpc>
+                <a:spcPct val="100000"/>
+              </a:lnSpc>
+            </a:pPr>
+            <a:r>
+              <a:rPr lang="de-DE" sz="1400" dirty="0">
+                <a:cs typeface="Calibri"/>
+              </a:rPr>
+              <a:t>Guiming, D., Xia, W., Guangyan, W., Yan, Z., Dan, L.: Speech recognition based on convolutional neural networks. 2016 IEEE </a:t>
+            </a:r>
+            <a:r>
+              <a:rPr lang="de-DE" sz="1400">
+                <a:cs typeface="Calibri"/>
+              </a:rPr>
+              <a:t>International Conference on Signal and Image Processing, ICSIP 2016 pp. 708{711. https://doi.org/10.1109/SIPROCESS.2016.7888355</a:t>
+            </a:r>
+          </a:p>
+          <a:p>
+            <a:pPr algn="l">
+              <a:lnSpc>
+                <a:spcPct val="100000"/>
+              </a:lnSpc>
+            </a:pPr>
+            <a:endParaRPr lang="de-DE" sz="1400" dirty="0">
+              <a:cs typeface="Calibri"/>
+            </a:endParaRPr>
+          </a:p>
+          <a:p>
+            <a:pPr algn="l">
+              <a:lnSpc>
+                <a:spcPct val="100000"/>
+              </a:lnSpc>
+            </a:pPr>
+            <a:r>
+              <a:rPr lang="de-DE" sz="1400">
+                <a:cs typeface="Calibri"/>
+              </a:rPr>
+              <a:t>Maind, M.S.B., Wankar, M.P.: Research Paper on Basic of Articial Neural Network. International Journal on Recent and Innovation Trends in Computing and Communication 2(1), 96{100 (2014). https://doi.org/10.1109/Oceans-</a:t>
+            </a:r>
+            <a:r>
+              <a:rPr lang="de-DE" sz="1400" dirty="0">
+                <a:cs typeface="Calibri"/>
+              </a:rPr>
+              <a:t>Spain.2011.6003625, </a:t>
+            </a:r>
+            <a:r>
+              <a:rPr lang="de-DE" sz="1400">
+                <a:cs typeface="Calibri"/>
+              </a:rPr>
+              <a:t>http://www.ijritcc.org</a:t>
+            </a:r>
+          </a:p>
+          <a:p>
+            <a:pPr algn="l">
+              <a:lnSpc>
+                <a:spcPct val="100000"/>
+              </a:lnSpc>
+            </a:pPr>
+            <a:endParaRPr lang="de-DE" sz="1400" dirty="0">
+              <a:cs typeface="Calibri" panose="020F0502020204030204"/>
+            </a:endParaRPr>
+          </a:p>
+          <a:p>
+            <a:pPr algn="l">
+              <a:lnSpc>
+                <a:spcPct val="100000"/>
+              </a:lnSpc>
+            </a:pPr>
             <a:r>
               <a:rPr lang="de-DE" sz="1400">
                 <a:cs typeface="Calibri" panose="020F0502020204030204"/>
               </a:rPr>
-              <a:t>Jeery, D.R., Low, G.: Calibrating estimation tools for software development. Software Engineering Journal 5(4), 215{221 (1990). https://doi.org/10.1049/sej.1990.0024</a:t>
-            </a:r>
-            <a:endParaRPr lang="de-DE"/>
+              <a:t>Tang, X.: Hybrid hidden markov model and arti cial neural network for automatic speech recognition. Proceedings of the 2009 Paci c-Asia Conference on Circuits, Communications and System, PACCS 2009, pp. 682{685 (2009). https://doi.org/10.1109/PACCS.2009.138</a:t>
+            </a:r>
+          </a:p>
+          <a:p>
+            <a:pPr algn="l">
+              <a:lnSpc>
+                <a:spcPct val="100000"/>
+              </a:lnSpc>
+            </a:pPr>
+            <a:endParaRPr lang="de-DE" sz="1400" dirty="0">
+              <a:cs typeface="Calibri" panose="020F0502020204030204"/>
+            </a:endParaRPr>
+          </a:p>
+          <a:p>
+            <a:pPr algn="l"/>
+            <a:r>
+              <a:rPr lang="de-DE" sz="1400">
+                <a:cs typeface="Calibri" panose="020F0502020204030204"/>
+              </a:rPr>
+              <a:t>Khalifelu, Z.A., Gharehchopogh, F.S.: Comparison and evaluation of data mining techniques with algorithmic models in software cost estimation. Procedia Technology 1, 65{71 (2012). https://doi.org/10.1016/j.protcy.2012.02.013</a:t>
+            </a:r>
           </a:p>
           <a:p>
             <a:pPr algn="l"/>
             <a:endParaRPr lang="de-DE" sz="1400" dirty="0">
               <a:cs typeface="Calibri" panose="020F0502020204030204"/>
             </a:endParaRPr>
-          </a:p>
-          <a:p>
-            <a:pPr algn="l"/>
-            <a:r>
-              <a:rPr lang="de-DE" sz="1400">
-                <a:cs typeface="Calibri" panose="020F0502020204030204"/>
-              </a:rPr>
-              <a:t>Heemstra, F.J.: Software Cost Estimation. Handbook of Software Engineering, Hong Kong Polytechnic University 34(10) (1992). https://doi.org/10.1142/97898123897010014</a:t>
-            </a:r>
-            <a:endParaRPr lang="de-DE"/>
-          </a:p>
-          <a:p>
-            <a:pPr algn="l"/>
-            <a:endParaRPr lang="de-DE" sz="1400" dirty="0">
-              <a:cs typeface="Calibri" panose="020F0502020204030204"/>
-            </a:endParaRPr>
-          </a:p>
-          <a:p>
-            <a:pPr algn="l"/>
-            <a:r>
-              <a:rPr lang="de-DE" sz="1400">
-                <a:cs typeface="Calibri" panose="020F0502020204030204"/>
-              </a:rPr>
-              <a:t>Huang, X., Ho, D., Ren, J., Capretz, L.F.: Improving the COCOMO model using a neuro-fuzzy approach. Applied Soft Computing 7(1), 29{ 40 (2007). https://doi.org/10.1016/J.ASOC.2005.06.007</a:t>
-            </a:r>
-            <a:endParaRPr lang="de-DE"/>
-          </a:p>
-          <a:p>
-            <a:pPr algn="l"/>
-            <a:endParaRPr lang="de-DE" sz="1400" dirty="0">
-              <a:cs typeface="Calibri" panose="020F0502020204030204"/>
-            </a:endParaRPr>
-          </a:p>
-          <a:p>
-            <a:pPr algn="l"/>
-            <a:r>
-              <a:rPr lang="de-DE" sz="1400">
-                <a:cs typeface="Calibri" panose="020F0502020204030204"/>
-              </a:rPr>
-              <a:t> Huang, S.J., Lin, C.Y., Chiu, N.H.: Fuzzy decision tree approach for embedding risk assessment information into software cost estimation model. Journal of Information Science and Engineering 22(2), 297{313 (2006)</a:t>
-            </a:r>
-            <a:endParaRPr lang="de-DE"/>
-          </a:p>
-          <a:p>
-            <a:pPr algn="l"/>
-            <a:endParaRPr lang="de-DE" sz="1400" dirty="0">
-              <a:cs typeface="Calibri"/>
-            </a:endParaRPr>
-          </a:p>
-          <a:p>
-            <a:pPr algn="l"/>
-            <a:r>
-              <a:rPr lang="de-DE" sz="1400">
-                <a:cs typeface="Calibri"/>
-              </a:rPr>
-              <a:t>Jain, R., Sharma, V.K., Hiranwal, S.: Reduce mean magnitude relative error in software cost estimation by HOD-COCOMO algorithm. In: 2016 International Conference on Control, Instrumentation, Communication and Computational Technologies (ICCICCT). pp. 708{712. https://doi.org/10.1109/ICCICCT.2016.7988044</a:t>
-            </a:r>
-            <a:endParaRPr lang="de-DE"/>
           </a:p>
         </p:txBody>
       </p:sp>
     </p:spTree>
     <p:extLst>
       <p:ext uri="{BB962C8B-B14F-4D97-AF65-F5344CB8AC3E}">
-        <p14:creationId xmlns:p14="http://schemas.microsoft.com/office/powerpoint/2010/main" val="3811347739"/>
+        <p14:creationId xmlns:p14="http://schemas.microsoft.com/office/powerpoint/2010/main" val="857233425"/>
       </p:ext>
     </p:extLst>
   </p:cSld>
@@ -17673,11 +18683,28 @@
             <a:pPr algn="l"/>
             <a:r>
               <a:rPr lang="de-DE" sz="1400">
-                <a:cs typeface="Calibri" panose="020F0502020204030204"/>
-              </a:rPr>
-              <a:t>Chen, Z., Menzies, T., Port, D., Boehm, B.: Feature subset selection can improve software cost estimation accuracy. ACM SIGSOFT Software Engineering Notes 30(4), 1 (2005). https://doi.org/10.1145/1082983.1083171</a:t>
-            </a:r>
-            <a:endParaRPr lang="de-DE"/>
+                <a:cs typeface="Calibri"/>
+              </a:rPr>
+              <a:t>Jayashree, P., Melvin Jose, J., Premkumar: Machine learning in automatic speech recognition: A survey. IETE Technical Review (Institution of Electronics and Telecommunication Engineers, India) 32(4), 240{251 (2015). https://doi.org/10.1080/02564602.2015.1010611</a:t>
+            </a:r>
+          </a:p>
+          <a:p>
+            <a:pPr algn="l"/>
+            <a:endParaRPr lang="de-DE" sz="1400" dirty="0">
+              <a:cs typeface="Calibri"/>
+            </a:endParaRPr>
+          </a:p>
+          <a:p>
+            <a:pPr algn="l"/>
+            <a:r>
+              <a:rPr lang="de-DE" sz="1400">
+                <a:cs typeface="Calibri"/>
+              </a:rPr>
+              <a:t>A. K. Jain, Robert P. W. Duin, J. Mao: Statistical Pattern Recognition: A Review. IEEE Transactions on Pattern Analysis And Machine Intelligence, Vol. 22, No. 1, January 2000 22(1), 4{37 (2000)</a:t>
+            </a:r>
+            <a:endParaRPr lang="en-US" sz="1400">
+              <a:cs typeface="Calibri" panose="020F0502020204030204"/>
+            </a:endParaRPr>
           </a:p>
           <a:p>
             <a:pPr algn="l"/>
@@ -17688,18 +18715,14 @@
           <a:p>
             <a:pPr algn="l"/>
             <a:r>
-              <a:rPr lang="de-DE" sz="1400" dirty="0">
-                <a:cs typeface="Calibri" panose="020F0502020204030204"/>
-              </a:rPr>
-              <a:t>Abrahamsson, P., Moser, R., Pedrycz, W., Sillitti, A., Succi, G.: Eort Prediction in Iterative Software Development Processes { Incremental Versus </a:t>
-            </a:r>
-            <a:r>
               <a:rPr lang="de-DE" sz="1400">
                 <a:cs typeface="Calibri" panose="020F0502020204030204"/>
               </a:rPr>
-              <a:t>Global Prediction Models. In: First International Symposium on Empirical Software Engineering and Measurement (ESEM 2007). Pp. 344{353 (2007). https://doi.org/10.1109/ESEM.2007.16</a:t>
-            </a:r>
-            <a:endParaRPr lang="de-DE"/>
+              <a:t> Awasthi, A.: Facial Emotion Recognition Using Deep Learning. IEEE 4th International Conference on Knowledge-Based Engineering and Innovation (KBEI) Dec. 22, 2017 1(September), 9{12 (2013). https://doi.org/10.1145/2818346.2830593</a:t>
+            </a:r>
+            <a:endParaRPr lang="de-DE">
+              <a:cs typeface="Calibri"/>
+            </a:endParaRPr>
           </a:p>
           <a:p>
             <a:pPr algn="l"/>
@@ -17713,15 +18736,17 @@
               <a:rPr lang="de-DE" sz="1400">
                 <a:cs typeface="Calibri" panose="020F0502020204030204"/>
               </a:rPr>
-              <a:t>Boetticher, G.D.: Using Machine Learning to Predict Project Eort: Empirical Case Studies in Data-Starved Domains. Model Based Requirements Workshop pp. 17{24 (2001). </a:t>
+              <a:t>Santos, R.M., Matos, L.N., Macedo, H.T., Montalvao, J.: Speech recognition in noisy environments with convolutional neural networks. Proceedings - 2015 Brazilian Conference on Intelligent Systems, BRACIS 2015 pp. 175{179 (2016). </a:t>
             </a:r>
             <a:r>
               <a:rPr lang="de-DE" sz="1400" dirty="0">
                 <a:cs typeface="Calibri" panose="020F0502020204030204"/>
               </a:rPr>
-              <a:t>https://doi.org/10.1.1.19.111</a:t>
-            </a:r>
-            <a:endParaRPr lang="de-DE"/>
+              <a:t>https://doi.org/10.1109/BRACIS.2015.44</a:t>
+            </a:r>
+            <a:endParaRPr lang="de-DE">
+              <a:cs typeface="Calibri" panose="020F0502020204030204"/>
+            </a:endParaRPr>
           </a:p>
           <a:p>
             <a:pPr algn="l"/>
@@ -17735,9 +18760,17 @@
               <a:rPr lang="de-DE" sz="1400">
                 <a:cs typeface="Calibri" panose="020F0502020204030204"/>
               </a:rPr>
-              <a:t>Setyawati, B.R., Sahirman, S., Creese, R.C.: Neural Networks for Cost Estimation. AACE International Transactions p. 13.1 (2002)</a:t>
-            </a:r>
-            <a:endParaRPr lang="de-DE"/>
+              <a:t>Deng, L., Yu, D.: Automatic speech recognition, Springer Verlag, vol. 9 (2015). </a:t>
+            </a:r>
+            <a:r>
+              <a:rPr lang="de-DE" sz="1400" dirty="0">
+                <a:cs typeface="Calibri" panose="020F0502020204030204"/>
+              </a:rPr>
+              <a:t>https://doi.org/10.1007/BF02747521</a:t>
+            </a:r>
+            <a:endParaRPr lang="de-DE">
+              <a:cs typeface="Calibri" panose="020F0502020204030204"/>
+            </a:endParaRPr>
           </a:p>
           <a:p>
             <a:pPr algn="l"/>
@@ -17751,25 +18784,7 @@
               <a:rPr lang="de-DE" sz="1400">
                 <a:cs typeface="Calibri" panose="020F0502020204030204"/>
               </a:rPr>
-              <a:t>Finnie, G.R., Wittig, G.E.: AI tools for software development eort estimation. Software Engineering: Education and Practice,20 1996. Proceedings. International Conference pp. 346{353 (1996). https://doi.org/10.1109/SEEP.1996.534020</a:t>
-            </a:r>
-            <a:endParaRPr lang="de-DE">
-              <a:cs typeface="Calibri" panose="020F0502020204030204"/>
-            </a:endParaRPr>
-          </a:p>
-          <a:p>
-            <a:pPr algn="l"/>
-            <a:endParaRPr lang="de-DE" sz="1400" dirty="0">
-              <a:cs typeface="Calibri" panose="020F0502020204030204"/>
-            </a:endParaRPr>
-          </a:p>
-          <a:p>
-            <a:pPr algn="l"/>
-            <a:r>
-              <a:rPr lang="de-DE" sz="1400">
-                <a:cs typeface="Calibri" panose="020F0502020204030204"/>
-              </a:rPr>
-              <a:t>Gharehchopogh, F.S.: Neural networks application in software cost estimation: A case study. In: 2011 International Symposium on Innovations in Intelligent Systems and Applications. pp. 69{73 (2011). https://doi.org/10.1109/INISTA.2011.5946160</a:t>
+              <a:t>Aracena, C., Basterrech, S., Snasel, V., Velasquez, J.: Neural Networks for Emotion Recognition Based on Eye Tracking Data. Proceedings - 2015 IEEE International Conference on Systems, Man, and Cybernetics, SMC 2015 pp. 2632{2637 (2016). https://doi.org/10.1109/SMC.2015.460</a:t>
             </a:r>
             <a:endParaRPr lang="de-DE">
               <a:cs typeface="Calibri" panose="020F0502020204030204"/>
@@ -17780,7 +18795,7 @@
     </p:spTree>
     <p:extLst>
       <p:ext uri="{BB962C8B-B14F-4D97-AF65-F5344CB8AC3E}">
-        <p14:creationId xmlns:p14="http://schemas.microsoft.com/office/powerpoint/2010/main" val="849647106"/>
+        <p14:creationId xmlns:p14="http://schemas.microsoft.com/office/powerpoint/2010/main" val="2284096542"/>
       </p:ext>
     </p:extLst>
   </p:cSld>
@@ -17977,27 +18992,24 @@
           <a:p>
             <a:pPr algn="l"/>
             <a:r>
+              <a:rPr lang="de-DE" sz="1400" dirty="0">
+                <a:cs typeface="Calibri"/>
+              </a:rPr>
+              <a:t>Surace, L., Patacchiola, M., Sonmez, E.B., Spataro, W., Cangelosi, A.: Emotion Recognition in the Wild using Deep Neural Networks and Bayesian </a:t>
+            </a:r>
+            <a:r>
               <a:rPr lang="de-DE" sz="1400">
                 <a:cs typeface="Calibri" panose="020F0502020204030204"/>
               </a:rPr>
-              <a:t>Franz, K.: Handbuch zum Testen von Web- und Mobile-Apps, Springer- Verlag Berlin Heidelberg (2015). </a:t>
+              <a:t>Classi ers. Proceeding ICMI 2017 Proceedings of the 19th ACM International Conference on Multimodal Interaction Pages 593- 597 pp. 593{597 (2017). </a:t>
             </a:r>
             <a:r>
               <a:rPr lang="de-DE" sz="1400" dirty="0">
                 <a:cs typeface="Calibri" panose="020F0502020204030204"/>
               </a:rPr>
-              <a:t>https://doi.org/10.1007/978-3-662-</a:t>
-            </a:r>
-            <a:r>
-              <a:rPr lang="de-DE" sz="1400" dirty="0">
-                <a:cs typeface="Calibri" panose="020F0502020204030204"/>
-                <a:hlinkClick r:id="rId4"/>
-              </a:rPr>
-              <a:t>44028-5</a:t>
-            </a:r>
-            <a:endParaRPr lang="de-DE">
-              <a:cs typeface="Calibri" panose="020F0502020204030204"/>
-            </a:endParaRPr>
+              <a:t>https://doi.org/10.1145/3136755.3143015</a:t>
+            </a:r>
+            <a:endParaRPr lang="de-DE"/>
           </a:p>
           <a:p>
             <a:pPr algn="l"/>
@@ -18011,7 +19023,7 @@
               <a:rPr lang="de-DE" sz="1400">
                 <a:cs typeface="Calibri" panose="020F0502020204030204"/>
               </a:rPr>
-              <a:t>Antinyan, V., Derehag, J., Sandberg, A., Staron, M.: Mythical unit test coverage. IEEE Software (3), 73{79 (2018). https://doi.org/10.1109/MS.2017.3281318</a:t>
+              <a:t>Huang, C.: Combining convolutional neural networks for emotion recognition. 2017 IEEE MIT Undergraduate Research Technology Conference, URTC 2017 pp. 1{4 (2018). https://doi.org/10.1109/URTC.2017.8284175</a:t>
             </a:r>
             <a:endParaRPr lang="de-DE"/>
           </a:p>
@@ -18027,7 +19039,7 @@
               <a:rPr lang="de-DE" sz="1400">
                 <a:cs typeface="Calibri" panose="020F0502020204030204"/>
               </a:rPr>
-              <a:t>Committee, S.&amp;.S.E.S., Others: IEEE Std 1061-1998-IEEE Standard for a Software Quality Metrics Methodology. IEEE Computer Society, Tech. Rep (1998)</a:t>
+              <a:t>Bajta, M.E., Idri, A., Ros, J.N., Fernandez-Aleman, J.L., Gea, J.M.C.D., Garca, F., Toval, A.: Software project management approaches for global software development: a systematic mapping study. Tsinghua Science and Technology 23(6), 690{714 (2018). https://doi.org/10.26599/TST.2018.9010029</a:t>
             </a:r>
             <a:endParaRPr lang="de-DE"/>
           </a:p>
@@ -18043,52 +19055,40 @@
               <a:rPr lang="de-DE" sz="1400">
                 <a:cs typeface="Calibri" panose="020F0502020204030204"/>
               </a:rPr>
-              <a:t>Wu, L., Liu, B., Jin, Y., Xie, X.: Using back-propagation neural networks for functional software testing. In: 2nd International Conference on Anti-counterfeiting, Security and Identi cation, ASID 2008. https://doi.org/10.1109/IWASID.2008.4688385</a:t>
-            </a:r>
-            <a:endParaRPr lang="de-DE"/>
-          </a:p>
-          <a:p>
-            <a:pPr algn="l"/>
-            <a:endParaRPr lang="de-DE" sz="1400" dirty="0">
-              <a:cs typeface="Calibri" panose="020F0502020204030204"/>
-            </a:endParaRPr>
-          </a:p>
-          <a:p>
-            <a:pPr algn="l"/>
-            <a:r>
-              <a:rPr lang="de-DE" sz="1400">
-                <a:cs typeface="Calibri" panose="020F0502020204030204"/>
-              </a:rPr>
-              <a:t>Majma, N., Babamir, S.M.: Software test case generation &amp; test oracle design using neural network. 22nd Iranian Conference on Electrical Engineering, ICEE 2014 pp. 1168{1173 (2014). https://doi.org/10.1109/IranianCEE.2014.6999712</a:t>
-            </a:r>
-            <a:endParaRPr lang="de-DE"/>
-          </a:p>
-          <a:p>
-            <a:pPr algn="l"/>
-            <a:endParaRPr lang="de-DE" sz="1400" dirty="0">
-              <a:cs typeface="Calibri" panose="020F0502020204030204"/>
-            </a:endParaRPr>
-          </a:p>
-          <a:p>
-            <a:pPr algn="l"/>
-            <a:r>
-              <a:rPr lang="de-DE" sz="1400">
-                <a:cs typeface="Calibri" panose="020F0502020204030204"/>
-              </a:rPr>
-              <a:t>Pomorova, O., Hovorushchenko, T.: Arti cial neural network for software quality evaluation based on the metric analysis. Proceedings of IEEE East-West Design and Test Symposium, EWDTS 2013 pp. 0{3 (2013). </a:t>
+              <a:t>Matson, J.E., Barrett, B.E., Mellichamp, J.M.: Software development cost estimation using function points. IEEE Transactions on Software Engineering 20(4), 275{287 (1994). </a:t>
             </a:r>
             <a:r>
               <a:rPr lang="de-DE" sz="1400" dirty="0">
                 <a:cs typeface="Calibri" panose="020F0502020204030204"/>
               </a:rPr>
-              <a:t>https://doi.org/10.1109/EWDTS.2013.6673193</a:t>
-            </a:r>
-            <a:endParaRPr lang="de-DE"/>
+              <a:t>https://doi.org/10.1109/32.277575</a:t>
+            </a:r>
+            <a:endParaRPr lang="de-DE">
+              <a:cs typeface="Calibri"/>
+            </a:endParaRPr>
           </a:p>
           <a:p>
             <a:pPr algn="l"/>
             <a:endParaRPr lang="de-DE" sz="1400" dirty="0">
               <a:cs typeface="Calibri"/>
+            </a:endParaRPr>
+          </a:p>
+          <a:p>
+            <a:pPr algn="l"/>
+            <a:r>
+              <a:rPr lang="de-DE" sz="1400">
+                <a:cs typeface="Calibri"/>
+              </a:rPr>
+              <a:t>Bilgaiyan, S., Mishra, S., Das, M.: A Review of Software Cost Estimation in Agile Software Development Using Soft Computing Techniques. In: 2016 2nd International Conference on Computational Intelligence and Networks (CINE), Computational Intelligence and Networks (CINE), 2016 2nd International Conference on, cine. p. 112. IEEE. </a:t>
+            </a:r>
+            <a:r>
+              <a:rPr lang="de-DE" sz="1400" dirty="0">
+                <a:cs typeface="Calibri"/>
+              </a:rPr>
+              <a:t>https://doi.org/10.1109/CINE.2016.27</a:t>
+            </a:r>
+            <a:endParaRPr lang="de-DE">
+              <a:cs typeface="Calibri" panose="020F0502020204030204"/>
             </a:endParaRPr>
           </a:p>
         </p:txBody>
@@ -18096,7 +19096,7 @@
     </p:spTree>
     <p:extLst>
       <p:ext uri="{BB962C8B-B14F-4D97-AF65-F5344CB8AC3E}">
-        <p14:creationId xmlns:p14="http://schemas.microsoft.com/office/powerpoint/2010/main" val="941542405"/>
+        <p14:creationId xmlns:p14="http://schemas.microsoft.com/office/powerpoint/2010/main" val="215569310"/>
       </p:ext>
     </p:extLst>
   </p:cSld>
@@ -18296,6 +19296,900 @@
               <a:rPr lang="de-DE" sz="1400">
                 <a:cs typeface="Calibri" panose="020F0502020204030204"/>
               </a:rPr>
+              <a:t>Jeery, D.R., Low, G.: Calibrating estimation tools for software development. Software Engineering Journal 5(4), 215{221 (1990). https://doi.org/10.1049/sej.1990.0024</a:t>
+            </a:r>
+            <a:endParaRPr lang="de-DE"/>
+          </a:p>
+          <a:p>
+            <a:pPr algn="l"/>
+            <a:endParaRPr lang="de-DE" sz="1400" dirty="0">
+              <a:cs typeface="Calibri" panose="020F0502020204030204"/>
+            </a:endParaRPr>
+          </a:p>
+          <a:p>
+            <a:pPr algn="l"/>
+            <a:r>
+              <a:rPr lang="de-DE" sz="1400">
+                <a:cs typeface="Calibri" panose="020F0502020204030204"/>
+              </a:rPr>
+              <a:t>Heemstra, F.J.: Software Cost Estimation. Handbook of Software Engineering, Hong Kong Polytechnic University 34(10) (1992). https://doi.org/10.1142/97898123897010014</a:t>
+            </a:r>
+            <a:endParaRPr lang="de-DE"/>
+          </a:p>
+          <a:p>
+            <a:pPr algn="l"/>
+            <a:endParaRPr lang="de-DE" sz="1400" dirty="0">
+              <a:cs typeface="Calibri" panose="020F0502020204030204"/>
+            </a:endParaRPr>
+          </a:p>
+          <a:p>
+            <a:pPr algn="l"/>
+            <a:r>
+              <a:rPr lang="de-DE" sz="1400">
+                <a:cs typeface="Calibri" panose="020F0502020204030204"/>
+              </a:rPr>
+              <a:t>Huang, X., Ho, D., Ren, J., Capretz, L.F.: Improving the COCOMO model using a neuro-fuzzy approach. Applied Soft Computing 7(1), 29{ 40 (2007). https://doi.org/10.1016/J.ASOC.2005.06.007</a:t>
+            </a:r>
+            <a:endParaRPr lang="de-DE"/>
+          </a:p>
+          <a:p>
+            <a:pPr algn="l"/>
+            <a:endParaRPr lang="de-DE" sz="1400" dirty="0">
+              <a:cs typeface="Calibri" panose="020F0502020204030204"/>
+            </a:endParaRPr>
+          </a:p>
+          <a:p>
+            <a:pPr algn="l"/>
+            <a:r>
+              <a:rPr lang="de-DE" sz="1400">
+                <a:cs typeface="Calibri" panose="020F0502020204030204"/>
+              </a:rPr>
+              <a:t> Huang, S.J., Lin, C.Y., Chiu, N.H.: Fuzzy decision tree approach for embedding risk assessment information into software cost estimation model. Journal of Information Science and Engineering 22(2), 297{313 (2006)</a:t>
+            </a:r>
+            <a:endParaRPr lang="de-DE"/>
+          </a:p>
+          <a:p>
+            <a:pPr algn="l"/>
+            <a:endParaRPr lang="de-DE" sz="1400" dirty="0">
+              <a:cs typeface="Calibri"/>
+            </a:endParaRPr>
+          </a:p>
+          <a:p>
+            <a:pPr algn="l"/>
+            <a:r>
+              <a:rPr lang="de-DE" sz="1400">
+                <a:cs typeface="Calibri"/>
+              </a:rPr>
+              <a:t>Jain, R., Sharma, V.K., Hiranwal, S.: Reduce mean magnitude relative error in software cost estimation by HOD-COCOMO algorithm. In: 2016 International Conference on Control, Instrumentation, Communication and Computational Technologies (ICCICCT). pp. 708{712. https://doi.org/10.1109/ICCICCT.2016.7988044</a:t>
+            </a:r>
+            <a:endParaRPr lang="de-DE"/>
+          </a:p>
+        </p:txBody>
+      </p:sp>
+    </p:spTree>
+    <p:extLst>
+      <p:ext uri="{BB962C8B-B14F-4D97-AF65-F5344CB8AC3E}">
+        <p14:creationId xmlns:p14="http://schemas.microsoft.com/office/powerpoint/2010/main" val="3811347739"/>
+      </p:ext>
+    </p:extLst>
+  </p:cSld>
+  <p:clrMapOvr>
+    <a:masterClrMapping/>
+  </p:clrMapOvr>
+</p:sld>
+</file>
+
+<file path=ppt/slides/slide36.xml><?xml version="1.0" encoding="utf-8"?>
+<p:sld xmlns:a="http://schemas.openxmlformats.org/drawingml/2006/main" xmlns:r="http://schemas.openxmlformats.org/officeDocument/2006/relationships" xmlns:p="http://schemas.openxmlformats.org/presentationml/2006/main">
+  <p:cSld>
+    <p:spTree>
+      <p:nvGrpSpPr>
+        <p:cNvPr id="1" name=""/>
+        <p:cNvGrpSpPr/>
+        <p:nvPr/>
+      </p:nvGrpSpPr>
+      <p:grpSpPr>
+        <a:xfrm>
+          <a:off x="0" y="0"/>
+          <a:ext cx="0" cy="0"/>
+          <a:chOff x="0" y="0"/>
+          <a:chExt cx="0" cy="0"/>
+        </a:xfrm>
+      </p:grpSpPr>
+      <p:sp>
+        <p:nvSpPr>
+          <p:cNvPr id="2" name="Titel 1"/>
+          <p:cNvSpPr>
+            <a:spLocks noGrp="1"/>
+          </p:cNvSpPr>
+          <p:nvPr>
+            <p:ph type="ctrTitle"/>
+          </p:nvPr>
+        </p:nvSpPr>
+        <p:spPr>
+          <a:xfrm>
+            <a:off x="1170609" y="216798"/>
+            <a:ext cx="9144000" cy="907774"/>
+          </a:xfrm>
+        </p:spPr>
+        <p:txBody>
+          <a:bodyPr>
+            <a:normAutofit fontScale="90000"/>
+          </a:bodyPr>
+          <a:lstStyle/>
+          <a:p>
+            <a:r>
+              <a:rPr lang="de-DE">
+                <a:cs typeface="Calibri Light"/>
+              </a:rPr>
+              <a:t>Literaturverzeichnis</a:t>
+            </a:r>
+            <a:endParaRPr lang="de-DE" dirty="0"/>
+          </a:p>
+        </p:txBody>
+      </p:sp>
+      <p:pic>
+        <p:nvPicPr>
+          <p:cNvPr id="4" name="Grafik 4">
+            <a:extLst>
+              <a:ext uri="{FF2B5EF4-FFF2-40B4-BE49-F238E27FC236}">
+                <a16:creationId xmlns:a16="http://schemas.microsoft.com/office/drawing/2014/main" id="{B2D52235-B3FE-4301-8907-77C8B8C93DC7}"/>
+              </a:ext>
+            </a:extLst>
+          </p:cNvPr>
+          <p:cNvPicPr>
+            <a:picLocks noChangeAspect="1"/>
+          </p:cNvPicPr>
+          <p:nvPr/>
+        </p:nvPicPr>
+        <p:blipFill>
+          <a:blip r:embed="rId2"/>
+          <a:stretch>
+            <a:fillRect/>
+          </a:stretch>
+        </p:blipFill>
+        <p:spPr>
+          <a:xfrm>
+            <a:off x="10269745" y="-690"/>
+            <a:ext cx="1924050" cy="1343025"/>
+          </a:xfrm>
+          <a:prstGeom prst="rect">
+            <a:avLst/>
+          </a:prstGeom>
+        </p:spPr>
+      </p:pic>
+      <p:pic>
+        <p:nvPicPr>
+          <p:cNvPr id="6" name="Grafik 6">
+            <a:extLst>
+              <a:ext uri="{FF2B5EF4-FFF2-40B4-BE49-F238E27FC236}">
+                <a16:creationId xmlns:a16="http://schemas.microsoft.com/office/drawing/2014/main" id="{EAAC0DC2-A3AA-4BDD-8444-F06FD0B4D9BA}"/>
+              </a:ext>
+            </a:extLst>
+          </p:cNvPr>
+          <p:cNvPicPr>
+            <a:picLocks noChangeAspect="1"/>
+          </p:cNvPicPr>
+          <p:nvPr/>
+        </p:nvPicPr>
+        <p:blipFill>
+          <a:blip r:embed="rId3"/>
+          <a:stretch>
+            <a:fillRect/>
+          </a:stretch>
+        </p:blipFill>
+        <p:spPr>
+          <a:xfrm>
+            <a:off x="-1380" y="6293403"/>
+            <a:ext cx="12201525" cy="476250"/>
+          </a:xfrm>
+          <a:prstGeom prst="rect">
+            <a:avLst/>
+          </a:prstGeom>
+        </p:spPr>
+      </p:pic>
+      <p:sp>
+        <p:nvSpPr>
+          <p:cNvPr id="12" name="Textfeld 11">
+            <a:extLst>
+              <a:ext uri="{FF2B5EF4-FFF2-40B4-BE49-F238E27FC236}">
+                <a16:creationId xmlns:a16="http://schemas.microsoft.com/office/drawing/2014/main" id="{78EC26CB-B0D9-45FA-82F7-A69F694A4814}"/>
+              </a:ext>
+            </a:extLst>
+          </p:cNvPr>
+          <p:cNvSpPr txBox="1"/>
+          <p:nvPr/>
+        </p:nvSpPr>
+        <p:spPr>
+          <a:xfrm>
+            <a:off x="7231268" y="6397487"/>
+            <a:ext cx="4830417" cy="276999"/>
+          </a:xfrm>
+          <a:prstGeom prst="rect">
+            <a:avLst/>
+          </a:prstGeom>
+        </p:spPr>
+        <p:txBody>
+          <a:bodyPr rot="0" spcFirstLastPara="0" vertOverflow="overflow" horzOverflow="overflow" vert="horz" wrap="square" lIns="91440" tIns="45720" rIns="91440" bIns="45720" numCol="1" spcCol="0" rtlCol="0" fromWordArt="0" anchor="t" anchorCtr="0" forceAA="0" compatLnSpc="1">
+            <a:prstTxWarp prst="textNoShape">
+              <a:avLst/>
+            </a:prstTxWarp>
+            <a:spAutoFit/>
+          </a:bodyPr>
+          <a:lstStyle/>
+          <a:p>
+            <a:r>
+              <a:rPr lang="de-DE" sz="1200" dirty="0">
+                <a:cs typeface="Calibri"/>
+              </a:rPr>
+              <a:t>Neuronale Netze in der Softwaretechnik </a:t>
+            </a:r>
+            <a:r>
+              <a:rPr lang="de-DE" sz="1200">
+                <a:cs typeface="Calibri"/>
+              </a:rPr>
+              <a:t>– Robin S., Konstantin R., Ravell H.</a:t>
+            </a:r>
+            <a:endParaRPr lang="de-DE" sz="1200" dirty="0">
+              <a:cs typeface="Calibri"/>
+            </a:endParaRPr>
+          </a:p>
+        </p:txBody>
+      </p:sp>
+      <p:sp>
+        <p:nvSpPr>
+          <p:cNvPr id="3" name="Untertitel 2">
+            <a:extLst>
+              <a:ext uri="{FF2B5EF4-FFF2-40B4-BE49-F238E27FC236}">
+                <a16:creationId xmlns:a16="http://schemas.microsoft.com/office/drawing/2014/main" id="{0533C99D-14D1-427C-95DB-DD0C27472DBD}"/>
+              </a:ext>
+            </a:extLst>
+          </p:cNvPr>
+          <p:cNvSpPr>
+            <a:spLocks noGrp="1"/>
+          </p:cNvSpPr>
+          <p:nvPr>
+            <p:ph type="subTitle" idx="1"/>
+          </p:nvPr>
+        </p:nvSpPr>
+        <p:spPr>
+          <a:xfrm>
+            <a:off x="650515" y="1338651"/>
+            <a:ext cx="10902016" cy="4964597"/>
+          </a:xfrm>
+        </p:spPr>
+        <p:txBody>
+          <a:bodyPr vert="horz" lIns="91440" tIns="45720" rIns="91440" bIns="45720" rtlCol="0" anchor="t">
+            <a:noAutofit/>
+          </a:bodyPr>
+          <a:lstStyle/>
+          <a:p>
+            <a:pPr algn="l"/>
+            <a:r>
+              <a:rPr lang="de-DE" sz="1400">
+                <a:cs typeface="Calibri" panose="020F0502020204030204"/>
+              </a:rPr>
+              <a:t>Chen, Z., Menzies, T., Port, D., Boehm, B.: Feature subset selection can improve software cost estimation accuracy. ACM SIGSOFT Software Engineering Notes 30(4), 1 (2005). https://doi.org/10.1145/1082983.1083171</a:t>
+            </a:r>
+            <a:endParaRPr lang="de-DE"/>
+          </a:p>
+          <a:p>
+            <a:pPr algn="l"/>
+            <a:endParaRPr lang="de-DE" sz="1400" dirty="0">
+              <a:cs typeface="Calibri" panose="020F0502020204030204"/>
+            </a:endParaRPr>
+          </a:p>
+          <a:p>
+            <a:pPr algn="l"/>
+            <a:r>
+              <a:rPr lang="de-DE" sz="1400" dirty="0">
+                <a:cs typeface="Calibri" panose="020F0502020204030204"/>
+              </a:rPr>
+              <a:t>Abrahamsson, P., Moser, R., Pedrycz, W., Sillitti, A., Succi, G.: Eort Prediction in Iterative Software Development Processes { Incremental Versus </a:t>
+            </a:r>
+            <a:r>
+              <a:rPr lang="de-DE" sz="1400">
+                <a:cs typeface="Calibri" panose="020F0502020204030204"/>
+              </a:rPr>
+              <a:t>Global Prediction Models. In: First International Symposium on Empirical Software Engineering and Measurement (ESEM 2007). Pp. 344{353 (2007). https://doi.org/10.1109/ESEM.2007.16</a:t>
+            </a:r>
+            <a:endParaRPr lang="de-DE"/>
+          </a:p>
+          <a:p>
+            <a:pPr algn="l"/>
+            <a:endParaRPr lang="de-DE" sz="1400" dirty="0">
+              <a:cs typeface="Calibri" panose="020F0502020204030204"/>
+            </a:endParaRPr>
+          </a:p>
+          <a:p>
+            <a:pPr algn="l"/>
+            <a:r>
+              <a:rPr lang="de-DE" sz="1400">
+                <a:cs typeface="Calibri" panose="020F0502020204030204"/>
+              </a:rPr>
+              <a:t>Boetticher, G.D.: Using Machine Learning to Predict Project Eort: Empirical Case Studies in Data-Starved Domains. Model Based Requirements Workshop pp. 17{24 (2001). </a:t>
+            </a:r>
+            <a:r>
+              <a:rPr lang="de-DE" sz="1400" dirty="0">
+                <a:cs typeface="Calibri" panose="020F0502020204030204"/>
+              </a:rPr>
+              <a:t>https://doi.org/10.1.1.19.111</a:t>
+            </a:r>
+            <a:endParaRPr lang="de-DE"/>
+          </a:p>
+          <a:p>
+            <a:pPr algn="l"/>
+            <a:endParaRPr lang="de-DE" sz="1400" dirty="0">
+              <a:cs typeface="Calibri" panose="020F0502020204030204"/>
+            </a:endParaRPr>
+          </a:p>
+          <a:p>
+            <a:pPr algn="l"/>
+            <a:r>
+              <a:rPr lang="de-DE" sz="1400">
+                <a:cs typeface="Calibri" panose="020F0502020204030204"/>
+              </a:rPr>
+              <a:t>Setyawati, B.R., Sahirman, S., Creese, R.C.: Neural Networks for Cost Estimation. AACE International Transactions p. 13.1 (2002)</a:t>
+            </a:r>
+            <a:endParaRPr lang="de-DE"/>
+          </a:p>
+          <a:p>
+            <a:pPr algn="l"/>
+            <a:endParaRPr lang="de-DE" sz="1400" dirty="0">
+              <a:cs typeface="Calibri" panose="020F0502020204030204"/>
+            </a:endParaRPr>
+          </a:p>
+          <a:p>
+            <a:pPr algn="l"/>
+            <a:r>
+              <a:rPr lang="de-DE" sz="1400">
+                <a:cs typeface="Calibri" panose="020F0502020204030204"/>
+              </a:rPr>
+              <a:t>Finnie, G.R., Wittig, G.E.: AI tools for software development eort estimation. Software Engineering: Education and Practice,20 1996. Proceedings. International Conference pp. 346{353 (1996). https://doi.org/10.1109/SEEP.1996.534020</a:t>
+            </a:r>
+            <a:endParaRPr lang="de-DE">
+              <a:cs typeface="Calibri" panose="020F0502020204030204"/>
+            </a:endParaRPr>
+          </a:p>
+          <a:p>
+            <a:pPr algn="l"/>
+            <a:endParaRPr lang="de-DE" sz="1400" dirty="0">
+              <a:cs typeface="Calibri" panose="020F0502020204030204"/>
+            </a:endParaRPr>
+          </a:p>
+          <a:p>
+            <a:pPr algn="l"/>
+            <a:r>
+              <a:rPr lang="de-DE" sz="1400">
+                <a:cs typeface="Calibri" panose="020F0502020204030204"/>
+              </a:rPr>
+              <a:t>Gharehchopogh, F.S.: Neural networks application in software cost estimation: A case study. In: 2011 International Symposium on Innovations in Intelligent Systems and Applications. pp. 69{73 (2011). https://doi.org/10.1109/INISTA.2011.5946160</a:t>
+            </a:r>
+            <a:endParaRPr lang="de-DE">
+              <a:cs typeface="Calibri" panose="020F0502020204030204"/>
+            </a:endParaRPr>
+          </a:p>
+        </p:txBody>
+      </p:sp>
+    </p:spTree>
+    <p:extLst>
+      <p:ext uri="{BB962C8B-B14F-4D97-AF65-F5344CB8AC3E}">
+        <p14:creationId xmlns:p14="http://schemas.microsoft.com/office/powerpoint/2010/main" val="849647106"/>
+      </p:ext>
+    </p:extLst>
+  </p:cSld>
+  <p:clrMapOvr>
+    <a:masterClrMapping/>
+  </p:clrMapOvr>
+</p:sld>
+</file>
+
+<file path=ppt/slides/slide37.xml><?xml version="1.0" encoding="utf-8"?>
+<p:sld xmlns:a="http://schemas.openxmlformats.org/drawingml/2006/main" xmlns:r="http://schemas.openxmlformats.org/officeDocument/2006/relationships" xmlns:p="http://schemas.openxmlformats.org/presentationml/2006/main">
+  <p:cSld>
+    <p:spTree>
+      <p:nvGrpSpPr>
+        <p:cNvPr id="1" name=""/>
+        <p:cNvGrpSpPr/>
+        <p:nvPr/>
+      </p:nvGrpSpPr>
+      <p:grpSpPr>
+        <a:xfrm>
+          <a:off x="0" y="0"/>
+          <a:ext cx="0" cy="0"/>
+          <a:chOff x="0" y="0"/>
+          <a:chExt cx="0" cy="0"/>
+        </a:xfrm>
+      </p:grpSpPr>
+      <p:sp>
+        <p:nvSpPr>
+          <p:cNvPr id="2" name="Titel 1"/>
+          <p:cNvSpPr>
+            <a:spLocks noGrp="1"/>
+          </p:cNvSpPr>
+          <p:nvPr>
+            <p:ph type="ctrTitle"/>
+          </p:nvPr>
+        </p:nvSpPr>
+        <p:spPr>
+          <a:xfrm>
+            <a:off x="1170609" y="216798"/>
+            <a:ext cx="9144000" cy="907774"/>
+          </a:xfrm>
+        </p:spPr>
+        <p:txBody>
+          <a:bodyPr>
+            <a:normAutofit fontScale="90000"/>
+          </a:bodyPr>
+          <a:lstStyle/>
+          <a:p>
+            <a:r>
+              <a:rPr lang="de-DE">
+                <a:cs typeface="Calibri Light"/>
+              </a:rPr>
+              <a:t>Literaturverzeichnis</a:t>
+            </a:r>
+            <a:endParaRPr lang="de-DE" dirty="0"/>
+          </a:p>
+        </p:txBody>
+      </p:sp>
+      <p:pic>
+        <p:nvPicPr>
+          <p:cNvPr id="4" name="Grafik 4">
+            <a:extLst>
+              <a:ext uri="{FF2B5EF4-FFF2-40B4-BE49-F238E27FC236}">
+                <a16:creationId xmlns:a16="http://schemas.microsoft.com/office/drawing/2014/main" id="{B2D52235-B3FE-4301-8907-77C8B8C93DC7}"/>
+              </a:ext>
+            </a:extLst>
+          </p:cNvPr>
+          <p:cNvPicPr>
+            <a:picLocks noChangeAspect="1"/>
+          </p:cNvPicPr>
+          <p:nvPr/>
+        </p:nvPicPr>
+        <p:blipFill>
+          <a:blip r:embed="rId2"/>
+          <a:stretch>
+            <a:fillRect/>
+          </a:stretch>
+        </p:blipFill>
+        <p:spPr>
+          <a:xfrm>
+            <a:off x="10269745" y="-690"/>
+            <a:ext cx="1924050" cy="1343025"/>
+          </a:xfrm>
+          <a:prstGeom prst="rect">
+            <a:avLst/>
+          </a:prstGeom>
+        </p:spPr>
+      </p:pic>
+      <p:pic>
+        <p:nvPicPr>
+          <p:cNvPr id="6" name="Grafik 6">
+            <a:extLst>
+              <a:ext uri="{FF2B5EF4-FFF2-40B4-BE49-F238E27FC236}">
+                <a16:creationId xmlns:a16="http://schemas.microsoft.com/office/drawing/2014/main" id="{EAAC0DC2-A3AA-4BDD-8444-F06FD0B4D9BA}"/>
+              </a:ext>
+            </a:extLst>
+          </p:cNvPr>
+          <p:cNvPicPr>
+            <a:picLocks noChangeAspect="1"/>
+          </p:cNvPicPr>
+          <p:nvPr/>
+        </p:nvPicPr>
+        <p:blipFill>
+          <a:blip r:embed="rId3"/>
+          <a:stretch>
+            <a:fillRect/>
+          </a:stretch>
+        </p:blipFill>
+        <p:spPr>
+          <a:xfrm>
+            <a:off x="-1380" y="6293403"/>
+            <a:ext cx="12201525" cy="476250"/>
+          </a:xfrm>
+          <a:prstGeom prst="rect">
+            <a:avLst/>
+          </a:prstGeom>
+        </p:spPr>
+      </p:pic>
+      <p:sp>
+        <p:nvSpPr>
+          <p:cNvPr id="12" name="Textfeld 11">
+            <a:extLst>
+              <a:ext uri="{FF2B5EF4-FFF2-40B4-BE49-F238E27FC236}">
+                <a16:creationId xmlns:a16="http://schemas.microsoft.com/office/drawing/2014/main" id="{78EC26CB-B0D9-45FA-82F7-A69F694A4814}"/>
+              </a:ext>
+            </a:extLst>
+          </p:cNvPr>
+          <p:cNvSpPr txBox="1"/>
+          <p:nvPr/>
+        </p:nvSpPr>
+        <p:spPr>
+          <a:xfrm>
+            <a:off x="7231268" y="6397487"/>
+            <a:ext cx="4830417" cy="276999"/>
+          </a:xfrm>
+          <a:prstGeom prst="rect">
+            <a:avLst/>
+          </a:prstGeom>
+        </p:spPr>
+        <p:txBody>
+          <a:bodyPr rot="0" spcFirstLastPara="0" vertOverflow="overflow" horzOverflow="overflow" vert="horz" wrap="square" lIns="91440" tIns="45720" rIns="91440" bIns="45720" numCol="1" spcCol="0" rtlCol="0" fromWordArt="0" anchor="t" anchorCtr="0" forceAA="0" compatLnSpc="1">
+            <a:prstTxWarp prst="textNoShape">
+              <a:avLst/>
+            </a:prstTxWarp>
+            <a:spAutoFit/>
+          </a:bodyPr>
+          <a:lstStyle/>
+          <a:p>
+            <a:r>
+              <a:rPr lang="de-DE" sz="1200" dirty="0">
+                <a:cs typeface="Calibri"/>
+              </a:rPr>
+              <a:t>Neuronale Netze in der Softwaretechnik </a:t>
+            </a:r>
+            <a:r>
+              <a:rPr lang="de-DE" sz="1200">
+                <a:cs typeface="Calibri"/>
+              </a:rPr>
+              <a:t>– Robin S., Konstantin R., Ravell H.</a:t>
+            </a:r>
+            <a:endParaRPr lang="de-DE" sz="1200" dirty="0">
+              <a:cs typeface="Calibri"/>
+            </a:endParaRPr>
+          </a:p>
+        </p:txBody>
+      </p:sp>
+      <p:sp>
+        <p:nvSpPr>
+          <p:cNvPr id="3" name="Untertitel 2">
+            <a:extLst>
+              <a:ext uri="{FF2B5EF4-FFF2-40B4-BE49-F238E27FC236}">
+                <a16:creationId xmlns:a16="http://schemas.microsoft.com/office/drawing/2014/main" id="{0533C99D-14D1-427C-95DB-DD0C27472DBD}"/>
+              </a:ext>
+            </a:extLst>
+          </p:cNvPr>
+          <p:cNvSpPr>
+            <a:spLocks noGrp="1"/>
+          </p:cNvSpPr>
+          <p:nvPr>
+            <p:ph type="subTitle" idx="1"/>
+          </p:nvPr>
+        </p:nvSpPr>
+        <p:spPr>
+          <a:xfrm>
+            <a:off x="650515" y="1338651"/>
+            <a:ext cx="10902016" cy="4964597"/>
+          </a:xfrm>
+        </p:spPr>
+        <p:txBody>
+          <a:bodyPr vert="horz" lIns="91440" tIns="45720" rIns="91440" bIns="45720" rtlCol="0" anchor="t">
+            <a:noAutofit/>
+          </a:bodyPr>
+          <a:lstStyle/>
+          <a:p>
+            <a:pPr algn="l"/>
+            <a:r>
+              <a:rPr lang="de-DE" sz="1400">
+                <a:cs typeface="Calibri" panose="020F0502020204030204"/>
+              </a:rPr>
+              <a:t>Franz, K.: Handbuch zum Testen von Web- und Mobile-Apps, Springer- Verlag Berlin Heidelberg (2015). </a:t>
+            </a:r>
+            <a:r>
+              <a:rPr lang="de-DE" sz="1400" dirty="0">
+                <a:cs typeface="Calibri" panose="020F0502020204030204"/>
+              </a:rPr>
+              <a:t>https://doi.org/10.1007/978-3-662-</a:t>
+            </a:r>
+            <a:r>
+              <a:rPr lang="de-DE" sz="1400" dirty="0">
+                <a:cs typeface="Calibri" panose="020F0502020204030204"/>
+                <a:hlinkClick r:id="rId4"/>
+              </a:rPr>
+              <a:t>44028-5</a:t>
+            </a:r>
+            <a:endParaRPr lang="de-DE">
+              <a:cs typeface="Calibri" panose="020F0502020204030204"/>
+            </a:endParaRPr>
+          </a:p>
+          <a:p>
+            <a:pPr algn="l"/>
+            <a:endParaRPr lang="de-DE" sz="1400" dirty="0">
+              <a:cs typeface="Calibri" panose="020F0502020204030204"/>
+            </a:endParaRPr>
+          </a:p>
+          <a:p>
+            <a:pPr algn="l"/>
+            <a:r>
+              <a:rPr lang="de-DE" sz="1400">
+                <a:cs typeface="Calibri" panose="020F0502020204030204"/>
+              </a:rPr>
+              <a:t>Antinyan, V., Derehag, J., Sandberg, A., Staron, M.: Mythical unit test coverage. IEEE Software (3), 73{79 (2018). https://doi.org/10.1109/MS.2017.3281318</a:t>
+            </a:r>
+            <a:endParaRPr lang="de-DE"/>
+          </a:p>
+          <a:p>
+            <a:pPr algn="l"/>
+            <a:endParaRPr lang="de-DE" sz="1400" dirty="0">
+              <a:cs typeface="Calibri" panose="020F0502020204030204"/>
+            </a:endParaRPr>
+          </a:p>
+          <a:p>
+            <a:pPr algn="l"/>
+            <a:r>
+              <a:rPr lang="de-DE" sz="1400">
+                <a:cs typeface="Calibri" panose="020F0502020204030204"/>
+              </a:rPr>
+              <a:t>Committee, S.&amp;.S.E.S., Others: IEEE Std 1061-1998-IEEE Standard for a Software Quality Metrics Methodology. IEEE Computer Society, Tech. Rep (1998)</a:t>
+            </a:r>
+            <a:endParaRPr lang="de-DE"/>
+          </a:p>
+          <a:p>
+            <a:pPr algn="l"/>
+            <a:endParaRPr lang="de-DE" sz="1400" dirty="0">
+              <a:cs typeface="Calibri" panose="020F0502020204030204"/>
+            </a:endParaRPr>
+          </a:p>
+          <a:p>
+            <a:pPr algn="l"/>
+            <a:r>
+              <a:rPr lang="de-DE" sz="1400">
+                <a:cs typeface="Calibri" panose="020F0502020204030204"/>
+              </a:rPr>
+              <a:t>Wu, L., Liu, B., Jin, Y., Xie, X.: Using back-propagation neural networks for functional software testing. In: 2nd International Conference on Anti-counterfeiting, Security and Identi cation, ASID 2008. https://doi.org/10.1109/IWASID.2008.4688385</a:t>
+            </a:r>
+            <a:endParaRPr lang="de-DE"/>
+          </a:p>
+          <a:p>
+            <a:pPr algn="l"/>
+            <a:endParaRPr lang="de-DE" sz="1400" dirty="0">
+              <a:cs typeface="Calibri" panose="020F0502020204030204"/>
+            </a:endParaRPr>
+          </a:p>
+          <a:p>
+            <a:pPr algn="l"/>
+            <a:r>
+              <a:rPr lang="de-DE" sz="1400">
+                <a:cs typeface="Calibri" panose="020F0502020204030204"/>
+              </a:rPr>
+              <a:t>Majma, N., Babamir, S.M.: Software test case generation &amp; test oracle design using neural network. 22nd Iranian Conference on Electrical Engineering, ICEE 2014 pp. 1168{1173 (2014). https://doi.org/10.1109/IranianCEE.2014.6999712</a:t>
+            </a:r>
+            <a:endParaRPr lang="de-DE"/>
+          </a:p>
+          <a:p>
+            <a:pPr algn="l"/>
+            <a:endParaRPr lang="de-DE" sz="1400" dirty="0">
+              <a:cs typeface="Calibri" panose="020F0502020204030204"/>
+            </a:endParaRPr>
+          </a:p>
+          <a:p>
+            <a:pPr algn="l"/>
+            <a:r>
+              <a:rPr lang="de-DE" sz="1400">
+                <a:cs typeface="Calibri" panose="020F0502020204030204"/>
+              </a:rPr>
+              <a:t>Pomorova, O., Hovorushchenko, T.: Arti cial neural network for software quality evaluation based on the metric analysis. Proceedings of IEEE East-West Design and Test Symposium, EWDTS 2013 pp. 0{3 (2013). </a:t>
+            </a:r>
+            <a:r>
+              <a:rPr lang="de-DE" sz="1400" dirty="0">
+                <a:cs typeface="Calibri" panose="020F0502020204030204"/>
+              </a:rPr>
+              <a:t>https://doi.org/10.1109/EWDTS.2013.6673193</a:t>
+            </a:r>
+            <a:endParaRPr lang="de-DE"/>
+          </a:p>
+          <a:p>
+            <a:pPr algn="l"/>
+            <a:endParaRPr lang="de-DE" sz="1400" dirty="0">
+              <a:cs typeface="Calibri"/>
+            </a:endParaRPr>
+          </a:p>
+        </p:txBody>
+      </p:sp>
+    </p:spTree>
+    <p:extLst>
+      <p:ext uri="{BB962C8B-B14F-4D97-AF65-F5344CB8AC3E}">
+        <p14:creationId xmlns:p14="http://schemas.microsoft.com/office/powerpoint/2010/main" val="941542405"/>
+      </p:ext>
+    </p:extLst>
+  </p:cSld>
+  <p:clrMapOvr>
+    <a:masterClrMapping/>
+  </p:clrMapOvr>
+</p:sld>
+</file>
+
+<file path=ppt/slides/slide38.xml><?xml version="1.0" encoding="utf-8"?>
+<p:sld xmlns:a="http://schemas.openxmlformats.org/drawingml/2006/main" xmlns:r="http://schemas.openxmlformats.org/officeDocument/2006/relationships" xmlns:p="http://schemas.openxmlformats.org/presentationml/2006/main">
+  <p:cSld>
+    <p:spTree>
+      <p:nvGrpSpPr>
+        <p:cNvPr id="1" name=""/>
+        <p:cNvGrpSpPr/>
+        <p:nvPr/>
+      </p:nvGrpSpPr>
+      <p:grpSpPr>
+        <a:xfrm>
+          <a:off x="0" y="0"/>
+          <a:ext cx="0" cy="0"/>
+          <a:chOff x="0" y="0"/>
+          <a:chExt cx="0" cy="0"/>
+        </a:xfrm>
+      </p:grpSpPr>
+      <p:sp>
+        <p:nvSpPr>
+          <p:cNvPr id="2" name="Titel 1"/>
+          <p:cNvSpPr>
+            <a:spLocks noGrp="1"/>
+          </p:cNvSpPr>
+          <p:nvPr>
+            <p:ph type="ctrTitle"/>
+          </p:nvPr>
+        </p:nvSpPr>
+        <p:spPr>
+          <a:xfrm>
+            <a:off x="1170609" y="216798"/>
+            <a:ext cx="9144000" cy="907774"/>
+          </a:xfrm>
+        </p:spPr>
+        <p:txBody>
+          <a:bodyPr>
+            <a:normAutofit fontScale="90000"/>
+          </a:bodyPr>
+          <a:lstStyle/>
+          <a:p>
+            <a:r>
+              <a:rPr lang="de-DE">
+                <a:cs typeface="Calibri Light"/>
+              </a:rPr>
+              <a:t>Literaturverzeichnis</a:t>
+            </a:r>
+            <a:endParaRPr lang="de-DE" dirty="0"/>
+          </a:p>
+        </p:txBody>
+      </p:sp>
+      <p:pic>
+        <p:nvPicPr>
+          <p:cNvPr id="4" name="Grafik 4">
+            <a:extLst>
+              <a:ext uri="{FF2B5EF4-FFF2-40B4-BE49-F238E27FC236}">
+                <a16:creationId xmlns:a16="http://schemas.microsoft.com/office/drawing/2014/main" id="{B2D52235-B3FE-4301-8907-77C8B8C93DC7}"/>
+              </a:ext>
+            </a:extLst>
+          </p:cNvPr>
+          <p:cNvPicPr>
+            <a:picLocks noChangeAspect="1"/>
+          </p:cNvPicPr>
+          <p:nvPr/>
+        </p:nvPicPr>
+        <p:blipFill>
+          <a:blip r:embed="rId2"/>
+          <a:stretch>
+            <a:fillRect/>
+          </a:stretch>
+        </p:blipFill>
+        <p:spPr>
+          <a:xfrm>
+            <a:off x="10269745" y="-690"/>
+            <a:ext cx="1924050" cy="1343025"/>
+          </a:xfrm>
+          <a:prstGeom prst="rect">
+            <a:avLst/>
+          </a:prstGeom>
+        </p:spPr>
+      </p:pic>
+      <p:pic>
+        <p:nvPicPr>
+          <p:cNvPr id="6" name="Grafik 6">
+            <a:extLst>
+              <a:ext uri="{FF2B5EF4-FFF2-40B4-BE49-F238E27FC236}">
+                <a16:creationId xmlns:a16="http://schemas.microsoft.com/office/drawing/2014/main" id="{EAAC0DC2-A3AA-4BDD-8444-F06FD0B4D9BA}"/>
+              </a:ext>
+            </a:extLst>
+          </p:cNvPr>
+          <p:cNvPicPr>
+            <a:picLocks noChangeAspect="1"/>
+          </p:cNvPicPr>
+          <p:nvPr/>
+        </p:nvPicPr>
+        <p:blipFill>
+          <a:blip r:embed="rId3"/>
+          <a:stretch>
+            <a:fillRect/>
+          </a:stretch>
+        </p:blipFill>
+        <p:spPr>
+          <a:xfrm>
+            <a:off x="-1380" y="6293403"/>
+            <a:ext cx="12201525" cy="476250"/>
+          </a:xfrm>
+          <a:prstGeom prst="rect">
+            <a:avLst/>
+          </a:prstGeom>
+        </p:spPr>
+      </p:pic>
+      <p:sp>
+        <p:nvSpPr>
+          <p:cNvPr id="12" name="Textfeld 11">
+            <a:extLst>
+              <a:ext uri="{FF2B5EF4-FFF2-40B4-BE49-F238E27FC236}">
+                <a16:creationId xmlns:a16="http://schemas.microsoft.com/office/drawing/2014/main" id="{78EC26CB-B0D9-45FA-82F7-A69F694A4814}"/>
+              </a:ext>
+            </a:extLst>
+          </p:cNvPr>
+          <p:cNvSpPr txBox="1"/>
+          <p:nvPr/>
+        </p:nvSpPr>
+        <p:spPr>
+          <a:xfrm>
+            <a:off x="7231268" y="6397487"/>
+            <a:ext cx="4830417" cy="276999"/>
+          </a:xfrm>
+          <a:prstGeom prst="rect">
+            <a:avLst/>
+          </a:prstGeom>
+        </p:spPr>
+        <p:txBody>
+          <a:bodyPr rot="0" spcFirstLastPara="0" vertOverflow="overflow" horzOverflow="overflow" vert="horz" wrap="square" lIns="91440" tIns="45720" rIns="91440" bIns="45720" numCol="1" spcCol="0" rtlCol="0" fromWordArt="0" anchor="t" anchorCtr="0" forceAA="0" compatLnSpc="1">
+            <a:prstTxWarp prst="textNoShape">
+              <a:avLst/>
+            </a:prstTxWarp>
+            <a:spAutoFit/>
+          </a:bodyPr>
+          <a:lstStyle/>
+          <a:p>
+            <a:r>
+              <a:rPr lang="de-DE" sz="1200" dirty="0">
+                <a:cs typeface="Calibri"/>
+              </a:rPr>
+              <a:t>Neuronale Netze in der Softwaretechnik </a:t>
+            </a:r>
+            <a:r>
+              <a:rPr lang="de-DE" sz="1200">
+                <a:cs typeface="Calibri"/>
+              </a:rPr>
+              <a:t>– Robin S., Konstantin R., Ravell H.</a:t>
+            </a:r>
+            <a:endParaRPr lang="de-DE" sz="1200" dirty="0">
+              <a:cs typeface="Calibri"/>
+            </a:endParaRPr>
+          </a:p>
+        </p:txBody>
+      </p:sp>
+      <p:sp>
+        <p:nvSpPr>
+          <p:cNvPr id="3" name="Untertitel 2">
+            <a:extLst>
+              <a:ext uri="{FF2B5EF4-FFF2-40B4-BE49-F238E27FC236}">
+                <a16:creationId xmlns:a16="http://schemas.microsoft.com/office/drawing/2014/main" id="{0533C99D-14D1-427C-95DB-DD0C27472DBD}"/>
+              </a:ext>
+            </a:extLst>
+          </p:cNvPr>
+          <p:cNvSpPr>
+            <a:spLocks noGrp="1"/>
+          </p:cNvSpPr>
+          <p:nvPr>
+            <p:ph type="subTitle" idx="1"/>
+          </p:nvPr>
+        </p:nvSpPr>
+        <p:spPr>
+          <a:xfrm>
+            <a:off x="650515" y="1338651"/>
+            <a:ext cx="10902016" cy="4964597"/>
+          </a:xfrm>
+        </p:spPr>
+        <p:txBody>
+          <a:bodyPr vert="horz" lIns="91440" tIns="45720" rIns="91440" bIns="45720" rtlCol="0" anchor="t">
+            <a:noAutofit/>
+          </a:bodyPr>
+          <a:lstStyle/>
+          <a:p>
+            <a:pPr algn="l"/>
+            <a:r>
+              <a:rPr lang="de-DE" sz="1400">
+                <a:cs typeface="Calibri" panose="020F0502020204030204"/>
+              </a:rPr>
               <a:t>Peng, W., Yao, L., Miao, Q.: An approach of software quality prediction based on relationship analysis and prediction model. In: Proceedings of 2009 8th International Conference on Reliability, Maintainability and Safety, ICRMS 2009. </a:t>
             </a:r>
             <a:r>
@@ -18368,7 +20262,7 @@
 </p:sld>
 </file>
 
-<file path=ppt/slides/slide36.xml><?xml version="1.0" encoding="utf-8"?>
+<file path=ppt/slides/slide39.xml><?xml version="1.0" encoding="utf-8"?>
 <p:sld xmlns:a="http://schemas.openxmlformats.org/drawingml/2006/main" xmlns:r="http://schemas.openxmlformats.org/officeDocument/2006/relationships" xmlns:p="http://schemas.openxmlformats.org/presentationml/2006/main">
   <p:cSld>
     <p:spTree>

--- a/SATPräsi.pptx
+++ b/SATPräsi.pptx
@@ -35,15 +35,20 @@
     <p:sldId id="300" r:id="rId29"/>
     <p:sldId id="303" r:id="rId30"/>
     <p:sldId id="304" r:id="rId31"/>
-    <p:sldId id="305" r:id="rId32"/>
-    <p:sldId id="280" r:id="rId33"/>
-    <p:sldId id="281" r:id="rId34"/>
-    <p:sldId id="282" r:id="rId35"/>
-    <p:sldId id="283" r:id="rId36"/>
-    <p:sldId id="284" r:id="rId37"/>
-    <p:sldId id="285" r:id="rId38"/>
-    <p:sldId id="286" r:id="rId39"/>
-    <p:sldId id="266" r:id="rId40"/>
+    <p:sldId id="306" r:id="rId32"/>
+    <p:sldId id="308" r:id="rId33"/>
+    <p:sldId id="307" r:id="rId34"/>
+    <p:sldId id="311" r:id="rId35"/>
+    <p:sldId id="310" r:id="rId36"/>
+    <p:sldId id="312" r:id="rId37"/>
+    <p:sldId id="280" r:id="rId38"/>
+    <p:sldId id="281" r:id="rId39"/>
+    <p:sldId id="282" r:id="rId40"/>
+    <p:sldId id="283" r:id="rId41"/>
+    <p:sldId id="284" r:id="rId42"/>
+    <p:sldId id="285" r:id="rId43"/>
+    <p:sldId id="286" r:id="rId44"/>
+    <p:sldId id="266" r:id="rId45"/>
   </p:sldIdLst>
   <p:sldSz cx="12192000" cy="6858000"/>
   <p:notesSz cx="6858000" cy="9144000"/>
@@ -2172,7 +2177,7 @@
           <a:p>
             <a:fld id="{D3EB3054-B75A-4BD7-8B3E-8DC0F614FAF3}" type="datetimeFigureOut">
               <a:rPr lang="de-DE" smtClean="0"/>
-              <a:t>07.01.2019</a:t>
+              <a:t>08.01.2019</a:t>
             </a:fld>
             <a:endParaRPr lang="de-DE"/>
           </a:p>
@@ -2340,7 +2345,7 @@
           <a:p>
             <a:fld id="{D3EB3054-B75A-4BD7-8B3E-8DC0F614FAF3}" type="datetimeFigureOut">
               <a:rPr lang="de-DE" smtClean="0"/>
-              <a:t>07.01.2019</a:t>
+              <a:t>08.01.2019</a:t>
             </a:fld>
             <a:endParaRPr lang="de-DE"/>
           </a:p>
@@ -2518,7 +2523,7 @@
           <a:p>
             <a:fld id="{D3EB3054-B75A-4BD7-8B3E-8DC0F614FAF3}" type="datetimeFigureOut">
               <a:rPr lang="de-DE" smtClean="0"/>
-              <a:t>07.01.2019</a:t>
+              <a:t>08.01.2019</a:t>
             </a:fld>
             <a:endParaRPr lang="de-DE"/>
           </a:p>
@@ -2686,7 +2691,7 @@
           <a:p>
             <a:fld id="{D3EB3054-B75A-4BD7-8B3E-8DC0F614FAF3}" type="datetimeFigureOut">
               <a:rPr lang="de-DE" smtClean="0"/>
-              <a:t>07.01.2019</a:t>
+              <a:t>08.01.2019</a:t>
             </a:fld>
             <a:endParaRPr lang="de-DE"/>
           </a:p>
@@ -2931,7 +2936,7 @@
           <a:p>
             <a:fld id="{D3EB3054-B75A-4BD7-8B3E-8DC0F614FAF3}" type="datetimeFigureOut">
               <a:rPr lang="de-DE" smtClean="0"/>
-              <a:t>07.01.2019</a:t>
+              <a:t>08.01.2019</a:t>
             </a:fld>
             <a:endParaRPr lang="de-DE"/>
           </a:p>
@@ -3160,7 +3165,7 @@
           <a:p>
             <a:fld id="{D3EB3054-B75A-4BD7-8B3E-8DC0F614FAF3}" type="datetimeFigureOut">
               <a:rPr lang="de-DE" smtClean="0"/>
-              <a:t>07.01.2019</a:t>
+              <a:t>08.01.2019</a:t>
             </a:fld>
             <a:endParaRPr lang="de-DE"/>
           </a:p>
@@ -3524,7 +3529,7 @@
           <a:p>
             <a:fld id="{D3EB3054-B75A-4BD7-8B3E-8DC0F614FAF3}" type="datetimeFigureOut">
               <a:rPr lang="de-DE" smtClean="0"/>
-              <a:t>07.01.2019</a:t>
+              <a:t>08.01.2019</a:t>
             </a:fld>
             <a:endParaRPr lang="de-DE"/>
           </a:p>
@@ -3641,7 +3646,7 @@
           <a:p>
             <a:fld id="{D3EB3054-B75A-4BD7-8B3E-8DC0F614FAF3}" type="datetimeFigureOut">
               <a:rPr lang="de-DE" smtClean="0"/>
-              <a:t>07.01.2019</a:t>
+              <a:t>08.01.2019</a:t>
             </a:fld>
             <a:endParaRPr lang="de-DE"/>
           </a:p>
@@ -3736,7 +3741,7 @@
           <a:p>
             <a:fld id="{D3EB3054-B75A-4BD7-8B3E-8DC0F614FAF3}" type="datetimeFigureOut">
               <a:rPr lang="de-DE" smtClean="0"/>
-              <a:t>07.01.2019</a:t>
+              <a:t>08.01.2019</a:t>
             </a:fld>
             <a:endParaRPr lang="de-DE"/>
           </a:p>
@@ -4011,7 +4016,7 @@
           <a:p>
             <a:fld id="{D3EB3054-B75A-4BD7-8B3E-8DC0F614FAF3}" type="datetimeFigureOut">
               <a:rPr lang="de-DE" smtClean="0"/>
-              <a:t>07.01.2019</a:t>
+              <a:t>08.01.2019</a:t>
             </a:fld>
             <a:endParaRPr lang="de-DE"/>
           </a:p>
@@ -4263,7 +4268,7 @@
           <a:p>
             <a:fld id="{D3EB3054-B75A-4BD7-8B3E-8DC0F614FAF3}" type="datetimeFigureOut">
               <a:rPr lang="de-DE" smtClean="0"/>
-              <a:t>07.01.2019</a:t>
+              <a:t>08.01.2019</a:t>
             </a:fld>
             <a:endParaRPr lang="de-DE"/>
           </a:p>
@@ -4474,7 +4479,7 @@
           <a:p>
             <a:fld id="{D3EB3054-B75A-4BD7-8B3E-8DC0F614FAF3}" type="datetimeFigureOut">
               <a:rPr lang="de-DE" smtClean="0"/>
-              <a:t>07.01.2019</a:t>
+              <a:t>08.01.2019</a:t>
             </a:fld>
             <a:endParaRPr lang="de-DE"/>
           </a:p>
@@ -16501,8 +16506,23 @@
               <a:rPr lang="de-DE" dirty="0">
                 <a:cs typeface="Calibri"/>
               </a:rPr>
-              <a:t>Softwarequalität -&gt; Erfüllung von Vorgaben</a:t>
-            </a:r>
+              <a:t>Softwarequalität -&gt; Erfüllung von Anforderungen eines Softwareprodukts nach </a:t>
+            </a:r>
+            <a:r>
+              <a:rPr lang="de-DE" dirty="0"/>
+              <a:t>ISO/</a:t>
+            </a:r>
+            <a:r>
+              <a:rPr lang="de-DE" u="sng" dirty="0"/>
+              <a:t>IEC</a:t>
+            </a:r>
+            <a:r>
+              <a:rPr lang="de-DE" dirty="0"/>
+              <a:t> 25000</a:t>
+            </a:r>
+            <a:endParaRPr lang="de-DE" dirty="0">
+              <a:cs typeface="Calibri"/>
+            </a:endParaRPr>
           </a:p>
           <a:p>
             <a:pPr marL="342900" indent="-342900" algn="l">
@@ -16515,7 +16535,7 @@
               <a:rPr lang="de-DE" dirty="0">
                 <a:cs typeface="Calibri"/>
               </a:rPr>
-              <a:t>Qualitätssicherung</a:t>
+              <a:t>Methoden zur Qualitätssicherung</a:t>
             </a:r>
           </a:p>
           <a:p>
@@ -16558,6 +16578,20 @@
                 <a:cs typeface="Calibri"/>
               </a:rPr>
               <a:t>Schulungen von Mitarbeitern</a:t>
+            </a:r>
+          </a:p>
+          <a:p>
+            <a:pPr marL="800100" lvl="1" indent="-342900" algn="l">
+              <a:lnSpc>
+                <a:spcPct val="150000"/>
+              </a:lnSpc>
+              <a:buChar char="•"/>
+            </a:pPr>
+            <a:r>
+              <a:rPr lang="de-DE" dirty="0">
+                <a:cs typeface="Calibri"/>
+              </a:rPr>
+              <a:t>…</a:t>
             </a:r>
           </a:p>
         </p:txBody>
@@ -17457,7 +17491,7 @@
               <a:rPr lang="de-DE" dirty="0">
                 <a:cs typeface="Calibri"/>
               </a:rPr>
-              <a:t>Absicherung eines bestehenden Systems</a:t>
+              <a:t>Absicherung eines bestehenden Systems durch funktionale Softwaretests</a:t>
             </a:r>
           </a:p>
           <a:p>
@@ -17499,17 +17533,8 @@
               <a:rPr lang="de-DE" dirty="0">
                 <a:cs typeface="Calibri"/>
               </a:rPr>
-              <a:t>Training des NN mit Testdaten und </a:t>
-            </a:r>
-            <a:r>
-              <a:rPr lang="de-DE" dirty="0" err="1">
-                <a:cs typeface="Calibri"/>
-              </a:rPr>
-              <a:t>Erwartngswerten</a:t>
-            </a:r>
-            <a:endParaRPr lang="de-DE" dirty="0">
-              <a:cs typeface="Calibri"/>
-            </a:endParaRPr>
+              <a:t>Training des NN mit Testdaten und Erwartungswerten</a:t>
+            </a:r>
           </a:p>
           <a:p>
             <a:pPr marL="800100" lvl="1" indent="-342900" algn="l">
@@ -17522,7 +17547,7 @@
               <a:rPr lang="de-DE" dirty="0">
                 <a:cs typeface="Calibri"/>
               </a:rPr>
-              <a:t>Ableiten von Tests aus dem NN</a:t>
+              <a:t>Ableiten von Testfällen</a:t>
             </a:r>
           </a:p>
         </p:txBody>
@@ -17713,8 +17738,8 @@
         </p:nvSpPr>
         <p:spPr>
           <a:xfrm>
-            <a:off x="2375359" y="1118015"/>
-            <a:ext cx="6689637" cy="915848"/>
+            <a:off x="3430705" y="1065973"/>
+            <a:ext cx="4623808" cy="915848"/>
           </a:xfrm>
           <a:prstGeom prst="rect">
             <a:avLst/>
@@ -17898,7 +17923,7 @@
               <a:rPr lang="de-DE" sz="3600" dirty="0">
                 <a:cs typeface="Calibri"/>
               </a:rPr>
-              <a:t>Evaluation von Softwarequalität</a:t>
+              <a:t>Automatisiertes Testen</a:t>
             </a:r>
             <a:endParaRPr lang="de-DE" dirty="0"/>
           </a:p>
@@ -18096,34 +18121,200 @@
             </a:lvl9pPr>
           </a:lstStyle>
           <a:p>
-            <a:pPr marL="342900" indent="-342900" algn="l">
+            <a:pPr algn="l">
               <a:lnSpc>
                 <a:spcPct val="150000"/>
               </a:lnSpc>
-              <a:buFont typeface="Arial" panose="020B0604020202020204" pitchFamily="34" charset="0"/>
-              <a:buChar char="•"/>
             </a:pPr>
             <a:endParaRPr lang="de-DE" dirty="0">
               <a:cs typeface="Calibri"/>
             </a:endParaRPr>
           </a:p>
-          <a:p>
-            <a:pPr marL="342900" indent="-342900" algn="l">
-              <a:lnSpc>
-                <a:spcPct val="150000"/>
-              </a:lnSpc>
-              <a:buChar char="•"/>
-            </a:pPr>
-            <a:endParaRPr lang="de-DE" dirty="0">
-              <a:cs typeface="Calibri"/>
-            </a:endParaRPr>
-          </a:p>
         </p:txBody>
       </p:sp>
+      <p:graphicFrame>
+        <p:nvGraphicFramePr>
+          <p:cNvPr id="3" name="Tabelle 2">
+            <a:extLst>
+              <a:ext uri="{FF2B5EF4-FFF2-40B4-BE49-F238E27FC236}">
+                <a16:creationId xmlns:a16="http://schemas.microsoft.com/office/drawing/2014/main" id="{801EBCFF-2F60-402E-89D7-C05DFD5BD8FC}"/>
+              </a:ext>
+            </a:extLst>
+          </p:cNvPr>
+          <p:cNvGraphicFramePr>
+            <a:graphicFrameLocks noGrp="1"/>
+          </p:cNvGraphicFramePr>
+          <p:nvPr>
+            <p:extLst>
+              <p:ext uri="{D42A27DB-BD31-4B8C-83A1-F6EECF244321}">
+                <p14:modId xmlns:p14="http://schemas.microsoft.com/office/powerpoint/2010/main" val="3302778874"/>
+              </p:ext>
+            </p:extLst>
+          </p:nvPr>
+        </p:nvGraphicFramePr>
+        <p:xfrm>
+          <a:off x="734943" y="2410267"/>
+          <a:ext cx="10722114" cy="1467588"/>
+        </p:xfrm>
+        <a:graphic>
+          <a:graphicData uri="http://schemas.openxmlformats.org/drawingml/2006/table">
+            <a:tbl>
+              <a:tblPr firstRow="1" bandRow="1">
+                <a:tableStyleId>{5C22544A-7EE6-4342-B048-85BDC9FD1C3A}</a:tableStyleId>
+              </a:tblPr>
+              <a:tblGrid>
+                <a:gridCol w="5361057">
+                  <a:extLst>
+                    <a:ext uri="{9D8B030D-6E8A-4147-A177-3AD203B41FA5}">
+                      <a16:colId xmlns:a16="http://schemas.microsoft.com/office/drawing/2014/main" val="787370167"/>
+                    </a:ext>
+                  </a:extLst>
+                </a:gridCol>
+                <a:gridCol w="5361057">
+                  <a:extLst>
+                    <a:ext uri="{9D8B030D-6E8A-4147-A177-3AD203B41FA5}">
+                      <a16:colId xmlns:a16="http://schemas.microsoft.com/office/drawing/2014/main" val="3755492651"/>
+                    </a:ext>
+                  </a:extLst>
+                </a:gridCol>
+              </a:tblGrid>
+              <a:tr h="489196">
+                <a:tc>
+                  <a:txBody>
+                    <a:bodyPr/>
+                    <a:lstStyle/>
+                    <a:p>
+                      <a:r>
+                        <a:rPr lang="de-DE" sz="2300" dirty="0"/>
+                        <a:t>  Pro</a:t>
+                      </a:r>
+                    </a:p>
+                  </a:txBody>
+                  <a:tcPr marL="120624" marR="120624" marT="60311" marB="60311">
+                    <a:solidFill>
+                      <a:schemeClr val="accent6"/>
+                    </a:solidFill>
+                  </a:tcPr>
+                </a:tc>
+                <a:tc>
+                  <a:txBody>
+                    <a:bodyPr/>
+                    <a:lstStyle/>
+                    <a:p>
+                      <a:r>
+                        <a:rPr lang="de-DE" sz="2300" dirty="0"/>
+                        <a:t>Contra</a:t>
+                      </a:r>
+                    </a:p>
+                  </a:txBody>
+                  <a:tcPr marL="120624" marR="120624" marT="60311" marB="60311">
+                    <a:solidFill>
+                      <a:srgbClr val="FF0000"/>
+                    </a:solidFill>
+                  </a:tcPr>
+                </a:tc>
+                <a:extLst>
+                  <a:ext uri="{0D108BD9-81ED-4DB2-BD59-A6C34878D82A}">
+                    <a16:rowId xmlns:a16="http://schemas.microsoft.com/office/drawing/2014/main" val="4163003806"/>
+                  </a:ext>
+                </a:extLst>
+              </a:tr>
+              <a:tr h="489196">
+                <a:tc>
+                  <a:txBody>
+                    <a:bodyPr/>
+                    <a:lstStyle/>
+                    <a:p>
+                      <a:r>
+                        <a:rPr lang="de-DE" sz="2300" dirty="0"/>
+                        <a:t>Spart Arbeit</a:t>
+                      </a:r>
+                    </a:p>
+                  </a:txBody>
+                  <a:tcPr marL="120624" marR="120624" marT="60311" marB="60311">
+                    <a:solidFill>
+                      <a:schemeClr val="accent6">
+                        <a:lumMod val="40000"/>
+                        <a:lumOff val="60000"/>
+                      </a:schemeClr>
+                    </a:solidFill>
+                  </a:tcPr>
+                </a:tc>
+                <a:tc>
+                  <a:txBody>
+                    <a:bodyPr/>
+                    <a:lstStyle/>
+                    <a:p>
+                      <a:r>
+                        <a:rPr lang="de-DE" sz="2300" dirty="0"/>
+                        <a:t>Begrenzt einsetzbar</a:t>
+                      </a:r>
+                    </a:p>
+                  </a:txBody>
+                  <a:tcPr marL="120624" marR="120624" marT="60311" marB="60311">
+                    <a:solidFill>
+                      <a:srgbClr val="E8ACAC"/>
+                    </a:solidFill>
+                  </a:tcPr>
+                </a:tc>
+                <a:extLst>
+                  <a:ext uri="{0D108BD9-81ED-4DB2-BD59-A6C34878D82A}">
+                    <a16:rowId xmlns:a16="http://schemas.microsoft.com/office/drawing/2014/main" val="2472751758"/>
+                  </a:ext>
+                </a:extLst>
+              </a:tr>
+              <a:tr h="489196">
+                <a:tc>
+                  <a:txBody>
+                    <a:bodyPr/>
+                    <a:lstStyle/>
+                    <a:p>
+                      <a:r>
+                        <a:rPr lang="de-DE" sz="2300" dirty="0"/>
+                        <a:t>Spart Zeit</a:t>
+                      </a:r>
+                    </a:p>
+                  </a:txBody>
+                  <a:tcPr marL="120624" marR="120624" marT="60311" marB="60311">
+                    <a:solidFill>
+                      <a:schemeClr val="accent6">
+                        <a:lumMod val="40000"/>
+                        <a:lumOff val="60000"/>
+                      </a:schemeClr>
+                    </a:solidFill>
+                  </a:tcPr>
+                </a:tc>
+                <a:tc>
+                  <a:txBody>
+                    <a:bodyPr/>
+                    <a:lstStyle/>
+                    <a:p>
+                      <a:r>
+                        <a:rPr lang="de-DE" sz="2300" dirty="0"/>
+                        <a:t>Initialer Aufwand</a:t>
+                      </a:r>
+                    </a:p>
+                  </a:txBody>
+                  <a:tcPr marL="120624" marR="120624" marT="60311" marB="60311">
+                    <a:solidFill>
+                      <a:srgbClr val="E8ACAC"/>
+                    </a:solidFill>
+                  </a:tcPr>
+                </a:tc>
+                <a:extLst>
+                  <a:ext uri="{0D108BD9-81ED-4DB2-BD59-A6C34878D82A}">
+                    <a16:rowId xmlns:a16="http://schemas.microsoft.com/office/drawing/2014/main" val="3805762456"/>
+                  </a:ext>
+                </a:extLst>
+              </a:tr>
+            </a:tbl>
+          </a:graphicData>
+        </a:graphic>
+      </p:graphicFrame>
     </p:spTree>
     <p:extLst>
       <p:ext uri="{BB962C8B-B14F-4D97-AF65-F5344CB8AC3E}">
-        <p14:creationId xmlns:p14="http://schemas.microsoft.com/office/powerpoint/2010/main" val="1407758470"/>
+        <p14:creationId xmlns:p14="http://schemas.microsoft.com/office/powerpoint/2010/main" val="2010311466"/>
       </p:ext>
     </p:extLst>
   </p:cSld>
@@ -18173,10 +18364,10 @@
           <a:lstStyle/>
           <a:p>
             <a:r>
-              <a:rPr lang="de-DE">
+              <a:rPr lang="de-DE" dirty="0">
                 <a:cs typeface="Calibri Light"/>
               </a:rPr>
-              <a:t>Literaturverzeichnis</a:t>
+              <a:t>Softwarequalität</a:t>
             </a:r>
             <a:endParaRPr lang="de-DE" dirty="0"/>
           </a:p>
@@ -18292,192 +18483,453 @@
       </p:sp>
       <p:sp>
         <p:nvSpPr>
-          <p:cNvPr id="3" name="Untertitel 2">
+          <p:cNvPr id="5" name="Untertitel 2">
             <a:extLst>
               <a:ext uri="{FF2B5EF4-FFF2-40B4-BE49-F238E27FC236}">
-                <a16:creationId xmlns:a16="http://schemas.microsoft.com/office/drawing/2014/main" id="{0533C99D-14D1-427C-95DB-DD0C27472DBD}"/>
+                <a16:creationId xmlns:a16="http://schemas.microsoft.com/office/drawing/2014/main" id="{FF6CB36C-AECF-40D6-A1E4-B41256208DF8}"/>
               </a:ext>
             </a:extLst>
           </p:cNvPr>
-          <p:cNvSpPr>
-            <a:spLocks noGrp="1"/>
+          <p:cNvSpPr txBox="1">
+            <a:spLocks/>
           </p:cNvSpPr>
-          <p:nvPr>
-            <p:ph type="subTitle" idx="1"/>
-          </p:nvPr>
+          <p:nvPr/>
         </p:nvSpPr>
         <p:spPr>
           <a:xfrm>
-            <a:off x="650515" y="1338651"/>
-            <a:ext cx="10902016" cy="4964597"/>
-          </a:xfrm>
+            <a:off x="3430705" y="1065973"/>
+            <a:ext cx="4623808" cy="915848"/>
+          </a:xfrm>
+          <a:prstGeom prst="rect">
+            <a:avLst/>
+          </a:prstGeom>
         </p:spPr>
         <p:txBody>
           <a:bodyPr vert="horz" lIns="91440" tIns="45720" rIns="91440" bIns="45720" rtlCol="0" anchor="t">
             <a:noAutofit/>
           </a:bodyPr>
-          <a:lstStyle/>
+          <a:lstStyle>
+            <a:lvl1pPr marL="0" indent="0" algn="ctr" defTabSz="914400" rtl="0" eaLnBrk="1" latinLnBrk="0" hangingPunct="1">
+              <a:lnSpc>
+                <a:spcPct val="90000"/>
+              </a:lnSpc>
+              <a:spcBef>
+                <a:spcPts val="1000"/>
+              </a:spcBef>
+              <a:buFont typeface="Arial" panose="020B0604020202020204" pitchFamily="34" charset="0"/>
+              <a:buNone/>
+              <a:defRPr sz="2400" kern="1200">
+                <a:solidFill>
+                  <a:schemeClr val="tx1"/>
+                </a:solidFill>
+                <a:latin typeface="+mn-lt"/>
+                <a:ea typeface="+mn-ea"/>
+                <a:cs typeface="+mn-cs"/>
+              </a:defRPr>
+            </a:lvl1pPr>
+            <a:lvl2pPr marL="457200" indent="0" algn="ctr" defTabSz="914400" rtl="0" eaLnBrk="1" latinLnBrk="0" hangingPunct="1">
+              <a:lnSpc>
+                <a:spcPct val="90000"/>
+              </a:lnSpc>
+              <a:spcBef>
+                <a:spcPts val="500"/>
+              </a:spcBef>
+              <a:buFont typeface="Arial" panose="020B0604020202020204" pitchFamily="34" charset="0"/>
+              <a:buNone/>
+              <a:defRPr sz="2000" kern="1200">
+                <a:solidFill>
+                  <a:schemeClr val="tx1"/>
+                </a:solidFill>
+                <a:latin typeface="+mn-lt"/>
+                <a:ea typeface="+mn-ea"/>
+                <a:cs typeface="+mn-cs"/>
+              </a:defRPr>
+            </a:lvl2pPr>
+            <a:lvl3pPr marL="914400" indent="0" algn="ctr" defTabSz="914400" rtl="0" eaLnBrk="1" latinLnBrk="0" hangingPunct="1">
+              <a:lnSpc>
+                <a:spcPct val="90000"/>
+              </a:lnSpc>
+              <a:spcBef>
+                <a:spcPts val="500"/>
+              </a:spcBef>
+              <a:buFont typeface="Arial" panose="020B0604020202020204" pitchFamily="34" charset="0"/>
+              <a:buNone/>
+              <a:defRPr sz="1800" kern="1200">
+                <a:solidFill>
+                  <a:schemeClr val="tx1"/>
+                </a:solidFill>
+                <a:latin typeface="+mn-lt"/>
+                <a:ea typeface="+mn-ea"/>
+                <a:cs typeface="+mn-cs"/>
+              </a:defRPr>
+            </a:lvl3pPr>
+            <a:lvl4pPr marL="1371600" indent="0" algn="ctr" defTabSz="914400" rtl="0" eaLnBrk="1" latinLnBrk="0" hangingPunct="1">
+              <a:lnSpc>
+                <a:spcPct val="90000"/>
+              </a:lnSpc>
+              <a:spcBef>
+                <a:spcPts val="500"/>
+              </a:spcBef>
+              <a:buFont typeface="Arial" panose="020B0604020202020204" pitchFamily="34" charset="0"/>
+              <a:buNone/>
+              <a:defRPr sz="1600" kern="1200">
+                <a:solidFill>
+                  <a:schemeClr val="tx1"/>
+                </a:solidFill>
+                <a:latin typeface="+mn-lt"/>
+                <a:ea typeface="+mn-ea"/>
+                <a:cs typeface="+mn-cs"/>
+              </a:defRPr>
+            </a:lvl4pPr>
+            <a:lvl5pPr marL="1828800" indent="0" algn="ctr" defTabSz="914400" rtl="0" eaLnBrk="1" latinLnBrk="0" hangingPunct="1">
+              <a:lnSpc>
+                <a:spcPct val="90000"/>
+              </a:lnSpc>
+              <a:spcBef>
+                <a:spcPts val="500"/>
+              </a:spcBef>
+              <a:buFont typeface="Arial" panose="020B0604020202020204" pitchFamily="34" charset="0"/>
+              <a:buNone/>
+              <a:defRPr sz="1600" kern="1200">
+                <a:solidFill>
+                  <a:schemeClr val="tx1"/>
+                </a:solidFill>
+                <a:latin typeface="+mn-lt"/>
+                <a:ea typeface="+mn-ea"/>
+                <a:cs typeface="+mn-cs"/>
+              </a:defRPr>
+            </a:lvl5pPr>
+            <a:lvl6pPr marL="2286000" indent="0" algn="ctr" defTabSz="914400" rtl="0" eaLnBrk="1" latinLnBrk="0" hangingPunct="1">
+              <a:lnSpc>
+                <a:spcPct val="90000"/>
+              </a:lnSpc>
+              <a:spcBef>
+                <a:spcPts val="500"/>
+              </a:spcBef>
+              <a:buFont typeface="Arial" panose="020B0604020202020204" pitchFamily="34" charset="0"/>
+              <a:buNone/>
+              <a:defRPr sz="1600" kern="1200">
+                <a:solidFill>
+                  <a:schemeClr val="tx1"/>
+                </a:solidFill>
+                <a:latin typeface="+mn-lt"/>
+                <a:ea typeface="+mn-ea"/>
+                <a:cs typeface="+mn-cs"/>
+              </a:defRPr>
+            </a:lvl6pPr>
+            <a:lvl7pPr marL="2743200" indent="0" algn="ctr" defTabSz="914400" rtl="0" eaLnBrk="1" latinLnBrk="0" hangingPunct="1">
+              <a:lnSpc>
+                <a:spcPct val="90000"/>
+              </a:lnSpc>
+              <a:spcBef>
+                <a:spcPts val="500"/>
+              </a:spcBef>
+              <a:buFont typeface="Arial" panose="020B0604020202020204" pitchFamily="34" charset="0"/>
+              <a:buNone/>
+              <a:defRPr sz="1600" kern="1200">
+                <a:solidFill>
+                  <a:schemeClr val="tx1"/>
+                </a:solidFill>
+                <a:latin typeface="+mn-lt"/>
+                <a:ea typeface="+mn-ea"/>
+                <a:cs typeface="+mn-cs"/>
+              </a:defRPr>
+            </a:lvl7pPr>
+            <a:lvl8pPr marL="3200400" indent="0" algn="ctr" defTabSz="914400" rtl="0" eaLnBrk="1" latinLnBrk="0" hangingPunct="1">
+              <a:lnSpc>
+                <a:spcPct val="90000"/>
+              </a:lnSpc>
+              <a:spcBef>
+                <a:spcPts val="500"/>
+              </a:spcBef>
+              <a:buFont typeface="Arial" panose="020B0604020202020204" pitchFamily="34" charset="0"/>
+              <a:buNone/>
+              <a:defRPr sz="1600" kern="1200">
+                <a:solidFill>
+                  <a:schemeClr val="tx1"/>
+                </a:solidFill>
+                <a:latin typeface="+mn-lt"/>
+                <a:ea typeface="+mn-ea"/>
+                <a:cs typeface="+mn-cs"/>
+              </a:defRPr>
+            </a:lvl8pPr>
+            <a:lvl9pPr marL="3657600" indent="0" algn="ctr" defTabSz="914400" rtl="0" eaLnBrk="1" latinLnBrk="0" hangingPunct="1">
+              <a:lnSpc>
+                <a:spcPct val="90000"/>
+              </a:lnSpc>
+              <a:spcBef>
+                <a:spcPts val="500"/>
+              </a:spcBef>
+              <a:buFont typeface="Arial" panose="020B0604020202020204" pitchFamily="34" charset="0"/>
+              <a:buNone/>
+              <a:defRPr sz="1600" kern="1200">
+                <a:solidFill>
+                  <a:schemeClr val="tx1"/>
+                </a:solidFill>
+                <a:latin typeface="+mn-lt"/>
+                <a:ea typeface="+mn-ea"/>
+                <a:cs typeface="+mn-cs"/>
+              </a:defRPr>
+            </a:lvl9pPr>
+          </a:lstStyle>
+          <a:p>
+            <a:pPr>
+              <a:lnSpc>
+                <a:spcPct val="150000"/>
+              </a:lnSpc>
+            </a:pPr>
+            <a:r>
+              <a:rPr lang="de-DE" sz="3600" dirty="0">
+                <a:cs typeface="Calibri"/>
+              </a:rPr>
+              <a:t>Software Metriken</a:t>
+            </a:r>
+            <a:endParaRPr lang="de-DE" dirty="0"/>
+          </a:p>
+        </p:txBody>
+      </p:sp>
+      <p:sp>
+        <p:nvSpPr>
+          <p:cNvPr id="9" name="Untertitel 2">
+            <a:extLst>
+              <a:ext uri="{FF2B5EF4-FFF2-40B4-BE49-F238E27FC236}">
+                <a16:creationId xmlns:a16="http://schemas.microsoft.com/office/drawing/2014/main" id="{91CEA67C-7DBB-4DB4-BCA7-2B67D94FDD59}"/>
+              </a:ext>
+            </a:extLst>
+          </p:cNvPr>
+          <p:cNvSpPr txBox="1">
+            <a:spLocks/>
+          </p:cNvSpPr>
+          <p:nvPr/>
+        </p:nvSpPr>
+        <p:spPr>
+          <a:xfrm>
+            <a:off x="1170610" y="2033863"/>
+            <a:ext cx="9099826" cy="3930718"/>
+          </a:xfrm>
+          <a:prstGeom prst="rect">
+            <a:avLst/>
+          </a:prstGeom>
+        </p:spPr>
+        <p:txBody>
+          <a:bodyPr vert="horz" lIns="91440" tIns="45720" rIns="91440" bIns="45720" rtlCol="0" anchor="t">
+            <a:noAutofit/>
+          </a:bodyPr>
+          <a:lstStyle>
+            <a:lvl1pPr marL="0" indent="0" algn="ctr" defTabSz="914400" rtl="0" eaLnBrk="1" latinLnBrk="0" hangingPunct="1">
+              <a:lnSpc>
+                <a:spcPct val="90000"/>
+              </a:lnSpc>
+              <a:spcBef>
+                <a:spcPts val="1000"/>
+              </a:spcBef>
+              <a:buFont typeface="Arial" panose="020B0604020202020204" pitchFamily="34" charset="0"/>
+              <a:buNone/>
+              <a:defRPr sz="2400" kern="1200">
+                <a:solidFill>
+                  <a:schemeClr val="tx1"/>
+                </a:solidFill>
+                <a:latin typeface="+mn-lt"/>
+                <a:ea typeface="+mn-ea"/>
+                <a:cs typeface="+mn-cs"/>
+              </a:defRPr>
+            </a:lvl1pPr>
+            <a:lvl2pPr marL="457200" indent="0" algn="ctr" defTabSz="914400" rtl="0" eaLnBrk="1" latinLnBrk="0" hangingPunct="1">
+              <a:lnSpc>
+                <a:spcPct val="90000"/>
+              </a:lnSpc>
+              <a:spcBef>
+                <a:spcPts val="500"/>
+              </a:spcBef>
+              <a:buFont typeface="Arial" panose="020B0604020202020204" pitchFamily="34" charset="0"/>
+              <a:buNone/>
+              <a:defRPr sz="2000" kern="1200">
+                <a:solidFill>
+                  <a:schemeClr val="tx1"/>
+                </a:solidFill>
+                <a:latin typeface="+mn-lt"/>
+                <a:ea typeface="+mn-ea"/>
+                <a:cs typeface="+mn-cs"/>
+              </a:defRPr>
+            </a:lvl2pPr>
+            <a:lvl3pPr marL="914400" indent="0" algn="ctr" defTabSz="914400" rtl="0" eaLnBrk="1" latinLnBrk="0" hangingPunct="1">
+              <a:lnSpc>
+                <a:spcPct val="90000"/>
+              </a:lnSpc>
+              <a:spcBef>
+                <a:spcPts val="500"/>
+              </a:spcBef>
+              <a:buFont typeface="Arial" panose="020B0604020202020204" pitchFamily="34" charset="0"/>
+              <a:buNone/>
+              <a:defRPr sz="1800" kern="1200">
+                <a:solidFill>
+                  <a:schemeClr val="tx1"/>
+                </a:solidFill>
+                <a:latin typeface="+mn-lt"/>
+                <a:ea typeface="+mn-ea"/>
+                <a:cs typeface="+mn-cs"/>
+              </a:defRPr>
+            </a:lvl3pPr>
+            <a:lvl4pPr marL="1371600" indent="0" algn="ctr" defTabSz="914400" rtl="0" eaLnBrk="1" latinLnBrk="0" hangingPunct="1">
+              <a:lnSpc>
+                <a:spcPct val="90000"/>
+              </a:lnSpc>
+              <a:spcBef>
+                <a:spcPts val="500"/>
+              </a:spcBef>
+              <a:buFont typeface="Arial" panose="020B0604020202020204" pitchFamily="34" charset="0"/>
+              <a:buNone/>
+              <a:defRPr sz="1600" kern="1200">
+                <a:solidFill>
+                  <a:schemeClr val="tx1"/>
+                </a:solidFill>
+                <a:latin typeface="+mn-lt"/>
+                <a:ea typeface="+mn-ea"/>
+                <a:cs typeface="+mn-cs"/>
+              </a:defRPr>
+            </a:lvl4pPr>
+            <a:lvl5pPr marL="1828800" indent="0" algn="ctr" defTabSz="914400" rtl="0" eaLnBrk="1" latinLnBrk="0" hangingPunct="1">
+              <a:lnSpc>
+                <a:spcPct val="90000"/>
+              </a:lnSpc>
+              <a:spcBef>
+                <a:spcPts val="500"/>
+              </a:spcBef>
+              <a:buFont typeface="Arial" panose="020B0604020202020204" pitchFamily="34" charset="0"/>
+              <a:buNone/>
+              <a:defRPr sz="1600" kern="1200">
+                <a:solidFill>
+                  <a:schemeClr val="tx1"/>
+                </a:solidFill>
+                <a:latin typeface="+mn-lt"/>
+                <a:ea typeface="+mn-ea"/>
+                <a:cs typeface="+mn-cs"/>
+              </a:defRPr>
+            </a:lvl5pPr>
+            <a:lvl6pPr marL="2286000" indent="0" algn="ctr" defTabSz="914400" rtl="0" eaLnBrk="1" latinLnBrk="0" hangingPunct="1">
+              <a:lnSpc>
+                <a:spcPct val="90000"/>
+              </a:lnSpc>
+              <a:spcBef>
+                <a:spcPts val="500"/>
+              </a:spcBef>
+              <a:buFont typeface="Arial" panose="020B0604020202020204" pitchFamily="34" charset="0"/>
+              <a:buNone/>
+              <a:defRPr sz="1600" kern="1200">
+                <a:solidFill>
+                  <a:schemeClr val="tx1"/>
+                </a:solidFill>
+                <a:latin typeface="+mn-lt"/>
+                <a:ea typeface="+mn-ea"/>
+                <a:cs typeface="+mn-cs"/>
+              </a:defRPr>
+            </a:lvl6pPr>
+            <a:lvl7pPr marL="2743200" indent="0" algn="ctr" defTabSz="914400" rtl="0" eaLnBrk="1" latinLnBrk="0" hangingPunct="1">
+              <a:lnSpc>
+                <a:spcPct val="90000"/>
+              </a:lnSpc>
+              <a:spcBef>
+                <a:spcPts val="500"/>
+              </a:spcBef>
+              <a:buFont typeface="Arial" panose="020B0604020202020204" pitchFamily="34" charset="0"/>
+              <a:buNone/>
+              <a:defRPr sz="1600" kern="1200">
+                <a:solidFill>
+                  <a:schemeClr val="tx1"/>
+                </a:solidFill>
+                <a:latin typeface="+mn-lt"/>
+                <a:ea typeface="+mn-ea"/>
+                <a:cs typeface="+mn-cs"/>
+              </a:defRPr>
+            </a:lvl7pPr>
+            <a:lvl8pPr marL="3200400" indent="0" algn="ctr" defTabSz="914400" rtl="0" eaLnBrk="1" latinLnBrk="0" hangingPunct="1">
+              <a:lnSpc>
+                <a:spcPct val="90000"/>
+              </a:lnSpc>
+              <a:spcBef>
+                <a:spcPts val="500"/>
+              </a:spcBef>
+              <a:buFont typeface="Arial" panose="020B0604020202020204" pitchFamily="34" charset="0"/>
+              <a:buNone/>
+              <a:defRPr sz="1600" kern="1200">
+                <a:solidFill>
+                  <a:schemeClr val="tx1"/>
+                </a:solidFill>
+                <a:latin typeface="+mn-lt"/>
+                <a:ea typeface="+mn-ea"/>
+                <a:cs typeface="+mn-cs"/>
+              </a:defRPr>
+            </a:lvl8pPr>
+            <a:lvl9pPr marL="3657600" indent="0" algn="ctr" defTabSz="914400" rtl="0" eaLnBrk="1" latinLnBrk="0" hangingPunct="1">
+              <a:lnSpc>
+                <a:spcPct val="90000"/>
+              </a:lnSpc>
+              <a:spcBef>
+                <a:spcPts val="500"/>
+              </a:spcBef>
+              <a:buFont typeface="Arial" panose="020B0604020202020204" pitchFamily="34" charset="0"/>
+              <a:buNone/>
+              <a:defRPr sz="1600" kern="1200">
+                <a:solidFill>
+                  <a:schemeClr val="tx1"/>
+                </a:solidFill>
+                <a:latin typeface="+mn-lt"/>
+                <a:ea typeface="+mn-ea"/>
+                <a:cs typeface="+mn-cs"/>
+              </a:defRPr>
+            </a:lvl9pPr>
+          </a:lstStyle>
+          <a:p>
+            <a:pPr marL="342900" indent="-342900" algn="l">
+              <a:lnSpc>
+                <a:spcPct val="150000"/>
+              </a:lnSpc>
+              <a:buChar char="•"/>
+            </a:pPr>
+            <a:r>
+              <a:rPr lang="de-DE" dirty="0">
+                <a:cs typeface="Calibri"/>
+              </a:rPr>
+              <a:t>Softwareeigenschaften werden Zahlen zugeordnet</a:t>
+            </a:r>
+          </a:p>
+          <a:p>
+            <a:pPr marL="342900" indent="-342900" algn="l">
+              <a:lnSpc>
+                <a:spcPct val="150000"/>
+              </a:lnSpc>
+              <a:buChar char="•"/>
+            </a:pPr>
+            <a:r>
+              <a:rPr lang="de-DE" dirty="0">
+                <a:cs typeface="Calibri"/>
+              </a:rPr>
+              <a:t>Bsp.  Anzahl Verzweigungen, Anzahl der Klassen…</a:t>
+            </a:r>
+          </a:p>
+          <a:p>
+            <a:pPr marL="342900" indent="-342900" algn="l">
+              <a:lnSpc>
+                <a:spcPct val="150000"/>
+              </a:lnSpc>
+              <a:buFont typeface="Arial" panose="020B0604020202020204" pitchFamily="34" charset="0"/>
+              <a:buChar char="•"/>
+            </a:pPr>
+            <a:r>
+              <a:rPr lang="de-DE" dirty="0">
+                <a:cs typeface="Calibri"/>
+              </a:rPr>
+              <a:t>Dient der qualitativen Einschätzung eines Softwareprodukts</a:t>
+            </a:r>
+          </a:p>
           <a:p>
             <a:pPr algn="l">
               <a:lnSpc>
-                <a:spcPct val="100000"/>
+                <a:spcPct val="150000"/>
               </a:lnSpc>
             </a:pPr>
-            <a:r>
-              <a:rPr lang="de-DE" sz="1400">
-                <a:cs typeface="Calibri"/>
-              </a:rPr>
-              <a:t>Meng, J., Zhang, J., Zhao, H.: Overview of the speech recognition technology. Proceedings - 4th International Conference on Computational and Information Sciences, ICCIS 2012, pp. 199{202 (2012). </a:t>
-            </a:r>
-            <a:r>
-              <a:rPr lang="de-DE" sz="1400" dirty="0">
-                <a:cs typeface="Calibri"/>
-              </a:rPr>
-              <a:t>https://doi.org/10.1109/ICCIS.2012.202</a:t>
-            </a:r>
-            <a:endParaRPr lang="de-DE">
-              <a:cs typeface="Calibri" panose="020F0502020204030204"/>
-            </a:endParaRPr>
-          </a:p>
-          <a:p>
-            <a:pPr algn="l">
-              <a:lnSpc>
-                <a:spcPct val="100000"/>
-              </a:lnSpc>
-            </a:pPr>
-            <a:endParaRPr lang="de-DE" sz="1400" dirty="0">
+            <a:endParaRPr lang="de-DE" dirty="0">
               <a:cs typeface="Calibri"/>
-            </a:endParaRPr>
-          </a:p>
-          <a:p>
-            <a:pPr algn="l">
-              <a:lnSpc>
-                <a:spcPct val="100000"/>
-              </a:lnSpc>
-            </a:pPr>
-            <a:r>
-              <a:rPr lang="de-DE" sz="1400">
-                <a:cs typeface="Calibri"/>
-              </a:rPr>
-              <a:t>Vydana, H.K., Vuppala, A.K.: Residual neural networks for speech recognition. 25th European Signal Processing Conference, EUSIPCO 2017 pp. 543{547. </a:t>
-            </a:r>
-            <a:r>
-              <a:rPr lang="de-DE" sz="1400" dirty="0">
-                <a:cs typeface="Calibri"/>
-              </a:rPr>
-              <a:t>https://doi.org/10.23919/EUSIPCO.2017.8081266</a:t>
-            </a:r>
-          </a:p>
-          <a:p>
-            <a:pPr algn="l">
-              <a:lnSpc>
-                <a:spcPct val="100000"/>
-              </a:lnSpc>
-            </a:pPr>
-            <a:endParaRPr lang="de-DE" sz="1400" dirty="0">
-              <a:cs typeface="Calibri"/>
-            </a:endParaRPr>
-          </a:p>
-          <a:p>
-            <a:pPr algn="l">
-              <a:lnSpc>
-                <a:spcPct val="100000"/>
-              </a:lnSpc>
-            </a:pPr>
-            <a:r>
-              <a:rPr lang="de-DE" sz="1400" dirty="0">
-                <a:cs typeface="Calibri"/>
-              </a:rPr>
-              <a:t>Guiming, D., Xia, W., Guangyan, W., Yan, Z., Dan, L.: Speech recognition based on convolutional neural networks. 2016 IEEE </a:t>
-            </a:r>
-            <a:r>
-              <a:rPr lang="de-DE" sz="1400">
-                <a:cs typeface="Calibri"/>
-              </a:rPr>
-              <a:t>International Conference on Signal and Image Processing, ICSIP 2016 pp. 708{711. https://doi.org/10.1109/SIPROCESS.2016.7888355</a:t>
-            </a:r>
-          </a:p>
-          <a:p>
-            <a:pPr algn="l">
-              <a:lnSpc>
-                <a:spcPct val="100000"/>
-              </a:lnSpc>
-            </a:pPr>
-            <a:endParaRPr lang="de-DE" sz="1400" dirty="0">
-              <a:cs typeface="Calibri"/>
-            </a:endParaRPr>
-          </a:p>
-          <a:p>
-            <a:pPr algn="l">
-              <a:lnSpc>
-                <a:spcPct val="100000"/>
-              </a:lnSpc>
-            </a:pPr>
-            <a:r>
-              <a:rPr lang="de-DE" sz="1400">
-                <a:cs typeface="Calibri"/>
-              </a:rPr>
-              <a:t>Maind, M.S.B., Wankar, M.P.: Research Paper on Basic of Articial Neural Network. International Journal on Recent and Innovation Trends in Computing and Communication 2(1), 96{100 (2014). https://doi.org/10.1109/Oceans-</a:t>
-            </a:r>
-            <a:r>
-              <a:rPr lang="de-DE" sz="1400" dirty="0">
-                <a:cs typeface="Calibri"/>
-              </a:rPr>
-              <a:t>Spain.2011.6003625, </a:t>
-            </a:r>
-            <a:r>
-              <a:rPr lang="de-DE" sz="1400">
-                <a:cs typeface="Calibri"/>
-              </a:rPr>
-              <a:t>http://www.ijritcc.org</a:t>
-            </a:r>
-          </a:p>
-          <a:p>
-            <a:pPr algn="l">
-              <a:lnSpc>
-                <a:spcPct val="100000"/>
-              </a:lnSpc>
-            </a:pPr>
-            <a:endParaRPr lang="de-DE" sz="1400" dirty="0">
-              <a:cs typeface="Calibri" panose="020F0502020204030204"/>
-            </a:endParaRPr>
-          </a:p>
-          <a:p>
-            <a:pPr algn="l">
-              <a:lnSpc>
-                <a:spcPct val="100000"/>
-              </a:lnSpc>
-            </a:pPr>
-            <a:r>
-              <a:rPr lang="de-DE" sz="1400">
-                <a:cs typeface="Calibri" panose="020F0502020204030204"/>
-              </a:rPr>
-              <a:t>Tang, X.: Hybrid hidden markov model and arti cial neural network for automatic speech recognition. Proceedings of the 2009 Paci c-Asia Conference on Circuits, Communications and System, PACCS 2009, pp. 682{685 (2009). https://doi.org/10.1109/PACCS.2009.138</a:t>
-            </a:r>
-          </a:p>
-          <a:p>
-            <a:pPr algn="l">
-              <a:lnSpc>
-                <a:spcPct val="100000"/>
-              </a:lnSpc>
-            </a:pPr>
-            <a:endParaRPr lang="de-DE" sz="1400" dirty="0">
-              <a:cs typeface="Calibri" panose="020F0502020204030204"/>
-            </a:endParaRPr>
-          </a:p>
-          <a:p>
-            <a:pPr algn="l"/>
-            <a:r>
-              <a:rPr lang="de-DE" sz="1400">
-                <a:cs typeface="Calibri" panose="020F0502020204030204"/>
-              </a:rPr>
-              <a:t>Khalifelu, Z.A., Gharehchopogh, F.S.: Comparison and evaluation of data mining techniques with algorithmic models in software cost estimation. Procedia Technology 1, 65{71 (2012). https://doi.org/10.1016/j.protcy.2012.02.013</a:t>
-            </a:r>
-          </a:p>
-          <a:p>
-            <a:pPr algn="l"/>
-            <a:endParaRPr lang="de-DE" sz="1400" dirty="0">
-              <a:cs typeface="Calibri" panose="020F0502020204030204"/>
             </a:endParaRPr>
           </a:p>
         </p:txBody>
@@ -18485,7 +18937,7 @@
     </p:spTree>
     <p:extLst>
       <p:ext uri="{BB962C8B-B14F-4D97-AF65-F5344CB8AC3E}">
-        <p14:creationId xmlns:p14="http://schemas.microsoft.com/office/powerpoint/2010/main" val="857233425"/>
+        <p14:creationId xmlns:p14="http://schemas.microsoft.com/office/powerpoint/2010/main" val="200132196"/>
       </p:ext>
     </p:extLst>
   </p:cSld>
@@ -18535,10 +18987,10 @@
           <a:lstStyle/>
           <a:p>
             <a:r>
-              <a:rPr lang="de-DE">
+              <a:rPr lang="de-DE" dirty="0">
                 <a:cs typeface="Calibri Light"/>
               </a:rPr>
-              <a:t>Literaturverzeichnis</a:t>
+              <a:t>Softwarequalität</a:t>
             </a:r>
             <a:endParaRPr lang="de-DE" dirty="0"/>
           </a:p>
@@ -18654,140 +19106,467 @@
       </p:sp>
       <p:sp>
         <p:nvSpPr>
-          <p:cNvPr id="3" name="Untertitel 2">
+          <p:cNvPr id="5" name="Untertitel 2">
             <a:extLst>
               <a:ext uri="{FF2B5EF4-FFF2-40B4-BE49-F238E27FC236}">
-                <a16:creationId xmlns:a16="http://schemas.microsoft.com/office/drawing/2014/main" id="{0533C99D-14D1-427C-95DB-DD0C27472DBD}"/>
+                <a16:creationId xmlns:a16="http://schemas.microsoft.com/office/drawing/2014/main" id="{FF6CB36C-AECF-40D6-A1E4-B41256208DF8}"/>
               </a:ext>
             </a:extLst>
           </p:cNvPr>
-          <p:cNvSpPr>
-            <a:spLocks noGrp="1"/>
+          <p:cNvSpPr txBox="1">
+            <a:spLocks/>
           </p:cNvSpPr>
-          <p:nvPr>
-            <p:ph type="subTitle" idx="1"/>
-          </p:nvPr>
+          <p:nvPr/>
         </p:nvSpPr>
         <p:spPr>
           <a:xfrm>
-            <a:off x="650515" y="1338651"/>
-            <a:ext cx="10902016" cy="4964597"/>
-          </a:xfrm>
+            <a:off x="2338380" y="1065973"/>
+            <a:ext cx="6763595" cy="915848"/>
+          </a:xfrm>
+          <a:prstGeom prst="rect">
+            <a:avLst/>
+          </a:prstGeom>
         </p:spPr>
         <p:txBody>
           <a:bodyPr vert="horz" lIns="91440" tIns="45720" rIns="91440" bIns="45720" rtlCol="0" anchor="t">
             <a:noAutofit/>
           </a:bodyPr>
-          <a:lstStyle/>
-          <a:p>
-            <a:pPr algn="l"/>
-            <a:r>
-              <a:rPr lang="de-DE" sz="1400">
-                <a:cs typeface="Calibri"/>
-              </a:rPr>
-              <a:t>Jayashree, P., Melvin Jose, J., Premkumar: Machine learning in automatic speech recognition: A survey. IETE Technical Review (Institution of Electronics and Telecommunication Engineers, India) 32(4), 240{251 (2015). https://doi.org/10.1080/02564602.2015.1010611</a:t>
-            </a:r>
-          </a:p>
-          <a:p>
-            <a:pPr algn="l"/>
-            <a:endParaRPr lang="de-DE" sz="1400" dirty="0">
+          <a:lstStyle>
+            <a:lvl1pPr marL="0" indent="0" algn="ctr" defTabSz="914400" rtl="0" eaLnBrk="1" latinLnBrk="0" hangingPunct="1">
+              <a:lnSpc>
+                <a:spcPct val="90000"/>
+              </a:lnSpc>
+              <a:spcBef>
+                <a:spcPts val="1000"/>
+              </a:spcBef>
+              <a:buFont typeface="Arial" panose="020B0604020202020204" pitchFamily="34" charset="0"/>
+              <a:buNone/>
+              <a:defRPr sz="2400" kern="1200">
+                <a:solidFill>
+                  <a:schemeClr val="tx1"/>
+                </a:solidFill>
+                <a:latin typeface="+mn-lt"/>
+                <a:ea typeface="+mn-ea"/>
+                <a:cs typeface="+mn-cs"/>
+              </a:defRPr>
+            </a:lvl1pPr>
+            <a:lvl2pPr marL="457200" indent="0" algn="ctr" defTabSz="914400" rtl="0" eaLnBrk="1" latinLnBrk="0" hangingPunct="1">
+              <a:lnSpc>
+                <a:spcPct val="90000"/>
+              </a:lnSpc>
+              <a:spcBef>
+                <a:spcPts val="500"/>
+              </a:spcBef>
+              <a:buFont typeface="Arial" panose="020B0604020202020204" pitchFamily="34" charset="0"/>
+              <a:buNone/>
+              <a:defRPr sz="2000" kern="1200">
+                <a:solidFill>
+                  <a:schemeClr val="tx1"/>
+                </a:solidFill>
+                <a:latin typeface="+mn-lt"/>
+                <a:ea typeface="+mn-ea"/>
+                <a:cs typeface="+mn-cs"/>
+              </a:defRPr>
+            </a:lvl2pPr>
+            <a:lvl3pPr marL="914400" indent="0" algn="ctr" defTabSz="914400" rtl="0" eaLnBrk="1" latinLnBrk="0" hangingPunct="1">
+              <a:lnSpc>
+                <a:spcPct val="90000"/>
+              </a:lnSpc>
+              <a:spcBef>
+                <a:spcPts val="500"/>
+              </a:spcBef>
+              <a:buFont typeface="Arial" panose="020B0604020202020204" pitchFamily="34" charset="0"/>
+              <a:buNone/>
+              <a:defRPr sz="1800" kern="1200">
+                <a:solidFill>
+                  <a:schemeClr val="tx1"/>
+                </a:solidFill>
+                <a:latin typeface="+mn-lt"/>
+                <a:ea typeface="+mn-ea"/>
+                <a:cs typeface="+mn-cs"/>
+              </a:defRPr>
+            </a:lvl3pPr>
+            <a:lvl4pPr marL="1371600" indent="0" algn="ctr" defTabSz="914400" rtl="0" eaLnBrk="1" latinLnBrk="0" hangingPunct="1">
+              <a:lnSpc>
+                <a:spcPct val="90000"/>
+              </a:lnSpc>
+              <a:spcBef>
+                <a:spcPts val="500"/>
+              </a:spcBef>
+              <a:buFont typeface="Arial" panose="020B0604020202020204" pitchFamily="34" charset="0"/>
+              <a:buNone/>
+              <a:defRPr sz="1600" kern="1200">
+                <a:solidFill>
+                  <a:schemeClr val="tx1"/>
+                </a:solidFill>
+                <a:latin typeface="+mn-lt"/>
+                <a:ea typeface="+mn-ea"/>
+                <a:cs typeface="+mn-cs"/>
+              </a:defRPr>
+            </a:lvl4pPr>
+            <a:lvl5pPr marL="1828800" indent="0" algn="ctr" defTabSz="914400" rtl="0" eaLnBrk="1" latinLnBrk="0" hangingPunct="1">
+              <a:lnSpc>
+                <a:spcPct val="90000"/>
+              </a:lnSpc>
+              <a:spcBef>
+                <a:spcPts val="500"/>
+              </a:spcBef>
+              <a:buFont typeface="Arial" panose="020B0604020202020204" pitchFamily="34" charset="0"/>
+              <a:buNone/>
+              <a:defRPr sz="1600" kern="1200">
+                <a:solidFill>
+                  <a:schemeClr val="tx1"/>
+                </a:solidFill>
+                <a:latin typeface="+mn-lt"/>
+                <a:ea typeface="+mn-ea"/>
+                <a:cs typeface="+mn-cs"/>
+              </a:defRPr>
+            </a:lvl5pPr>
+            <a:lvl6pPr marL="2286000" indent="0" algn="ctr" defTabSz="914400" rtl="0" eaLnBrk="1" latinLnBrk="0" hangingPunct="1">
+              <a:lnSpc>
+                <a:spcPct val="90000"/>
+              </a:lnSpc>
+              <a:spcBef>
+                <a:spcPts val="500"/>
+              </a:spcBef>
+              <a:buFont typeface="Arial" panose="020B0604020202020204" pitchFamily="34" charset="0"/>
+              <a:buNone/>
+              <a:defRPr sz="1600" kern="1200">
+                <a:solidFill>
+                  <a:schemeClr val="tx1"/>
+                </a:solidFill>
+                <a:latin typeface="+mn-lt"/>
+                <a:ea typeface="+mn-ea"/>
+                <a:cs typeface="+mn-cs"/>
+              </a:defRPr>
+            </a:lvl6pPr>
+            <a:lvl7pPr marL="2743200" indent="0" algn="ctr" defTabSz="914400" rtl="0" eaLnBrk="1" latinLnBrk="0" hangingPunct="1">
+              <a:lnSpc>
+                <a:spcPct val="90000"/>
+              </a:lnSpc>
+              <a:spcBef>
+                <a:spcPts val="500"/>
+              </a:spcBef>
+              <a:buFont typeface="Arial" panose="020B0604020202020204" pitchFamily="34" charset="0"/>
+              <a:buNone/>
+              <a:defRPr sz="1600" kern="1200">
+                <a:solidFill>
+                  <a:schemeClr val="tx1"/>
+                </a:solidFill>
+                <a:latin typeface="+mn-lt"/>
+                <a:ea typeface="+mn-ea"/>
+                <a:cs typeface="+mn-cs"/>
+              </a:defRPr>
+            </a:lvl7pPr>
+            <a:lvl8pPr marL="3200400" indent="0" algn="ctr" defTabSz="914400" rtl="0" eaLnBrk="1" latinLnBrk="0" hangingPunct="1">
+              <a:lnSpc>
+                <a:spcPct val="90000"/>
+              </a:lnSpc>
+              <a:spcBef>
+                <a:spcPts val="500"/>
+              </a:spcBef>
+              <a:buFont typeface="Arial" panose="020B0604020202020204" pitchFamily="34" charset="0"/>
+              <a:buNone/>
+              <a:defRPr sz="1600" kern="1200">
+                <a:solidFill>
+                  <a:schemeClr val="tx1"/>
+                </a:solidFill>
+                <a:latin typeface="+mn-lt"/>
+                <a:ea typeface="+mn-ea"/>
+                <a:cs typeface="+mn-cs"/>
+              </a:defRPr>
+            </a:lvl8pPr>
+            <a:lvl9pPr marL="3657600" indent="0" algn="ctr" defTabSz="914400" rtl="0" eaLnBrk="1" latinLnBrk="0" hangingPunct="1">
+              <a:lnSpc>
+                <a:spcPct val="90000"/>
+              </a:lnSpc>
+              <a:spcBef>
+                <a:spcPts val="500"/>
+              </a:spcBef>
+              <a:buFont typeface="Arial" panose="020B0604020202020204" pitchFamily="34" charset="0"/>
+              <a:buNone/>
+              <a:defRPr sz="1600" kern="1200">
+                <a:solidFill>
+                  <a:schemeClr val="tx1"/>
+                </a:solidFill>
+                <a:latin typeface="+mn-lt"/>
+                <a:ea typeface="+mn-ea"/>
+                <a:cs typeface="+mn-cs"/>
+              </a:defRPr>
+            </a:lvl9pPr>
+          </a:lstStyle>
+          <a:p>
+            <a:pPr>
+              <a:lnSpc>
+                <a:spcPct val="150000"/>
+              </a:lnSpc>
+            </a:pPr>
+            <a:r>
+              <a:rPr lang="de-DE" sz="3600" dirty="0">
+                <a:cs typeface="Calibri"/>
+              </a:rPr>
+              <a:t>Evaluation von Softwarequalität</a:t>
+            </a:r>
+            <a:endParaRPr lang="de-DE" dirty="0"/>
+          </a:p>
+        </p:txBody>
+      </p:sp>
+      <p:sp>
+        <p:nvSpPr>
+          <p:cNvPr id="9" name="Untertitel 2">
+            <a:extLst>
+              <a:ext uri="{FF2B5EF4-FFF2-40B4-BE49-F238E27FC236}">
+                <a16:creationId xmlns:a16="http://schemas.microsoft.com/office/drawing/2014/main" id="{91CEA67C-7DBB-4DB4-BCA7-2B67D94FDD59}"/>
+              </a:ext>
+            </a:extLst>
+          </p:cNvPr>
+          <p:cNvSpPr txBox="1">
+            <a:spLocks/>
+          </p:cNvSpPr>
+          <p:nvPr/>
+        </p:nvSpPr>
+        <p:spPr>
+          <a:xfrm>
+            <a:off x="1170610" y="2033863"/>
+            <a:ext cx="9099826" cy="3930718"/>
+          </a:xfrm>
+          <a:prstGeom prst="rect">
+            <a:avLst/>
+          </a:prstGeom>
+        </p:spPr>
+        <p:txBody>
+          <a:bodyPr vert="horz" lIns="91440" tIns="45720" rIns="91440" bIns="45720" rtlCol="0" anchor="t">
+            <a:noAutofit/>
+          </a:bodyPr>
+          <a:lstStyle>
+            <a:lvl1pPr marL="0" indent="0" algn="ctr" defTabSz="914400" rtl="0" eaLnBrk="1" latinLnBrk="0" hangingPunct="1">
+              <a:lnSpc>
+                <a:spcPct val="90000"/>
+              </a:lnSpc>
+              <a:spcBef>
+                <a:spcPts val="1000"/>
+              </a:spcBef>
+              <a:buFont typeface="Arial" panose="020B0604020202020204" pitchFamily="34" charset="0"/>
+              <a:buNone/>
+              <a:defRPr sz="2400" kern="1200">
+                <a:solidFill>
+                  <a:schemeClr val="tx1"/>
+                </a:solidFill>
+                <a:latin typeface="+mn-lt"/>
+                <a:ea typeface="+mn-ea"/>
+                <a:cs typeface="+mn-cs"/>
+              </a:defRPr>
+            </a:lvl1pPr>
+            <a:lvl2pPr marL="457200" indent="0" algn="ctr" defTabSz="914400" rtl="0" eaLnBrk="1" latinLnBrk="0" hangingPunct="1">
+              <a:lnSpc>
+                <a:spcPct val="90000"/>
+              </a:lnSpc>
+              <a:spcBef>
+                <a:spcPts val="500"/>
+              </a:spcBef>
+              <a:buFont typeface="Arial" panose="020B0604020202020204" pitchFamily="34" charset="0"/>
+              <a:buNone/>
+              <a:defRPr sz="2000" kern="1200">
+                <a:solidFill>
+                  <a:schemeClr val="tx1"/>
+                </a:solidFill>
+                <a:latin typeface="+mn-lt"/>
+                <a:ea typeface="+mn-ea"/>
+                <a:cs typeface="+mn-cs"/>
+              </a:defRPr>
+            </a:lvl2pPr>
+            <a:lvl3pPr marL="914400" indent="0" algn="ctr" defTabSz="914400" rtl="0" eaLnBrk="1" latinLnBrk="0" hangingPunct="1">
+              <a:lnSpc>
+                <a:spcPct val="90000"/>
+              </a:lnSpc>
+              <a:spcBef>
+                <a:spcPts val="500"/>
+              </a:spcBef>
+              <a:buFont typeface="Arial" panose="020B0604020202020204" pitchFamily="34" charset="0"/>
+              <a:buNone/>
+              <a:defRPr sz="1800" kern="1200">
+                <a:solidFill>
+                  <a:schemeClr val="tx1"/>
+                </a:solidFill>
+                <a:latin typeface="+mn-lt"/>
+                <a:ea typeface="+mn-ea"/>
+                <a:cs typeface="+mn-cs"/>
+              </a:defRPr>
+            </a:lvl3pPr>
+            <a:lvl4pPr marL="1371600" indent="0" algn="ctr" defTabSz="914400" rtl="0" eaLnBrk="1" latinLnBrk="0" hangingPunct="1">
+              <a:lnSpc>
+                <a:spcPct val="90000"/>
+              </a:lnSpc>
+              <a:spcBef>
+                <a:spcPts val="500"/>
+              </a:spcBef>
+              <a:buFont typeface="Arial" panose="020B0604020202020204" pitchFamily="34" charset="0"/>
+              <a:buNone/>
+              <a:defRPr sz="1600" kern="1200">
+                <a:solidFill>
+                  <a:schemeClr val="tx1"/>
+                </a:solidFill>
+                <a:latin typeface="+mn-lt"/>
+                <a:ea typeface="+mn-ea"/>
+                <a:cs typeface="+mn-cs"/>
+              </a:defRPr>
+            </a:lvl4pPr>
+            <a:lvl5pPr marL="1828800" indent="0" algn="ctr" defTabSz="914400" rtl="0" eaLnBrk="1" latinLnBrk="0" hangingPunct="1">
+              <a:lnSpc>
+                <a:spcPct val="90000"/>
+              </a:lnSpc>
+              <a:spcBef>
+                <a:spcPts val="500"/>
+              </a:spcBef>
+              <a:buFont typeface="Arial" panose="020B0604020202020204" pitchFamily="34" charset="0"/>
+              <a:buNone/>
+              <a:defRPr sz="1600" kern="1200">
+                <a:solidFill>
+                  <a:schemeClr val="tx1"/>
+                </a:solidFill>
+                <a:latin typeface="+mn-lt"/>
+                <a:ea typeface="+mn-ea"/>
+                <a:cs typeface="+mn-cs"/>
+              </a:defRPr>
+            </a:lvl5pPr>
+            <a:lvl6pPr marL="2286000" indent="0" algn="ctr" defTabSz="914400" rtl="0" eaLnBrk="1" latinLnBrk="0" hangingPunct="1">
+              <a:lnSpc>
+                <a:spcPct val="90000"/>
+              </a:lnSpc>
+              <a:spcBef>
+                <a:spcPts val="500"/>
+              </a:spcBef>
+              <a:buFont typeface="Arial" panose="020B0604020202020204" pitchFamily="34" charset="0"/>
+              <a:buNone/>
+              <a:defRPr sz="1600" kern="1200">
+                <a:solidFill>
+                  <a:schemeClr val="tx1"/>
+                </a:solidFill>
+                <a:latin typeface="+mn-lt"/>
+                <a:ea typeface="+mn-ea"/>
+                <a:cs typeface="+mn-cs"/>
+              </a:defRPr>
+            </a:lvl6pPr>
+            <a:lvl7pPr marL="2743200" indent="0" algn="ctr" defTabSz="914400" rtl="0" eaLnBrk="1" latinLnBrk="0" hangingPunct="1">
+              <a:lnSpc>
+                <a:spcPct val="90000"/>
+              </a:lnSpc>
+              <a:spcBef>
+                <a:spcPts val="500"/>
+              </a:spcBef>
+              <a:buFont typeface="Arial" panose="020B0604020202020204" pitchFamily="34" charset="0"/>
+              <a:buNone/>
+              <a:defRPr sz="1600" kern="1200">
+                <a:solidFill>
+                  <a:schemeClr val="tx1"/>
+                </a:solidFill>
+                <a:latin typeface="+mn-lt"/>
+                <a:ea typeface="+mn-ea"/>
+                <a:cs typeface="+mn-cs"/>
+              </a:defRPr>
+            </a:lvl7pPr>
+            <a:lvl8pPr marL="3200400" indent="0" algn="ctr" defTabSz="914400" rtl="0" eaLnBrk="1" latinLnBrk="0" hangingPunct="1">
+              <a:lnSpc>
+                <a:spcPct val="90000"/>
+              </a:lnSpc>
+              <a:spcBef>
+                <a:spcPts val="500"/>
+              </a:spcBef>
+              <a:buFont typeface="Arial" panose="020B0604020202020204" pitchFamily="34" charset="0"/>
+              <a:buNone/>
+              <a:defRPr sz="1600" kern="1200">
+                <a:solidFill>
+                  <a:schemeClr val="tx1"/>
+                </a:solidFill>
+                <a:latin typeface="+mn-lt"/>
+                <a:ea typeface="+mn-ea"/>
+                <a:cs typeface="+mn-cs"/>
+              </a:defRPr>
+            </a:lvl8pPr>
+            <a:lvl9pPr marL="3657600" indent="0" algn="ctr" defTabSz="914400" rtl="0" eaLnBrk="1" latinLnBrk="0" hangingPunct="1">
+              <a:lnSpc>
+                <a:spcPct val="90000"/>
+              </a:lnSpc>
+              <a:spcBef>
+                <a:spcPts val="500"/>
+              </a:spcBef>
+              <a:buFont typeface="Arial" panose="020B0604020202020204" pitchFamily="34" charset="0"/>
+              <a:buNone/>
+              <a:defRPr sz="1600" kern="1200">
+                <a:solidFill>
+                  <a:schemeClr val="tx1"/>
+                </a:solidFill>
+                <a:latin typeface="+mn-lt"/>
+                <a:ea typeface="+mn-ea"/>
+                <a:cs typeface="+mn-cs"/>
+              </a:defRPr>
+            </a:lvl9pPr>
+          </a:lstStyle>
+          <a:p>
+            <a:pPr marL="342900" indent="-342900" algn="l">
+              <a:lnSpc>
+                <a:spcPct val="150000"/>
+              </a:lnSpc>
+              <a:buChar char="•"/>
+            </a:pPr>
+            <a:r>
+              <a:rPr lang="de-DE" dirty="0">
+                <a:cs typeface="Calibri"/>
+              </a:rPr>
+              <a:t>Motivation:</a:t>
+            </a:r>
+          </a:p>
+          <a:p>
+            <a:pPr marL="800100" lvl="1" indent="-342900" algn="l">
+              <a:lnSpc>
+                <a:spcPct val="150000"/>
+              </a:lnSpc>
+              <a:buChar char="•"/>
+            </a:pPr>
+            <a:r>
+              <a:rPr lang="de-DE" dirty="0">
+                <a:cs typeface="Calibri"/>
+              </a:rPr>
+              <a:t>Frühzeitiges Erkennen von Mängeln</a:t>
+            </a:r>
+          </a:p>
+          <a:p>
+            <a:pPr marL="800100" lvl="1" indent="-342900" algn="l">
+              <a:lnSpc>
+                <a:spcPct val="150000"/>
+              </a:lnSpc>
+              <a:buChar char="•"/>
+            </a:pPr>
+            <a:r>
+              <a:rPr lang="de-DE" dirty="0">
+                <a:cs typeface="Calibri"/>
+              </a:rPr>
+              <a:t>Bessere Planung</a:t>
+            </a:r>
+          </a:p>
+          <a:p>
+            <a:pPr marL="342900" indent="-342900" algn="l">
+              <a:lnSpc>
+                <a:spcPct val="150000"/>
+              </a:lnSpc>
+              <a:buChar char="•"/>
+            </a:pPr>
+            <a:r>
+              <a:rPr lang="de-DE" dirty="0">
+                <a:cs typeface="Calibri"/>
+              </a:rPr>
+              <a:t>Verarbeitung von Software Metriken</a:t>
+            </a:r>
+          </a:p>
+          <a:p>
+            <a:pPr marL="342900" indent="-342900" algn="l">
+              <a:lnSpc>
+                <a:spcPct val="150000"/>
+              </a:lnSpc>
+              <a:buChar char="•"/>
+            </a:pPr>
+            <a:endParaRPr lang="de-DE" dirty="0">
               <a:cs typeface="Calibri"/>
-            </a:endParaRPr>
-          </a:p>
-          <a:p>
-            <a:pPr algn="l"/>
-            <a:r>
-              <a:rPr lang="de-DE" sz="1400">
-                <a:cs typeface="Calibri"/>
-              </a:rPr>
-              <a:t>A. K. Jain, Robert P. W. Duin, J. Mao: Statistical Pattern Recognition: A Review. IEEE Transactions on Pattern Analysis And Machine Intelligence, Vol. 22, No. 1, January 2000 22(1), 4{37 (2000)</a:t>
-            </a:r>
-            <a:endParaRPr lang="en-US" sz="1400">
-              <a:cs typeface="Calibri" panose="020F0502020204030204"/>
-            </a:endParaRPr>
-          </a:p>
-          <a:p>
-            <a:pPr algn="l"/>
-            <a:endParaRPr lang="de-DE" sz="1400" dirty="0">
-              <a:cs typeface="Calibri" panose="020F0502020204030204"/>
-            </a:endParaRPr>
-          </a:p>
-          <a:p>
-            <a:pPr algn="l"/>
-            <a:r>
-              <a:rPr lang="de-DE" sz="1400">
-                <a:cs typeface="Calibri" panose="020F0502020204030204"/>
-              </a:rPr>
-              <a:t> Awasthi, A.: Facial Emotion Recognition Using Deep Learning. IEEE 4th International Conference on Knowledge-Based Engineering and Innovation (KBEI) Dec. 22, 2017 1(September), 9{12 (2013). https://doi.org/10.1145/2818346.2830593</a:t>
-            </a:r>
-            <a:endParaRPr lang="de-DE">
-              <a:cs typeface="Calibri"/>
-            </a:endParaRPr>
-          </a:p>
-          <a:p>
-            <a:pPr algn="l"/>
-            <a:endParaRPr lang="de-DE" sz="1400" dirty="0">
-              <a:cs typeface="Calibri" panose="020F0502020204030204"/>
-            </a:endParaRPr>
-          </a:p>
-          <a:p>
-            <a:pPr algn="l"/>
-            <a:r>
-              <a:rPr lang="de-DE" sz="1400">
-                <a:cs typeface="Calibri" panose="020F0502020204030204"/>
-              </a:rPr>
-              <a:t>Santos, R.M., Matos, L.N., Macedo, H.T., Montalvao, J.: Speech recognition in noisy environments with convolutional neural networks. Proceedings - 2015 Brazilian Conference on Intelligent Systems, BRACIS 2015 pp. 175{179 (2016). </a:t>
-            </a:r>
-            <a:r>
-              <a:rPr lang="de-DE" sz="1400" dirty="0">
-                <a:cs typeface="Calibri" panose="020F0502020204030204"/>
-              </a:rPr>
-              <a:t>https://doi.org/10.1109/BRACIS.2015.44</a:t>
-            </a:r>
-            <a:endParaRPr lang="de-DE">
-              <a:cs typeface="Calibri" panose="020F0502020204030204"/>
-            </a:endParaRPr>
-          </a:p>
-          <a:p>
-            <a:pPr algn="l"/>
-            <a:endParaRPr lang="de-DE" sz="1400" dirty="0">
-              <a:cs typeface="Calibri" panose="020F0502020204030204"/>
-            </a:endParaRPr>
-          </a:p>
-          <a:p>
-            <a:pPr algn="l"/>
-            <a:r>
-              <a:rPr lang="de-DE" sz="1400">
-                <a:cs typeface="Calibri" panose="020F0502020204030204"/>
-              </a:rPr>
-              <a:t>Deng, L., Yu, D.: Automatic speech recognition, Springer Verlag, vol. 9 (2015). </a:t>
-            </a:r>
-            <a:r>
-              <a:rPr lang="de-DE" sz="1400" dirty="0">
-                <a:cs typeface="Calibri" panose="020F0502020204030204"/>
-              </a:rPr>
-              <a:t>https://doi.org/10.1007/BF02747521</a:t>
-            </a:r>
-            <a:endParaRPr lang="de-DE">
-              <a:cs typeface="Calibri" panose="020F0502020204030204"/>
-            </a:endParaRPr>
-          </a:p>
-          <a:p>
-            <a:pPr algn="l"/>
-            <a:endParaRPr lang="de-DE" sz="1400" dirty="0">
-              <a:cs typeface="Calibri" panose="020F0502020204030204"/>
-            </a:endParaRPr>
-          </a:p>
-          <a:p>
-            <a:pPr algn="l"/>
-            <a:r>
-              <a:rPr lang="de-DE" sz="1400">
-                <a:cs typeface="Calibri" panose="020F0502020204030204"/>
-              </a:rPr>
-              <a:t>Aracena, C., Basterrech, S., Snasel, V., Velasquez, J.: Neural Networks for Emotion Recognition Based on Eye Tracking Data. Proceedings - 2015 IEEE International Conference on Systems, Man, and Cybernetics, SMC 2015 pp. 2632{2637 (2016). https://doi.org/10.1109/SMC.2015.460</a:t>
-            </a:r>
-            <a:endParaRPr lang="de-DE">
-              <a:cs typeface="Calibri" panose="020F0502020204030204"/>
             </a:endParaRPr>
           </a:p>
         </p:txBody>
@@ -18795,7 +19574,7 @@
     </p:spTree>
     <p:extLst>
       <p:ext uri="{BB962C8B-B14F-4D97-AF65-F5344CB8AC3E}">
-        <p14:creationId xmlns:p14="http://schemas.microsoft.com/office/powerpoint/2010/main" val="2284096542"/>
+        <p14:creationId xmlns:p14="http://schemas.microsoft.com/office/powerpoint/2010/main" val="2776847617"/>
       </p:ext>
     </p:extLst>
   </p:cSld>
@@ -18845,10 +19624,10 @@
           <a:lstStyle/>
           <a:p>
             <a:r>
-              <a:rPr lang="de-DE">
+              <a:rPr lang="de-DE" dirty="0">
                 <a:cs typeface="Calibri Light"/>
               </a:rPr>
-              <a:t>Literaturverzeichnis</a:t>
+              <a:t>Softwarequalität</a:t>
             </a:r>
             <a:endParaRPr lang="de-DE" dirty="0"/>
           </a:p>
@@ -18964,131 +19743,481 @@
       </p:sp>
       <p:sp>
         <p:nvSpPr>
-          <p:cNvPr id="3" name="Untertitel 2">
+          <p:cNvPr id="5" name="Untertitel 2">
             <a:extLst>
               <a:ext uri="{FF2B5EF4-FFF2-40B4-BE49-F238E27FC236}">
-                <a16:creationId xmlns:a16="http://schemas.microsoft.com/office/drawing/2014/main" id="{0533C99D-14D1-427C-95DB-DD0C27472DBD}"/>
+                <a16:creationId xmlns:a16="http://schemas.microsoft.com/office/drawing/2014/main" id="{FF6CB36C-AECF-40D6-A1E4-B41256208DF8}"/>
               </a:ext>
             </a:extLst>
           </p:cNvPr>
-          <p:cNvSpPr>
-            <a:spLocks noGrp="1"/>
+          <p:cNvSpPr txBox="1">
+            <a:spLocks/>
           </p:cNvSpPr>
-          <p:nvPr>
-            <p:ph type="subTitle" idx="1"/>
-          </p:nvPr>
+          <p:nvPr/>
         </p:nvSpPr>
         <p:spPr>
           <a:xfrm>
-            <a:off x="650515" y="1338651"/>
-            <a:ext cx="10902016" cy="4964597"/>
-          </a:xfrm>
+            <a:off x="2338380" y="1065973"/>
+            <a:ext cx="6763595" cy="915848"/>
+          </a:xfrm>
+          <a:prstGeom prst="rect">
+            <a:avLst/>
+          </a:prstGeom>
         </p:spPr>
         <p:txBody>
           <a:bodyPr vert="horz" lIns="91440" tIns="45720" rIns="91440" bIns="45720" rtlCol="0" anchor="t">
             <a:noAutofit/>
           </a:bodyPr>
-          <a:lstStyle/>
-          <a:p>
-            <a:pPr algn="l"/>
-            <a:r>
-              <a:rPr lang="de-DE" sz="1400" dirty="0">
-                <a:cs typeface="Calibri"/>
-              </a:rPr>
-              <a:t>Surace, L., Patacchiola, M., Sonmez, E.B., Spataro, W., Cangelosi, A.: Emotion Recognition in the Wild using Deep Neural Networks and Bayesian </a:t>
-            </a:r>
-            <a:r>
-              <a:rPr lang="de-DE" sz="1400">
-                <a:cs typeface="Calibri" panose="020F0502020204030204"/>
-              </a:rPr>
-              <a:t>Classi ers. Proceeding ICMI 2017 Proceedings of the 19th ACM International Conference on Multimodal Interaction Pages 593- 597 pp. 593{597 (2017). </a:t>
-            </a:r>
-            <a:r>
-              <a:rPr lang="de-DE" sz="1400" dirty="0">
-                <a:cs typeface="Calibri" panose="020F0502020204030204"/>
-              </a:rPr>
-              <a:t>https://doi.org/10.1145/3136755.3143015</a:t>
-            </a:r>
-            <a:endParaRPr lang="de-DE"/>
-          </a:p>
-          <a:p>
-            <a:pPr algn="l"/>
-            <a:endParaRPr lang="de-DE" sz="1400" dirty="0">
-              <a:cs typeface="Calibri" panose="020F0502020204030204"/>
-            </a:endParaRPr>
-          </a:p>
-          <a:p>
-            <a:pPr algn="l"/>
-            <a:r>
-              <a:rPr lang="de-DE" sz="1400">
-                <a:cs typeface="Calibri" panose="020F0502020204030204"/>
-              </a:rPr>
-              <a:t>Huang, C.: Combining convolutional neural networks for emotion recognition. 2017 IEEE MIT Undergraduate Research Technology Conference, URTC 2017 pp. 1{4 (2018). https://doi.org/10.1109/URTC.2017.8284175</a:t>
-            </a:r>
-            <a:endParaRPr lang="de-DE"/>
-          </a:p>
-          <a:p>
-            <a:pPr algn="l"/>
-            <a:endParaRPr lang="de-DE" sz="1400" dirty="0">
-              <a:cs typeface="Calibri" panose="020F0502020204030204"/>
-            </a:endParaRPr>
-          </a:p>
-          <a:p>
-            <a:pPr algn="l"/>
-            <a:r>
-              <a:rPr lang="de-DE" sz="1400">
-                <a:cs typeface="Calibri" panose="020F0502020204030204"/>
-              </a:rPr>
-              <a:t>Bajta, M.E., Idri, A., Ros, J.N., Fernandez-Aleman, J.L., Gea, J.M.C.D., Garca, F., Toval, A.: Software project management approaches for global software development: a systematic mapping study. Tsinghua Science and Technology 23(6), 690{714 (2018). https://doi.org/10.26599/TST.2018.9010029</a:t>
-            </a:r>
-            <a:endParaRPr lang="de-DE"/>
-          </a:p>
-          <a:p>
-            <a:pPr algn="l"/>
-            <a:endParaRPr lang="de-DE" sz="1400" dirty="0">
-              <a:cs typeface="Calibri" panose="020F0502020204030204"/>
-            </a:endParaRPr>
-          </a:p>
-          <a:p>
-            <a:pPr algn="l"/>
-            <a:r>
-              <a:rPr lang="de-DE" sz="1400">
-                <a:cs typeface="Calibri" panose="020F0502020204030204"/>
-              </a:rPr>
-              <a:t>Matson, J.E., Barrett, B.E., Mellichamp, J.M.: Software development cost estimation using function points. IEEE Transactions on Software Engineering 20(4), 275{287 (1994). </a:t>
-            </a:r>
-            <a:r>
-              <a:rPr lang="de-DE" sz="1400" dirty="0">
-                <a:cs typeface="Calibri" panose="020F0502020204030204"/>
-              </a:rPr>
-              <a:t>https://doi.org/10.1109/32.277575</a:t>
-            </a:r>
-            <a:endParaRPr lang="de-DE">
+          <a:lstStyle>
+            <a:lvl1pPr marL="0" indent="0" algn="ctr" defTabSz="914400" rtl="0" eaLnBrk="1" latinLnBrk="0" hangingPunct="1">
+              <a:lnSpc>
+                <a:spcPct val="90000"/>
+              </a:lnSpc>
+              <a:spcBef>
+                <a:spcPts val="1000"/>
+              </a:spcBef>
+              <a:buFont typeface="Arial" panose="020B0604020202020204" pitchFamily="34" charset="0"/>
+              <a:buNone/>
+              <a:defRPr sz="2400" kern="1200">
+                <a:solidFill>
+                  <a:schemeClr val="tx1"/>
+                </a:solidFill>
+                <a:latin typeface="+mn-lt"/>
+                <a:ea typeface="+mn-ea"/>
+                <a:cs typeface="+mn-cs"/>
+              </a:defRPr>
+            </a:lvl1pPr>
+            <a:lvl2pPr marL="457200" indent="0" algn="ctr" defTabSz="914400" rtl="0" eaLnBrk="1" latinLnBrk="0" hangingPunct="1">
+              <a:lnSpc>
+                <a:spcPct val="90000"/>
+              </a:lnSpc>
+              <a:spcBef>
+                <a:spcPts val="500"/>
+              </a:spcBef>
+              <a:buFont typeface="Arial" panose="020B0604020202020204" pitchFamily="34" charset="0"/>
+              <a:buNone/>
+              <a:defRPr sz="2000" kern="1200">
+                <a:solidFill>
+                  <a:schemeClr val="tx1"/>
+                </a:solidFill>
+                <a:latin typeface="+mn-lt"/>
+                <a:ea typeface="+mn-ea"/>
+                <a:cs typeface="+mn-cs"/>
+              </a:defRPr>
+            </a:lvl2pPr>
+            <a:lvl3pPr marL="914400" indent="0" algn="ctr" defTabSz="914400" rtl="0" eaLnBrk="1" latinLnBrk="0" hangingPunct="1">
+              <a:lnSpc>
+                <a:spcPct val="90000"/>
+              </a:lnSpc>
+              <a:spcBef>
+                <a:spcPts val="500"/>
+              </a:spcBef>
+              <a:buFont typeface="Arial" panose="020B0604020202020204" pitchFamily="34" charset="0"/>
+              <a:buNone/>
+              <a:defRPr sz="1800" kern="1200">
+                <a:solidFill>
+                  <a:schemeClr val="tx1"/>
+                </a:solidFill>
+                <a:latin typeface="+mn-lt"/>
+                <a:ea typeface="+mn-ea"/>
+                <a:cs typeface="+mn-cs"/>
+              </a:defRPr>
+            </a:lvl3pPr>
+            <a:lvl4pPr marL="1371600" indent="0" algn="ctr" defTabSz="914400" rtl="0" eaLnBrk="1" latinLnBrk="0" hangingPunct="1">
+              <a:lnSpc>
+                <a:spcPct val="90000"/>
+              </a:lnSpc>
+              <a:spcBef>
+                <a:spcPts val="500"/>
+              </a:spcBef>
+              <a:buFont typeface="Arial" panose="020B0604020202020204" pitchFamily="34" charset="0"/>
+              <a:buNone/>
+              <a:defRPr sz="1600" kern="1200">
+                <a:solidFill>
+                  <a:schemeClr val="tx1"/>
+                </a:solidFill>
+                <a:latin typeface="+mn-lt"/>
+                <a:ea typeface="+mn-ea"/>
+                <a:cs typeface="+mn-cs"/>
+              </a:defRPr>
+            </a:lvl4pPr>
+            <a:lvl5pPr marL="1828800" indent="0" algn="ctr" defTabSz="914400" rtl="0" eaLnBrk="1" latinLnBrk="0" hangingPunct="1">
+              <a:lnSpc>
+                <a:spcPct val="90000"/>
+              </a:lnSpc>
+              <a:spcBef>
+                <a:spcPts val="500"/>
+              </a:spcBef>
+              <a:buFont typeface="Arial" panose="020B0604020202020204" pitchFamily="34" charset="0"/>
+              <a:buNone/>
+              <a:defRPr sz="1600" kern="1200">
+                <a:solidFill>
+                  <a:schemeClr val="tx1"/>
+                </a:solidFill>
+                <a:latin typeface="+mn-lt"/>
+                <a:ea typeface="+mn-ea"/>
+                <a:cs typeface="+mn-cs"/>
+              </a:defRPr>
+            </a:lvl5pPr>
+            <a:lvl6pPr marL="2286000" indent="0" algn="ctr" defTabSz="914400" rtl="0" eaLnBrk="1" latinLnBrk="0" hangingPunct="1">
+              <a:lnSpc>
+                <a:spcPct val="90000"/>
+              </a:lnSpc>
+              <a:spcBef>
+                <a:spcPts val="500"/>
+              </a:spcBef>
+              <a:buFont typeface="Arial" panose="020B0604020202020204" pitchFamily="34" charset="0"/>
+              <a:buNone/>
+              <a:defRPr sz="1600" kern="1200">
+                <a:solidFill>
+                  <a:schemeClr val="tx1"/>
+                </a:solidFill>
+                <a:latin typeface="+mn-lt"/>
+                <a:ea typeface="+mn-ea"/>
+                <a:cs typeface="+mn-cs"/>
+              </a:defRPr>
+            </a:lvl6pPr>
+            <a:lvl7pPr marL="2743200" indent="0" algn="ctr" defTabSz="914400" rtl="0" eaLnBrk="1" latinLnBrk="0" hangingPunct="1">
+              <a:lnSpc>
+                <a:spcPct val="90000"/>
+              </a:lnSpc>
+              <a:spcBef>
+                <a:spcPts val="500"/>
+              </a:spcBef>
+              <a:buFont typeface="Arial" panose="020B0604020202020204" pitchFamily="34" charset="0"/>
+              <a:buNone/>
+              <a:defRPr sz="1600" kern="1200">
+                <a:solidFill>
+                  <a:schemeClr val="tx1"/>
+                </a:solidFill>
+                <a:latin typeface="+mn-lt"/>
+                <a:ea typeface="+mn-ea"/>
+                <a:cs typeface="+mn-cs"/>
+              </a:defRPr>
+            </a:lvl7pPr>
+            <a:lvl8pPr marL="3200400" indent="0" algn="ctr" defTabSz="914400" rtl="0" eaLnBrk="1" latinLnBrk="0" hangingPunct="1">
+              <a:lnSpc>
+                <a:spcPct val="90000"/>
+              </a:lnSpc>
+              <a:spcBef>
+                <a:spcPts val="500"/>
+              </a:spcBef>
+              <a:buFont typeface="Arial" panose="020B0604020202020204" pitchFamily="34" charset="0"/>
+              <a:buNone/>
+              <a:defRPr sz="1600" kern="1200">
+                <a:solidFill>
+                  <a:schemeClr val="tx1"/>
+                </a:solidFill>
+                <a:latin typeface="+mn-lt"/>
+                <a:ea typeface="+mn-ea"/>
+                <a:cs typeface="+mn-cs"/>
+              </a:defRPr>
+            </a:lvl8pPr>
+            <a:lvl9pPr marL="3657600" indent="0" algn="ctr" defTabSz="914400" rtl="0" eaLnBrk="1" latinLnBrk="0" hangingPunct="1">
+              <a:lnSpc>
+                <a:spcPct val="90000"/>
+              </a:lnSpc>
+              <a:spcBef>
+                <a:spcPts val="500"/>
+              </a:spcBef>
+              <a:buFont typeface="Arial" panose="020B0604020202020204" pitchFamily="34" charset="0"/>
+              <a:buNone/>
+              <a:defRPr sz="1600" kern="1200">
+                <a:solidFill>
+                  <a:schemeClr val="tx1"/>
+                </a:solidFill>
+                <a:latin typeface="+mn-lt"/>
+                <a:ea typeface="+mn-ea"/>
+                <a:cs typeface="+mn-cs"/>
+              </a:defRPr>
+            </a:lvl9pPr>
+          </a:lstStyle>
+          <a:p>
+            <a:pPr>
+              <a:lnSpc>
+                <a:spcPct val="150000"/>
+              </a:lnSpc>
+            </a:pPr>
+            <a:r>
+              <a:rPr lang="de-DE" sz="3600" dirty="0">
+                <a:cs typeface="Calibri"/>
+              </a:rPr>
+              <a:t>Evaluation von Softwarequalität</a:t>
+            </a:r>
+            <a:endParaRPr lang="de-DE" dirty="0"/>
+          </a:p>
+        </p:txBody>
+      </p:sp>
+      <p:sp>
+        <p:nvSpPr>
+          <p:cNvPr id="9" name="Untertitel 2">
+            <a:extLst>
+              <a:ext uri="{FF2B5EF4-FFF2-40B4-BE49-F238E27FC236}">
+                <a16:creationId xmlns:a16="http://schemas.microsoft.com/office/drawing/2014/main" id="{91CEA67C-7DBB-4DB4-BCA7-2B67D94FDD59}"/>
+              </a:ext>
+            </a:extLst>
+          </p:cNvPr>
+          <p:cNvSpPr txBox="1">
+            <a:spLocks/>
+          </p:cNvSpPr>
+          <p:nvPr/>
+        </p:nvSpPr>
+        <p:spPr>
+          <a:xfrm>
+            <a:off x="1170610" y="2033863"/>
+            <a:ext cx="9099826" cy="3930718"/>
+          </a:xfrm>
+          <a:prstGeom prst="rect">
+            <a:avLst/>
+          </a:prstGeom>
+        </p:spPr>
+        <p:txBody>
+          <a:bodyPr vert="horz" lIns="91440" tIns="45720" rIns="91440" bIns="45720" rtlCol="0" anchor="t">
+            <a:noAutofit/>
+          </a:bodyPr>
+          <a:lstStyle>
+            <a:lvl1pPr marL="0" indent="0" algn="ctr" defTabSz="914400" rtl="0" eaLnBrk="1" latinLnBrk="0" hangingPunct="1">
+              <a:lnSpc>
+                <a:spcPct val="90000"/>
+              </a:lnSpc>
+              <a:spcBef>
+                <a:spcPts val="1000"/>
+              </a:spcBef>
+              <a:buFont typeface="Arial" panose="020B0604020202020204" pitchFamily="34" charset="0"/>
+              <a:buNone/>
+              <a:defRPr sz="2400" kern="1200">
+                <a:solidFill>
+                  <a:schemeClr val="tx1"/>
+                </a:solidFill>
+                <a:latin typeface="+mn-lt"/>
+                <a:ea typeface="+mn-ea"/>
+                <a:cs typeface="+mn-cs"/>
+              </a:defRPr>
+            </a:lvl1pPr>
+            <a:lvl2pPr marL="457200" indent="0" algn="ctr" defTabSz="914400" rtl="0" eaLnBrk="1" latinLnBrk="0" hangingPunct="1">
+              <a:lnSpc>
+                <a:spcPct val="90000"/>
+              </a:lnSpc>
+              <a:spcBef>
+                <a:spcPts val="500"/>
+              </a:spcBef>
+              <a:buFont typeface="Arial" panose="020B0604020202020204" pitchFamily="34" charset="0"/>
+              <a:buNone/>
+              <a:defRPr sz="2000" kern="1200">
+                <a:solidFill>
+                  <a:schemeClr val="tx1"/>
+                </a:solidFill>
+                <a:latin typeface="+mn-lt"/>
+                <a:ea typeface="+mn-ea"/>
+                <a:cs typeface="+mn-cs"/>
+              </a:defRPr>
+            </a:lvl2pPr>
+            <a:lvl3pPr marL="914400" indent="0" algn="ctr" defTabSz="914400" rtl="0" eaLnBrk="1" latinLnBrk="0" hangingPunct="1">
+              <a:lnSpc>
+                <a:spcPct val="90000"/>
+              </a:lnSpc>
+              <a:spcBef>
+                <a:spcPts val="500"/>
+              </a:spcBef>
+              <a:buFont typeface="Arial" panose="020B0604020202020204" pitchFamily="34" charset="0"/>
+              <a:buNone/>
+              <a:defRPr sz="1800" kern="1200">
+                <a:solidFill>
+                  <a:schemeClr val="tx1"/>
+                </a:solidFill>
+                <a:latin typeface="+mn-lt"/>
+                <a:ea typeface="+mn-ea"/>
+                <a:cs typeface="+mn-cs"/>
+              </a:defRPr>
+            </a:lvl3pPr>
+            <a:lvl4pPr marL="1371600" indent="0" algn="ctr" defTabSz="914400" rtl="0" eaLnBrk="1" latinLnBrk="0" hangingPunct="1">
+              <a:lnSpc>
+                <a:spcPct val="90000"/>
+              </a:lnSpc>
+              <a:spcBef>
+                <a:spcPts val="500"/>
+              </a:spcBef>
+              <a:buFont typeface="Arial" panose="020B0604020202020204" pitchFamily="34" charset="0"/>
+              <a:buNone/>
+              <a:defRPr sz="1600" kern="1200">
+                <a:solidFill>
+                  <a:schemeClr val="tx1"/>
+                </a:solidFill>
+                <a:latin typeface="+mn-lt"/>
+                <a:ea typeface="+mn-ea"/>
+                <a:cs typeface="+mn-cs"/>
+              </a:defRPr>
+            </a:lvl4pPr>
+            <a:lvl5pPr marL="1828800" indent="0" algn="ctr" defTabSz="914400" rtl="0" eaLnBrk="1" latinLnBrk="0" hangingPunct="1">
+              <a:lnSpc>
+                <a:spcPct val="90000"/>
+              </a:lnSpc>
+              <a:spcBef>
+                <a:spcPts val="500"/>
+              </a:spcBef>
+              <a:buFont typeface="Arial" panose="020B0604020202020204" pitchFamily="34" charset="0"/>
+              <a:buNone/>
+              <a:defRPr sz="1600" kern="1200">
+                <a:solidFill>
+                  <a:schemeClr val="tx1"/>
+                </a:solidFill>
+                <a:latin typeface="+mn-lt"/>
+                <a:ea typeface="+mn-ea"/>
+                <a:cs typeface="+mn-cs"/>
+              </a:defRPr>
+            </a:lvl5pPr>
+            <a:lvl6pPr marL="2286000" indent="0" algn="ctr" defTabSz="914400" rtl="0" eaLnBrk="1" latinLnBrk="0" hangingPunct="1">
+              <a:lnSpc>
+                <a:spcPct val="90000"/>
+              </a:lnSpc>
+              <a:spcBef>
+                <a:spcPts val="500"/>
+              </a:spcBef>
+              <a:buFont typeface="Arial" panose="020B0604020202020204" pitchFamily="34" charset="0"/>
+              <a:buNone/>
+              <a:defRPr sz="1600" kern="1200">
+                <a:solidFill>
+                  <a:schemeClr val="tx1"/>
+                </a:solidFill>
+                <a:latin typeface="+mn-lt"/>
+                <a:ea typeface="+mn-ea"/>
+                <a:cs typeface="+mn-cs"/>
+              </a:defRPr>
+            </a:lvl6pPr>
+            <a:lvl7pPr marL="2743200" indent="0" algn="ctr" defTabSz="914400" rtl="0" eaLnBrk="1" latinLnBrk="0" hangingPunct="1">
+              <a:lnSpc>
+                <a:spcPct val="90000"/>
+              </a:lnSpc>
+              <a:spcBef>
+                <a:spcPts val="500"/>
+              </a:spcBef>
+              <a:buFont typeface="Arial" panose="020B0604020202020204" pitchFamily="34" charset="0"/>
+              <a:buNone/>
+              <a:defRPr sz="1600" kern="1200">
+                <a:solidFill>
+                  <a:schemeClr val="tx1"/>
+                </a:solidFill>
+                <a:latin typeface="+mn-lt"/>
+                <a:ea typeface="+mn-ea"/>
+                <a:cs typeface="+mn-cs"/>
+              </a:defRPr>
+            </a:lvl7pPr>
+            <a:lvl8pPr marL="3200400" indent="0" algn="ctr" defTabSz="914400" rtl="0" eaLnBrk="1" latinLnBrk="0" hangingPunct="1">
+              <a:lnSpc>
+                <a:spcPct val="90000"/>
+              </a:lnSpc>
+              <a:spcBef>
+                <a:spcPts val="500"/>
+              </a:spcBef>
+              <a:buFont typeface="Arial" panose="020B0604020202020204" pitchFamily="34" charset="0"/>
+              <a:buNone/>
+              <a:defRPr sz="1600" kern="1200">
+                <a:solidFill>
+                  <a:schemeClr val="tx1"/>
+                </a:solidFill>
+                <a:latin typeface="+mn-lt"/>
+                <a:ea typeface="+mn-ea"/>
+                <a:cs typeface="+mn-cs"/>
+              </a:defRPr>
+            </a:lvl8pPr>
+            <a:lvl9pPr marL="3657600" indent="0" algn="ctr" defTabSz="914400" rtl="0" eaLnBrk="1" latinLnBrk="0" hangingPunct="1">
+              <a:lnSpc>
+                <a:spcPct val="90000"/>
+              </a:lnSpc>
+              <a:spcBef>
+                <a:spcPts val="500"/>
+              </a:spcBef>
+              <a:buFont typeface="Arial" panose="020B0604020202020204" pitchFamily="34" charset="0"/>
+              <a:buNone/>
+              <a:defRPr sz="1600" kern="1200">
+                <a:solidFill>
+                  <a:schemeClr val="tx1"/>
+                </a:solidFill>
+                <a:latin typeface="+mn-lt"/>
+                <a:ea typeface="+mn-ea"/>
+                <a:cs typeface="+mn-cs"/>
+              </a:defRPr>
+            </a:lvl9pPr>
+          </a:lstStyle>
+          <a:p>
+            <a:pPr marL="342900" indent="-342900" algn="l">
+              <a:lnSpc>
+                <a:spcPct val="150000"/>
+              </a:lnSpc>
+              <a:buFont typeface="Arial" panose="020B0604020202020204" pitchFamily="34" charset="0"/>
+              <a:buChar char="•"/>
+            </a:pPr>
+            <a:r>
+              <a:rPr lang="de-DE" dirty="0">
+                <a:cs typeface="Calibri"/>
+              </a:rPr>
+              <a:t>Evaluation der Methode anhand alter Projekte</a:t>
+            </a:r>
+          </a:p>
+          <a:p>
+            <a:pPr marL="342900" indent="-342900" algn="l">
+              <a:lnSpc>
+                <a:spcPct val="150000"/>
+              </a:lnSpc>
+              <a:buFont typeface="Arial" panose="020B0604020202020204" pitchFamily="34" charset="0"/>
+              <a:buChar char="•"/>
+            </a:pPr>
+            <a:r>
+              <a:rPr lang="de-DE" dirty="0">
+                <a:cs typeface="Calibri"/>
+              </a:rPr>
+              <a:t>Ergebnisse:</a:t>
+            </a:r>
+          </a:p>
+          <a:p>
+            <a:pPr marL="800100" lvl="1" indent="-342900" algn="l">
+              <a:lnSpc>
+                <a:spcPct val="150000"/>
+              </a:lnSpc>
+              <a:buFont typeface="Arial" panose="020B0604020202020204" pitchFamily="34" charset="0"/>
+              <a:buChar char="•"/>
+            </a:pPr>
+            <a:r>
+              <a:rPr lang="de-DE" dirty="0">
+                <a:cs typeface="Calibri"/>
+              </a:rPr>
+              <a:t>Genaue Einschätzung</a:t>
+            </a:r>
+          </a:p>
+          <a:p>
+            <a:pPr marL="800100" lvl="1" indent="-342900" algn="l">
+              <a:lnSpc>
+                <a:spcPct val="150000"/>
+              </a:lnSpc>
+              <a:buFont typeface="Arial" panose="020B0604020202020204" pitchFamily="34" charset="0"/>
+              <a:buChar char="•"/>
+            </a:pPr>
+            <a:r>
+              <a:rPr lang="de-DE" dirty="0">
+                <a:cs typeface="Calibri"/>
+              </a:rPr>
+              <a:t>Unzureichende Ergebnisse </a:t>
+            </a:r>
+            <a:r>
+              <a:rPr lang="de-DE" dirty="0">
+                <a:cs typeface="Calibri"/>
+                <a:sym typeface="Wingdings" panose="05000000000000000000" pitchFamily="2" charset="2"/>
+              </a:rPr>
+              <a:t> Schlechte Ergebnisse</a:t>
+            </a:r>
+            <a:endParaRPr lang="de-DE" dirty="0">
               <a:cs typeface="Calibri"/>
             </a:endParaRPr>
           </a:p>
           <a:p>
-            <a:pPr algn="l"/>
-            <a:endParaRPr lang="de-DE" sz="1400" dirty="0">
+            <a:pPr marL="342900" indent="-342900" algn="l">
+              <a:lnSpc>
+                <a:spcPct val="150000"/>
+              </a:lnSpc>
+              <a:buChar char="•"/>
+            </a:pPr>
+            <a:endParaRPr lang="de-DE" dirty="0">
               <a:cs typeface="Calibri"/>
-            </a:endParaRPr>
-          </a:p>
-          <a:p>
-            <a:pPr algn="l"/>
-            <a:r>
-              <a:rPr lang="de-DE" sz="1400">
-                <a:cs typeface="Calibri"/>
-              </a:rPr>
-              <a:t>Bilgaiyan, S., Mishra, S., Das, M.: A Review of Software Cost Estimation in Agile Software Development Using Soft Computing Techniques. In: 2016 2nd International Conference on Computational Intelligence and Networks (CINE), Computational Intelligence and Networks (CINE), 2016 2nd International Conference on, cine. p. 112. IEEE. </a:t>
-            </a:r>
-            <a:r>
-              <a:rPr lang="de-DE" sz="1400" dirty="0">
-                <a:cs typeface="Calibri"/>
-              </a:rPr>
-              <a:t>https://doi.org/10.1109/CINE.2016.27</a:t>
-            </a:r>
-            <a:endParaRPr lang="de-DE">
-              <a:cs typeface="Calibri" panose="020F0502020204030204"/>
             </a:endParaRPr>
           </a:p>
         </p:txBody>
@@ -19096,7 +20225,7 @@
     </p:spTree>
     <p:extLst>
       <p:ext uri="{BB962C8B-B14F-4D97-AF65-F5344CB8AC3E}">
-        <p14:creationId xmlns:p14="http://schemas.microsoft.com/office/powerpoint/2010/main" val="215569310"/>
+        <p14:creationId xmlns:p14="http://schemas.microsoft.com/office/powerpoint/2010/main" val="431931532"/>
       </p:ext>
     </p:extLst>
   </p:cSld>
@@ -19146,10 +20275,10 @@
           <a:lstStyle/>
           <a:p>
             <a:r>
-              <a:rPr lang="de-DE">
+              <a:rPr lang="de-DE" dirty="0">
                 <a:cs typeface="Calibri Light"/>
               </a:rPr>
-              <a:t>Literaturverzeichnis</a:t>
+              <a:t>Softwarequalität</a:t>
             </a:r>
             <a:endParaRPr lang="de-DE" dirty="0"/>
           </a:p>
@@ -19265,111 +20394,478 @@
       </p:sp>
       <p:sp>
         <p:nvSpPr>
-          <p:cNvPr id="3" name="Untertitel 2">
+          <p:cNvPr id="5" name="Untertitel 2">
             <a:extLst>
               <a:ext uri="{FF2B5EF4-FFF2-40B4-BE49-F238E27FC236}">
-                <a16:creationId xmlns:a16="http://schemas.microsoft.com/office/drawing/2014/main" id="{0533C99D-14D1-427C-95DB-DD0C27472DBD}"/>
+                <a16:creationId xmlns:a16="http://schemas.microsoft.com/office/drawing/2014/main" id="{FF6CB36C-AECF-40D6-A1E4-B41256208DF8}"/>
               </a:ext>
             </a:extLst>
           </p:cNvPr>
-          <p:cNvSpPr>
-            <a:spLocks noGrp="1"/>
+          <p:cNvSpPr txBox="1">
+            <a:spLocks/>
           </p:cNvSpPr>
-          <p:nvPr>
-            <p:ph type="subTitle" idx="1"/>
-          </p:nvPr>
+          <p:nvPr/>
         </p:nvSpPr>
         <p:spPr>
           <a:xfrm>
-            <a:off x="650515" y="1338651"/>
-            <a:ext cx="10902016" cy="4964597"/>
-          </a:xfrm>
+            <a:off x="2360811" y="1121294"/>
+            <a:ext cx="6763595" cy="915848"/>
+          </a:xfrm>
+          <a:prstGeom prst="rect">
+            <a:avLst/>
+          </a:prstGeom>
         </p:spPr>
         <p:txBody>
           <a:bodyPr vert="horz" lIns="91440" tIns="45720" rIns="91440" bIns="45720" rtlCol="0" anchor="t">
             <a:noAutofit/>
           </a:bodyPr>
-          <a:lstStyle/>
-          <a:p>
-            <a:pPr algn="l"/>
-            <a:r>
-              <a:rPr lang="de-DE" sz="1400">
-                <a:cs typeface="Calibri" panose="020F0502020204030204"/>
-              </a:rPr>
-              <a:t>Jeery, D.R., Low, G.: Calibrating estimation tools for software development. Software Engineering Journal 5(4), 215{221 (1990). https://doi.org/10.1049/sej.1990.0024</a:t>
-            </a:r>
-            <a:endParaRPr lang="de-DE"/>
-          </a:p>
-          <a:p>
-            <a:pPr algn="l"/>
-            <a:endParaRPr lang="de-DE" sz="1400" dirty="0">
-              <a:cs typeface="Calibri" panose="020F0502020204030204"/>
-            </a:endParaRPr>
-          </a:p>
-          <a:p>
-            <a:pPr algn="l"/>
-            <a:r>
-              <a:rPr lang="de-DE" sz="1400">
-                <a:cs typeface="Calibri" panose="020F0502020204030204"/>
-              </a:rPr>
-              <a:t>Heemstra, F.J.: Software Cost Estimation. Handbook of Software Engineering, Hong Kong Polytechnic University 34(10) (1992). https://doi.org/10.1142/97898123897010014</a:t>
-            </a:r>
-            <a:endParaRPr lang="de-DE"/>
-          </a:p>
-          <a:p>
-            <a:pPr algn="l"/>
-            <a:endParaRPr lang="de-DE" sz="1400" dirty="0">
-              <a:cs typeface="Calibri" panose="020F0502020204030204"/>
-            </a:endParaRPr>
-          </a:p>
-          <a:p>
-            <a:pPr algn="l"/>
-            <a:r>
-              <a:rPr lang="de-DE" sz="1400">
-                <a:cs typeface="Calibri" panose="020F0502020204030204"/>
-              </a:rPr>
-              <a:t>Huang, X., Ho, D., Ren, J., Capretz, L.F.: Improving the COCOMO model using a neuro-fuzzy approach. Applied Soft Computing 7(1), 29{ 40 (2007). https://doi.org/10.1016/J.ASOC.2005.06.007</a:t>
-            </a:r>
-            <a:endParaRPr lang="de-DE"/>
-          </a:p>
-          <a:p>
-            <a:pPr algn="l"/>
-            <a:endParaRPr lang="de-DE" sz="1400" dirty="0">
-              <a:cs typeface="Calibri" panose="020F0502020204030204"/>
-            </a:endParaRPr>
-          </a:p>
-          <a:p>
-            <a:pPr algn="l"/>
-            <a:r>
-              <a:rPr lang="de-DE" sz="1400">
-                <a:cs typeface="Calibri" panose="020F0502020204030204"/>
-              </a:rPr>
-              <a:t> Huang, S.J., Lin, C.Y., Chiu, N.H.: Fuzzy decision tree approach for embedding risk assessment information into software cost estimation model. Journal of Information Science and Engineering 22(2), 297{313 (2006)</a:t>
-            </a:r>
-            <a:endParaRPr lang="de-DE"/>
-          </a:p>
-          <a:p>
-            <a:pPr algn="l"/>
-            <a:endParaRPr lang="de-DE" sz="1400" dirty="0">
-              <a:cs typeface="Calibri"/>
-            </a:endParaRPr>
-          </a:p>
-          <a:p>
-            <a:pPr algn="l"/>
-            <a:r>
-              <a:rPr lang="de-DE" sz="1400">
-                <a:cs typeface="Calibri"/>
-              </a:rPr>
-              <a:t>Jain, R., Sharma, V.K., Hiranwal, S.: Reduce mean magnitude relative error in software cost estimation by HOD-COCOMO algorithm. In: 2016 International Conference on Control, Instrumentation, Communication and Computational Technologies (ICCICCT). pp. 708{712. https://doi.org/10.1109/ICCICCT.2016.7988044</a:t>
-            </a:r>
-            <a:endParaRPr lang="de-DE"/>
+          <a:lstStyle>
+            <a:lvl1pPr marL="0" indent="0" algn="ctr" defTabSz="914400" rtl="0" eaLnBrk="1" latinLnBrk="0" hangingPunct="1">
+              <a:lnSpc>
+                <a:spcPct val="90000"/>
+              </a:lnSpc>
+              <a:spcBef>
+                <a:spcPts val="1000"/>
+              </a:spcBef>
+              <a:buFont typeface="Arial" panose="020B0604020202020204" pitchFamily="34" charset="0"/>
+              <a:buNone/>
+              <a:defRPr sz="2400" kern="1200">
+                <a:solidFill>
+                  <a:schemeClr val="tx1"/>
+                </a:solidFill>
+                <a:latin typeface="+mn-lt"/>
+                <a:ea typeface="+mn-ea"/>
+                <a:cs typeface="+mn-cs"/>
+              </a:defRPr>
+            </a:lvl1pPr>
+            <a:lvl2pPr marL="457200" indent="0" algn="ctr" defTabSz="914400" rtl="0" eaLnBrk="1" latinLnBrk="0" hangingPunct="1">
+              <a:lnSpc>
+                <a:spcPct val="90000"/>
+              </a:lnSpc>
+              <a:spcBef>
+                <a:spcPts val="500"/>
+              </a:spcBef>
+              <a:buFont typeface="Arial" panose="020B0604020202020204" pitchFamily="34" charset="0"/>
+              <a:buNone/>
+              <a:defRPr sz="2000" kern="1200">
+                <a:solidFill>
+                  <a:schemeClr val="tx1"/>
+                </a:solidFill>
+                <a:latin typeface="+mn-lt"/>
+                <a:ea typeface="+mn-ea"/>
+                <a:cs typeface="+mn-cs"/>
+              </a:defRPr>
+            </a:lvl2pPr>
+            <a:lvl3pPr marL="914400" indent="0" algn="ctr" defTabSz="914400" rtl="0" eaLnBrk="1" latinLnBrk="0" hangingPunct="1">
+              <a:lnSpc>
+                <a:spcPct val="90000"/>
+              </a:lnSpc>
+              <a:spcBef>
+                <a:spcPts val="500"/>
+              </a:spcBef>
+              <a:buFont typeface="Arial" panose="020B0604020202020204" pitchFamily="34" charset="0"/>
+              <a:buNone/>
+              <a:defRPr sz="1800" kern="1200">
+                <a:solidFill>
+                  <a:schemeClr val="tx1"/>
+                </a:solidFill>
+                <a:latin typeface="+mn-lt"/>
+                <a:ea typeface="+mn-ea"/>
+                <a:cs typeface="+mn-cs"/>
+              </a:defRPr>
+            </a:lvl3pPr>
+            <a:lvl4pPr marL="1371600" indent="0" algn="ctr" defTabSz="914400" rtl="0" eaLnBrk="1" latinLnBrk="0" hangingPunct="1">
+              <a:lnSpc>
+                <a:spcPct val="90000"/>
+              </a:lnSpc>
+              <a:spcBef>
+                <a:spcPts val="500"/>
+              </a:spcBef>
+              <a:buFont typeface="Arial" panose="020B0604020202020204" pitchFamily="34" charset="0"/>
+              <a:buNone/>
+              <a:defRPr sz="1600" kern="1200">
+                <a:solidFill>
+                  <a:schemeClr val="tx1"/>
+                </a:solidFill>
+                <a:latin typeface="+mn-lt"/>
+                <a:ea typeface="+mn-ea"/>
+                <a:cs typeface="+mn-cs"/>
+              </a:defRPr>
+            </a:lvl4pPr>
+            <a:lvl5pPr marL="1828800" indent="0" algn="ctr" defTabSz="914400" rtl="0" eaLnBrk="1" latinLnBrk="0" hangingPunct="1">
+              <a:lnSpc>
+                <a:spcPct val="90000"/>
+              </a:lnSpc>
+              <a:spcBef>
+                <a:spcPts val="500"/>
+              </a:spcBef>
+              <a:buFont typeface="Arial" panose="020B0604020202020204" pitchFamily="34" charset="0"/>
+              <a:buNone/>
+              <a:defRPr sz="1600" kern="1200">
+                <a:solidFill>
+                  <a:schemeClr val="tx1"/>
+                </a:solidFill>
+                <a:latin typeface="+mn-lt"/>
+                <a:ea typeface="+mn-ea"/>
+                <a:cs typeface="+mn-cs"/>
+              </a:defRPr>
+            </a:lvl5pPr>
+            <a:lvl6pPr marL="2286000" indent="0" algn="ctr" defTabSz="914400" rtl="0" eaLnBrk="1" latinLnBrk="0" hangingPunct="1">
+              <a:lnSpc>
+                <a:spcPct val="90000"/>
+              </a:lnSpc>
+              <a:spcBef>
+                <a:spcPts val="500"/>
+              </a:spcBef>
+              <a:buFont typeface="Arial" panose="020B0604020202020204" pitchFamily="34" charset="0"/>
+              <a:buNone/>
+              <a:defRPr sz="1600" kern="1200">
+                <a:solidFill>
+                  <a:schemeClr val="tx1"/>
+                </a:solidFill>
+                <a:latin typeface="+mn-lt"/>
+                <a:ea typeface="+mn-ea"/>
+                <a:cs typeface="+mn-cs"/>
+              </a:defRPr>
+            </a:lvl6pPr>
+            <a:lvl7pPr marL="2743200" indent="0" algn="ctr" defTabSz="914400" rtl="0" eaLnBrk="1" latinLnBrk="0" hangingPunct="1">
+              <a:lnSpc>
+                <a:spcPct val="90000"/>
+              </a:lnSpc>
+              <a:spcBef>
+                <a:spcPts val="500"/>
+              </a:spcBef>
+              <a:buFont typeface="Arial" panose="020B0604020202020204" pitchFamily="34" charset="0"/>
+              <a:buNone/>
+              <a:defRPr sz="1600" kern="1200">
+                <a:solidFill>
+                  <a:schemeClr val="tx1"/>
+                </a:solidFill>
+                <a:latin typeface="+mn-lt"/>
+                <a:ea typeface="+mn-ea"/>
+                <a:cs typeface="+mn-cs"/>
+              </a:defRPr>
+            </a:lvl7pPr>
+            <a:lvl8pPr marL="3200400" indent="0" algn="ctr" defTabSz="914400" rtl="0" eaLnBrk="1" latinLnBrk="0" hangingPunct="1">
+              <a:lnSpc>
+                <a:spcPct val="90000"/>
+              </a:lnSpc>
+              <a:spcBef>
+                <a:spcPts val="500"/>
+              </a:spcBef>
+              <a:buFont typeface="Arial" panose="020B0604020202020204" pitchFamily="34" charset="0"/>
+              <a:buNone/>
+              <a:defRPr sz="1600" kern="1200">
+                <a:solidFill>
+                  <a:schemeClr val="tx1"/>
+                </a:solidFill>
+                <a:latin typeface="+mn-lt"/>
+                <a:ea typeface="+mn-ea"/>
+                <a:cs typeface="+mn-cs"/>
+              </a:defRPr>
+            </a:lvl8pPr>
+            <a:lvl9pPr marL="3657600" indent="0" algn="ctr" defTabSz="914400" rtl="0" eaLnBrk="1" latinLnBrk="0" hangingPunct="1">
+              <a:lnSpc>
+                <a:spcPct val="90000"/>
+              </a:lnSpc>
+              <a:spcBef>
+                <a:spcPts val="500"/>
+              </a:spcBef>
+              <a:buFont typeface="Arial" panose="020B0604020202020204" pitchFamily="34" charset="0"/>
+              <a:buNone/>
+              <a:defRPr sz="1600" kern="1200">
+                <a:solidFill>
+                  <a:schemeClr val="tx1"/>
+                </a:solidFill>
+                <a:latin typeface="+mn-lt"/>
+                <a:ea typeface="+mn-ea"/>
+                <a:cs typeface="+mn-cs"/>
+              </a:defRPr>
+            </a:lvl9pPr>
+          </a:lstStyle>
+          <a:p>
+            <a:pPr>
+              <a:lnSpc>
+                <a:spcPct val="150000"/>
+              </a:lnSpc>
+            </a:pPr>
+            <a:r>
+              <a:rPr lang="de-DE" sz="3600" dirty="0">
+                <a:cs typeface="Calibri"/>
+              </a:rPr>
+              <a:t>Vorhersage von Softwarequalität</a:t>
+            </a:r>
+            <a:endParaRPr lang="de-DE" dirty="0"/>
+          </a:p>
+        </p:txBody>
+      </p:sp>
+      <p:sp>
+        <p:nvSpPr>
+          <p:cNvPr id="9" name="Untertitel 2">
+            <a:extLst>
+              <a:ext uri="{FF2B5EF4-FFF2-40B4-BE49-F238E27FC236}">
+                <a16:creationId xmlns:a16="http://schemas.microsoft.com/office/drawing/2014/main" id="{91CEA67C-7DBB-4DB4-BCA7-2B67D94FDD59}"/>
+              </a:ext>
+            </a:extLst>
+          </p:cNvPr>
+          <p:cNvSpPr txBox="1">
+            <a:spLocks/>
+          </p:cNvSpPr>
+          <p:nvPr/>
+        </p:nvSpPr>
+        <p:spPr>
+          <a:xfrm>
+            <a:off x="1170610" y="2033863"/>
+            <a:ext cx="9099826" cy="3930718"/>
+          </a:xfrm>
+          <a:prstGeom prst="rect">
+            <a:avLst/>
+          </a:prstGeom>
+        </p:spPr>
+        <p:txBody>
+          <a:bodyPr vert="horz" lIns="91440" tIns="45720" rIns="91440" bIns="45720" rtlCol="0" anchor="t">
+            <a:noAutofit/>
+          </a:bodyPr>
+          <a:lstStyle>
+            <a:lvl1pPr marL="0" indent="0" algn="ctr" defTabSz="914400" rtl="0" eaLnBrk="1" latinLnBrk="0" hangingPunct="1">
+              <a:lnSpc>
+                <a:spcPct val="90000"/>
+              </a:lnSpc>
+              <a:spcBef>
+                <a:spcPts val="1000"/>
+              </a:spcBef>
+              <a:buFont typeface="Arial" panose="020B0604020202020204" pitchFamily="34" charset="0"/>
+              <a:buNone/>
+              <a:defRPr sz="2400" kern="1200">
+                <a:solidFill>
+                  <a:schemeClr val="tx1"/>
+                </a:solidFill>
+                <a:latin typeface="+mn-lt"/>
+                <a:ea typeface="+mn-ea"/>
+                <a:cs typeface="+mn-cs"/>
+              </a:defRPr>
+            </a:lvl1pPr>
+            <a:lvl2pPr marL="457200" indent="0" algn="ctr" defTabSz="914400" rtl="0" eaLnBrk="1" latinLnBrk="0" hangingPunct="1">
+              <a:lnSpc>
+                <a:spcPct val="90000"/>
+              </a:lnSpc>
+              <a:spcBef>
+                <a:spcPts val="500"/>
+              </a:spcBef>
+              <a:buFont typeface="Arial" panose="020B0604020202020204" pitchFamily="34" charset="0"/>
+              <a:buNone/>
+              <a:defRPr sz="2000" kern="1200">
+                <a:solidFill>
+                  <a:schemeClr val="tx1"/>
+                </a:solidFill>
+                <a:latin typeface="+mn-lt"/>
+                <a:ea typeface="+mn-ea"/>
+                <a:cs typeface="+mn-cs"/>
+              </a:defRPr>
+            </a:lvl2pPr>
+            <a:lvl3pPr marL="914400" indent="0" algn="ctr" defTabSz="914400" rtl="0" eaLnBrk="1" latinLnBrk="0" hangingPunct="1">
+              <a:lnSpc>
+                <a:spcPct val="90000"/>
+              </a:lnSpc>
+              <a:spcBef>
+                <a:spcPts val="500"/>
+              </a:spcBef>
+              <a:buFont typeface="Arial" panose="020B0604020202020204" pitchFamily="34" charset="0"/>
+              <a:buNone/>
+              <a:defRPr sz="1800" kern="1200">
+                <a:solidFill>
+                  <a:schemeClr val="tx1"/>
+                </a:solidFill>
+                <a:latin typeface="+mn-lt"/>
+                <a:ea typeface="+mn-ea"/>
+                <a:cs typeface="+mn-cs"/>
+              </a:defRPr>
+            </a:lvl3pPr>
+            <a:lvl4pPr marL="1371600" indent="0" algn="ctr" defTabSz="914400" rtl="0" eaLnBrk="1" latinLnBrk="0" hangingPunct="1">
+              <a:lnSpc>
+                <a:spcPct val="90000"/>
+              </a:lnSpc>
+              <a:spcBef>
+                <a:spcPts val="500"/>
+              </a:spcBef>
+              <a:buFont typeface="Arial" panose="020B0604020202020204" pitchFamily="34" charset="0"/>
+              <a:buNone/>
+              <a:defRPr sz="1600" kern="1200">
+                <a:solidFill>
+                  <a:schemeClr val="tx1"/>
+                </a:solidFill>
+                <a:latin typeface="+mn-lt"/>
+                <a:ea typeface="+mn-ea"/>
+                <a:cs typeface="+mn-cs"/>
+              </a:defRPr>
+            </a:lvl4pPr>
+            <a:lvl5pPr marL="1828800" indent="0" algn="ctr" defTabSz="914400" rtl="0" eaLnBrk="1" latinLnBrk="0" hangingPunct="1">
+              <a:lnSpc>
+                <a:spcPct val="90000"/>
+              </a:lnSpc>
+              <a:spcBef>
+                <a:spcPts val="500"/>
+              </a:spcBef>
+              <a:buFont typeface="Arial" panose="020B0604020202020204" pitchFamily="34" charset="0"/>
+              <a:buNone/>
+              <a:defRPr sz="1600" kern="1200">
+                <a:solidFill>
+                  <a:schemeClr val="tx1"/>
+                </a:solidFill>
+                <a:latin typeface="+mn-lt"/>
+                <a:ea typeface="+mn-ea"/>
+                <a:cs typeface="+mn-cs"/>
+              </a:defRPr>
+            </a:lvl5pPr>
+            <a:lvl6pPr marL="2286000" indent="0" algn="ctr" defTabSz="914400" rtl="0" eaLnBrk="1" latinLnBrk="0" hangingPunct="1">
+              <a:lnSpc>
+                <a:spcPct val="90000"/>
+              </a:lnSpc>
+              <a:spcBef>
+                <a:spcPts val="500"/>
+              </a:spcBef>
+              <a:buFont typeface="Arial" panose="020B0604020202020204" pitchFamily="34" charset="0"/>
+              <a:buNone/>
+              <a:defRPr sz="1600" kern="1200">
+                <a:solidFill>
+                  <a:schemeClr val="tx1"/>
+                </a:solidFill>
+                <a:latin typeface="+mn-lt"/>
+                <a:ea typeface="+mn-ea"/>
+                <a:cs typeface="+mn-cs"/>
+              </a:defRPr>
+            </a:lvl6pPr>
+            <a:lvl7pPr marL="2743200" indent="0" algn="ctr" defTabSz="914400" rtl="0" eaLnBrk="1" latinLnBrk="0" hangingPunct="1">
+              <a:lnSpc>
+                <a:spcPct val="90000"/>
+              </a:lnSpc>
+              <a:spcBef>
+                <a:spcPts val="500"/>
+              </a:spcBef>
+              <a:buFont typeface="Arial" panose="020B0604020202020204" pitchFamily="34" charset="0"/>
+              <a:buNone/>
+              <a:defRPr sz="1600" kern="1200">
+                <a:solidFill>
+                  <a:schemeClr val="tx1"/>
+                </a:solidFill>
+                <a:latin typeface="+mn-lt"/>
+                <a:ea typeface="+mn-ea"/>
+                <a:cs typeface="+mn-cs"/>
+              </a:defRPr>
+            </a:lvl7pPr>
+            <a:lvl8pPr marL="3200400" indent="0" algn="ctr" defTabSz="914400" rtl="0" eaLnBrk="1" latinLnBrk="0" hangingPunct="1">
+              <a:lnSpc>
+                <a:spcPct val="90000"/>
+              </a:lnSpc>
+              <a:spcBef>
+                <a:spcPts val="500"/>
+              </a:spcBef>
+              <a:buFont typeface="Arial" panose="020B0604020202020204" pitchFamily="34" charset="0"/>
+              <a:buNone/>
+              <a:defRPr sz="1600" kern="1200">
+                <a:solidFill>
+                  <a:schemeClr val="tx1"/>
+                </a:solidFill>
+                <a:latin typeface="+mn-lt"/>
+                <a:ea typeface="+mn-ea"/>
+                <a:cs typeface="+mn-cs"/>
+              </a:defRPr>
+            </a:lvl8pPr>
+            <a:lvl9pPr marL="3657600" indent="0" algn="ctr" defTabSz="914400" rtl="0" eaLnBrk="1" latinLnBrk="0" hangingPunct="1">
+              <a:lnSpc>
+                <a:spcPct val="90000"/>
+              </a:lnSpc>
+              <a:spcBef>
+                <a:spcPts val="500"/>
+              </a:spcBef>
+              <a:buFont typeface="Arial" panose="020B0604020202020204" pitchFamily="34" charset="0"/>
+              <a:buNone/>
+              <a:defRPr sz="1600" kern="1200">
+                <a:solidFill>
+                  <a:schemeClr val="tx1"/>
+                </a:solidFill>
+                <a:latin typeface="+mn-lt"/>
+                <a:ea typeface="+mn-ea"/>
+                <a:cs typeface="+mn-cs"/>
+              </a:defRPr>
+            </a:lvl9pPr>
+          </a:lstStyle>
+          <a:p>
+            <a:pPr marL="342900" indent="-342900" algn="l">
+              <a:lnSpc>
+                <a:spcPct val="150000"/>
+              </a:lnSpc>
+              <a:buChar char="•"/>
+            </a:pPr>
+            <a:r>
+              <a:rPr lang="de-DE" dirty="0">
+                <a:cs typeface="Calibri"/>
+              </a:rPr>
+              <a:t>Motivation:</a:t>
+            </a:r>
+          </a:p>
+          <a:p>
+            <a:pPr marL="800100" lvl="1" indent="-342900" algn="l">
+              <a:lnSpc>
+                <a:spcPct val="150000"/>
+              </a:lnSpc>
+              <a:buChar char="•"/>
+            </a:pPr>
+            <a:r>
+              <a:rPr lang="de-DE" dirty="0">
+                <a:cs typeface="Calibri"/>
+              </a:rPr>
+              <a:t>Bessere Planung</a:t>
+            </a:r>
+          </a:p>
+          <a:p>
+            <a:pPr marL="800100" lvl="1" indent="-342900" algn="l">
+              <a:lnSpc>
+                <a:spcPct val="150000"/>
+              </a:lnSpc>
+              <a:buChar char="•"/>
+            </a:pPr>
+            <a:r>
+              <a:rPr lang="de-DE" dirty="0">
+                <a:cs typeface="Calibri"/>
+              </a:rPr>
+              <a:t>Frühes Erkennen von Defiziten</a:t>
+            </a:r>
+          </a:p>
+          <a:p>
+            <a:pPr marL="800100" lvl="1" indent="-342900" algn="l">
+              <a:lnSpc>
+                <a:spcPct val="150000"/>
+              </a:lnSpc>
+              <a:buChar char="•"/>
+            </a:pPr>
+            <a:r>
+              <a:rPr lang="de-DE" dirty="0">
+                <a:cs typeface="Calibri"/>
+              </a:rPr>
+              <a:t>Erkennen von Zusammenhängen in der Entwicklung</a:t>
+            </a:r>
+          </a:p>
+          <a:p>
+            <a:pPr marL="342900" indent="-342900" algn="l">
+              <a:lnSpc>
+                <a:spcPct val="150000"/>
+              </a:lnSpc>
+              <a:buChar char="•"/>
+            </a:pPr>
+            <a:r>
+              <a:rPr lang="de-DE" dirty="0">
+                <a:cs typeface="Calibri"/>
+              </a:rPr>
+              <a:t>Software Metriken dienen als Input</a:t>
+            </a:r>
           </a:p>
         </p:txBody>
       </p:sp>
     </p:spTree>
     <p:extLst>
       <p:ext uri="{BB962C8B-B14F-4D97-AF65-F5344CB8AC3E}">
-        <p14:creationId xmlns:p14="http://schemas.microsoft.com/office/powerpoint/2010/main" val="3811347739"/>
+        <p14:creationId xmlns:p14="http://schemas.microsoft.com/office/powerpoint/2010/main" val="2185772547"/>
       </p:ext>
     </p:extLst>
   </p:cSld>
@@ -19419,10 +20915,10 @@
           <a:lstStyle/>
           <a:p>
             <a:r>
-              <a:rPr lang="de-DE">
+              <a:rPr lang="de-DE" dirty="0">
                 <a:cs typeface="Calibri Light"/>
               </a:rPr>
-              <a:t>Literaturverzeichnis</a:t>
+              <a:t>Softwarequalität</a:t>
             </a:r>
             <a:endParaRPr lang="de-DE" dirty="0"/>
           </a:p>
@@ -19538,135 +21034,559 @@
       </p:sp>
       <p:sp>
         <p:nvSpPr>
-          <p:cNvPr id="3" name="Untertitel 2">
+          <p:cNvPr id="5" name="Untertitel 2">
             <a:extLst>
               <a:ext uri="{FF2B5EF4-FFF2-40B4-BE49-F238E27FC236}">
-                <a16:creationId xmlns:a16="http://schemas.microsoft.com/office/drawing/2014/main" id="{0533C99D-14D1-427C-95DB-DD0C27472DBD}"/>
+                <a16:creationId xmlns:a16="http://schemas.microsoft.com/office/drawing/2014/main" id="{FF6CB36C-AECF-40D6-A1E4-B41256208DF8}"/>
               </a:ext>
             </a:extLst>
           </p:cNvPr>
-          <p:cNvSpPr>
-            <a:spLocks noGrp="1"/>
+          <p:cNvSpPr txBox="1">
+            <a:spLocks/>
           </p:cNvSpPr>
-          <p:nvPr>
-            <p:ph type="subTitle" idx="1"/>
-          </p:nvPr>
+          <p:nvPr/>
         </p:nvSpPr>
         <p:spPr>
           <a:xfrm>
-            <a:off x="650515" y="1338651"/>
-            <a:ext cx="10902016" cy="4964597"/>
-          </a:xfrm>
+            <a:off x="2360811" y="1121294"/>
+            <a:ext cx="6763595" cy="915848"/>
+          </a:xfrm>
+          <a:prstGeom prst="rect">
+            <a:avLst/>
+          </a:prstGeom>
         </p:spPr>
         <p:txBody>
           <a:bodyPr vert="horz" lIns="91440" tIns="45720" rIns="91440" bIns="45720" rtlCol="0" anchor="t">
             <a:noAutofit/>
           </a:bodyPr>
-          <a:lstStyle/>
-          <a:p>
-            <a:pPr algn="l"/>
-            <a:r>
-              <a:rPr lang="de-DE" sz="1400">
-                <a:cs typeface="Calibri" panose="020F0502020204030204"/>
-              </a:rPr>
-              <a:t>Chen, Z., Menzies, T., Port, D., Boehm, B.: Feature subset selection can improve software cost estimation accuracy. ACM SIGSOFT Software Engineering Notes 30(4), 1 (2005). https://doi.org/10.1145/1082983.1083171</a:t>
-            </a:r>
-            <a:endParaRPr lang="de-DE"/>
-          </a:p>
-          <a:p>
-            <a:pPr algn="l"/>
-            <a:endParaRPr lang="de-DE" sz="1400" dirty="0">
-              <a:cs typeface="Calibri" panose="020F0502020204030204"/>
+          <a:lstStyle>
+            <a:lvl1pPr marL="0" indent="0" algn="ctr" defTabSz="914400" rtl="0" eaLnBrk="1" latinLnBrk="0" hangingPunct="1">
+              <a:lnSpc>
+                <a:spcPct val="90000"/>
+              </a:lnSpc>
+              <a:spcBef>
+                <a:spcPts val="1000"/>
+              </a:spcBef>
+              <a:buFont typeface="Arial" panose="020B0604020202020204" pitchFamily="34" charset="0"/>
+              <a:buNone/>
+              <a:defRPr sz="2400" kern="1200">
+                <a:solidFill>
+                  <a:schemeClr val="tx1"/>
+                </a:solidFill>
+                <a:latin typeface="+mn-lt"/>
+                <a:ea typeface="+mn-ea"/>
+                <a:cs typeface="+mn-cs"/>
+              </a:defRPr>
+            </a:lvl1pPr>
+            <a:lvl2pPr marL="457200" indent="0" algn="ctr" defTabSz="914400" rtl="0" eaLnBrk="1" latinLnBrk="0" hangingPunct="1">
+              <a:lnSpc>
+                <a:spcPct val="90000"/>
+              </a:lnSpc>
+              <a:spcBef>
+                <a:spcPts val="500"/>
+              </a:spcBef>
+              <a:buFont typeface="Arial" panose="020B0604020202020204" pitchFamily="34" charset="0"/>
+              <a:buNone/>
+              <a:defRPr sz="2000" kern="1200">
+                <a:solidFill>
+                  <a:schemeClr val="tx1"/>
+                </a:solidFill>
+                <a:latin typeface="+mn-lt"/>
+                <a:ea typeface="+mn-ea"/>
+                <a:cs typeface="+mn-cs"/>
+              </a:defRPr>
+            </a:lvl2pPr>
+            <a:lvl3pPr marL="914400" indent="0" algn="ctr" defTabSz="914400" rtl="0" eaLnBrk="1" latinLnBrk="0" hangingPunct="1">
+              <a:lnSpc>
+                <a:spcPct val="90000"/>
+              </a:lnSpc>
+              <a:spcBef>
+                <a:spcPts val="500"/>
+              </a:spcBef>
+              <a:buFont typeface="Arial" panose="020B0604020202020204" pitchFamily="34" charset="0"/>
+              <a:buNone/>
+              <a:defRPr sz="1800" kern="1200">
+                <a:solidFill>
+                  <a:schemeClr val="tx1"/>
+                </a:solidFill>
+                <a:latin typeface="+mn-lt"/>
+                <a:ea typeface="+mn-ea"/>
+                <a:cs typeface="+mn-cs"/>
+              </a:defRPr>
+            </a:lvl3pPr>
+            <a:lvl4pPr marL="1371600" indent="0" algn="ctr" defTabSz="914400" rtl="0" eaLnBrk="1" latinLnBrk="0" hangingPunct="1">
+              <a:lnSpc>
+                <a:spcPct val="90000"/>
+              </a:lnSpc>
+              <a:spcBef>
+                <a:spcPts val="500"/>
+              </a:spcBef>
+              <a:buFont typeface="Arial" panose="020B0604020202020204" pitchFamily="34" charset="0"/>
+              <a:buNone/>
+              <a:defRPr sz="1600" kern="1200">
+                <a:solidFill>
+                  <a:schemeClr val="tx1"/>
+                </a:solidFill>
+                <a:latin typeface="+mn-lt"/>
+                <a:ea typeface="+mn-ea"/>
+                <a:cs typeface="+mn-cs"/>
+              </a:defRPr>
+            </a:lvl4pPr>
+            <a:lvl5pPr marL="1828800" indent="0" algn="ctr" defTabSz="914400" rtl="0" eaLnBrk="1" latinLnBrk="0" hangingPunct="1">
+              <a:lnSpc>
+                <a:spcPct val="90000"/>
+              </a:lnSpc>
+              <a:spcBef>
+                <a:spcPts val="500"/>
+              </a:spcBef>
+              <a:buFont typeface="Arial" panose="020B0604020202020204" pitchFamily="34" charset="0"/>
+              <a:buNone/>
+              <a:defRPr sz="1600" kern="1200">
+                <a:solidFill>
+                  <a:schemeClr val="tx1"/>
+                </a:solidFill>
+                <a:latin typeface="+mn-lt"/>
+                <a:ea typeface="+mn-ea"/>
+                <a:cs typeface="+mn-cs"/>
+              </a:defRPr>
+            </a:lvl5pPr>
+            <a:lvl6pPr marL="2286000" indent="0" algn="ctr" defTabSz="914400" rtl="0" eaLnBrk="1" latinLnBrk="0" hangingPunct="1">
+              <a:lnSpc>
+                <a:spcPct val="90000"/>
+              </a:lnSpc>
+              <a:spcBef>
+                <a:spcPts val="500"/>
+              </a:spcBef>
+              <a:buFont typeface="Arial" panose="020B0604020202020204" pitchFamily="34" charset="0"/>
+              <a:buNone/>
+              <a:defRPr sz="1600" kern="1200">
+                <a:solidFill>
+                  <a:schemeClr val="tx1"/>
+                </a:solidFill>
+                <a:latin typeface="+mn-lt"/>
+                <a:ea typeface="+mn-ea"/>
+                <a:cs typeface="+mn-cs"/>
+              </a:defRPr>
+            </a:lvl6pPr>
+            <a:lvl7pPr marL="2743200" indent="0" algn="ctr" defTabSz="914400" rtl="0" eaLnBrk="1" latinLnBrk="0" hangingPunct="1">
+              <a:lnSpc>
+                <a:spcPct val="90000"/>
+              </a:lnSpc>
+              <a:spcBef>
+                <a:spcPts val="500"/>
+              </a:spcBef>
+              <a:buFont typeface="Arial" panose="020B0604020202020204" pitchFamily="34" charset="0"/>
+              <a:buNone/>
+              <a:defRPr sz="1600" kern="1200">
+                <a:solidFill>
+                  <a:schemeClr val="tx1"/>
+                </a:solidFill>
+                <a:latin typeface="+mn-lt"/>
+                <a:ea typeface="+mn-ea"/>
+                <a:cs typeface="+mn-cs"/>
+              </a:defRPr>
+            </a:lvl7pPr>
+            <a:lvl8pPr marL="3200400" indent="0" algn="ctr" defTabSz="914400" rtl="0" eaLnBrk="1" latinLnBrk="0" hangingPunct="1">
+              <a:lnSpc>
+                <a:spcPct val="90000"/>
+              </a:lnSpc>
+              <a:spcBef>
+                <a:spcPts val="500"/>
+              </a:spcBef>
+              <a:buFont typeface="Arial" panose="020B0604020202020204" pitchFamily="34" charset="0"/>
+              <a:buNone/>
+              <a:defRPr sz="1600" kern="1200">
+                <a:solidFill>
+                  <a:schemeClr val="tx1"/>
+                </a:solidFill>
+                <a:latin typeface="+mn-lt"/>
+                <a:ea typeface="+mn-ea"/>
+                <a:cs typeface="+mn-cs"/>
+              </a:defRPr>
+            </a:lvl8pPr>
+            <a:lvl9pPr marL="3657600" indent="0" algn="ctr" defTabSz="914400" rtl="0" eaLnBrk="1" latinLnBrk="0" hangingPunct="1">
+              <a:lnSpc>
+                <a:spcPct val="90000"/>
+              </a:lnSpc>
+              <a:spcBef>
+                <a:spcPts val="500"/>
+              </a:spcBef>
+              <a:buFont typeface="Arial" panose="020B0604020202020204" pitchFamily="34" charset="0"/>
+              <a:buNone/>
+              <a:defRPr sz="1600" kern="1200">
+                <a:solidFill>
+                  <a:schemeClr val="tx1"/>
+                </a:solidFill>
+                <a:latin typeface="+mn-lt"/>
+                <a:ea typeface="+mn-ea"/>
+                <a:cs typeface="+mn-cs"/>
+              </a:defRPr>
+            </a:lvl9pPr>
+          </a:lstStyle>
+          <a:p>
+            <a:pPr>
+              <a:lnSpc>
+                <a:spcPct val="150000"/>
+              </a:lnSpc>
+            </a:pPr>
+            <a:r>
+              <a:rPr lang="de-DE" sz="3600" dirty="0">
+                <a:cs typeface="Calibri"/>
+              </a:rPr>
+              <a:t>Vorhersage von Softwarequalität</a:t>
+            </a:r>
+            <a:endParaRPr lang="de-DE" dirty="0"/>
+          </a:p>
+        </p:txBody>
+      </p:sp>
+      <p:sp>
+        <p:nvSpPr>
+          <p:cNvPr id="9" name="Untertitel 2">
+            <a:extLst>
+              <a:ext uri="{FF2B5EF4-FFF2-40B4-BE49-F238E27FC236}">
+                <a16:creationId xmlns:a16="http://schemas.microsoft.com/office/drawing/2014/main" id="{91CEA67C-7DBB-4DB4-BCA7-2B67D94FDD59}"/>
+              </a:ext>
+            </a:extLst>
+          </p:cNvPr>
+          <p:cNvSpPr txBox="1">
+            <a:spLocks/>
+          </p:cNvSpPr>
+          <p:nvPr/>
+        </p:nvSpPr>
+        <p:spPr>
+          <a:xfrm>
+            <a:off x="1170610" y="2033863"/>
+            <a:ext cx="9099826" cy="3930718"/>
+          </a:xfrm>
+          <a:prstGeom prst="rect">
+            <a:avLst/>
+          </a:prstGeom>
+        </p:spPr>
+        <p:txBody>
+          <a:bodyPr vert="horz" lIns="91440" tIns="45720" rIns="91440" bIns="45720" rtlCol="0" anchor="t">
+            <a:noAutofit/>
+          </a:bodyPr>
+          <a:lstStyle>
+            <a:lvl1pPr marL="0" indent="0" algn="ctr" defTabSz="914400" rtl="0" eaLnBrk="1" latinLnBrk="0" hangingPunct="1">
+              <a:lnSpc>
+                <a:spcPct val="90000"/>
+              </a:lnSpc>
+              <a:spcBef>
+                <a:spcPts val="1000"/>
+              </a:spcBef>
+              <a:buFont typeface="Arial" panose="020B0604020202020204" pitchFamily="34" charset="0"/>
+              <a:buNone/>
+              <a:defRPr sz="2400" kern="1200">
+                <a:solidFill>
+                  <a:schemeClr val="tx1"/>
+                </a:solidFill>
+                <a:latin typeface="+mn-lt"/>
+                <a:ea typeface="+mn-ea"/>
+                <a:cs typeface="+mn-cs"/>
+              </a:defRPr>
+            </a:lvl1pPr>
+            <a:lvl2pPr marL="457200" indent="0" algn="ctr" defTabSz="914400" rtl="0" eaLnBrk="1" latinLnBrk="0" hangingPunct="1">
+              <a:lnSpc>
+                <a:spcPct val="90000"/>
+              </a:lnSpc>
+              <a:spcBef>
+                <a:spcPts val="500"/>
+              </a:spcBef>
+              <a:buFont typeface="Arial" panose="020B0604020202020204" pitchFamily="34" charset="0"/>
+              <a:buNone/>
+              <a:defRPr sz="2000" kern="1200">
+                <a:solidFill>
+                  <a:schemeClr val="tx1"/>
+                </a:solidFill>
+                <a:latin typeface="+mn-lt"/>
+                <a:ea typeface="+mn-ea"/>
+                <a:cs typeface="+mn-cs"/>
+              </a:defRPr>
+            </a:lvl2pPr>
+            <a:lvl3pPr marL="914400" indent="0" algn="ctr" defTabSz="914400" rtl="0" eaLnBrk="1" latinLnBrk="0" hangingPunct="1">
+              <a:lnSpc>
+                <a:spcPct val="90000"/>
+              </a:lnSpc>
+              <a:spcBef>
+                <a:spcPts val="500"/>
+              </a:spcBef>
+              <a:buFont typeface="Arial" panose="020B0604020202020204" pitchFamily="34" charset="0"/>
+              <a:buNone/>
+              <a:defRPr sz="1800" kern="1200">
+                <a:solidFill>
+                  <a:schemeClr val="tx1"/>
+                </a:solidFill>
+                <a:latin typeface="+mn-lt"/>
+                <a:ea typeface="+mn-ea"/>
+                <a:cs typeface="+mn-cs"/>
+              </a:defRPr>
+            </a:lvl3pPr>
+            <a:lvl4pPr marL="1371600" indent="0" algn="ctr" defTabSz="914400" rtl="0" eaLnBrk="1" latinLnBrk="0" hangingPunct="1">
+              <a:lnSpc>
+                <a:spcPct val="90000"/>
+              </a:lnSpc>
+              <a:spcBef>
+                <a:spcPts val="500"/>
+              </a:spcBef>
+              <a:buFont typeface="Arial" panose="020B0604020202020204" pitchFamily="34" charset="0"/>
+              <a:buNone/>
+              <a:defRPr sz="1600" kern="1200">
+                <a:solidFill>
+                  <a:schemeClr val="tx1"/>
+                </a:solidFill>
+                <a:latin typeface="+mn-lt"/>
+                <a:ea typeface="+mn-ea"/>
+                <a:cs typeface="+mn-cs"/>
+              </a:defRPr>
+            </a:lvl4pPr>
+            <a:lvl5pPr marL="1828800" indent="0" algn="ctr" defTabSz="914400" rtl="0" eaLnBrk="1" latinLnBrk="0" hangingPunct="1">
+              <a:lnSpc>
+                <a:spcPct val="90000"/>
+              </a:lnSpc>
+              <a:spcBef>
+                <a:spcPts val="500"/>
+              </a:spcBef>
+              <a:buFont typeface="Arial" panose="020B0604020202020204" pitchFamily="34" charset="0"/>
+              <a:buNone/>
+              <a:defRPr sz="1600" kern="1200">
+                <a:solidFill>
+                  <a:schemeClr val="tx1"/>
+                </a:solidFill>
+                <a:latin typeface="+mn-lt"/>
+                <a:ea typeface="+mn-ea"/>
+                <a:cs typeface="+mn-cs"/>
+              </a:defRPr>
+            </a:lvl5pPr>
+            <a:lvl6pPr marL="2286000" indent="0" algn="ctr" defTabSz="914400" rtl="0" eaLnBrk="1" latinLnBrk="0" hangingPunct="1">
+              <a:lnSpc>
+                <a:spcPct val="90000"/>
+              </a:lnSpc>
+              <a:spcBef>
+                <a:spcPts val="500"/>
+              </a:spcBef>
+              <a:buFont typeface="Arial" panose="020B0604020202020204" pitchFamily="34" charset="0"/>
+              <a:buNone/>
+              <a:defRPr sz="1600" kern="1200">
+                <a:solidFill>
+                  <a:schemeClr val="tx1"/>
+                </a:solidFill>
+                <a:latin typeface="+mn-lt"/>
+                <a:ea typeface="+mn-ea"/>
+                <a:cs typeface="+mn-cs"/>
+              </a:defRPr>
+            </a:lvl6pPr>
+            <a:lvl7pPr marL="2743200" indent="0" algn="ctr" defTabSz="914400" rtl="0" eaLnBrk="1" latinLnBrk="0" hangingPunct="1">
+              <a:lnSpc>
+                <a:spcPct val="90000"/>
+              </a:lnSpc>
+              <a:spcBef>
+                <a:spcPts val="500"/>
+              </a:spcBef>
+              <a:buFont typeface="Arial" panose="020B0604020202020204" pitchFamily="34" charset="0"/>
+              <a:buNone/>
+              <a:defRPr sz="1600" kern="1200">
+                <a:solidFill>
+                  <a:schemeClr val="tx1"/>
+                </a:solidFill>
+                <a:latin typeface="+mn-lt"/>
+                <a:ea typeface="+mn-ea"/>
+                <a:cs typeface="+mn-cs"/>
+              </a:defRPr>
+            </a:lvl7pPr>
+            <a:lvl8pPr marL="3200400" indent="0" algn="ctr" defTabSz="914400" rtl="0" eaLnBrk="1" latinLnBrk="0" hangingPunct="1">
+              <a:lnSpc>
+                <a:spcPct val="90000"/>
+              </a:lnSpc>
+              <a:spcBef>
+                <a:spcPts val="500"/>
+              </a:spcBef>
+              <a:buFont typeface="Arial" panose="020B0604020202020204" pitchFamily="34" charset="0"/>
+              <a:buNone/>
+              <a:defRPr sz="1600" kern="1200">
+                <a:solidFill>
+                  <a:schemeClr val="tx1"/>
+                </a:solidFill>
+                <a:latin typeface="+mn-lt"/>
+                <a:ea typeface="+mn-ea"/>
+                <a:cs typeface="+mn-cs"/>
+              </a:defRPr>
+            </a:lvl8pPr>
+            <a:lvl9pPr marL="3657600" indent="0" algn="ctr" defTabSz="914400" rtl="0" eaLnBrk="1" latinLnBrk="0" hangingPunct="1">
+              <a:lnSpc>
+                <a:spcPct val="90000"/>
+              </a:lnSpc>
+              <a:spcBef>
+                <a:spcPts val="500"/>
+              </a:spcBef>
+              <a:buFont typeface="Arial" panose="020B0604020202020204" pitchFamily="34" charset="0"/>
+              <a:buNone/>
+              <a:defRPr sz="1600" kern="1200">
+                <a:solidFill>
+                  <a:schemeClr val="tx1"/>
+                </a:solidFill>
+                <a:latin typeface="+mn-lt"/>
+                <a:ea typeface="+mn-ea"/>
+                <a:cs typeface="+mn-cs"/>
+              </a:defRPr>
+            </a:lvl9pPr>
+          </a:lstStyle>
+          <a:p>
+            <a:pPr marL="342900" indent="-342900" algn="l">
+              <a:lnSpc>
+                <a:spcPct val="150000"/>
+              </a:lnSpc>
+              <a:buChar char="•"/>
+            </a:pPr>
+            <a:r>
+              <a:rPr lang="de-DE" dirty="0">
+                <a:cs typeface="Calibri"/>
+              </a:rPr>
+              <a:t>Einsatz von </a:t>
+            </a:r>
+            <a:r>
+              <a:rPr lang="de-DE" dirty="0" err="1">
+                <a:cs typeface="Calibri"/>
+              </a:rPr>
+              <a:t>Fuzzy</a:t>
+            </a:r>
+            <a:r>
+              <a:rPr lang="de-DE" dirty="0">
+                <a:cs typeface="Calibri"/>
+              </a:rPr>
+              <a:t> </a:t>
+            </a:r>
+            <a:r>
+              <a:rPr lang="de-DE" dirty="0" err="1">
+                <a:cs typeface="Calibri"/>
+              </a:rPr>
+              <a:t>NN‘s</a:t>
+            </a:r>
+            <a:endParaRPr lang="de-DE" dirty="0">
+              <a:cs typeface="Calibri"/>
             </a:endParaRPr>
           </a:p>
           <a:p>
-            <a:pPr algn="l"/>
-            <a:r>
-              <a:rPr lang="de-DE" sz="1400" dirty="0">
-                <a:cs typeface="Calibri" panose="020F0502020204030204"/>
-              </a:rPr>
-              <a:t>Abrahamsson, P., Moser, R., Pedrycz, W., Sillitti, A., Succi, G.: Eort Prediction in Iterative Software Development Processes { Incremental Versus </a:t>
-            </a:r>
-            <a:r>
-              <a:rPr lang="de-DE" sz="1400">
-                <a:cs typeface="Calibri" panose="020F0502020204030204"/>
-              </a:rPr>
-              <a:t>Global Prediction Models. In: First International Symposium on Empirical Software Engineering and Measurement (ESEM 2007). Pp. 344{353 (2007). https://doi.org/10.1109/ESEM.2007.16</a:t>
-            </a:r>
-            <a:endParaRPr lang="de-DE"/>
-          </a:p>
-          <a:p>
-            <a:pPr algn="l"/>
-            <a:endParaRPr lang="de-DE" sz="1400" dirty="0">
-              <a:cs typeface="Calibri" panose="020F0502020204030204"/>
+            <a:pPr marL="342900" indent="-342900" algn="l">
+              <a:lnSpc>
+                <a:spcPct val="150000"/>
+              </a:lnSpc>
+              <a:buChar char="•"/>
+            </a:pPr>
+            <a:r>
+              <a:rPr lang="de-DE" dirty="0">
+                <a:cs typeface="Calibri"/>
+              </a:rPr>
+              <a:t>Software Metriken dienen als Input</a:t>
+            </a:r>
+          </a:p>
+          <a:p>
+            <a:pPr marL="342900" indent="-342900" algn="l">
+              <a:lnSpc>
+                <a:spcPct val="150000"/>
+              </a:lnSpc>
+              <a:buChar char="•"/>
+            </a:pPr>
+            <a:r>
+              <a:rPr lang="de-DE" dirty="0">
+                <a:cs typeface="Calibri"/>
+              </a:rPr>
+              <a:t>Ergebnisse:</a:t>
+            </a:r>
+          </a:p>
+          <a:p>
+            <a:pPr marL="800100" lvl="1" indent="-342900" algn="l">
+              <a:lnSpc>
+                <a:spcPct val="150000"/>
+              </a:lnSpc>
+              <a:buChar char="•"/>
+            </a:pPr>
+            <a:r>
+              <a:rPr lang="de-DE" dirty="0">
+                <a:cs typeface="Calibri"/>
+              </a:rPr>
+              <a:t>Genaue Vorhersage</a:t>
+            </a:r>
+          </a:p>
+          <a:p>
+            <a:pPr marL="800100" lvl="1" indent="-342900" algn="l">
+              <a:lnSpc>
+                <a:spcPct val="150000"/>
+              </a:lnSpc>
+              <a:buChar char="•"/>
+            </a:pPr>
+            <a:r>
+              <a:rPr lang="de-DE" dirty="0">
+                <a:cs typeface="Calibri"/>
+              </a:rPr>
+              <a:t>Zeigt Ursache und Wirkung von Entscheidungen</a:t>
+            </a:r>
+          </a:p>
+          <a:p>
+            <a:pPr marL="800100" lvl="1" indent="-342900" algn="l">
+              <a:lnSpc>
+                <a:spcPct val="150000"/>
+              </a:lnSpc>
+              <a:buChar char="•"/>
+            </a:pPr>
+            <a:r>
+              <a:rPr lang="de-DE" dirty="0">
+                <a:cs typeface="Calibri"/>
+              </a:rPr>
+              <a:t>Kommt mit vielerlei </a:t>
+            </a:r>
+            <a:r>
+              <a:rPr lang="de-DE" dirty="0"/>
+              <a:t>Dateiformaten</a:t>
+            </a:r>
+            <a:r>
+              <a:rPr lang="de-DE" dirty="0">
+                <a:cs typeface="Calibri"/>
+              </a:rPr>
+              <a:t> aus</a:t>
+            </a:r>
+          </a:p>
+          <a:p>
+            <a:pPr marL="800100" lvl="1" indent="-342900" algn="l">
+              <a:lnSpc>
+                <a:spcPct val="150000"/>
+              </a:lnSpc>
+              <a:buChar char="•"/>
+            </a:pPr>
+            <a:endParaRPr lang="de-DE" dirty="0">
+              <a:cs typeface="Calibri"/>
             </a:endParaRPr>
           </a:p>
           <a:p>
-            <a:pPr algn="l"/>
-            <a:r>
-              <a:rPr lang="de-DE" sz="1400">
-                <a:cs typeface="Calibri" panose="020F0502020204030204"/>
-              </a:rPr>
-              <a:t>Boetticher, G.D.: Using Machine Learning to Predict Project Eort: Empirical Case Studies in Data-Starved Domains. Model Based Requirements Workshop pp. 17{24 (2001). </a:t>
-            </a:r>
-            <a:r>
-              <a:rPr lang="de-DE" sz="1400" dirty="0">
-                <a:cs typeface="Calibri" panose="020F0502020204030204"/>
-              </a:rPr>
-              <a:t>https://doi.org/10.1.1.19.111</a:t>
-            </a:r>
-            <a:endParaRPr lang="de-DE"/>
-          </a:p>
-          <a:p>
-            <a:pPr algn="l"/>
-            <a:endParaRPr lang="de-DE" sz="1400" dirty="0">
-              <a:cs typeface="Calibri" panose="020F0502020204030204"/>
+            <a:pPr marL="800100" lvl="1" indent="-342900" algn="l">
+              <a:lnSpc>
+                <a:spcPct val="150000"/>
+              </a:lnSpc>
+              <a:buChar char="•"/>
+            </a:pPr>
+            <a:endParaRPr lang="de-DE" dirty="0">
+              <a:cs typeface="Calibri"/>
             </a:endParaRPr>
           </a:p>
           <a:p>
-            <a:pPr algn="l"/>
-            <a:r>
-              <a:rPr lang="de-DE" sz="1400">
-                <a:cs typeface="Calibri" panose="020F0502020204030204"/>
-              </a:rPr>
-              <a:t>Setyawati, B.R., Sahirman, S., Creese, R.C.: Neural Networks for Cost Estimation. AACE International Transactions p. 13.1 (2002)</a:t>
-            </a:r>
-            <a:endParaRPr lang="de-DE"/>
-          </a:p>
-          <a:p>
-            <a:pPr algn="l"/>
-            <a:endParaRPr lang="de-DE" sz="1400" dirty="0">
-              <a:cs typeface="Calibri" panose="020F0502020204030204"/>
+            <a:pPr marL="800100" lvl="1" indent="-342900" algn="l">
+              <a:lnSpc>
+                <a:spcPct val="150000"/>
+              </a:lnSpc>
+              <a:buChar char="•"/>
+            </a:pPr>
+            <a:endParaRPr lang="de-DE" dirty="0">
+              <a:cs typeface="Calibri"/>
             </a:endParaRPr>
           </a:p>
           <a:p>
-            <a:pPr algn="l"/>
-            <a:r>
-              <a:rPr lang="de-DE" sz="1400">
-                <a:cs typeface="Calibri" panose="020F0502020204030204"/>
-              </a:rPr>
-              <a:t>Finnie, G.R., Wittig, G.E.: AI tools for software development eort estimation. Software Engineering: Education and Practice,20 1996. Proceedings. International Conference pp. 346{353 (1996). https://doi.org/10.1109/SEEP.1996.534020</a:t>
-            </a:r>
-            <a:endParaRPr lang="de-DE">
-              <a:cs typeface="Calibri" panose="020F0502020204030204"/>
-            </a:endParaRPr>
-          </a:p>
-          <a:p>
-            <a:pPr algn="l"/>
-            <a:endParaRPr lang="de-DE" sz="1400" dirty="0">
-              <a:cs typeface="Calibri" panose="020F0502020204030204"/>
-            </a:endParaRPr>
-          </a:p>
-          <a:p>
-            <a:pPr algn="l"/>
-            <a:r>
-              <a:rPr lang="de-DE" sz="1400">
-                <a:cs typeface="Calibri" panose="020F0502020204030204"/>
-              </a:rPr>
-              <a:t>Gharehchopogh, F.S.: Neural networks application in software cost estimation: A case study. In: 2011 International Symposium on Innovations in Intelligent Systems and Applications. pp. 69{73 (2011). https://doi.org/10.1109/INISTA.2011.5946160</a:t>
-            </a:r>
-            <a:endParaRPr lang="de-DE">
-              <a:cs typeface="Calibri" panose="020F0502020204030204"/>
+            <a:pPr marL="800100" lvl="1" indent="-342900" algn="l">
+              <a:lnSpc>
+                <a:spcPct val="150000"/>
+              </a:lnSpc>
+              <a:buChar char="•"/>
+            </a:pPr>
+            <a:endParaRPr lang="de-DE" dirty="0">
+              <a:cs typeface="Calibri"/>
             </a:endParaRPr>
           </a:p>
         </p:txBody>
@@ -19674,7 +21594,7 @@
     </p:spTree>
     <p:extLst>
       <p:ext uri="{BB962C8B-B14F-4D97-AF65-F5344CB8AC3E}">
-        <p14:creationId xmlns:p14="http://schemas.microsoft.com/office/powerpoint/2010/main" val="849647106"/>
+        <p14:creationId xmlns:p14="http://schemas.microsoft.com/office/powerpoint/2010/main" val="3693499296"/>
       </p:ext>
     </p:extLst>
   </p:cSld>
@@ -19869,120 +21789,166 @@
           </a:bodyPr>
           <a:lstStyle/>
           <a:p>
-            <a:pPr algn="l"/>
+            <a:pPr algn="l">
+              <a:lnSpc>
+                <a:spcPct val="100000"/>
+              </a:lnSpc>
+            </a:pPr>
             <a:r>
               <a:rPr lang="de-DE" sz="1400">
-                <a:cs typeface="Calibri" panose="020F0502020204030204"/>
-              </a:rPr>
-              <a:t>Franz, K.: Handbuch zum Testen von Web- und Mobile-Apps, Springer- Verlag Berlin Heidelberg (2015). </a:t>
+                <a:cs typeface="Calibri"/>
+              </a:rPr>
+              <a:t>Meng, J., Zhang, J., Zhao, H.: Overview of the speech recognition technology. Proceedings - 4th International Conference on Computational and Information Sciences, ICCIS 2012, pp. 199{202 (2012). </a:t>
             </a:r>
             <a:r>
               <a:rPr lang="de-DE" sz="1400" dirty="0">
-                <a:cs typeface="Calibri" panose="020F0502020204030204"/>
-              </a:rPr>
-              <a:t>https://doi.org/10.1007/978-3-662-</a:t>
-            </a:r>
-            <a:r>
-              <a:rPr lang="de-DE" sz="1400" dirty="0">
-                <a:cs typeface="Calibri" panose="020F0502020204030204"/>
-                <a:hlinkClick r:id="rId4"/>
-              </a:rPr>
-              <a:t>44028-5</a:t>
+                <a:cs typeface="Calibri"/>
+              </a:rPr>
+              <a:t>https://doi.org/10.1109/ICCIS.2012.202</a:t>
             </a:r>
             <a:endParaRPr lang="de-DE">
               <a:cs typeface="Calibri" panose="020F0502020204030204"/>
             </a:endParaRPr>
           </a:p>
           <a:p>
+            <a:pPr algn="l">
+              <a:lnSpc>
+                <a:spcPct val="100000"/>
+              </a:lnSpc>
+            </a:pPr>
+            <a:endParaRPr lang="de-DE" sz="1400" dirty="0">
+              <a:cs typeface="Calibri"/>
+            </a:endParaRPr>
+          </a:p>
+          <a:p>
+            <a:pPr algn="l">
+              <a:lnSpc>
+                <a:spcPct val="100000"/>
+              </a:lnSpc>
+            </a:pPr>
+            <a:r>
+              <a:rPr lang="de-DE" sz="1400">
+                <a:cs typeface="Calibri"/>
+              </a:rPr>
+              <a:t>Vydana, H.K., Vuppala, A.K.: Residual neural networks for speech recognition. 25th European Signal Processing Conference, EUSIPCO 2017 pp. 543{547. </a:t>
+            </a:r>
+            <a:r>
+              <a:rPr lang="de-DE" sz="1400" dirty="0">
+                <a:cs typeface="Calibri"/>
+              </a:rPr>
+              <a:t>https://doi.org/10.23919/EUSIPCO.2017.8081266</a:t>
+            </a:r>
+          </a:p>
+          <a:p>
+            <a:pPr algn="l">
+              <a:lnSpc>
+                <a:spcPct val="100000"/>
+              </a:lnSpc>
+            </a:pPr>
+            <a:endParaRPr lang="de-DE" sz="1400" dirty="0">
+              <a:cs typeface="Calibri"/>
+            </a:endParaRPr>
+          </a:p>
+          <a:p>
+            <a:pPr algn="l">
+              <a:lnSpc>
+                <a:spcPct val="100000"/>
+              </a:lnSpc>
+            </a:pPr>
+            <a:r>
+              <a:rPr lang="de-DE" sz="1400" dirty="0">
+                <a:cs typeface="Calibri"/>
+              </a:rPr>
+              <a:t>Guiming, D., Xia, W., Guangyan, W., Yan, Z., Dan, L.: Speech recognition based on convolutional neural networks. 2016 IEEE </a:t>
+            </a:r>
+            <a:r>
+              <a:rPr lang="de-DE" sz="1400">
+                <a:cs typeface="Calibri"/>
+              </a:rPr>
+              <a:t>International Conference on Signal and Image Processing, ICSIP 2016 pp. 708{711. https://doi.org/10.1109/SIPROCESS.2016.7888355</a:t>
+            </a:r>
+          </a:p>
+          <a:p>
+            <a:pPr algn="l">
+              <a:lnSpc>
+                <a:spcPct val="100000"/>
+              </a:lnSpc>
+            </a:pPr>
+            <a:endParaRPr lang="de-DE" sz="1400" dirty="0">
+              <a:cs typeface="Calibri"/>
+            </a:endParaRPr>
+          </a:p>
+          <a:p>
+            <a:pPr algn="l">
+              <a:lnSpc>
+                <a:spcPct val="100000"/>
+              </a:lnSpc>
+            </a:pPr>
+            <a:r>
+              <a:rPr lang="de-DE" sz="1400">
+                <a:cs typeface="Calibri"/>
+              </a:rPr>
+              <a:t>Maind, M.S.B., Wankar, M.P.: Research Paper on Basic of Articial Neural Network. International Journal on Recent and Innovation Trends in Computing and Communication 2(1), 96{100 (2014). https://doi.org/10.1109/Oceans-</a:t>
+            </a:r>
+            <a:r>
+              <a:rPr lang="de-DE" sz="1400" dirty="0">
+                <a:cs typeface="Calibri"/>
+              </a:rPr>
+              <a:t>Spain.2011.6003625, </a:t>
+            </a:r>
+            <a:r>
+              <a:rPr lang="de-DE" sz="1400">
+                <a:cs typeface="Calibri"/>
+              </a:rPr>
+              <a:t>http://www.ijritcc.org</a:t>
+            </a:r>
+          </a:p>
+          <a:p>
+            <a:pPr algn="l">
+              <a:lnSpc>
+                <a:spcPct val="100000"/>
+              </a:lnSpc>
+            </a:pPr>
+            <a:endParaRPr lang="de-DE" sz="1400" dirty="0">
+              <a:cs typeface="Calibri" panose="020F0502020204030204"/>
+            </a:endParaRPr>
+          </a:p>
+          <a:p>
+            <a:pPr algn="l">
+              <a:lnSpc>
+                <a:spcPct val="100000"/>
+              </a:lnSpc>
+            </a:pPr>
+            <a:r>
+              <a:rPr lang="de-DE" sz="1400">
+                <a:cs typeface="Calibri" panose="020F0502020204030204"/>
+              </a:rPr>
+              <a:t>Tang, X.: Hybrid hidden markov model and arti cial neural network for automatic speech recognition. Proceedings of the 2009 Paci c-Asia Conference on Circuits, Communications and System, PACCS 2009, pp. 682{685 (2009). https://doi.org/10.1109/PACCS.2009.138</a:t>
+            </a:r>
+          </a:p>
+          <a:p>
+            <a:pPr algn="l">
+              <a:lnSpc>
+                <a:spcPct val="100000"/>
+              </a:lnSpc>
+            </a:pPr>
+            <a:endParaRPr lang="de-DE" sz="1400" dirty="0">
+              <a:cs typeface="Calibri" panose="020F0502020204030204"/>
+            </a:endParaRPr>
+          </a:p>
+          <a:p>
+            <a:pPr algn="l"/>
+            <a:r>
+              <a:rPr lang="de-DE" sz="1400">
+                <a:cs typeface="Calibri" panose="020F0502020204030204"/>
+              </a:rPr>
+              <a:t>Khalifelu, Z.A., Gharehchopogh, F.S.: Comparison and evaluation of data mining techniques with algorithmic models in software cost estimation. Procedia Technology 1, 65{71 (2012). https://doi.org/10.1016/j.protcy.2012.02.013</a:t>
+            </a:r>
+          </a:p>
+          <a:p>
             <a:pPr algn="l"/>
             <a:endParaRPr lang="de-DE" sz="1400" dirty="0">
               <a:cs typeface="Calibri" panose="020F0502020204030204"/>
-            </a:endParaRPr>
-          </a:p>
-          <a:p>
-            <a:pPr algn="l"/>
-            <a:r>
-              <a:rPr lang="de-DE" sz="1400">
-                <a:cs typeface="Calibri" panose="020F0502020204030204"/>
-              </a:rPr>
-              <a:t>Antinyan, V., Derehag, J., Sandberg, A., Staron, M.: Mythical unit test coverage. IEEE Software (3), 73{79 (2018). https://doi.org/10.1109/MS.2017.3281318</a:t>
-            </a:r>
-            <a:endParaRPr lang="de-DE"/>
-          </a:p>
-          <a:p>
-            <a:pPr algn="l"/>
-            <a:endParaRPr lang="de-DE" sz="1400" dirty="0">
-              <a:cs typeface="Calibri" panose="020F0502020204030204"/>
-            </a:endParaRPr>
-          </a:p>
-          <a:p>
-            <a:pPr algn="l"/>
-            <a:r>
-              <a:rPr lang="de-DE" sz="1400">
-                <a:cs typeface="Calibri" panose="020F0502020204030204"/>
-              </a:rPr>
-              <a:t>Committee, S.&amp;.S.E.S., Others: IEEE Std 1061-1998-IEEE Standard for a Software Quality Metrics Methodology. IEEE Computer Society, Tech. Rep (1998)</a:t>
-            </a:r>
-            <a:endParaRPr lang="de-DE"/>
-          </a:p>
-          <a:p>
-            <a:pPr algn="l"/>
-            <a:endParaRPr lang="de-DE" sz="1400" dirty="0">
-              <a:cs typeface="Calibri" panose="020F0502020204030204"/>
-            </a:endParaRPr>
-          </a:p>
-          <a:p>
-            <a:pPr algn="l"/>
-            <a:r>
-              <a:rPr lang="de-DE" sz="1400">
-                <a:cs typeface="Calibri" panose="020F0502020204030204"/>
-              </a:rPr>
-              <a:t>Wu, L., Liu, B., Jin, Y., Xie, X.: Using back-propagation neural networks for functional software testing. In: 2nd International Conference on Anti-counterfeiting, Security and Identi cation, ASID 2008. https://doi.org/10.1109/IWASID.2008.4688385</a:t>
-            </a:r>
-            <a:endParaRPr lang="de-DE"/>
-          </a:p>
-          <a:p>
-            <a:pPr algn="l"/>
-            <a:endParaRPr lang="de-DE" sz="1400" dirty="0">
-              <a:cs typeface="Calibri" panose="020F0502020204030204"/>
-            </a:endParaRPr>
-          </a:p>
-          <a:p>
-            <a:pPr algn="l"/>
-            <a:r>
-              <a:rPr lang="de-DE" sz="1400">
-                <a:cs typeface="Calibri" panose="020F0502020204030204"/>
-              </a:rPr>
-              <a:t>Majma, N., Babamir, S.M.: Software test case generation &amp; test oracle design using neural network. 22nd Iranian Conference on Electrical Engineering, ICEE 2014 pp. 1168{1173 (2014). https://doi.org/10.1109/IranianCEE.2014.6999712</a:t>
-            </a:r>
-            <a:endParaRPr lang="de-DE"/>
-          </a:p>
-          <a:p>
-            <a:pPr algn="l"/>
-            <a:endParaRPr lang="de-DE" sz="1400" dirty="0">
-              <a:cs typeface="Calibri" panose="020F0502020204030204"/>
-            </a:endParaRPr>
-          </a:p>
-          <a:p>
-            <a:pPr algn="l"/>
-            <a:r>
-              <a:rPr lang="de-DE" sz="1400">
-                <a:cs typeface="Calibri" panose="020F0502020204030204"/>
-              </a:rPr>
-              <a:t>Pomorova, O., Hovorushchenko, T.: Arti cial neural network for software quality evaluation based on the metric analysis. Proceedings of IEEE East-West Design and Test Symposium, EWDTS 2013 pp. 0{3 (2013). </a:t>
-            </a:r>
-            <a:r>
-              <a:rPr lang="de-DE" sz="1400" dirty="0">
-                <a:cs typeface="Calibri" panose="020F0502020204030204"/>
-              </a:rPr>
-              <a:t>https://doi.org/10.1109/EWDTS.2013.6673193</a:t>
-            </a:r>
-            <a:endParaRPr lang="de-DE"/>
-          </a:p>
-          <a:p>
-            <a:pPr algn="l"/>
-            <a:endParaRPr lang="de-DE" sz="1400" dirty="0">
-              <a:cs typeface="Calibri"/>
             </a:endParaRPr>
           </a:p>
         </p:txBody>
@@ -19990,7 +21956,7 @@
     </p:spTree>
     <p:extLst>
       <p:ext uri="{BB962C8B-B14F-4D97-AF65-F5344CB8AC3E}">
-        <p14:creationId xmlns:p14="http://schemas.microsoft.com/office/powerpoint/2010/main" val="941542405"/>
+        <p14:creationId xmlns:p14="http://schemas.microsoft.com/office/powerpoint/2010/main" val="857233425"/>
       </p:ext>
     </p:extLst>
   </p:cSld>
@@ -20188,18 +22154,27 @@
             <a:pPr algn="l"/>
             <a:r>
               <a:rPr lang="de-DE" sz="1400">
-                <a:cs typeface="Calibri" panose="020F0502020204030204"/>
-              </a:rPr>
-              <a:t>Peng, W., Yao, L., Miao, Q.: An approach of software quality prediction based on relationship analysis and prediction model. In: Proceedings of 2009 8th International Conference on Reliability, Maintainability and Safety, ICRMS 2009. </a:t>
-            </a:r>
-            <a:r>
-              <a:rPr lang="de-DE" sz="1400" dirty="0">
-                <a:cs typeface="Calibri" panose="020F0502020204030204"/>
-              </a:rPr>
-              <a:t>https://doi.org/10.1109/ICRMS.2009.5270097</a:t>
-            </a:r>
-            <a:endParaRPr lang="de-DE">
+                <a:cs typeface="Calibri"/>
+              </a:rPr>
+              <a:t>Jayashree, P., Melvin Jose, J., Premkumar: Machine learning in automatic speech recognition: A survey. IETE Technical Review (Institution of Electronics and Telecommunication Engineers, India) 32(4), 240{251 (2015). https://doi.org/10.1080/02564602.2015.1010611</a:t>
+            </a:r>
+          </a:p>
+          <a:p>
+            <a:pPr algn="l"/>
+            <a:endParaRPr lang="de-DE" sz="1400" dirty="0">
               <a:cs typeface="Calibri"/>
+            </a:endParaRPr>
+          </a:p>
+          <a:p>
+            <a:pPr algn="l"/>
+            <a:r>
+              <a:rPr lang="de-DE" sz="1400">
+                <a:cs typeface="Calibri"/>
+              </a:rPr>
+              <a:t>A. K. Jain, Robert P. W. Duin, J. Mao: Statistical Pattern Recognition: A Review. IEEE Transactions on Pattern Analysis And Machine Intelligence, Vol. 22, No. 1, January 2000 22(1), 4{37 (2000)</a:t>
+            </a:r>
+            <a:endParaRPr lang="en-US" sz="1400">
+              <a:cs typeface="Calibri" panose="020F0502020204030204"/>
             </a:endParaRPr>
           </a:p>
           <a:p>
@@ -20214,14 +22189,11 @@
               <a:rPr lang="de-DE" sz="1400">
                 <a:cs typeface="Calibri" panose="020F0502020204030204"/>
               </a:rPr>
-              <a:t>Abbildung 1: Maind, M.S.B., Wankar, M.P.: Research Paper on Basic of Articial Neural Network. International Journal on Recent and Innovation Trends in Computing and Communication 2(1), 96{ 100 (2014). </a:t>
-            </a:r>
-            <a:r>
-              <a:rPr lang="de-DE" sz="1400" dirty="0">
-                <a:cs typeface="Calibri" panose="020F0502020204030204"/>
-              </a:rPr>
-              <a:t>https://doi.org/10.1109/Oceans-Spain.2011.6003625</a:t>
-            </a:r>
+              <a:t> Awasthi, A.: Facial Emotion Recognition Using Deep Learning. IEEE 4th International Conference on Knowledge-Based Engineering and Innovation (KBEI) Dec. 22, 2017 1(September), 9{12 (2013). https://doi.org/10.1145/2818346.2830593</a:t>
+            </a:r>
+            <a:endParaRPr lang="de-DE">
+              <a:cs typeface="Calibri"/>
+            </a:endParaRPr>
           </a:p>
           <a:p>
             <a:pPr algn="l"/>
@@ -20235,15 +22207,57 @@
               <a:rPr lang="de-DE" sz="1400">
                 <a:cs typeface="Calibri" panose="020F0502020204030204"/>
               </a:rPr>
-              <a:t>Abbildung 2: </a:t>
-            </a:r>
+              <a:t>Santos, R.M., Matos, L.N., Macedo, H.T., Montalvao, J.: Speech recognition in noisy environments with convolutional neural networks. Proceedings - 2015 Brazilian Conference on Intelligent Systems, BRACIS 2015 pp. 175{179 (2016). </a:t>
+            </a:r>
+            <a:r>
+              <a:rPr lang="de-DE" sz="1400" dirty="0">
+                <a:cs typeface="Calibri" panose="020F0502020204030204"/>
+              </a:rPr>
+              <a:t>https://doi.org/10.1109/BRACIS.2015.44</a:t>
+            </a:r>
+            <a:endParaRPr lang="de-DE">
+              <a:cs typeface="Calibri" panose="020F0502020204030204"/>
+            </a:endParaRPr>
+          </a:p>
+          <a:p>
+            <a:pPr algn="l"/>
             <a:endParaRPr lang="de-DE" sz="1400" dirty="0">
               <a:cs typeface="Calibri" panose="020F0502020204030204"/>
             </a:endParaRPr>
           </a:p>
           <a:p>
             <a:pPr algn="l"/>
+            <a:r>
+              <a:rPr lang="de-DE" sz="1400">
+                <a:cs typeface="Calibri" panose="020F0502020204030204"/>
+              </a:rPr>
+              <a:t>Deng, L., Yu, D.: Automatic speech recognition, Springer Verlag, vol. 9 (2015). </a:t>
+            </a:r>
+            <a:r>
+              <a:rPr lang="de-DE" sz="1400" dirty="0">
+                <a:cs typeface="Calibri" panose="020F0502020204030204"/>
+              </a:rPr>
+              <a:t>https://doi.org/10.1007/BF02747521</a:t>
+            </a:r>
+            <a:endParaRPr lang="de-DE">
+              <a:cs typeface="Calibri" panose="020F0502020204030204"/>
+            </a:endParaRPr>
+          </a:p>
+          <a:p>
+            <a:pPr algn="l"/>
             <a:endParaRPr lang="de-DE" sz="1400" dirty="0">
+              <a:cs typeface="Calibri" panose="020F0502020204030204"/>
+            </a:endParaRPr>
+          </a:p>
+          <a:p>
+            <a:pPr algn="l"/>
+            <a:r>
+              <a:rPr lang="de-DE" sz="1400">
+                <a:cs typeface="Calibri" panose="020F0502020204030204"/>
+              </a:rPr>
+              <a:t>Aracena, C., Basterrech, S., Snasel, V., Velasquez, J.: Neural Networks for Emotion Recognition Based on Eye Tracking Data. Proceedings - 2015 IEEE International Conference on Systems, Man, and Cybernetics, SMC 2015 pp. 2632{2637 (2016). https://doi.org/10.1109/SMC.2015.460</a:t>
+            </a:r>
+            <a:endParaRPr lang="de-DE">
               <a:cs typeface="Calibri" panose="020F0502020204030204"/>
             </a:endParaRPr>
           </a:p>
@@ -20252,7 +22266,7 @@
     </p:spTree>
     <p:extLst>
       <p:ext uri="{BB962C8B-B14F-4D97-AF65-F5344CB8AC3E}">
-        <p14:creationId xmlns:p14="http://schemas.microsoft.com/office/powerpoint/2010/main" val="546530947"/>
+        <p14:creationId xmlns:p14="http://schemas.microsoft.com/office/powerpoint/2010/main" val="2284096542"/>
       </p:ext>
     </p:extLst>
   </p:cSld>
@@ -20281,81 +22295,33 @@
       </p:grpSpPr>
       <p:sp>
         <p:nvSpPr>
-          <p:cNvPr id="3" name="Untertitel 2"/>
+          <p:cNvPr id="2" name="Titel 1"/>
           <p:cNvSpPr>
             <a:spLocks noGrp="1"/>
           </p:cNvSpPr>
           <p:nvPr>
-            <p:ph type="subTitle" idx="1"/>
+            <p:ph type="ctrTitle"/>
           </p:nvPr>
         </p:nvSpPr>
         <p:spPr>
           <a:xfrm>
-            <a:off x="1789045" y="2210559"/>
-            <a:ext cx="8624955" cy="1081500"/>
+            <a:off x="1170609" y="216798"/>
+            <a:ext cx="9144000" cy="907774"/>
           </a:xfrm>
         </p:spPr>
         <p:txBody>
-          <a:bodyPr vert="horz" lIns="91440" tIns="45720" rIns="91440" bIns="45720" rtlCol="0" anchor="t">
-            <a:normAutofit fontScale="92500" lnSpcReduction="10000"/>
+          <a:bodyPr>
+            <a:normAutofit fontScale="90000"/>
           </a:bodyPr>
           <a:lstStyle/>
           <a:p>
-            <a:pPr algn="l">
-              <a:lnSpc>
-                <a:spcPct val="150000"/>
-              </a:lnSpc>
-            </a:pPr>
-            <a:r>
-              <a:rPr lang="de-DE" sz="4800">
-                <a:cs typeface="Calibri"/>
-              </a:rPr>
-              <a:t>Vielen Dank für Ihre Aufmerksamkeit</a:t>
-            </a:r>
-            <a:endParaRPr lang="de-DE" sz="4800" dirty="0">
-              <a:cs typeface="Calibri"/>
-            </a:endParaRPr>
-          </a:p>
-          <a:p>
-            <a:pPr algn="l">
-              <a:lnSpc>
-                <a:spcPct val="150000"/>
-              </a:lnSpc>
-            </a:pPr>
-            <a:endParaRPr lang="de-DE">
-              <a:cs typeface="Calibri"/>
-            </a:endParaRPr>
-          </a:p>
-          <a:p>
-            <a:pPr algn="l">
-              <a:lnSpc>
-                <a:spcPct val="150000"/>
-              </a:lnSpc>
-            </a:pPr>
-            <a:endParaRPr lang="de-DE">
-              <a:cs typeface="Calibri"/>
-            </a:endParaRPr>
-          </a:p>
-          <a:p>
-            <a:pPr marL="457200" indent="-457200" algn="l">
-              <a:lnSpc>
-                <a:spcPct val="150000"/>
-              </a:lnSpc>
-              <a:buAutoNum type="arabicPeriod"/>
-            </a:pPr>
-            <a:endParaRPr lang="de-DE">
-              <a:cs typeface="Calibri"/>
-            </a:endParaRPr>
-          </a:p>
-          <a:p>
-            <a:pPr algn="l">
-              <a:lnSpc>
-                <a:spcPct val="150000"/>
-              </a:lnSpc>
-            </a:pPr>
-            <a:endParaRPr lang="de-DE">
-              <a:cs typeface="Calibri"/>
-            </a:endParaRPr>
+            <a:r>
+              <a:rPr lang="de-DE">
+                <a:cs typeface="Calibri Light"/>
+              </a:rPr>
+              <a:t>Literaturverzeichnis</a:t>
+            </a:r>
+            <a:endParaRPr lang="de-DE" dirty="0"/>
           </a:p>
         </p:txBody>
       </p:sp>
@@ -20421,10 +22387,10 @@
       </p:pic>
       <p:sp>
         <p:nvSpPr>
-          <p:cNvPr id="9" name="Textfeld 8">
+          <p:cNvPr id="12" name="Textfeld 11">
             <a:extLst>
               <a:ext uri="{FF2B5EF4-FFF2-40B4-BE49-F238E27FC236}">
-                <a16:creationId xmlns:a16="http://schemas.microsoft.com/office/drawing/2014/main" id="{465C17E6-1DCC-426A-A100-538BC583D401}"/>
+                <a16:creationId xmlns:a16="http://schemas.microsoft.com/office/drawing/2014/main" id="{78EC26CB-B0D9-45FA-82F7-A69F694A4814}"/>
               </a:ext>
             </a:extLst>
           </p:cNvPr>
@@ -20433,8 +22399,8 @@
         </p:nvSpPr>
         <p:spPr>
           <a:xfrm>
-            <a:off x="7120834" y="6375400"/>
-            <a:ext cx="5084418" cy="307777"/>
+            <a:off x="7231268" y="6397487"/>
+            <a:ext cx="4830417" cy="276999"/>
           </a:xfrm>
           <a:prstGeom prst="rect">
             <a:avLst/>
@@ -20449,7 +22415,19 @@
           </a:bodyPr>
           <a:lstStyle/>
           <a:p>
-            <a:endParaRPr lang="de-DE" sz="1400" dirty="0">
+            <a:r>
+              <a:rPr lang="de-DE" sz="1200" dirty="0">
+                <a:cs typeface="Calibri"/>
+              </a:rPr>
+              <a:t>Neuronale Netze in der Softwaretechnik </a:t>
+            </a:r>
+            <a:r>
+              <a:rPr lang="de-DE" sz="1200">
+                <a:cs typeface="Calibri"/>
+              </a:rPr>
+              <a:t>– Robin S., Konstantin R., Ravell H.</a:t>
+            </a:r>
+            <a:endParaRPr lang="de-DE" sz="1200" dirty="0">
               <a:cs typeface="Calibri"/>
             </a:endParaRPr>
           </a:p>
@@ -20457,48 +22435,131 @@
       </p:sp>
       <p:sp>
         <p:nvSpPr>
-          <p:cNvPr id="2" name="Textfeld 1">
+          <p:cNvPr id="3" name="Untertitel 2">
             <a:extLst>
               <a:ext uri="{FF2B5EF4-FFF2-40B4-BE49-F238E27FC236}">
-                <a16:creationId xmlns:a16="http://schemas.microsoft.com/office/drawing/2014/main" id="{014DE015-6587-434B-B4B5-D731FD8300C6}"/>
+                <a16:creationId xmlns:a16="http://schemas.microsoft.com/office/drawing/2014/main" id="{0533C99D-14D1-427C-95DB-DD0C27472DBD}"/>
               </a:ext>
             </a:extLst>
           </p:cNvPr>
-          <p:cNvSpPr txBox="1"/>
-          <p:nvPr/>
+          <p:cNvSpPr>
+            <a:spLocks noGrp="1"/>
+          </p:cNvSpPr>
+          <p:nvPr>
+            <p:ph type="subTitle" idx="1"/>
+          </p:nvPr>
         </p:nvSpPr>
         <p:spPr>
           <a:xfrm>
-            <a:off x="7231268" y="6397487"/>
-            <a:ext cx="4830417" cy="276999"/>
-          </a:xfrm>
-          <a:prstGeom prst="rect">
-            <a:avLst/>
-          </a:prstGeom>
+            <a:off x="650515" y="1338651"/>
+            <a:ext cx="10902016" cy="4964597"/>
+          </a:xfrm>
         </p:spPr>
         <p:txBody>
-          <a:bodyPr rot="0" spcFirstLastPara="0" vertOverflow="overflow" horzOverflow="overflow" vert="horz" wrap="square" lIns="91440" tIns="45720" rIns="91440" bIns="45720" numCol="1" spcCol="0" rtlCol="0" fromWordArt="0" anchor="t" anchorCtr="0" forceAA="0" compatLnSpc="1">
-            <a:prstTxWarp prst="textNoShape">
-              <a:avLst/>
-            </a:prstTxWarp>
-            <a:spAutoFit/>
+          <a:bodyPr vert="horz" lIns="91440" tIns="45720" rIns="91440" bIns="45720" rtlCol="0" anchor="t">
+            <a:noAutofit/>
           </a:bodyPr>
           <a:lstStyle/>
           <a:p>
-            <a:r>
-              <a:rPr lang="de-DE" sz="1200" dirty="0">
-                <a:cs typeface="Calibri"/>
-              </a:rPr>
-              <a:t>Neuronale Netze in der Softwaretechnik </a:t>
-            </a:r>
-            <a:r>
-              <a:rPr lang="de-DE" sz="1200">
-                <a:cs typeface="Calibri"/>
-              </a:rPr>
-              <a:t>– Robin S., Konstantin R., Ravell H.</a:t>
-            </a:r>
-            <a:endParaRPr lang="de-DE" sz="1200" dirty="0">
+            <a:pPr algn="l"/>
+            <a:r>
+              <a:rPr lang="de-DE" sz="1400" dirty="0">
+                <a:cs typeface="Calibri"/>
+              </a:rPr>
+              <a:t>Surace, L., Patacchiola, M., Sonmez, E.B., Spataro, W., Cangelosi, A.: Emotion Recognition in the Wild using Deep Neural Networks and Bayesian </a:t>
+            </a:r>
+            <a:r>
+              <a:rPr lang="de-DE" sz="1400">
+                <a:cs typeface="Calibri" panose="020F0502020204030204"/>
+              </a:rPr>
+              <a:t>Classi ers. Proceeding ICMI 2017 Proceedings of the 19th ACM International Conference on Multimodal Interaction Pages 593- 597 pp. 593{597 (2017). </a:t>
+            </a:r>
+            <a:r>
+              <a:rPr lang="de-DE" sz="1400" dirty="0">
+                <a:cs typeface="Calibri" panose="020F0502020204030204"/>
+              </a:rPr>
+              <a:t>https://doi.org/10.1145/3136755.3143015</a:t>
+            </a:r>
+            <a:endParaRPr lang="de-DE"/>
+          </a:p>
+          <a:p>
+            <a:pPr algn="l"/>
+            <a:endParaRPr lang="de-DE" sz="1400" dirty="0">
+              <a:cs typeface="Calibri" panose="020F0502020204030204"/>
+            </a:endParaRPr>
+          </a:p>
+          <a:p>
+            <a:pPr algn="l"/>
+            <a:r>
+              <a:rPr lang="de-DE" sz="1400">
+                <a:cs typeface="Calibri" panose="020F0502020204030204"/>
+              </a:rPr>
+              <a:t>Huang, C.: Combining convolutional neural networks for emotion recognition. 2017 IEEE MIT Undergraduate Research Technology Conference, URTC 2017 pp. 1{4 (2018). https://doi.org/10.1109/URTC.2017.8284175</a:t>
+            </a:r>
+            <a:endParaRPr lang="de-DE"/>
+          </a:p>
+          <a:p>
+            <a:pPr algn="l"/>
+            <a:endParaRPr lang="de-DE" sz="1400" dirty="0">
+              <a:cs typeface="Calibri" panose="020F0502020204030204"/>
+            </a:endParaRPr>
+          </a:p>
+          <a:p>
+            <a:pPr algn="l"/>
+            <a:r>
+              <a:rPr lang="de-DE" sz="1400">
+                <a:cs typeface="Calibri" panose="020F0502020204030204"/>
+              </a:rPr>
+              <a:t>Bajta, M.E., Idri, A., Ros, J.N., Fernandez-Aleman, J.L., Gea, J.M.C.D., Garca, F., Toval, A.: Software project management approaches for global software development: a systematic mapping study. Tsinghua Science and Technology 23(6), 690{714 (2018). https://doi.org/10.26599/TST.2018.9010029</a:t>
+            </a:r>
+            <a:endParaRPr lang="de-DE"/>
+          </a:p>
+          <a:p>
+            <a:pPr algn="l"/>
+            <a:endParaRPr lang="de-DE" sz="1400" dirty="0">
+              <a:cs typeface="Calibri" panose="020F0502020204030204"/>
+            </a:endParaRPr>
+          </a:p>
+          <a:p>
+            <a:pPr algn="l"/>
+            <a:r>
+              <a:rPr lang="de-DE" sz="1400">
+                <a:cs typeface="Calibri" panose="020F0502020204030204"/>
+              </a:rPr>
+              <a:t>Matson, J.E., Barrett, B.E., Mellichamp, J.M.: Software development cost estimation using function points. IEEE Transactions on Software Engineering 20(4), 275{287 (1994). </a:t>
+            </a:r>
+            <a:r>
+              <a:rPr lang="de-DE" sz="1400" dirty="0">
+                <a:cs typeface="Calibri" panose="020F0502020204030204"/>
+              </a:rPr>
+              <a:t>https://doi.org/10.1109/32.277575</a:t>
+            </a:r>
+            <a:endParaRPr lang="de-DE">
               <a:cs typeface="Calibri"/>
+            </a:endParaRPr>
+          </a:p>
+          <a:p>
+            <a:pPr algn="l"/>
+            <a:endParaRPr lang="de-DE" sz="1400" dirty="0">
+              <a:cs typeface="Calibri"/>
+            </a:endParaRPr>
+          </a:p>
+          <a:p>
+            <a:pPr algn="l"/>
+            <a:r>
+              <a:rPr lang="de-DE" sz="1400">
+                <a:cs typeface="Calibri"/>
+              </a:rPr>
+              <a:t>Bilgaiyan, S., Mishra, S., Das, M.: A Review of Software Cost Estimation in Agile Software Development Using Soft Computing Techniques. In: 2016 2nd International Conference on Computational Intelligence and Networks (CINE), Computational Intelligence and Networks (CINE), 2016 2nd International Conference on, cine. p. 112. IEEE. </a:t>
+            </a:r>
+            <a:r>
+              <a:rPr lang="de-DE" sz="1400" dirty="0">
+                <a:cs typeface="Calibri"/>
+              </a:rPr>
+              <a:t>https://doi.org/10.1109/CINE.2016.27</a:t>
+            </a:r>
+            <a:endParaRPr lang="de-DE">
+              <a:cs typeface="Calibri" panose="020F0502020204030204"/>
             </a:endParaRPr>
           </a:p>
         </p:txBody>
@@ -20506,7 +22567,7 @@
     </p:spTree>
     <p:extLst>
       <p:ext uri="{BB962C8B-B14F-4D97-AF65-F5344CB8AC3E}">
-        <p14:creationId xmlns:p14="http://schemas.microsoft.com/office/powerpoint/2010/main" val="1015111055"/>
+        <p14:creationId xmlns:p14="http://schemas.microsoft.com/office/powerpoint/2010/main" val="215569310"/>
       </p:ext>
     </p:extLst>
   </p:cSld>
@@ -21046,6 +23107,1416 @@
       </p:par>
     </p:tnLst>
   </p:timing>
+</p:sld>
+</file>
+
+<file path=ppt/slides/slide40.xml><?xml version="1.0" encoding="utf-8"?>
+<p:sld xmlns:a="http://schemas.openxmlformats.org/drawingml/2006/main" xmlns:r="http://schemas.openxmlformats.org/officeDocument/2006/relationships" xmlns:p="http://schemas.openxmlformats.org/presentationml/2006/main">
+  <p:cSld>
+    <p:spTree>
+      <p:nvGrpSpPr>
+        <p:cNvPr id="1" name=""/>
+        <p:cNvGrpSpPr/>
+        <p:nvPr/>
+      </p:nvGrpSpPr>
+      <p:grpSpPr>
+        <a:xfrm>
+          <a:off x="0" y="0"/>
+          <a:ext cx="0" cy="0"/>
+          <a:chOff x="0" y="0"/>
+          <a:chExt cx="0" cy="0"/>
+        </a:xfrm>
+      </p:grpSpPr>
+      <p:sp>
+        <p:nvSpPr>
+          <p:cNvPr id="2" name="Titel 1"/>
+          <p:cNvSpPr>
+            <a:spLocks noGrp="1"/>
+          </p:cNvSpPr>
+          <p:nvPr>
+            <p:ph type="ctrTitle"/>
+          </p:nvPr>
+        </p:nvSpPr>
+        <p:spPr>
+          <a:xfrm>
+            <a:off x="1170609" y="216798"/>
+            <a:ext cx="9144000" cy="907774"/>
+          </a:xfrm>
+        </p:spPr>
+        <p:txBody>
+          <a:bodyPr>
+            <a:normAutofit fontScale="90000"/>
+          </a:bodyPr>
+          <a:lstStyle/>
+          <a:p>
+            <a:r>
+              <a:rPr lang="de-DE">
+                <a:cs typeface="Calibri Light"/>
+              </a:rPr>
+              <a:t>Literaturverzeichnis</a:t>
+            </a:r>
+            <a:endParaRPr lang="de-DE" dirty="0"/>
+          </a:p>
+        </p:txBody>
+      </p:sp>
+      <p:pic>
+        <p:nvPicPr>
+          <p:cNvPr id="4" name="Grafik 4">
+            <a:extLst>
+              <a:ext uri="{FF2B5EF4-FFF2-40B4-BE49-F238E27FC236}">
+                <a16:creationId xmlns:a16="http://schemas.microsoft.com/office/drawing/2014/main" id="{B2D52235-B3FE-4301-8907-77C8B8C93DC7}"/>
+              </a:ext>
+            </a:extLst>
+          </p:cNvPr>
+          <p:cNvPicPr>
+            <a:picLocks noChangeAspect="1"/>
+          </p:cNvPicPr>
+          <p:nvPr/>
+        </p:nvPicPr>
+        <p:blipFill>
+          <a:blip r:embed="rId2"/>
+          <a:stretch>
+            <a:fillRect/>
+          </a:stretch>
+        </p:blipFill>
+        <p:spPr>
+          <a:xfrm>
+            <a:off x="10269745" y="-690"/>
+            <a:ext cx="1924050" cy="1343025"/>
+          </a:xfrm>
+          <a:prstGeom prst="rect">
+            <a:avLst/>
+          </a:prstGeom>
+        </p:spPr>
+      </p:pic>
+      <p:pic>
+        <p:nvPicPr>
+          <p:cNvPr id="6" name="Grafik 6">
+            <a:extLst>
+              <a:ext uri="{FF2B5EF4-FFF2-40B4-BE49-F238E27FC236}">
+                <a16:creationId xmlns:a16="http://schemas.microsoft.com/office/drawing/2014/main" id="{EAAC0DC2-A3AA-4BDD-8444-F06FD0B4D9BA}"/>
+              </a:ext>
+            </a:extLst>
+          </p:cNvPr>
+          <p:cNvPicPr>
+            <a:picLocks noChangeAspect="1"/>
+          </p:cNvPicPr>
+          <p:nvPr/>
+        </p:nvPicPr>
+        <p:blipFill>
+          <a:blip r:embed="rId3"/>
+          <a:stretch>
+            <a:fillRect/>
+          </a:stretch>
+        </p:blipFill>
+        <p:spPr>
+          <a:xfrm>
+            <a:off x="-1380" y="6293403"/>
+            <a:ext cx="12201525" cy="476250"/>
+          </a:xfrm>
+          <a:prstGeom prst="rect">
+            <a:avLst/>
+          </a:prstGeom>
+        </p:spPr>
+      </p:pic>
+      <p:sp>
+        <p:nvSpPr>
+          <p:cNvPr id="12" name="Textfeld 11">
+            <a:extLst>
+              <a:ext uri="{FF2B5EF4-FFF2-40B4-BE49-F238E27FC236}">
+                <a16:creationId xmlns:a16="http://schemas.microsoft.com/office/drawing/2014/main" id="{78EC26CB-B0D9-45FA-82F7-A69F694A4814}"/>
+              </a:ext>
+            </a:extLst>
+          </p:cNvPr>
+          <p:cNvSpPr txBox="1"/>
+          <p:nvPr/>
+        </p:nvSpPr>
+        <p:spPr>
+          <a:xfrm>
+            <a:off x="7231268" y="6397487"/>
+            <a:ext cx="4830417" cy="276999"/>
+          </a:xfrm>
+          <a:prstGeom prst="rect">
+            <a:avLst/>
+          </a:prstGeom>
+        </p:spPr>
+        <p:txBody>
+          <a:bodyPr rot="0" spcFirstLastPara="0" vertOverflow="overflow" horzOverflow="overflow" vert="horz" wrap="square" lIns="91440" tIns="45720" rIns="91440" bIns="45720" numCol="1" spcCol="0" rtlCol="0" fromWordArt="0" anchor="t" anchorCtr="0" forceAA="0" compatLnSpc="1">
+            <a:prstTxWarp prst="textNoShape">
+              <a:avLst/>
+            </a:prstTxWarp>
+            <a:spAutoFit/>
+          </a:bodyPr>
+          <a:lstStyle/>
+          <a:p>
+            <a:r>
+              <a:rPr lang="de-DE" sz="1200" dirty="0">
+                <a:cs typeface="Calibri"/>
+              </a:rPr>
+              <a:t>Neuronale Netze in der Softwaretechnik </a:t>
+            </a:r>
+            <a:r>
+              <a:rPr lang="de-DE" sz="1200">
+                <a:cs typeface="Calibri"/>
+              </a:rPr>
+              <a:t>– Robin S., Konstantin R., Ravell H.</a:t>
+            </a:r>
+            <a:endParaRPr lang="de-DE" sz="1200" dirty="0">
+              <a:cs typeface="Calibri"/>
+            </a:endParaRPr>
+          </a:p>
+        </p:txBody>
+      </p:sp>
+      <p:sp>
+        <p:nvSpPr>
+          <p:cNvPr id="3" name="Untertitel 2">
+            <a:extLst>
+              <a:ext uri="{FF2B5EF4-FFF2-40B4-BE49-F238E27FC236}">
+                <a16:creationId xmlns:a16="http://schemas.microsoft.com/office/drawing/2014/main" id="{0533C99D-14D1-427C-95DB-DD0C27472DBD}"/>
+              </a:ext>
+            </a:extLst>
+          </p:cNvPr>
+          <p:cNvSpPr>
+            <a:spLocks noGrp="1"/>
+          </p:cNvSpPr>
+          <p:nvPr>
+            <p:ph type="subTitle" idx="1"/>
+          </p:nvPr>
+        </p:nvSpPr>
+        <p:spPr>
+          <a:xfrm>
+            <a:off x="650515" y="1338651"/>
+            <a:ext cx="10902016" cy="4964597"/>
+          </a:xfrm>
+        </p:spPr>
+        <p:txBody>
+          <a:bodyPr vert="horz" lIns="91440" tIns="45720" rIns="91440" bIns="45720" rtlCol="0" anchor="t">
+            <a:noAutofit/>
+          </a:bodyPr>
+          <a:lstStyle/>
+          <a:p>
+            <a:pPr algn="l"/>
+            <a:r>
+              <a:rPr lang="de-DE" sz="1400">
+                <a:cs typeface="Calibri" panose="020F0502020204030204"/>
+              </a:rPr>
+              <a:t>Jeery, D.R., Low, G.: Calibrating estimation tools for software development. Software Engineering Journal 5(4), 215{221 (1990). https://doi.org/10.1049/sej.1990.0024</a:t>
+            </a:r>
+            <a:endParaRPr lang="de-DE"/>
+          </a:p>
+          <a:p>
+            <a:pPr algn="l"/>
+            <a:endParaRPr lang="de-DE" sz="1400" dirty="0">
+              <a:cs typeface="Calibri" panose="020F0502020204030204"/>
+            </a:endParaRPr>
+          </a:p>
+          <a:p>
+            <a:pPr algn="l"/>
+            <a:r>
+              <a:rPr lang="de-DE" sz="1400">
+                <a:cs typeface="Calibri" panose="020F0502020204030204"/>
+              </a:rPr>
+              <a:t>Heemstra, F.J.: Software Cost Estimation. Handbook of Software Engineering, Hong Kong Polytechnic University 34(10) (1992). https://doi.org/10.1142/97898123897010014</a:t>
+            </a:r>
+            <a:endParaRPr lang="de-DE"/>
+          </a:p>
+          <a:p>
+            <a:pPr algn="l"/>
+            <a:endParaRPr lang="de-DE" sz="1400" dirty="0">
+              <a:cs typeface="Calibri" panose="020F0502020204030204"/>
+            </a:endParaRPr>
+          </a:p>
+          <a:p>
+            <a:pPr algn="l"/>
+            <a:r>
+              <a:rPr lang="de-DE" sz="1400">
+                <a:cs typeface="Calibri" panose="020F0502020204030204"/>
+              </a:rPr>
+              <a:t>Huang, X., Ho, D., Ren, J., Capretz, L.F.: Improving the COCOMO model using a neuro-fuzzy approach. Applied Soft Computing 7(1), 29{ 40 (2007). https://doi.org/10.1016/J.ASOC.2005.06.007</a:t>
+            </a:r>
+            <a:endParaRPr lang="de-DE"/>
+          </a:p>
+          <a:p>
+            <a:pPr algn="l"/>
+            <a:endParaRPr lang="de-DE" sz="1400" dirty="0">
+              <a:cs typeface="Calibri" panose="020F0502020204030204"/>
+            </a:endParaRPr>
+          </a:p>
+          <a:p>
+            <a:pPr algn="l"/>
+            <a:r>
+              <a:rPr lang="de-DE" sz="1400">
+                <a:cs typeface="Calibri" panose="020F0502020204030204"/>
+              </a:rPr>
+              <a:t> Huang, S.J., Lin, C.Y., Chiu, N.H.: Fuzzy decision tree approach for embedding risk assessment information into software cost estimation model. Journal of Information Science and Engineering 22(2), 297{313 (2006)</a:t>
+            </a:r>
+            <a:endParaRPr lang="de-DE"/>
+          </a:p>
+          <a:p>
+            <a:pPr algn="l"/>
+            <a:endParaRPr lang="de-DE" sz="1400" dirty="0">
+              <a:cs typeface="Calibri"/>
+            </a:endParaRPr>
+          </a:p>
+          <a:p>
+            <a:pPr algn="l"/>
+            <a:r>
+              <a:rPr lang="de-DE" sz="1400">
+                <a:cs typeface="Calibri"/>
+              </a:rPr>
+              <a:t>Jain, R., Sharma, V.K., Hiranwal, S.: Reduce mean magnitude relative error in software cost estimation by HOD-COCOMO algorithm. In: 2016 International Conference on Control, Instrumentation, Communication and Computational Technologies (ICCICCT). pp. 708{712. https://doi.org/10.1109/ICCICCT.2016.7988044</a:t>
+            </a:r>
+            <a:endParaRPr lang="de-DE"/>
+          </a:p>
+        </p:txBody>
+      </p:sp>
+    </p:spTree>
+    <p:extLst>
+      <p:ext uri="{BB962C8B-B14F-4D97-AF65-F5344CB8AC3E}">
+        <p14:creationId xmlns:p14="http://schemas.microsoft.com/office/powerpoint/2010/main" val="3811347739"/>
+      </p:ext>
+    </p:extLst>
+  </p:cSld>
+  <p:clrMapOvr>
+    <a:masterClrMapping/>
+  </p:clrMapOvr>
+</p:sld>
+</file>
+
+<file path=ppt/slides/slide41.xml><?xml version="1.0" encoding="utf-8"?>
+<p:sld xmlns:a="http://schemas.openxmlformats.org/drawingml/2006/main" xmlns:r="http://schemas.openxmlformats.org/officeDocument/2006/relationships" xmlns:p="http://schemas.openxmlformats.org/presentationml/2006/main">
+  <p:cSld>
+    <p:spTree>
+      <p:nvGrpSpPr>
+        <p:cNvPr id="1" name=""/>
+        <p:cNvGrpSpPr/>
+        <p:nvPr/>
+      </p:nvGrpSpPr>
+      <p:grpSpPr>
+        <a:xfrm>
+          <a:off x="0" y="0"/>
+          <a:ext cx="0" cy="0"/>
+          <a:chOff x="0" y="0"/>
+          <a:chExt cx="0" cy="0"/>
+        </a:xfrm>
+      </p:grpSpPr>
+      <p:sp>
+        <p:nvSpPr>
+          <p:cNvPr id="2" name="Titel 1"/>
+          <p:cNvSpPr>
+            <a:spLocks noGrp="1"/>
+          </p:cNvSpPr>
+          <p:nvPr>
+            <p:ph type="ctrTitle"/>
+          </p:nvPr>
+        </p:nvSpPr>
+        <p:spPr>
+          <a:xfrm>
+            <a:off x="1170609" y="216798"/>
+            <a:ext cx="9144000" cy="907774"/>
+          </a:xfrm>
+        </p:spPr>
+        <p:txBody>
+          <a:bodyPr>
+            <a:normAutofit fontScale="90000"/>
+          </a:bodyPr>
+          <a:lstStyle/>
+          <a:p>
+            <a:r>
+              <a:rPr lang="de-DE">
+                <a:cs typeface="Calibri Light"/>
+              </a:rPr>
+              <a:t>Literaturverzeichnis</a:t>
+            </a:r>
+            <a:endParaRPr lang="de-DE" dirty="0"/>
+          </a:p>
+        </p:txBody>
+      </p:sp>
+      <p:pic>
+        <p:nvPicPr>
+          <p:cNvPr id="4" name="Grafik 4">
+            <a:extLst>
+              <a:ext uri="{FF2B5EF4-FFF2-40B4-BE49-F238E27FC236}">
+                <a16:creationId xmlns:a16="http://schemas.microsoft.com/office/drawing/2014/main" id="{B2D52235-B3FE-4301-8907-77C8B8C93DC7}"/>
+              </a:ext>
+            </a:extLst>
+          </p:cNvPr>
+          <p:cNvPicPr>
+            <a:picLocks noChangeAspect="1"/>
+          </p:cNvPicPr>
+          <p:nvPr/>
+        </p:nvPicPr>
+        <p:blipFill>
+          <a:blip r:embed="rId2"/>
+          <a:stretch>
+            <a:fillRect/>
+          </a:stretch>
+        </p:blipFill>
+        <p:spPr>
+          <a:xfrm>
+            <a:off x="10269745" y="-690"/>
+            <a:ext cx="1924050" cy="1343025"/>
+          </a:xfrm>
+          <a:prstGeom prst="rect">
+            <a:avLst/>
+          </a:prstGeom>
+        </p:spPr>
+      </p:pic>
+      <p:pic>
+        <p:nvPicPr>
+          <p:cNvPr id="6" name="Grafik 6">
+            <a:extLst>
+              <a:ext uri="{FF2B5EF4-FFF2-40B4-BE49-F238E27FC236}">
+                <a16:creationId xmlns:a16="http://schemas.microsoft.com/office/drawing/2014/main" id="{EAAC0DC2-A3AA-4BDD-8444-F06FD0B4D9BA}"/>
+              </a:ext>
+            </a:extLst>
+          </p:cNvPr>
+          <p:cNvPicPr>
+            <a:picLocks noChangeAspect="1"/>
+          </p:cNvPicPr>
+          <p:nvPr/>
+        </p:nvPicPr>
+        <p:blipFill>
+          <a:blip r:embed="rId3"/>
+          <a:stretch>
+            <a:fillRect/>
+          </a:stretch>
+        </p:blipFill>
+        <p:spPr>
+          <a:xfrm>
+            <a:off x="-1380" y="6293403"/>
+            <a:ext cx="12201525" cy="476250"/>
+          </a:xfrm>
+          <a:prstGeom prst="rect">
+            <a:avLst/>
+          </a:prstGeom>
+        </p:spPr>
+      </p:pic>
+      <p:sp>
+        <p:nvSpPr>
+          <p:cNvPr id="12" name="Textfeld 11">
+            <a:extLst>
+              <a:ext uri="{FF2B5EF4-FFF2-40B4-BE49-F238E27FC236}">
+                <a16:creationId xmlns:a16="http://schemas.microsoft.com/office/drawing/2014/main" id="{78EC26CB-B0D9-45FA-82F7-A69F694A4814}"/>
+              </a:ext>
+            </a:extLst>
+          </p:cNvPr>
+          <p:cNvSpPr txBox="1"/>
+          <p:nvPr/>
+        </p:nvSpPr>
+        <p:spPr>
+          <a:xfrm>
+            <a:off x="7231268" y="6397487"/>
+            <a:ext cx="4830417" cy="276999"/>
+          </a:xfrm>
+          <a:prstGeom prst="rect">
+            <a:avLst/>
+          </a:prstGeom>
+        </p:spPr>
+        <p:txBody>
+          <a:bodyPr rot="0" spcFirstLastPara="0" vertOverflow="overflow" horzOverflow="overflow" vert="horz" wrap="square" lIns="91440" tIns="45720" rIns="91440" bIns="45720" numCol="1" spcCol="0" rtlCol="0" fromWordArt="0" anchor="t" anchorCtr="0" forceAA="0" compatLnSpc="1">
+            <a:prstTxWarp prst="textNoShape">
+              <a:avLst/>
+            </a:prstTxWarp>
+            <a:spAutoFit/>
+          </a:bodyPr>
+          <a:lstStyle/>
+          <a:p>
+            <a:r>
+              <a:rPr lang="de-DE" sz="1200" dirty="0">
+                <a:cs typeface="Calibri"/>
+              </a:rPr>
+              <a:t>Neuronale Netze in der Softwaretechnik </a:t>
+            </a:r>
+            <a:r>
+              <a:rPr lang="de-DE" sz="1200">
+                <a:cs typeface="Calibri"/>
+              </a:rPr>
+              <a:t>– Robin S., Konstantin R., Ravell H.</a:t>
+            </a:r>
+            <a:endParaRPr lang="de-DE" sz="1200" dirty="0">
+              <a:cs typeface="Calibri"/>
+            </a:endParaRPr>
+          </a:p>
+        </p:txBody>
+      </p:sp>
+      <p:sp>
+        <p:nvSpPr>
+          <p:cNvPr id="3" name="Untertitel 2">
+            <a:extLst>
+              <a:ext uri="{FF2B5EF4-FFF2-40B4-BE49-F238E27FC236}">
+                <a16:creationId xmlns:a16="http://schemas.microsoft.com/office/drawing/2014/main" id="{0533C99D-14D1-427C-95DB-DD0C27472DBD}"/>
+              </a:ext>
+            </a:extLst>
+          </p:cNvPr>
+          <p:cNvSpPr>
+            <a:spLocks noGrp="1"/>
+          </p:cNvSpPr>
+          <p:nvPr>
+            <p:ph type="subTitle" idx="1"/>
+          </p:nvPr>
+        </p:nvSpPr>
+        <p:spPr>
+          <a:xfrm>
+            <a:off x="650515" y="1338651"/>
+            <a:ext cx="10902016" cy="4964597"/>
+          </a:xfrm>
+        </p:spPr>
+        <p:txBody>
+          <a:bodyPr vert="horz" lIns="91440" tIns="45720" rIns="91440" bIns="45720" rtlCol="0" anchor="t">
+            <a:noAutofit/>
+          </a:bodyPr>
+          <a:lstStyle/>
+          <a:p>
+            <a:pPr algn="l"/>
+            <a:r>
+              <a:rPr lang="de-DE" sz="1400">
+                <a:cs typeface="Calibri" panose="020F0502020204030204"/>
+              </a:rPr>
+              <a:t>Chen, Z., Menzies, T., Port, D., Boehm, B.: Feature subset selection can improve software cost estimation accuracy. ACM SIGSOFT Software Engineering Notes 30(4), 1 (2005). https://doi.org/10.1145/1082983.1083171</a:t>
+            </a:r>
+            <a:endParaRPr lang="de-DE"/>
+          </a:p>
+          <a:p>
+            <a:pPr algn="l"/>
+            <a:endParaRPr lang="de-DE" sz="1400" dirty="0">
+              <a:cs typeface="Calibri" panose="020F0502020204030204"/>
+            </a:endParaRPr>
+          </a:p>
+          <a:p>
+            <a:pPr algn="l"/>
+            <a:r>
+              <a:rPr lang="de-DE" sz="1400" dirty="0">
+                <a:cs typeface="Calibri" panose="020F0502020204030204"/>
+              </a:rPr>
+              <a:t>Abrahamsson, P., Moser, R., Pedrycz, W., Sillitti, A., Succi, G.: Eort Prediction in Iterative Software Development Processes { Incremental Versus </a:t>
+            </a:r>
+            <a:r>
+              <a:rPr lang="de-DE" sz="1400">
+                <a:cs typeface="Calibri" panose="020F0502020204030204"/>
+              </a:rPr>
+              <a:t>Global Prediction Models. In: First International Symposium on Empirical Software Engineering and Measurement (ESEM 2007). Pp. 344{353 (2007). https://doi.org/10.1109/ESEM.2007.16</a:t>
+            </a:r>
+            <a:endParaRPr lang="de-DE"/>
+          </a:p>
+          <a:p>
+            <a:pPr algn="l"/>
+            <a:endParaRPr lang="de-DE" sz="1400" dirty="0">
+              <a:cs typeface="Calibri" panose="020F0502020204030204"/>
+            </a:endParaRPr>
+          </a:p>
+          <a:p>
+            <a:pPr algn="l"/>
+            <a:r>
+              <a:rPr lang="de-DE" sz="1400">
+                <a:cs typeface="Calibri" panose="020F0502020204030204"/>
+              </a:rPr>
+              <a:t>Boetticher, G.D.: Using Machine Learning to Predict Project Eort: Empirical Case Studies in Data-Starved Domains. Model Based Requirements Workshop pp. 17{24 (2001). </a:t>
+            </a:r>
+            <a:r>
+              <a:rPr lang="de-DE" sz="1400" dirty="0">
+                <a:cs typeface="Calibri" panose="020F0502020204030204"/>
+              </a:rPr>
+              <a:t>https://doi.org/10.1.1.19.111</a:t>
+            </a:r>
+            <a:endParaRPr lang="de-DE"/>
+          </a:p>
+          <a:p>
+            <a:pPr algn="l"/>
+            <a:endParaRPr lang="de-DE" sz="1400" dirty="0">
+              <a:cs typeface="Calibri" panose="020F0502020204030204"/>
+            </a:endParaRPr>
+          </a:p>
+          <a:p>
+            <a:pPr algn="l"/>
+            <a:r>
+              <a:rPr lang="de-DE" sz="1400">
+                <a:cs typeface="Calibri" panose="020F0502020204030204"/>
+              </a:rPr>
+              <a:t>Setyawati, B.R., Sahirman, S., Creese, R.C.: Neural Networks for Cost Estimation. AACE International Transactions p. 13.1 (2002)</a:t>
+            </a:r>
+            <a:endParaRPr lang="de-DE"/>
+          </a:p>
+          <a:p>
+            <a:pPr algn="l"/>
+            <a:endParaRPr lang="de-DE" sz="1400" dirty="0">
+              <a:cs typeface="Calibri" panose="020F0502020204030204"/>
+            </a:endParaRPr>
+          </a:p>
+          <a:p>
+            <a:pPr algn="l"/>
+            <a:r>
+              <a:rPr lang="de-DE" sz="1400">
+                <a:cs typeface="Calibri" panose="020F0502020204030204"/>
+              </a:rPr>
+              <a:t>Finnie, G.R., Wittig, G.E.: AI tools for software development eort estimation. Software Engineering: Education and Practice,20 1996. Proceedings. International Conference pp. 346{353 (1996). https://doi.org/10.1109/SEEP.1996.534020</a:t>
+            </a:r>
+            <a:endParaRPr lang="de-DE">
+              <a:cs typeface="Calibri" panose="020F0502020204030204"/>
+            </a:endParaRPr>
+          </a:p>
+          <a:p>
+            <a:pPr algn="l"/>
+            <a:endParaRPr lang="de-DE" sz="1400" dirty="0">
+              <a:cs typeface="Calibri" panose="020F0502020204030204"/>
+            </a:endParaRPr>
+          </a:p>
+          <a:p>
+            <a:pPr algn="l"/>
+            <a:r>
+              <a:rPr lang="de-DE" sz="1400">
+                <a:cs typeface="Calibri" panose="020F0502020204030204"/>
+              </a:rPr>
+              <a:t>Gharehchopogh, F.S.: Neural networks application in software cost estimation: A case study. In: 2011 International Symposium on Innovations in Intelligent Systems and Applications. pp. 69{73 (2011). https://doi.org/10.1109/INISTA.2011.5946160</a:t>
+            </a:r>
+            <a:endParaRPr lang="de-DE">
+              <a:cs typeface="Calibri" panose="020F0502020204030204"/>
+            </a:endParaRPr>
+          </a:p>
+        </p:txBody>
+      </p:sp>
+    </p:spTree>
+    <p:extLst>
+      <p:ext uri="{BB962C8B-B14F-4D97-AF65-F5344CB8AC3E}">
+        <p14:creationId xmlns:p14="http://schemas.microsoft.com/office/powerpoint/2010/main" val="849647106"/>
+      </p:ext>
+    </p:extLst>
+  </p:cSld>
+  <p:clrMapOvr>
+    <a:masterClrMapping/>
+  </p:clrMapOvr>
+</p:sld>
+</file>
+
+<file path=ppt/slides/slide42.xml><?xml version="1.0" encoding="utf-8"?>
+<p:sld xmlns:a="http://schemas.openxmlformats.org/drawingml/2006/main" xmlns:r="http://schemas.openxmlformats.org/officeDocument/2006/relationships" xmlns:p="http://schemas.openxmlformats.org/presentationml/2006/main">
+  <p:cSld>
+    <p:spTree>
+      <p:nvGrpSpPr>
+        <p:cNvPr id="1" name=""/>
+        <p:cNvGrpSpPr/>
+        <p:nvPr/>
+      </p:nvGrpSpPr>
+      <p:grpSpPr>
+        <a:xfrm>
+          <a:off x="0" y="0"/>
+          <a:ext cx="0" cy="0"/>
+          <a:chOff x="0" y="0"/>
+          <a:chExt cx="0" cy="0"/>
+        </a:xfrm>
+      </p:grpSpPr>
+      <p:sp>
+        <p:nvSpPr>
+          <p:cNvPr id="2" name="Titel 1"/>
+          <p:cNvSpPr>
+            <a:spLocks noGrp="1"/>
+          </p:cNvSpPr>
+          <p:nvPr>
+            <p:ph type="ctrTitle"/>
+          </p:nvPr>
+        </p:nvSpPr>
+        <p:spPr>
+          <a:xfrm>
+            <a:off x="1170609" y="216798"/>
+            <a:ext cx="9144000" cy="907774"/>
+          </a:xfrm>
+        </p:spPr>
+        <p:txBody>
+          <a:bodyPr>
+            <a:normAutofit fontScale="90000"/>
+          </a:bodyPr>
+          <a:lstStyle/>
+          <a:p>
+            <a:r>
+              <a:rPr lang="de-DE">
+                <a:cs typeface="Calibri Light"/>
+              </a:rPr>
+              <a:t>Literaturverzeichnis</a:t>
+            </a:r>
+            <a:endParaRPr lang="de-DE" dirty="0"/>
+          </a:p>
+        </p:txBody>
+      </p:sp>
+      <p:pic>
+        <p:nvPicPr>
+          <p:cNvPr id="4" name="Grafik 4">
+            <a:extLst>
+              <a:ext uri="{FF2B5EF4-FFF2-40B4-BE49-F238E27FC236}">
+                <a16:creationId xmlns:a16="http://schemas.microsoft.com/office/drawing/2014/main" id="{B2D52235-B3FE-4301-8907-77C8B8C93DC7}"/>
+              </a:ext>
+            </a:extLst>
+          </p:cNvPr>
+          <p:cNvPicPr>
+            <a:picLocks noChangeAspect="1"/>
+          </p:cNvPicPr>
+          <p:nvPr/>
+        </p:nvPicPr>
+        <p:blipFill>
+          <a:blip r:embed="rId2"/>
+          <a:stretch>
+            <a:fillRect/>
+          </a:stretch>
+        </p:blipFill>
+        <p:spPr>
+          <a:xfrm>
+            <a:off x="10269745" y="-690"/>
+            <a:ext cx="1924050" cy="1343025"/>
+          </a:xfrm>
+          <a:prstGeom prst="rect">
+            <a:avLst/>
+          </a:prstGeom>
+        </p:spPr>
+      </p:pic>
+      <p:pic>
+        <p:nvPicPr>
+          <p:cNvPr id="6" name="Grafik 6">
+            <a:extLst>
+              <a:ext uri="{FF2B5EF4-FFF2-40B4-BE49-F238E27FC236}">
+                <a16:creationId xmlns:a16="http://schemas.microsoft.com/office/drawing/2014/main" id="{EAAC0DC2-A3AA-4BDD-8444-F06FD0B4D9BA}"/>
+              </a:ext>
+            </a:extLst>
+          </p:cNvPr>
+          <p:cNvPicPr>
+            <a:picLocks noChangeAspect="1"/>
+          </p:cNvPicPr>
+          <p:nvPr/>
+        </p:nvPicPr>
+        <p:blipFill>
+          <a:blip r:embed="rId3"/>
+          <a:stretch>
+            <a:fillRect/>
+          </a:stretch>
+        </p:blipFill>
+        <p:spPr>
+          <a:xfrm>
+            <a:off x="-1380" y="6293403"/>
+            <a:ext cx="12201525" cy="476250"/>
+          </a:xfrm>
+          <a:prstGeom prst="rect">
+            <a:avLst/>
+          </a:prstGeom>
+        </p:spPr>
+      </p:pic>
+      <p:sp>
+        <p:nvSpPr>
+          <p:cNvPr id="12" name="Textfeld 11">
+            <a:extLst>
+              <a:ext uri="{FF2B5EF4-FFF2-40B4-BE49-F238E27FC236}">
+                <a16:creationId xmlns:a16="http://schemas.microsoft.com/office/drawing/2014/main" id="{78EC26CB-B0D9-45FA-82F7-A69F694A4814}"/>
+              </a:ext>
+            </a:extLst>
+          </p:cNvPr>
+          <p:cNvSpPr txBox="1"/>
+          <p:nvPr/>
+        </p:nvSpPr>
+        <p:spPr>
+          <a:xfrm>
+            <a:off x="7231268" y="6397487"/>
+            <a:ext cx="4830417" cy="276999"/>
+          </a:xfrm>
+          <a:prstGeom prst="rect">
+            <a:avLst/>
+          </a:prstGeom>
+        </p:spPr>
+        <p:txBody>
+          <a:bodyPr rot="0" spcFirstLastPara="0" vertOverflow="overflow" horzOverflow="overflow" vert="horz" wrap="square" lIns="91440" tIns="45720" rIns="91440" bIns="45720" numCol="1" spcCol="0" rtlCol="0" fromWordArt="0" anchor="t" anchorCtr="0" forceAA="0" compatLnSpc="1">
+            <a:prstTxWarp prst="textNoShape">
+              <a:avLst/>
+            </a:prstTxWarp>
+            <a:spAutoFit/>
+          </a:bodyPr>
+          <a:lstStyle/>
+          <a:p>
+            <a:r>
+              <a:rPr lang="de-DE" sz="1200" dirty="0">
+                <a:cs typeface="Calibri"/>
+              </a:rPr>
+              <a:t>Neuronale Netze in der Softwaretechnik </a:t>
+            </a:r>
+            <a:r>
+              <a:rPr lang="de-DE" sz="1200">
+                <a:cs typeface="Calibri"/>
+              </a:rPr>
+              <a:t>– Robin S., Konstantin R., Ravell H.</a:t>
+            </a:r>
+            <a:endParaRPr lang="de-DE" sz="1200" dirty="0">
+              <a:cs typeface="Calibri"/>
+            </a:endParaRPr>
+          </a:p>
+        </p:txBody>
+      </p:sp>
+      <p:sp>
+        <p:nvSpPr>
+          <p:cNvPr id="3" name="Untertitel 2">
+            <a:extLst>
+              <a:ext uri="{FF2B5EF4-FFF2-40B4-BE49-F238E27FC236}">
+                <a16:creationId xmlns:a16="http://schemas.microsoft.com/office/drawing/2014/main" id="{0533C99D-14D1-427C-95DB-DD0C27472DBD}"/>
+              </a:ext>
+            </a:extLst>
+          </p:cNvPr>
+          <p:cNvSpPr>
+            <a:spLocks noGrp="1"/>
+          </p:cNvSpPr>
+          <p:nvPr>
+            <p:ph type="subTitle" idx="1"/>
+          </p:nvPr>
+        </p:nvSpPr>
+        <p:spPr>
+          <a:xfrm>
+            <a:off x="650515" y="1338651"/>
+            <a:ext cx="10902016" cy="4964597"/>
+          </a:xfrm>
+        </p:spPr>
+        <p:txBody>
+          <a:bodyPr vert="horz" lIns="91440" tIns="45720" rIns="91440" bIns="45720" rtlCol="0" anchor="t">
+            <a:noAutofit/>
+          </a:bodyPr>
+          <a:lstStyle/>
+          <a:p>
+            <a:pPr algn="l"/>
+            <a:r>
+              <a:rPr lang="de-DE" sz="1400">
+                <a:cs typeface="Calibri" panose="020F0502020204030204"/>
+              </a:rPr>
+              <a:t>Franz, K.: Handbuch zum Testen von Web- und Mobile-Apps, Springer- Verlag Berlin Heidelberg (2015). </a:t>
+            </a:r>
+            <a:r>
+              <a:rPr lang="de-DE" sz="1400" dirty="0">
+                <a:cs typeface="Calibri" panose="020F0502020204030204"/>
+              </a:rPr>
+              <a:t>https://doi.org/10.1007/978-3-662-</a:t>
+            </a:r>
+            <a:r>
+              <a:rPr lang="de-DE" sz="1400" dirty="0">
+                <a:cs typeface="Calibri" panose="020F0502020204030204"/>
+                <a:hlinkClick r:id="rId4"/>
+              </a:rPr>
+              <a:t>44028-5</a:t>
+            </a:r>
+            <a:endParaRPr lang="de-DE">
+              <a:cs typeface="Calibri" panose="020F0502020204030204"/>
+            </a:endParaRPr>
+          </a:p>
+          <a:p>
+            <a:pPr algn="l"/>
+            <a:endParaRPr lang="de-DE" sz="1400" dirty="0">
+              <a:cs typeface="Calibri" panose="020F0502020204030204"/>
+            </a:endParaRPr>
+          </a:p>
+          <a:p>
+            <a:pPr algn="l"/>
+            <a:r>
+              <a:rPr lang="de-DE" sz="1400">
+                <a:cs typeface="Calibri" panose="020F0502020204030204"/>
+              </a:rPr>
+              <a:t>Antinyan, V., Derehag, J., Sandberg, A., Staron, M.: Mythical unit test coverage. IEEE Software (3), 73{79 (2018). https://doi.org/10.1109/MS.2017.3281318</a:t>
+            </a:r>
+            <a:endParaRPr lang="de-DE"/>
+          </a:p>
+          <a:p>
+            <a:pPr algn="l"/>
+            <a:endParaRPr lang="de-DE" sz="1400" dirty="0">
+              <a:cs typeface="Calibri" panose="020F0502020204030204"/>
+            </a:endParaRPr>
+          </a:p>
+          <a:p>
+            <a:pPr algn="l"/>
+            <a:r>
+              <a:rPr lang="de-DE" sz="1400">
+                <a:cs typeface="Calibri" panose="020F0502020204030204"/>
+              </a:rPr>
+              <a:t>Committee, S.&amp;.S.E.S., Others: IEEE Std 1061-1998-IEEE Standard for a Software Quality Metrics Methodology. IEEE Computer Society, Tech. Rep (1998)</a:t>
+            </a:r>
+            <a:endParaRPr lang="de-DE"/>
+          </a:p>
+          <a:p>
+            <a:pPr algn="l"/>
+            <a:endParaRPr lang="de-DE" sz="1400" dirty="0">
+              <a:cs typeface="Calibri" panose="020F0502020204030204"/>
+            </a:endParaRPr>
+          </a:p>
+          <a:p>
+            <a:pPr algn="l"/>
+            <a:r>
+              <a:rPr lang="de-DE" sz="1400">
+                <a:cs typeface="Calibri" panose="020F0502020204030204"/>
+              </a:rPr>
+              <a:t>Wu, L., Liu, B., Jin, Y., Xie, X.: Using back-propagation neural networks for functional software testing. In: 2nd International Conference on Anti-counterfeiting, Security and Identi cation, ASID 2008. https://doi.org/10.1109/IWASID.2008.4688385</a:t>
+            </a:r>
+            <a:endParaRPr lang="de-DE"/>
+          </a:p>
+          <a:p>
+            <a:pPr algn="l"/>
+            <a:endParaRPr lang="de-DE" sz="1400" dirty="0">
+              <a:cs typeface="Calibri" panose="020F0502020204030204"/>
+            </a:endParaRPr>
+          </a:p>
+          <a:p>
+            <a:pPr algn="l"/>
+            <a:r>
+              <a:rPr lang="de-DE" sz="1400">
+                <a:cs typeface="Calibri" panose="020F0502020204030204"/>
+              </a:rPr>
+              <a:t>Majma, N., Babamir, S.M.: Software test case generation &amp; test oracle design using neural network. 22nd Iranian Conference on Electrical Engineering, ICEE 2014 pp. 1168{1173 (2014). https://doi.org/10.1109/IranianCEE.2014.6999712</a:t>
+            </a:r>
+            <a:endParaRPr lang="de-DE"/>
+          </a:p>
+          <a:p>
+            <a:pPr algn="l"/>
+            <a:endParaRPr lang="de-DE" sz="1400" dirty="0">
+              <a:cs typeface="Calibri" panose="020F0502020204030204"/>
+            </a:endParaRPr>
+          </a:p>
+          <a:p>
+            <a:pPr algn="l"/>
+            <a:r>
+              <a:rPr lang="de-DE" sz="1400">
+                <a:cs typeface="Calibri" panose="020F0502020204030204"/>
+              </a:rPr>
+              <a:t>Pomorova, O., Hovorushchenko, T.: Arti cial neural network for software quality evaluation based on the metric analysis. Proceedings of IEEE East-West Design and Test Symposium, EWDTS 2013 pp. 0{3 (2013). </a:t>
+            </a:r>
+            <a:r>
+              <a:rPr lang="de-DE" sz="1400" dirty="0">
+                <a:cs typeface="Calibri" panose="020F0502020204030204"/>
+              </a:rPr>
+              <a:t>https://doi.org/10.1109/EWDTS.2013.6673193</a:t>
+            </a:r>
+            <a:endParaRPr lang="de-DE"/>
+          </a:p>
+          <a:p>
+            <a:pPr algn="l"/>
+            <a:endParaRPr lang="de-DE" sz="1400" dirty="0">
+              <a:cs typeface="Calibri"/>
+            </a:endParaRPr>
+          </a:p>
+        </p:txBody>
+      </p:sp>
+    </p:spTree>
+    <p:extLst>
+      <p:ext uri="{BB962C8B-B14F-4D97-AF65-F5344CB8AC3E}">
+        <p14:creationId xmlns:p14="http://schemas.microsoft.com/office/powerpoint/2010/main" val="941542405"/>
+      </p:ext>
+    </p:extLst>
+  </p:cSld>
+  <p:clrMapOvr>
+    <a:masterClrMapping/>
+  </p:clrMapOvr>
+</p:sld>
+</file>
+
+<file path=ppt/slides/slide43.xml><?xml version="1.0" encoding="utf-8"?>
+<p:sld xmlns:a="http://schemas.openxmlformats.org/drawingml/2006/main" xmlns:r="http://schemas.openxmlformats.org/officeDocument/2006/relationships" xmlns:p="http://schemas.openxmlformats.org/presentationml/2006/main">
+  <p:cSld>
+    <p:spTree>
+      <p:nvGrpSpPr>
+        <p:cNvPr id="1" name=""/>
+        <p:cNvGrpSpPr/>
+        <p:nvPr/>
+      </p:nvGrpSpPr>
+      <p:grpSpPr>
+        <a:xfrm>
+          <a:off x="0" y="0"/>
+          <a:ext cx="0" cy="0"/>
+          <a:chOff x="0" y="0"/>
+          <a:chExt cx="0" cy="0"/>
+        </a:xfrm>
+      </p:grpSpPr>
+      <p:sp>
+        <p:nvSpPr>
+          <p:cNvPr id="2" name="Titel 1"/>
+          <p:cNvSpPr>
+            <a:spLocks noGrp="1"/>
+          </p:cNvSpPr>
+          <p:nvPr>
+            <p:ph type="ctrTitle"/>
+          </p:nvPr>
+        </p:nvSpPr>
+        <p:spPr>
+          <a:xfrm>
+            <a:off x="1170609" y="216798"/>
+            <a:ext cx="9144000" cy="907774"/>
+          </a:xfrm>
+        </p:spPr>
+        <p:txBody>
+          <a:bodyPr>
+            <a:normAutofit fontScale="90000"/>
+          </a:bodyPr>
+          <a:lstStyle/>
+          <a:p>
+            <a:r>
+              <a:rPr lang="de-DE">
+                <a:cs typeface="Calibri Light"/>
+              </a:rPr>
+              <a:t>Literaturverzeichnis</a:t>
+            </a:r>
+            <a:endParaRPr lang="de-DE" dirty="0"/>
+          </a:p>
+        </p:txBody>
+      </p:sp>
+      <p:pic>
+        <p:nvPicPr>
+          <p:cNvPr id="4" name="Grafik 4">
+            <a:extLst>
+              <a:ext uri="{FF2B5EF4-FFF2-40B4-BE49-F238E27FC236}">
+                <a16:creationId xmlns:a16="http://schemas.microsoft.com/office/drawing/2014/main" id="{B2D52235-B3FE-4301-8907-77C8B8C93DC7}"/>
+              </a:ext>
+            </a:extLst>
+          </p:cNvPr>
+          <p:cNvPicPr>
+            <a:picLocks noChangeAspect="1"/>
+          </p:cNvPicPr>
+          <p:nvPr/>
+        </p:nvPicPr>
+        <p:blipFill>
+          <a:blip r:embed="rId2"/>
+          <a:stretch>
+            <a:fillRect/>
+          </a:stretch>
+        </p:blipFill>
+        <p:spPr>
+          <a:xfrm>
+            <a:off x="10269745" y="-690"/>
+            <a:ext cx="1924050" cy="1343025"/>
+          </a:xfrm>
+          <a:prstGeom prst="rect">
+            <a:avLst/>
+          </a:prstGeom>
+        </p:spPr>
+      </p:pic>
+      <p:pic>
+        <p:nvPicPr>
+          <p:cNvPr id="6" name="Grafik 6">
+            <a:extLst>
+              <a:ext uri="{FF2B5EF4-FFF2-40B4-BE49-F238E27FC236}">
+                <a16:creationId xmlns:a16="http://schemas.microsoft.com/office/drawing/2014/main" id="{EAAC0DC2-A3AA-4BDD-8444-F06FD0B4D9BA}"/>
+              </a:ext>
+            </a:extLst>
+          </p:cNvPr>
+          <p:cNvPicPr>
+            <a:picLocks noChangeAspect="1"/>
+          </p:cNvPicPr>
+          <p:nvPr/>
+        </p:nvPicPr>
+        <p:blipFill>
+          <a:blip r:embed="rId3"/>
+          <a:stretch>
+            <a:fillRect/>
+          </a:stretch>
+        </p:blipFill>
+        <p:spPr>
+          <a:xfrm>
+            <a:off x="-1380" y="6293403"/>
+            <a:ext cx="12201525" cy="476250"/>
+          </a:xfrm>
+          <a:prstGeom prst="rect">
+            <a:avLst/>
+          </a:prstGeom>
+        </p:spPr>
+      </p:pic>
+      <p:sp>
+        <p:nvSpPr>
+          <p:cNvPr id="12" name="Textfeld 11">
+            <a:extLst>
+              <a:ext uri="{FF2B5EF4-FFF2-40B4-BE49-F238E27FC236}">
+                <a16:creationId xmlns:a16="http://schemas.microsoft.com/office/drawing/2014/main" id="{78EC26CB-B0D9-45FA-82F7-A69F694A4814}"/>
+              </a:ext>
+            </a:extLst>
+          </p:cNvPr>
+          <p:cNvSpPr txBox="1"/>
+          <p:nvPr/>
+        </p:nvSpPr>
+        <p:spPr>
+          <a:xfrm>
+            <a:off x="7231268" y="6397487"/>
+            <a:ext cx="4830417" cy="276999"/>
+          </a:xfrm>
+          <a:prstGeom prst="rect">
+            <a:avLst/>
+          </a:prstGeom>
+        </p:spPr>
+        <p:txBody>
+          <a:bodyPr rot="0" spcFirstLastPara="0" vertOverflow="overflow" horzOverflow="overflow" vert="horz" wrap="square" lIns="91440" tIns="45720" rIns="91440" bIns="45720" numCol="1" spcCol="0" rtlCol="0" fromWordArt="0" anchor="t" anchorCtr="0" forceAA="0" compatLnSpc="1">
+            <a:prstTxWarp prst="textNoShape">
+              <a:avLst/>
+            </a:prstTxWarp>
+            <a:spAutoFit/>
+          </a:bodyPr>
+          <a:lstStyle/>
+          <a:p>
+            <a:r>
+              <a:rPr lang="de-DE" sz="1200" dirty="0">
+                <a:cs typeface="Calibri"/>
+              </a:rPr>
+              <a:t>Neuronale Netze in der Softwaretechnik </a:t>
+            </a:r>
+            <a:r>
+              <a:rPr lang="de-DE" sz="1200">
+                <a:cs typeface="Calibri"/>
+              </a:rPr>
+              <a:t>– Robin S., Konstantin R., Ravell H.</a:t>
+            </a:r>
+            <a:endParaRPr lang="de-DE" sz="1200" dirty="0">
+              <a:cs typeface="Calibri"/>
+            </a:endParaRPr>
+          </a:p>
+        </p:txBody>
+      </p:sp>
+      <p:sp>
+        <p:nvSpPr>
+          <p:cNvPr id="3" name="Untertitel 2">
+            <a:extLst>
+              <a:ext uri="{FF2B5EF4-FFF2-40B4-BE49-F238E27FC236}">
+                <a16:creationId xmlns:a16="http://schemas.microsoft.com/office/drawing/2014/main" id="{0533C99D-14D1-427C-95DB-DD0C27472DBD}"/>
+              </a:ext>
+            </a:extLst>
+          </p:cNvPr>
+          <p:cNvSpPr>
+            <a:spLocks noGrp="1"/>
+          </p:cNvSpPr>
+          <p:nvPr>
+            <p:ph type="subTitle" idx="1"/>
+          </p:nvPr>
+        </p:nvSpPr>
+        <p:spPr>
+          <a:xfrm>
+            <a:off x="650515" y="1338651"/>
+            <a:ext cx="10902016" cy="4964597"/>
+          </a:xfrm>
+        </p:spPr>
+        <p:txBody>
+          <a:bodyPr vert="horz" lIns="91440" tIns="45720" rIns="91440" bIns="45720" rtlCol="0" anchor="t">
+            <a:noAutofit/>
+          </a:bodyPr>
+          <a:lstStyle/>
+          <a:p>
+            <a:pPr algn="l"/>
+            <a:r>
+              <a:rPr lang="de-DE" sz="1400">
+                <a:cs typeface="Calibri" panose="020F0502020204030204"/>
+              </a:rPr>
+              <a:t>Peng, W., Yao, L., Miao, Q.: An approach of software quality prediction based on relationship analysis and prediction model. In: Proceedings of 2009 8th International Conference on Reliability, Maintainability and Safety, ICRMS 2009. </a:t>
+            </a:r>
+            <a:r>
+              <a:rPr lang="de-DE" sz="1400" dirty="0">
+                <a:cs typeface="Calibri" panose="020F0502020204030204"/>
+              </a:rPr>
+              <a:t>https://doi.org/10.1109/ICRMS.2009.5270097</a:t>
+            </a:r>
+            <a:endParaRPr lang="de-DE">
+              <a:cs typeface="Calibri"/>
+            </a:endParaRPr>
+          </a:p>
+          <a:p>
+            <a:pPr algn="l"/>
+            <a:endParaRPr lang="de-DE" sz="1400" dirty="0">
+              <a:cs typeface="Calibri" panose="020F0502020204030204"/>
+            </a:endParaRPr>
+          </a:p>
+          <a:p>
+            <a:pPr algn="l"/>
+            <a:r>
+              <a:rPr lang="de-DE" sz="1400">
+                <a:cs typeface="Calibri" panose="020F0502020204030204"/>
+              </a:rPr>
+              <a:t>Abbildung 1: Maind, M.S.B., Wankar, M.P.: Research Paper on Basic of Articial Neural Network. International Journal on Recent and Innovation Trends in Computing and Communication 2(1), 96{ 100 (2014). </a:t>
+            </a:r>
+            <a:r>
+              <a:rPr lang="de-DE" sz="1400" dirty="0">
+                <a:cs typeface="Calibri" panose="020F0502020204030204"/>
+              </a:rPr>
+              <a:t>https://doi.org/10.1109/Oceans-Spain.2011.6003625</a:t>
+            </a:r>
+          </a:p>
+          <a:p>
+            <a:pPr algn="l"/>
+            <a:endParaRPr lang="de-DE" sz="1400" dirty="0">
+              <a:cs typeface="Calibri" panose="020F0502020204030204"/>
+            </a:endParaRPr>
+          </a:p>
+          <a:p>
+            <a:pPr algn="l"/>
+            <a:r>
+              <a:rPr lang="de-DE" sz="1400">
+                <a:cs typeface="Calibri" panose="020F0502020204030204"/>
+              </a:rPr>
+              <a:t>Abbildung 2: </a:t>
+            </a:r>
+            <a:endParaRPr lang="de-DE" sz="1400" dirty="0">
+              <a:cs typeface="Calibri" panose="020F0502020204030204"/>
+            </a:endParaRPr>
+          </a:p>
+          <a:p>
+            <a:pPr algn="l"/>
+            <a:endParaRPr lang="de-DE" sz="1400" dirty="0">
+              <a:cs typeface="Calibri" panose="020F0502020204030204"/>
+            </a:endParaRPr>
+          </a:p>
+        </p:txBody>
+      </p:sp>
+    </p:spTree>
+    <p:extLst>
+      <p:ext uri="{BB962C8B-B14F-4D97-AF65-F5344CB8AC3E}">
+        <p14:creationId xmlns:p14="http://schemas.microsoft.com/office/powerpoint/2010/main" val="546530947"/>
+      </p:ext>
+    </p:extLst>
+  </p:cSld>
+  <p:clrMapOvr>
+    <a:masterClrMapping/>
+  </p:clrMapOvr>
+</p:sld>
+</file>
+
+<file path=ppt/slides/slide44.xml><?xml version="1.0" encoding="utf-8"?>
+<p:sld xmlns:a="http://schemas.openxmlformats.org/drawingml/2006/main" xmlns:r="http://schemas.openxmlformats.org/officeDocument/2006/relationships" xmlns:p="http://schemas.openxmlformats.org/presentationml/2006/main">
+  <p:cSld>
+    <p:spTree>
+      <p:nvGrpSpPr>
+        <p:cNvPr id="1" name=""/>
+        <p:cNvGrpSpPr/>
+        <p:nvPr/>
+      </p:nvGrpSpPr>
+      <p:grpSpPr>
+        <a:xfrm>
+          <a:off x="0" y="0"/>
+          <a:ext cx="0" cy="0"/>
+          <a:chOff x="0" y="0"/>
+          <a:chExt cx="0" cy="0"/>
+        </a:xfrm>
+      </p:grpSpPr>
+      <p:sp>
+        <p:nvSpPr>
+          <p:cNvPr id="3" name="Untertitel 2"/>
+          <p:cNvSpPr>
+            <a:spLocks noGrp="1"/>
+          </p:cNvSpPr>
+          <p:nvPr>
+            <p:ph type="subTitle" idx="1"/>
+          </p:nvPr>
+        </p:nvSpPr>
+        <p:spPr>
+          <a:xfrm>
+            <a:off x="1789045" y="2210559"/>
+            <a:ext cx="8624955" cy="1081500"/>
+          </a:xfrm>
+        </p:spPr>
+        <p:txBody>
+          <a:bodyPr vert="horz" lIns="91440" tIns="45720" rIns="91440" bIns="45720" rtlCol="0" anchor="t">
+            <a:normAutofit fontScale="92500" lnSpcReduction="10000"/>
+          </a:bodyPr>
+          <a:lstStyle/>
+          <a:p>
+            <a:pPr algn="l">
+              <a:lnSpc>
+                <a:spcPct val="150000"/>
+              </a:lnSpc>
+            </a:pPr>
+            <a:r>
+              <a:rPr lang="de-DE" sz="4800">
+                <a:cs typeface="Calibri"/>
+              </a:rPr>
+              <a:t>Vielen Dank für Ihre Aufmerksamkeit</a:t>
+            </a:r>
+            <a:endParaRPr lang="de-DE" sz="4800" dirty="0">
+              <a:cs typeface="Calibri"/>
+            </a:endParaRPr>
+          </a:p>
+          <a:p>
+            <a:pPr algn="l">
+              <a:lnSpc>
+                <a:spcPct val="150000"/>
+              </a:lnSpc>
+            </a:pPr>
+            <a:endParaRPr lang="de-DE">
+              <a:cs typeface="Calibri"/>
+            </a:endParaRPr>
+          </a:p>
+          <a:p>
+            <a:pPr algn="l">
+              <a:lnSpc>
+                <a:spcPct val="150000"/>
+              </a:lnSpc>
+            </a:pPr>
+            <a:endParaRPr lang="de-DE">
+              <a:cs typeface="Calibri"/>
+            </a:endParaRPr>
+          </a:p>
+          <a:p>
+            <a:pPr marL="457200" indent="-457200" algn="l">
+              <a:lnSpc>
+                <a:spcPct val="150000"/>
+              </a:lnSpc>
+              <a:buAutoNum type="arabicPeriod"/>
+            </a:pPr>
+            <a:endParaRPr lang="de-DE">
+              <a:cs typeface="Calibri"/>
+            </a:endParaRPr>
+          </a:p>
+          <a:p>
+            <a:pPr algn="l">
+              <a:lnSpc>
+                <a:spcPct val="150000"/>
+              </a:lnSpc>
+            </a:pPr>
+            <a:endParaRPr lang="de-DE">
+              <a:cs typeface="Calibri"/>
+            </a:endParaRPr>
+          </a:p>
+        </p:txBody>
+      </p:sp>
+      <p:pic>
+        <p:nvPicPr>
+          <p:cNvPr id="4" name="Grafik 4">
+            <a:extLst>
+              <a:ext uri="{FF2B5EF4-FFF2-40B4-BE49-F238E27FC236}">
+                <a16:creationId xmlns:a16="http://schemas.microsoft.com/office/drawing/2014/main" id="{B2D52235-B3FE-4301-8907-77C8B8C93DC7}"/>
+              </a:ext>
+            </a:extLst>
+          </p:cNvPr>
+          <p:cNvPicPr>
+            <a:picLocks noChangeAspect="1"/>
+          </p:cNvPicPr>
+          <p:nvPr/>
+        </p:nvPicPr>
+        <p:blipFill>
+          <a:blip r:embed="rId2"/>
+          <a:stretch>
+            <a:fillRect/>
+          </a:stretch>
+        </p:blipFill>
+        <p:spPr>
+          <a:xfrm>
+            <a:off x="10269745" y="-690"/>
+            <a:ext cx="1924050" cy="1343025"/>
+          </a:xfrm>
+          <a:prstGeom prst="rect">
+            <a:avLst/>
+          </a:prstGeom>
+        </p:spPr>
+      </p:pic>
+      <p:pic>
+        <p:nvPicPr>
+          <p:cNvPr id="6" name="Grafik 6">
+            <a:extLst>
+              <a:ext uri="{FF2B5EF4-FFF2-40B4-BE49-F238E27FC236}">
+                <a16:creationId xmlns:a16="http://schemas.microsoft.com/office/drawing/2014/main" id="{EAAC0DC2-A3AA-4BDD-8444-F06FD0B4D9BA}"/>
+              </a:ext>
+            </a:extLst>
+          </p:cNvPr>
+          <p:cNvPicPr>
+            <a:picLocks noChangeAspect="1"/>
+          </p:cNvPicPr>
+          <p:nvPr/>
+        </p:nvPicPr>
+        <p:blipFill>
+          <a:blip r:embed="rId3"/>
+          <a:stretch>
+            <a:fillRect/>
+          </a:stretch>
+        </p:blipFill>
+        <p:spPr>
+          <a:xfrm>
+            <a:off x="-1380" y="6293403"/>
+            <a:ext cx="12201525" cy="476250"/>
+          </a:xfrm>
+          <a:prstGeom prst="rect">
+            <a:avLst/>
+          </a:prstGeom>
+        </p:spPr>
+      </p:pic>
+      <p:sp>
+        <p:nvSpPr>
+          <p:cNvPr id="9" name="Textfeld 8">
+            <a:extLst>
+              <a:ext uri="{FF2B5EF4-FFF2-40B4-BE49-F238E27FC236}">
+                <a16:creationId xmlns:a16="http://schemas.microsoft.com/office/drawing/2014/main" id="{465C17E6-1DCC-426A-A100-538BC583D401}"/>
+              </a:ext>
+            </a:extLst>
+          </p:cNvPr>
+          <p:cNvSpPr txBox="1"/>
+          <p:nvPr/>
+        </p:nvSpPr>
+        <p:spPr>
+          <a:xfrm>
+            <a:off x="7120834" y="6375400"/>
+            <a:ext cx="5084418" cy="307777"/>
+          </a:xfrm>
+          <a:prstGeom prst="rect">
+            <a:avLst/>
+          </a:prstGeom>
+        </p:spPr>
+        <p:txBody>
+          <a:bodyPr rot="0" spcFirstLastPara="0" vertOverflow="overflow" horzOverflow="overflow" vert="horz" wrap="square" lIns="91440" tIns="45720" rIns="91440" bIns="45720" numCol="1" spcCol="0" rtlCol="0" fromWordArt="0" anchor="t" anchorCtr="0" forceAA="0" compatLnSpc="1">
+            <a:prstTxWarp prst="textNoShape">
+              <a:avLst/>
+            </a:prstTxWarp>
+            <a:spAutoFit/>
+          </a:bodyPr>
+          <a:lstStyle/>
+          <a:p>
+            <a:endParaRPr lang="de-DE" sz="1400" dirty="0">
+              <a:cs typeface="Calibri"/>
+            </a:endParaRPr>
+          </a:p>
+        </p:txBody>
+      </p:sp>
+      <p:sp>
+        <p:nvSpPr>
+          <p:cNvPr id="2" name="Textfeld 1">
+            <a:extLst>
+              <a:ext uri="{FF2B5EF4-FFF2-40B4-BE49-F238E27FC236}">
+                <a16:creationId xmlns:a16="http://schemas.microsoft.com/office/drawing/2014/main" id="{014DE015-6587-434B-B4B5-D731FD8300C6}"/>
+              </a:ext>
+            </a:extLst>
+          </p:cNvPr>
+          <p:cNvSpPr txBox="1"/>
+          <p:nvPr/>
+        </p:nvSpPr>
+        <p:spPr>
+          <a:xfrm>
+            <a:off x="7231268" y="6397487"/>
+            <a:ext cx="4830417" cy="276999"/>
+          </a:xfrm>
+          <a:prstGeom prst="rect">
+            <a:avLst/>
+          </a:prstGeom>
+        </p:spPr>
+        <p:txBody>
+          <a:bodyPr rot="0" spcFirstLastPara="0" vertOverflow="overflow" horzOverflow="overflow" vert="horz" wrap="square" lIns="91440" tIns="45720" rIns="91440" bIns="45720" numCol="1" spcCol="0" rtlCol="0" fromWordArt="0" anchor="t" anchorCtr="0" forceAA="0" compatLnSpc="1">
+            <a:prstTxWarp prst="textNoShape">
+              <a:avLst/>
+            </a:prstTxWarp>
+            <a:spAutoFit/>
+          </a:bodyPr>
+          <a:lstStyle/>
+          <a:p>
+            <a:r>
+              <a:rPr lang="de-DE" sz="1200" dirty="0">
+                <a:cs typeface="Calibri"/>
+              </a:rPr>
+              <a:t>Neuronale Netze in der Softwaretechnik </a:t>
+            </a:r>
+            <a:r>
+              <a:rPr lang="de-DE" sz="1200">
+                <a:cs typeface="Calibri"/>
+              </a:rPr>
+              <a:t>– Robin S., Konstantin R., Ravell H.</a:t>
+            </a:r>
+            <a:endParaRPr lang="de-DE" sz="1200" dirty="0">
+              <a:cs typeface="Calibri"/>
+            </a:endParaRPr>
+          </a:p>
+        </p:txBody>
+      </p:sp>
+    </p:spTree>
+    <p:extLst>
+      <p:ext uri="{BB962C8B-B14F-4D97-AF65-F5344CB8AC3E}">
+        <p14:creationId xmlns:p14="http://schemas.microsoft.com/office/powerpoint/2010/main" val="1015111055"/>
+      </p:ext>
+    </p:extLst>
+  </p:cSld>
+  <p:clrMapOvr>
+    <a:masterClrMapping/>
+  </p:clrMapOvr>
 </p:sld>
 </file>
 
